--- a/FinalPresentation.pptx
+++ b/FinalPresentation.pptx
@@ -6,6 +6,17 @@
   </p:sldMasterIdLst>
   <p:sldIdLst>
     <p:sldId id="256" r:id="rId2"/>
+    <p:sldId id="258" r:id="rId3"/>
+    <p:sldId id="259" r:id="rId4"/>
+    <p:sldId id="257" r:id="rId5"/>
+    <p:sldId id="260" r:id="rId6"/>
+    <p:sldId id="261" r:id="rId7"/>
+    <p:sldId id="262" r:id="rId8"/>
+    <p:sldId id="263" r:id="rId9"/>
+    <p:sldId id="264" r:id="rId10"/>
+    <p:sldId id="267" r:id="rId11"/>
+    <p:sldId id="265" r:id="rId12"/>
+    <p:sldId id="266" r:id="rId13"/>
   </p:sldIdLst>
   <p:sldSz cx="9144000" cy="6858000" type="screen4x3"/>
   <p:notesSz cx="6858000" cy="9144000"/>
@@ -254,7 +265,7 @@
           <a:p>
             <a:fld id="{6270B643-D407-470F-8B85-01D08C506417}" type="datetimeFigureOut">
               <a:rPr lang="en-US" smtClean="0"/>
-              <a:t>7/22/2022</a:t>
+              <a:t>7/24/2022</a:t>
             </a:fld>
             <a:endParaRPr lang="en-US"/>
           </a:p>
@@ -424,7 +435,7 @@
           <a:p>
             <a:fld id="{6270B643-D407-470F-8B85-01D08C506417}" type="datetimeFigureOut">
               <a:rPr lang="en-US" smtClean="0"/>
-              <a:t>7/22/2022</a:t>
+              <a:t>7/24/2022</a:t>
             </a:fld>
             <a:endParaRPr lang="en-US"/>
           </a:p>
@@ -604,7 +615,7 @@
           <a:p>
             <a:fld id="{6270B643-D407-470F-8B85-01D08C506417}" type="datetimeFigureOut">
               <a:rPr lang="en-US" smtClean="0"/>
-              <a:t>7/22/2022</a:t>
+              <a:t>7/24/2022</a:t>
             </a:fld>
             <a:endParaRPr lang="en-US"/>
           </a:p>
@@ -774,7 +785,7 @@
           <a:p>
             <a:fld id="{6270B643-D407-470F-8B85-01D08C506417}" type="datetimeFigureOut">
               <a:rPr lang="en-US" smtClean="0"/>
-              <a:t>7/22/2022</a:t>
+              <a:t>7/24/2022</a:t>
             </a:fld>
             <a:endParaRPr lang="en-US"/>
           </a:p>
@@ -1018,7 +1029,7 @@
           <a:p>
             <a:fld id="{6270B643-D407-470F-8B85-01D08C506417}" type="datetimeFigureOut">
               <a:rPr lang="en-US" smtClean="0"/>
-              <a:t>7/22/2022</a:t>
+              <a:t>7/24/2022</a:t>
             </a:fld>
             <a:endParaRPr lang="en-US"/>
           </a:p>
@@ -1250,7 +1261,7 @@
           <a:p>
             <a:fld id="{6270B643-D407-470F-8B85-01D08C506417}" type="datetimeFigureOut">
               <a:rPr lang="en-US" smtClean="0"/>
-              <a:t>7/22/2022</a:t>
+              <a:t>7/24/2022</a:t>
             </a:fld>
             <a:endParaRPr lang="en-US"/>
           </a:p>
@@ -1617,7 +1628,7 @@
           <a:p>
             <a:fld id="{6270B643-D407-470F-8B85-01D08C506417}" type="datetimeFigureOut">
               <a:rPr lang="en-US" smtClean="0"/>
-              <a:t>7/22/2022</a:t>
+              <a:t>7/24/2022</a:t>
             </a:fld>
             <a:endParaRPr lang="en-US"/>
           </a:p>
@@ -1735,7 +1746,7 @@
           <a:p>
             <a:fld id="{6270B643-D407-470F-8B85-01D08C506417}" type="datetimeFigureOut">
               <a:rPr lang="en-US" smtClean="0"/>
-              <a:t>7/22/2022</a:t>
+              <a:t>7/24/2022</a:t>
             </a:fld>
             <a:endParaRPr lang="en-US"/>
           </a:p>
@@ -1830,7 +1841,7 @@
           <a:p>
             <a:fld id="{6270B643-D407-470F-8B85-01D08C506417}" type="datetimeFigureOut">
               <a:rPr lang="en-US" smtClean="0"/>
-              <a:t>7/22/2022</a:t>
+              <a:t>7/24/2022</a:t>
             </a:fld>
             <a:endParaRPr lang="en-US"/>
           </a:p>
@@ -2107,7 +2118,7 @@
           <a:p>
             <a:fld id="{6270B643-D407-470F-8B85-01D08C506417}" type="datetimeFigureOut">
               <a:rPr lang="en-US" smtClean="0"/>
-              <a:t>7/22/2022</a:t>
+              <a:t>7/24/2022</a:t>
             </a:fld>
             <a:endParaRPr lang="en-US"/>
           </a:p>
@@ -2364,7 +2375,7 @@
           <a:p>
             <a:fld id="{6270B643-D407-470F-8B85-01D08C506417}" type="datetimeFigureOut">
               <a:rPr lang="en-US" smtClean="0"/>
-              <a:t>7/22/2022</a:t>
+              <a:t>7/24/2022</a:t>
             </a:fld>
             <a:endParaRPr lang="en-US"/>
           </a:p>
@@ -2577,7 +2588,7 @@
           <a:p>
             <a:fld id="{6270B643-D407-470F-8B85-01D08C506417}" type="datetimeFigureOut">
               <a:rPr lang="en-US" smtClean="0"/>
-              <a:t>7/22/2022</a:t>
+              <a:t>7/24/2022</a:t>
             </a:fld>
             <a:endParaRPr lang="en-US"/>
           </a:p>
@@ -2998,37 +3009,20 @@
             <p:ph type="ctrTitle"/>
           </p:nvPr>
         </p:nvSpPr>
-        <p:spPr/>
-        <p:txBody>
-          <a:bodyPr/>
-          <a:lstStyle/>
-          <a:p>
-            <a:endParaRPr lang="en-US"/>
-          </a:p>
-        </p:txBody>
-      </p:sp>
-      <p:sp>
-        <p:nvSpPr>
-          <p:cNvPr id="3" name="Subtitle 2">
-            <a:extLst>
-              <a:ext uri="{FF2B5EF4-FFF2-40B4-BE49-F238E27FC236}">
-                <a16:creationId xmlns:a16="http://schemas.microsoft.com/office/drawing/2014/main" id="{C91DD4C4-BB94-5F98-9102-D3EB30B4EE59}"/>
-              </a:ext>
-            </a:extLst>
-          </p:cNvPr>
-          <p:cNvSpPr>
-            <a:spLocks noGrp="1"/>
-          </p:cNvSpPr>
-          <p:nvPr>
-            <p:ph type="subTitle" idx="1"/>
-          </p:nvPr>
-        </p:nvSpPr>
-        <p:spPr/>
-        <p:txBody>
-          <a:bodyPr/>
-          <a:lstStyle/>
-          <a:p>
-            <a:endParaRPr lang="en-US"/>
+        <p:spPr>
+          <a:xfrm>
+            <a:off x="685800" y="1199055"/>
+            <a:ext cx="7772400" cy="2387600"/>
+          </a:xfrm>
+        </p:spPr>
+        <p:txBody>
+          <a:bodyPr/>
+          <a:lstStyle/>
+          <a:p>
+            <a:r>
+              <a:rPr lang="en-US" dirty="0"/>
+              <a:t>Sentiment Analysis of Reddit Data</a:t>
+            </a:r>
           </a:p>
         </p:txBody>
       </p:sp>
@@ -3036,6 +3030,986 @@
     <p:extLst>
       <p:ext uri="{BB962C8B-B14F-4D97-AF65-F5344CB8AC3E}">
         <p14:creationId xmlns:p14="http://schemas.microsoft.com/office/powerpoint/2010/main" val="3629929762"/>
+      </p:ext>
+    </p:extLst>
+  </p:cSld>
+  <p:clrMapOvr>
+    <a:masterClrMapping/>
+  </p:clrMapOvr>
+</p:sld>
+</file>
+
+<file path=ppt/slides/slide10.xml><?xml version="1.0" encoding="utf-8"?>
+<p:sld xmlns:a="http://schemas.openxmlformats.org/drawingml/2006/main" xmlns:r="http://schemas.openxmlformats.org/officeDocument/2006/relationships" xmlns:p="http://schemas.openxmlformats.org/presentationml/2006/main">
+  <p:cSld>
+    <p:spTree>
+      <p:nvGrpSpPr>
+        <p:cNvPr id="1" name=""/>
+        <p:cNvGrpSpPr/>
+        <p:nvPr/>
+      </p:nvGrpSpPr>
+      <p:grpSpPr>
+        <a:xfrm>
+          <a:off x="0" y="0"/>
+          <a:ext cx="0" cy="0"/>
+          <a:chOff x="0" y="0"/>
+          <a:chExt cx="0" cy="0"/>
+        </a:xfrm>
+      </p:grpSpPr>
+      <p:sp>
+        <p:nvSpPr>
+          <p:cNvPr id="2" name="Title 1">
+            <a:extLst>
+              <a:ext uri="{FF2B5EF4-FFF2-40B4-BE49-F238E27FC236}">
+                <a16:creationId xmlns:a16="http://schemas.microsoft.com/office/drawing/2014/main" id="{7F1C6135-BC25-5C68-8500-30FFA71D08DF}"/>
+              </a:ext>
+            </a:extLst>
+          </p:cNvPr>
+          <p:cNvSpPr>
+            <a:spLocks noGrp="1"/>
+          </p:cNvSpPr>
+          <p:nvPr>
+            <p:ph type="title"/>
+          </p:nvPr>
+        </p:nvSpPr>
+        <p:spPr/>
+        <p:txBody>
+          <a:bodyPr/>
+          <a:lstStyle/>
+          <a:p>
+            <a:r>
+              <a:rPr lang="en-US" dirty="0"/>
+              <a:t>Statistical Analysis</a:t>
+            </a:r>
+          </a:p>
+        </p:txBody>
+      </p:sp>
+      <p:sp>
+        <p:nvSpPr>
+          <p:cNvPr id="3" name="Content Placeholder 2">
+            <a:extLst>
+              <a:ext uri="{FF2B5EF4-FFF2-40B4-BE49-F238E27FC236}">
+                <a16:creationId xmlns:a16="http://schemas.microsoft.com/office/drawing/2014/main" id="{E09C170F-1516-57B6-D5E9-D60DFB947018}"/>
+              </a:ext>
+            </a:extLst>
+          </p:cNvPr>
+          <p:cNvSpPr>
+            <a:spLocks noGrp="1"/>
+          </p:cNvSpPr>
+          <p:nvPr>
+            <p:ph idx="1"/>
+          </p:nvPr>
+        </p:nvSpPr>
+        <p:spPr/>
+        <p:txBody>
+          <a:bodyPr/>
+          <a:lstStyle/>
+          <a:p>
+            <a:endParaRPr lang="en-US"/>
+          </a:p>
+        </p:txBody>
+      </p:sp>
+    </p:spTree>
+    <p:extLst>
+      <p:ext uri="{BB962C8B-B14F-4D97-AF65-F5344CB8AC3E}">
+        <p14:creationId xmlns:p14="http://schemas.microsoft.com/office/powerpoint/2010/main" val="1730515028"/>
+      </p:ext>
+    </p:extLst>
+  </p:cSld>
+  <p:clrMapOvr>
+    <a:masterClrMapping/>
+  </p:clrMapOvr>
+</p:sld>
+</file>
+
+<file path=ppt/slides/slide11.xml><?xml version="1.0" encoding="utf-8"?>
+<p:sld xmlns:a="http://schemas.openxmlformats.org/drawingml/2006/main" xmlns:r="http://schemas.openxmlformats.org/officeDocument/2006/relationships" xmlns:p="http://schemas.openxmlformats.org/presentationml/2006/main">
+  <p:cSld>
+    <p:spTree>
+      <p:nvGrpSpPr>
+        <p:cNvPr id="1" name=""/>
+        <p:cNvGrpSpPr/>
+        <p:nvPr/>
+      </p:nvGrpSpPr>
+      <p:grpSpPr>
+        <a:xfrm>
+          <a:off x="0" y="0"/>
+          <a:ext cx="0" cy="0"/>
+          <a:chOff x="0" y="0"/>
+          <a:chExt cx="0" cy="0"/>
+        </a:xfrm>
+      </p:grpSpPr>
+      <p:sp>
+        <p:nvSpPr>
+          <p:cNvPr id="2" name="Title 1">
+            <a:extLst>
+              <a:ext uri="{FF2B5EF4-FFF2-40B4-BE49-F238E27FC236}">
+                <a16:creationId xmlns:a16="http://schemas.microsoft.com/office/drawing/2014/main" id="{75CA626E-2B62-0020-5246-A67AD611B4B5}"/>
+              </a:ext>
+            </a:extLst>
+          </p:cNvPr>
+          <p:cNvSpPr>
+            <a:spLocks noGrp="1"/>
+          </p:cNvSpPr>
+          <p:nvPr>
+            <p:ph type="title"/>
+          </p:nvPr>
+        </p:nvSpPr>
+        <p:spPr/>
+        <p:txBody>
+          <a:bodyPr/>
+          <a:lstStyle/>
+          <a:p>
+            <a:r>
+              <a:rPr lang="en-US" dirty="0"/>
+              <a:t>Conclusion</a:t>
+            </a:r>
+          </a:p>
+        </p:txBody>
+      </p:sp>
+      <p:sp>
+        <p:nvSpPr>
+          <p:cNvPr id="3" name="Content Placeholder 2">
+            <a:extLst>
+              <a:ext uri="{FF2B5EF4-FFF2-40B4-BE49-F238E27FC236}">
+                <a16:creationId xmlns:a16="http://schemas.microsoft.com/office/drawing/2014/main" id="{E6A740DC-EAAE-E303-BA60-6C0514078F13}"/>
+              </a:ext>
+            </a:extLst>
+          </p:cNvPr>
+          <p:cNvSpPr>
+            <a:spLocks noGrp="1"/>
+          </p:cNvSpPr>
+          <p:nvPr>
+            <p:ph idx="1"/>
+          </p:nvPr>
+        </p:nvSpPr>
+        <p:spPr/>
+        <p:txBody>
+          <a:bodyPr/>
+          <a:lstStyle/>
+          <a:p>
+            <a:endParaRPr lang="en-US"/>
+          </a:p>
+        </p:txBody>
+      </p:sp>
+    </p:spTree>
+    <p:extLst>
+      <p:ext uri="{BB962C8B-B14F-4D97-AF65-F5344CB8AC3E}">
+        <p14:creationId xmlns:p14="http://schemas.microsoft.com/office/powerpoint/2010/main" val="2996756302"/>
+      </p:ext>
+    </p:extLst>
+  </p:cSld>
+  <p:clrMapOvr>
+    <a:masterClrMapping/>
+  </p:clrMapOvr>
+</p:sld>
+</file>
+
+<file path=ppt/slides/slide12.xml><?xml version="1.0" encoding="utf-8"?>
+<p:sld xmlns:a="http://schemas.openxmlformats.org/drawingml/2006/main" xmlns:r="http://schemas.openxmlformats.org/officeDocument/2006/relationships" xmlns:p="http://schemas.openxmlformats.org/presentationml/2006/main">
+  <p:cSld>
+    <p:spTree>
+      <p:nvGrpSpPr>
+        <p:cNvPr id="1" name=""/>
+        <p:cNvGrpSpPr/>
+        <p:nvPr/>
+      </p:nvGrpSpPr>
+      <p:grpSpPr>
+        <a:xfrm>
+          <a:off x="0" y="0"/>
+          <a:ext cx="0" cy="0"/>
+          <a:chOff x="0" y="0"/>
+          <a:chExt cx="0" cy="0"/>
+        </a:xfrm>
+      </p:grpSpPr>
+      <p:sp>
+        <p:nvSpPr>
+          <p:cNvPr id="2" name="Title 1">
+            <a:extLst>
+              <a:ext uri="{FF2B5EF4-FFF2-40B4-BE49-F238E27FC236}">
+                <a16:creationId xmlns:a16="http://schemas.microsoft.com/office/drawing/2014/main" id="{F4DBCB3D-9854-8155-287A-9B2D6CD8D73E}"/>
+              </a:ext>
+            </a:extLst>
+          </p:cNvPr>
+          <p:cNvSpPr>
+            <a:spLocks noGrp="1"/>
+          </p:cNvSpPr>
+          <p:nvPr>
+            <p:ph type="title"/>
+          </p:nvPr>
+        </p:nvSpPr>
+        <p:spPr/>
+        <p:txBody>
+          <a:bodyPr/>
+          <a:lstStyle/>
+          <a:p>
+            <a:r>
+              <a:rPr lang="en-US" dirty="0"/>
+              <a:t>Questions?</a:t>
+            </a:r>
+          </a:p>
+        </p:txBody>
+      </p:sp>
+      <p:sp>
+        <p:nvSpPr>
+          <p:cNvPr id="3" name="Content Placeholder 2">
+            <a:extLst>
+              <a:ext uri="{FF2B5EF4-FFF2-40B4-BE49-F238E27FC236}">
+                <a16:creationId xmlns:a16="http://schemas.microsoft.com/office/drawing/2014/main" id="{96F27CE1-DAA3-433B-FFDC-63E5A6A34393}"/>
+              </a:ext>
+            </a:extLst>
+          </p:cNvPr>
+          <p:cNvSpPr>
+            <a:spLocks noGrp="1"/>
+          </p:cNvSpPr>
+          <p:nvPr>
+            <p:ph idx="1"/>
+          </p:nvPr>
+        </p:nvSpPr>
+        <p:spPr/>
+        <p:txBody>
+          <a:bodyPr/>
+          <a:lstStyle/>
+          <a:p>
+            <a:endParaRPr lang="en-US"/>
+          </a:p>
+        </p:txBody>
+      </p:sp>
+    </p:spTree>
+    <p:extLst>
+      <p:ext uri="{BB962C8B-B14F-4D97-AF65-F5344CB8AC3E}">
+        <p14:creationId xmlns:p14="http://schemas.microsoft.com/office/powerpoint/2010/main" val="3489037010"/>
+      </p:ext>
+    </p:extLst>
+  </p:cSld>
+  <p:clrMapOvr>
+    <a:masterClrMapping/>
+  </p:clrMapOvr>
+</p:sld>
+</file>
+
+<file path=ppt/slides/slide2.xml><?xml version="1.0" encoding="utf-8"?>
+<p:sld xmlns:a="http://schemas.openxmlformats.org/drawingml/2006/main" xmlns:r="http://schemas.openxmlformats.org/officeDocument/2006/relationships" xmlns:p="http://schemas.openxmlformats.org/presentationml/2006/main">
+  <p:cSld>
+    <p:spTree>
+      <p:nvGrpSpPr>
+        <p:cNvPr id="1" name=""/>
+        <p:cNvGrpSpPr/>
+        <p:nvPr/>
+      </p:nvGrpSpPr>
+      <p:grpSpPr>
+        <a:xfrm>
+          <a:off x="0" y="0"/>
+          <a:ext cx="0" cy="0"/>
+          <a:chOff x="0" y="0"/>
+          <a:chExt cx="0" cy="0"/>
+        </a:xfrm>
+      </p:grpSpPr>
+      <p:sp>
+        <p:nvSpPr>
+          <p:cNvPr id="2" name="Title 1">
+            <a:extLst>
+              <a:ext uri="{FF2B5EF4-FFF2-40B4-BE49-F238E27FC236}">
+                <a16:creationId xmlns:a16="http://schemas.microsoft.com/office/drawing/2014/main" id="{5EB37C9E-8E71-63F4-C151-63ECC4061DAB}"/>
+              </a:ext>
+            </a:extLst>
+          </p:cNvPr>
+          <p:cNvSpPr>
+            <a:spLocks noGrp="1"/>
+          </p:cNvSpPr>
+          <p:nvPr>
+            <p:ph type="title"/>
+          </p:nvPr>
+        </p:nvSpPr>
+        <p:spPr/>
+        <p:txBody>
+          <a:bodyPr/>
+          <a:lstStyle/>
+          <a:p>
+            <a:r>
+              <a:rPr lang="en-US" dirty="0"/>
+              <a:t>Research Question</a:t>
+            </a:r>
+          </a:p>
+        </p:txBody>
+      </p:sp>
+      <p:sp>
+        <p:nvSpPr>
+          <p:cNvPr id="3" name="Content Placeholder 2">
+            <a:extLst>
+              <a:ext uri="{FF2B5EF4-FFF2-40B4-BE49-F238E27FC236}">
+                <a16:creationId xmlns:a16="http://schemas.microsoft.com/office/drawing/2014/main" id="{5E768D12-88D2-376E-8663-5C0E1C7B21F7}"/>
+              </a:ext>
+            </a:extLst>
+          </p:cNvPr>
+          <p:cNvSpPr>
+            <a:spLocks noGrp="1"/>
+          </p:cNvSpPr>
+          <p:nvPr>
+            <p:ph idx="1"/>
+          </p:nvPr>
+        </p:nvSpPr>
+        <p:spPr/>
+        <p:txBody>
+          <a:bodyPr/>
+          <a:lstStyle/>
+          <a:p>
+            <a:endParaRPr lang="en-US" dirty="0"/>
+          </a:p>
+        </p:txBody>
+      </p:sp>
+    </p:spTree>
+    <p:extLst>
+      <p:ext uri="{BB962C8B-B14F-4D97-AF65-F5344CB8AC3E}">
+        <p14:creationId xmlns:p14="http://schemas.microsoft.com/office/powerpoint/2010/main" val="1750131832"/>
+      </p:ext>
+    </p:extLst>
+  </p:cSld>
+  <p:clrMapOvr>
+    <a:masterClrMapping/>
+  </p:clrMapOvr>
+</p:sld>
+</file>
+
+<file path=ppt/slides/slide3.xml><?xml version="1.0" encoding="utf-8"?>
+<p:sld xmlns:a="http://schemas.openxmlformats.org/drawingml/2006/main" xmlns:r="http://schemas.openxmlformats.org/officeDocument/2006/relationships" xmlns:p="http://schemas.openxmlformats.org/presentationml/2006/main">
+  <p:cSld>
+    <p:spTree>
+      <p:nvGrpSpPr>
+        <p:cNvPr id="1" name=""/>
+        <p:cNvGrpSpPr/>
+        <p:nvPr/>
+      </p:nvGrpSpPr>
+      <p:grpSpPr>
+        <a:xfrm>
+          <a:off x="0" y="0"/>
+          <a:ext cx="0" cy="0"/>
+          <a:chOff x="0" y="0"/>
+          <a:chExt cx="0" cy="0"/>
+        </a:xfrm>
+      </p:grpSpPr>
+      <p:sp>
+        <p:nvSpPr>
+          <p:cNvPr id="2" name="Title 1">
+            <a:extLst>
+              <a:ext uri="{FF2B5EF4-FFF2-40B4-BE49-F238E27FC236}">
+                <a16:creationId xmlns:a16="http://schemas.microsoft.com/office/drawing/2014/main" id="{645BED52-A5A4-170E-9025-82C62DA03EE0}"/>
+              </a:ext>
+            </a:extLst>
+          </p:cNvPr>
+          <p:cNvSpPr>
+            <a:spLocks noGrp="1"/>
+          </p:cNvSpPr>
+          <p:nvPr>
+            <p:ph type="title"/>
+          </p:nvPr>
+        </p:nvSpPr>
+        <p:spPr/>
+        <p:txBody>
+          <a:bodyPr/>
+          <a:lstStyle/>
+          <a:p>
+            <a:r>
+              <a:rPr lang="en-US" dirty="0"/>
+              <a:t>Sentiment Analysis</a:t>
+            </a:r>
+          </a:p>
+        </p:txBody>
+      </p:sp>
+      <p:sp>
+        <p:nvSpPr>
+          <p:cNvPr id="3" name="Content Placeholder 2">
+            <a:extLst>
+              <a:ext uri="{FF2B5EF4-FFF2-40B4-BE49-F238E27FC236}">
+                <a16:creationId xmlns:a16="http://schemas.microsoft.com/office/drawing/2014/main" id="{5B45C32F-7D87-41B8-A945-5ECDB956DBD1}"/>
+              </a:ext>
+            </a:extLst>
+          </p:cNvPr>
+          <p:cNvSpPr>
+            <a:spLocks noGrp="1"/>
+          </p:cNvSpPr>
+          <p:nvPr>
+            <p:ph idx="1"/>
+          </p:nvPr>
+        </p:nvSpPr>
+        <p:spPr/>
+        <p:txBody>
+          <a:bodyPr/>
+          <a:lstStyle/>
+          <a:p>
+            <a:endParaRPr lang="en-US"/>
+          </a:p>
+        </p:txBody>
+      </p:sp>
+    </p:spTree>
+    <p:extLst>
+      <p:ext uri="{BB962C8B-B14F-4D97-AF65-F5344CB8AC3E}">
+        <p14:creationId xmlns:p14="http://schemas.microsoft.com/office/powerpoint/2010/main" val="1224928503"/>
+      </p:ext>
+    </p:extLst>
+  </p:cSld>
+  <p:clrMapOvr>
+    <a:masterClrMapping/>
+  </p:clrMapOvr>
+</p:sld>
+</file>
+
+<file path=ppt/slides/slide4.xml><?xml version="1.0" encoding="utf-8"?>
+<p:sld xmlns:a="http://schemas.openxmlformats.org/drawingml/2006/main" xmlns:r="http://schemas.openxmlformats.org/officeDocument/2006/relationships" xmlns:p="http://schemas.openxmlformats.org/presentationml/2006/main">
+  <p:cSld>
+    <p:spTree>
+      <p:nvGrpSpPr>
+        <p:cNvPr id="1" name=""/>
+        <p:cNvGrpSpPr/>
+        <p:nvPr/>
+      </p:nvGrpSpPr>
+      <p:grpSpPr>
+        <a:xfrm>
+          <a:off x="0" y="0"/>
+          <a:ext cx="0" cy="0"/>
+          <a:chOff x="0" y="0"/>
+          <a:chExt cx="0" cy="0"/>
+        </a:xfrm>
+      </p:grpSpPr>
+      <p:sp>
+        <p:nvSpPr>
+          <p:cNvPr id="2" name="Title 1">
+            <a:extLst>
+              <a:ext uri="{FF2B5EF4-FFF2-40B4-BE49-F238E27FC236}">
+                <a16:creationId xmlns:a16="http://schemas.microsoft.com/office/drawing/2014/main" id="{76C1949B-6F59-91F8-63BE-3E08FDD54DB7}"/>
+              </a:ext>
+            </a:extLst>
+          </p:cNvPr>
+          <p:cNvSpPr>
+            <a:spLocks noGrp="1"/>
+          </p:cNvSpPr>
+          <p:nvPr>
+            <p:ph type="title"/>
+          </p:nvPr>
+        </p:nvSpPr>
+        <p:spPr/>
+        <p:txBody>
+          <a:bodyPr/>
+          <a:lstStyle/>
+          <a:p>
+            <a:r>
+              <a:rPr lang="en-US" dirty="0"/>
+              <a:t>Dataset</a:t>
+            </a:r>
+          </a:p>
+        </p:txBody>
+      </p:sp>
+      <p:sp>
+        <p:nvSpPr>
+          <p:cNvPr id="3" name="Content Placeholder 2">
+            <a:extLst>
+              <a:ext uri="{FF2B5EF4-FFF2-40B4-BE49-F238E27FC236}">
+                <a16:creationId xmlns:a16="http://schemas.microsoft.com/office/drawing/2014/main" id="{44307EEA-F6A2-8E50-5FF8-06ABE09E887C}"/>
+              </a:ext>
+            </a:extLst>
+          </p:cNvPr>
+          <p:cNvSpPr>
+            <a:spLocks noGrp="1"/>
+          </p:cNvSpPr>
+          <p:nvPr>
+            <p:ph idx="1"/>
+          </p:nvPr>
+        </p:nvSpPr>
+        <p:spPr/>
+        <p:txBody>
+          <a:bodyPr/>
+          <a:lstStyle/>
+          <a:p>
+            <a:endParaRPr lang="en-US"/>
+          </a:p>
+        </p:txBody>
+      </p:sp>
+    </p:spTree>
+    <p:extLst>
+      <p:ext uri="{BB962C8B-B14F-4D97-AF65-F5344CB8AC3E}">
+        <p14:creationId xmlns:p14="http://schemas.microsoft.com/office/powerpoint/2010/main" val="1816377059"/>
+      </p:ext>
+    </p:extLst>
+  </p:cSld>
+  <p:clrMapOvr>
+    <a:masterClrMapping/>
+  </p:clrMapOvr>
+</p:sld>
+</file>
+
+<file path=ppt/slides/slide5.xml><?xml version="1.0" encoding="utf-8"?>
+<p:sld xmlns:a="http://schemas.openxmlformats.org/drawingml/2006/main" xmlns:r="http://schemas.openxmlformats.org/officeDocument/2006/relationships" xmlns:p="http://schemas.openxmlformats.org/presentationml/2006/main">
+  <p:cSld>
+    <p:spTree>
+      <p:nvGrpSpPr>
+        <p:cNvPr id="1" name=""/>
+        <p:cNvGrpSpPr/>
+        <p:nvPr/>
+      </p:nvGrpSpPr>
+      <p:grpSpPr>
+        <a:xfrm>
+          <a:off x="0" y="0"/>
+          <a:ext cx="0" cy="0"/>
+          <a:chOff x="0" y="0"/>
+          <a:chExt cx="0" cy="0"/>
+        </a:xfrm>
+      </p:grpSpPr>
+      <p:sp>
+        <p:nvSpPr>
+          <p:cNvPr id="2" name="Title 1">
+            <a:extLst>
+              <a:ext uri="{FF2B5EF4-FFF2-40B4-BE49-F238E27FC236}">
+                <a16:creationId xmlns:a16="http://schemas.microsoft.com/office/drawing/2014/main" id="{73CAD90D-A18B-28F1-D306-DB70B4144EE7}"/>
+              </a:ext>
+            </a:extLst>
+          </p:cNvPr>
+          <p:cNvSpPr>
+            <a:spLocks noGrp="1"/>
+          </p:cNvSpPr>
+          <p:nvPr>
+            <p:ph type="title"/>
+          </p:nvPr>
+        </p:nvSpPr>
+        <p:spPr/>
+        <p:txBody>
+          <a:bodyPr/>
+          <a:lstStyle/>
+          <a:p>
+            <a:r>
+              <a:rPr lang="en-US" dirty="0"/>
+              <a:t>Data Cleaning</a:t>
+            </a:r>
+          </a:p>
+        </p:txBody>
+      </p:sp>
+      <p:sp>
+        <p:nvSpPr>
+          <p:cNvPr id="3" name="Content Placeholder 2">
+            <a:extLst>
+              <a:ext uri="{FF2B5EF4-FFF2-40B4-BE49-F238E27FC236}">
+                <a16:creationId xmlns:a16="http://schemas.microsoft.com/office/drawing/2014/main" id="{0CC3D51F-4ACB-1768-A52F-A2D703668CDE}"/>
+              </a:ext>
+            </a:extLst>
+          </p:cNvPr>
+          <p:cNvSpPr>
+            <a:spLocks noGrp="1"/>
+          </p:cNvSpPr>
+          <p:nvPr>
+            <p:ph idx="1"/>
+          </p:nvPr>
+        </p:nvSpPr>
+        <p:spPr/>
+        <p:txBody>
+          <a:bodyPr/>
+          <a:lstStyle/>
+          <a:p>
+            <a:endParaRPr lang="en-US"/>
+          </a:p>
+        </p:txBody>
+      </p:sp>
+    </p:spTree>
+    <p:extLst>
+      <p:ext uri="{BB962C8B-B14F-4D97-AF65-F5344CB8AC3E}">
+        <p14:creationId xmlns:p14="http://schemas.microsoft.com/office/powerpoint/2010/main" val="2085731179"/>
+      </p:ext>
+    </p:extLst>
+  </p:cSld>
+  <p:clrMapOvr>
+    <a:masterClrMapping/>
+  </p:clrMapOvr>
+</p:sld>
+</file>
+
+<file path=ppt/slides/slide6.xml><?xml version="1.0" encoding="utf-8"?>
+<p:sld xmlns:a="http://schemas.openxmlformats.org/drawingml/2006/main" xmlns:r="http://schemas.openxmlformats.org/officeDocument/2006/relationships" xmlns:p="http://schemas.openxmlformats.org/presentationml/2006/main">
+  <p:cSld>
+    <p:spTree>
+      <p:nvGrpSpPr>
+        <p:cNvPr id="1" name=""/>
+        <p:cNvGrpSpPr/>
+        <p:nvPr/>
+      </p:nvGrpSpPr>
+      <p:grpSpPr>
+        <a:xfrm>
+          <a:off x="0" y="0"/>
+          <a:ext cx="0" cy="0"/>
+          <a:chOff x="0" y="0"/>
+          <a:chExt cx="0" cy="0"/>
+        </a:xfrm>
+      </p:grpSpPr>
+      <p:sp>
+        <p:nvSpPr>
+          <p:cNvPr id="2" name="Title 1">
+            <a:extLst>
+              <a:ext uri="{FF2B5EF4-FFF2-40B4-BE49-F238E27FC236}">
+                <a16:creationId xmlns:a16="http://schemas.microsoft.com/office/drawing/2014/main" id="{533C5292-ED92-9CAC-0D78-53A6D50ABDAF}"/>
+              </a:ext>
+            </a:extLst>
+          </p:cNvPr>
+          <p:cNvSpPr>
+            <a:spLocks noGrp="1"/>
+          </p:cNvSpPr>
+          <p:nvPr>
+            <p:ph type="title"/>
+          </p:nvPr>
+        </p:nvSpPr>
+        <p:spPr/>
+        <p:txBody>
+          <a:bodyPr/>
+          <a:lstStyle/>
+          <a:p>
+            <a:r>
+              <a:rPr lang="en-US" dirty="0"/>
+              <a:t>Word cloud</a:t>
+            </a:r>
+          </a:p>
+        </p:txBody>
+      </p:sp>
+      <p:sp>
+        <p:nvSpPr>
+          <p:cNvPr id="3" name="Content Placeholder 2">
+            <a:extLst>
+              <a:ext uri="{FF2B5EF4-FFF2-40B4-BE49-F238E27FC236}">
+                <a16:creationId xmlns:a16="http://schemas.microsoft.com/office/drawing/2014/main" id="{28FAADB1-BB20-14AD-3D2D-DA482F635C79}"/>
+              </a:ext>
+            </a:extLst>
+          </p:cNvPr>
+          <p:cNvSpPr>
+            <a:spLocks noGrp="1"/>
+          </p:cNvSpPr>
+          <p:nvPr>
+            <p:ph idx="1"/>
+          </p:nvPr>
+        </p:nvSpPr>
+        <p:spPr/>
+        <p:txBody>
+          <a:bodyPr/>
+          <a:lstStyle/>
+          <a:p>
+            <a:endParaRPr lang="en-US"/>
+          </a:p>
+        </p:txBody>
+      </p:sp>
+      <p:pic>
+        <p:nvPicPr>
+          <p:cNvPr id="1026" name="Picture 2">
+            <a:extLst>
+              <a:ext uri="{FF2B5EF4-FFF2-40B4-BE49-F238E27FC236}">
+                <a16:creationId xmlns:a16="http://schemas.microsoft.com/office/drawing/2014/main" id="{CBDBF659-8593-F459-0D37-B18D0A3EA888}"/>
+              </a:ext>
+            </a:extLst>
+          </p:cNvPr>
+          <p:cNvPicPr>
+            <a:picLocks noChangeAspect="1" noChangeArrowheads="1"/>
+          </p:cNvPicPr>
+          <p:nvPr/>
+        </p:nvPicPr>
+        <p:blipFill>
+          <a:blip r:embed="rId2">
+            <a:extLst>
+              <a:ext uri="{28A0092B-C50C-407E-A947-70E740481C1C}">
+                <a14:useLocalDpi xmlns:a14="http://schemas.microsoft.com/office/drawing/2010/main" val="0"/>
+              </a:ext>
+            </a:extLst>
+          </a:blip>
+          <a:srcRect/>
+          <a:stretch>
+            <a:fillRect/>
+          </a:stretch>
+        </p:blipFill>
+        <p:spPr bwMode="auto">
+          <a:xfrm>
+            <a:off x="2058866" y="2437202"/>
+            <a:ext cx="5026267" cy="2606746"/>
+          </a:xfrm>
+          <a:prstGeom prst="rect">
+            <a:avLst/>
+          </a:prstGeom>
+          <a:noFill/>
+          <a:extLst>
+            <a:ext uri="{909E8E84-426E-40DD-AFC4-6F175D3DCCD1}">
+              <a14:hiddenFill xmlns:a14="http://schemas.microsoft.com/office/drawing/2010/main">
+                <a:solidFill>
+                  <a:srgbClr val="FFFFFF"/>
+                </a:solidFill>
+              </a14:hiddenFill>
+            </a:ext>
+          </a:extLst>
+        </p:spPr>
+      </p:pic>
+    </p:spTree>
+    <p:extLst>
+      <p:ext uri="{BB962C8B-B14F-4D97-AF65-F5344CB8AC3E}">
+        <p14:creationId xmlns:p14="http://schemas.microsoft.com/office/powerpoint/2010/main" val="2823871320"/>
+      </p:ext>
+    </p:extLst>
+  </p:cSld>
+  <p:clrMapOvr>
+    <a:masterClrMapping/>
+  </p:clrMapOvr>
+</p:sld>
+</file>
+
+<file path=ppt/slides/slide7.xml><?xml version="1.0" encoding="utf-8"?>
+<p:sld xmlns:a="http://schemas.openxmlformats.org/drawingml/2006/main" xmlns:r="http://schemas.openxmlformats.org/officeDocument/2006/relationships" xmlns:p="http://schemas.openxmlformats.org/presentationml/2006/main">
+  <p:cSld>
+    <p:spTree>
+      <p:nvGrpSpPr>
+        <p:cNvPr id="1" name=""/>
+        <p:cNvGrpSpPr/>
+        <p:nvPr/>
+      </p:nvGrpSpPr>
+      <p:grpSpPr>
+        <a:xfrm>
+          <a:off x="0" y="0"/>
+          <a:ext cx="0" cy="0"/>
+          <a:chOff x="0" y="0"/>
+          <a:chExt cx="0" cy="0"/>
+        </a:xfrm>
+      </p:grpSpPr>
+      <p:sp>
+        <p:nvSpPr>
+          <p:cNvPr id="2" name="Title 1">
+            <a:extLst>
+              <a:ext uri="{FF2B5EF4-FFF2-40B4-BE49-F238E27FC236}">
+                <a16:creationId xmlns:a16="http://schemas.microsoft.com/office/drawing/2014/main" id="{4EA34D63-F289-662E-A0F9-5A21AB5DC39D}"/>
+              </a:ext>
+            </a:extLst>
+          </p:cNvPr>
+          <p:cNvSpPr>
+            <a:spLocks noGrp="1"/>
+          </p:cNvSpPr>
+          <p:nvPr>
+            <p:ph type="title"/>
+          </p:nvPr>
+        </p:nvSpPr>
+        <p:spPr/>
+        <p:txBody>
+          <a:bodyPr/>
+          <a:lstStyle/>
+          <a:p>
+            <a:r>
+              <a:rPr lang="en-US" dirty="0"/>
+              <a:t>Sentiment Analysis</a:t>
+            </a:r>
+          </a:p>
+        </p:txBody>
+      </p:sp>
+      <p:sp>
+        <p:nvSpPr>
+          <p:cNvPr id="3" name="Content Placeholder 2">
+            <a:extLst>
+              <a:ext uri="{FF2B5EF4-FFF2-40B4-BE49-F238E27FC236}">
+                <a16:creationId xmlns:a16="http://schemas.microsoft.com/office/drawing/2014/main" id="{B217DA77-C01A-D63C-4B9F-BBDD11430BDA}"/>
+              </a:ext>
+            </a:extLst>
+          </p:cNvPr>
+          <p:cNvSpPr>
+            <a:spLocks noGrp="1"/>
+          </p:cNvSpPr>
+          <p:nvPr>
+            <p:ph idx="1"/>
+          </p:nvPr>
+        </p:nvSpPr>
+        <p:spPr/>
+        <p:txBody>
+          <a:bodyPr/>
+          <a:lstStyle/>
+          <a:p>
+            <a:endParaRPr lang="en-US"/>
+          </a:p>
+        </p:txBody>
+      </p:sp>
+    </p:spTree>
+    <p:extLst>
+      <p:ext uri="{BB962C8B-B14F-4D97-AF65-F5344CB8AC3E}">
+        <p14:creationId xmlns:p14="http://schemas.microsoft.com/office/powerpoint/2010/main" val="3634191141"/>
+      </p:ext>
+    </p:extLst>
+  </p:cSld>
+  <p:clrMapOvr>
+    <a:masterClrMapping/>
+  </p:clrMapOvr>
+</p:sld>
+</file>
+
+<file path=ppt/slides/slide8.xml><?xml version="1.0" encoding="utf-8"?>
+<p:sld xmlns:a="http://schemas.openxmlformats.org/drawingml/2006/main" xmlns:r="http://schemas.openxmlformats.org/officeDocument/2006/relationships" xmlns:p="http://schemas.openxmlformats.org/presentationml/2006/main">
+  <p:cSld>
+    <p:spTree>
+      <p:nvGrpSpPr>
+        <p:cNvPr id="1" name=""/>
+        <p:cNvGrpSpPr/>
+        <p:nvPr/>
+      </p:nvGrpSpPr>
+      <p:grpSpPr>
+        <a:xfrm>
+          <a:off x="0" y="0"/>
+          <a:ext cx="0" cy="0"/>
+          <a:chOff x="0" y="0"/>
+          <a:chExt cx="0" cy="0"/>
+        </a:xfrm>
+      </p:grpSpPr>
+      <p:sp>
+        <p:nvSpPr>
+          <p:cNvPr id="2" name="Title 1">
+            <a:extLst>
+              <a:ext uri="{FF2B5EF4-FFF2-40B4-BE49-F238E27FC236}">
+                <a16:creationId xmlns:a16="http://schemas.microsoft.com/office/drawing/2014/main" id="{4DA2F322-24EA-0860-72B1-D0F968F570C6}"/>
+              </a:ext>
+            </a:extLst>
+          </p:cNvPr>
+          <p:cNvSpPr>
+            <a:spLocks noGrp="1"/>
+          </p:cNvSpPr>
+          <p:nvPr>
+            <p:ph type="title"/>
+          </p:nvPr>
+        </p:nvSpPr>
+        <p:spPr/>
+        <p:txBody>
+          <a:bodyPr/>
+          <a:lstStyle/>
+          <a:p>
+            <a:r>
+              <a:rPr lang="en-US" dirty="0"/>
+              <a:t>Results</a:t>
+            </a:r>
+          </a:p>
+        </p:txBody>
+      </p:sp>
+      <p:pic>
+        <p:nvPicPr>
+          <p:cNvPr id="2050" name="Picture 2">
+            <a:extLst>
+              <a:ext uri="{FF2B5EF4-FFF2-40B4-BE49-F238E27FC236}">
+                <a16:creationId xmlns:a16="http://schemas.microsoft.com/office/drawing/2014/main" id="{16C4B04C-35EF-58D4-415D-E569D13B9E02}"/>
+              </a:ext>
+            </a:extLst>
+          </p:cNvPr>
+          <p:cNvPicPr>
+            <a:picLocks noGrp="1" noChangeAspect="1" noChangeArrowheads="1"/>
+          </p:cNvPicPr>
+          <p:nvPr>
+            <p:ph idx="1"/>
+          </p:nvPr>
+        </p:nvPicPr>
+        <p:blipFill>
+          <a:blip r:embed="rId2">
+            <a:extLst>
+              <a:ext uri="{28A0092B-C50C-407E-A947-70E740481C1C}">
+                <a14:useLocalDpi xmlns:a14="http://schemas.microsoft.com/office/drawing/2010/main" val="0"/>
+              </a:ext>
+            </a:extLst>
+          </a:blip>
+          <a:srcRect/>
+          <a:stretch>
+            <a:fillRect/>
+          </a:stretch>
+        </p:blipFill>
+        <p:spPr bwMode="auto">
+          <a:xfrm>
+            <a:off x="628650" y="2336697"/>
+            <a:ext cx="7886700" cy="3329194"/>
+          </a:xfrm>
+          <a:prstGeom prst="rect">
+            <a:avLst/>
+          </a:prstGeom>
+          <a:noFill/>
+          <a:extLst>
+            <a:ext uri="{909E8E84-426E-40DD-AFC4-6F175D3DCCD1}">
+              <a14:hiddenFill xmlns:a14="http://schemas.microsoft.com/office/drawing/2010/main">
+                <a:solidFill>
+                  <a:srgbClr val="FFFFFF"/>
+                </a:solidFill>
+              </a14:hiddenFill>
+            </a:ext>
+          </a:extLst>
+        </p:spPr>
+      </p:pic>
+    </p:spTree>
+    <p:extLst>
+      <p:ext uri="{BB962C8B-B14F-4D97-AF65-F5344CB8AC3E}">
+        <p14:creationId xmlns:p14="http://schemas.microsoft.com/office/powerpoint/2010/main" val="1174320655"/>
+      </p:ext>
+    </p:extLst>
+  </p:cSld>
+  <p:clrMapOvr>
+    <a:masterClrMapping/>
+  </p:clrMapOvr>
+</p:sld>
+</file>
+
+<file path=ppt/slides/slide9.xml><?xml version="1.0" encoding="utf-8"?>
+<p:sld xmlns:a="http://schemas.openxmlformats.org/drawingml/2006/main" xmlns:r="http://schemas.openxmlformats.org/officeDocument/2006/relationships" xmlns:p="http://schemas.openxmlformats.org/presentationml/2006/main">
+  <p:cSld>
+    <p:spTree>
+      <p:nvGrpSpPr>
+        <p:cNvPr id="1" name=""/>
+        <p:cNvGrpSpPr/>
+        <p:nvPr/>
+      </p:nvGrpSpPr>
+      <p:grpSpPr>
+        <a:xfrm>
+          <a:off x="0" y="0"/>
+          <a:ext cx="0" cy="0"/>
+          <a:chOff x="0" y="0"/>
+          <a:chExt cx="0" cy="0"/>
+        </a:xfrm>
+      </p:grpSpPr>
+      <p:pic>
+        <p:nvPicPr>
+          <p:cNvPr id="3074" name="Picture 2">
+            <a:extLst>
+              <a:ext uri="{FF2B5EF4-FFF2-40B4-BE49-F238E27FC236}">
+                <a16:creationId xmlns:a16="http://schemas.microsoft.com/office/drawing/2014/main" id="{1260EC94-159C-F1F0-06A2-C1A2A39966D5}"/>
+              </a:ext>
+            </a:extLst>
+          </p:cNvPr>
+          <p:cNvPicPr>
+            <a:picLocks noGrp="1" noChangeAspect="1" noChangeArrowheads="1"/>
+          </p:cNvPicPr>
+          <p:nvPr>
+            <p:ph idx="1"/>
+          </p:nvPr>
+        </p:nvPicPr>
+        <p:blipFill>
+          <a:blip r:embed="rId2">
+            <a:extLst>
+              <a:ext uri="{28A0092B-C50C-407E-A947-70E740481C1C}">
+                <a14:useLocalDpi xmlns:a14="http://schemas.microsoft.com/office/drawing/2010/main" val="0"/>
+              </a:ext>
+            </a:extLst>
+          </a:blip>
+          <a:srcRect/>
+          <a:stretch>
+            <a:fillRect/>
+          </a:stretch>
+        </p:blipFill>
+        <p:spPr bwMode="auto">
+          <a:xfrm>
+            <a:off x="628650" y="2336697"/>
+            <a:ext cx="7886700" cy="3329194"/>
+          </a:xfrm>
+          <a:prstGeom prst="rect">
+            <a:avLst/>
+          </a:prstGeom>
+          <a:noFill/>
+          <a:extLst>
+            <a:ext uri="{909E8E84-426E-40DD-AFC4-6F175D3DCCD1}">
+              <a14:hiddenFill xmlns:a14="http://schemas.microsoft.com/office/drawing/2010/main">
+                <a:solidFill>
+                  <a:srgbClr val="FFFFFF"/>
+                </a:solidFill>
+              </a14:hiddenFill>
+            </a:ext>
+          </a:extLst>
+        </p:spPr>
+      </p:pic>
+    </p:spTree>
+    <p:extLst>
+      <p:ext uri="{BB962C8B-B14F-4D97-AF65-F5344CB8AC3E}">
+        <p14:creationId xmlns:p14="http://schemas.microsoft.com/office/powerpoint/2010/main" val="1371256699"/>
       </p:ext>
     </p:extLst>
   </p:cSld>

--- a/FinalPresentation.pptx
+++ b/FinalPresentation.pptx
@@ -134,6 +134,3038 @@
 </p:presentation>
 </file>
 
+<file path=ppt/diagrams/colors1.xml><?xml version="1.0" encoding="utf-8"?>
+<dgm:colorsDef xmlns:dgm="http://schemas.openxmlformats.org/drawingml/2006/diagram" xmlns:a="http://schemas.openxmlformats.org/drawingml/2006/main" uniqueId="urn:microsoft.com/office/officeart/2005/8/colors/accent1_2">
+  <dgm:title val=""/>
+  <dgm:desc val=""/>
+  <dgm:catLst>
+    <dgm:cat type="accent1" pri="11200"/>
+  </dgm:catLst>
+  <dgm:styleLbl name="node0">
+    <dgm:fillClrLst meth="repeat">
+      <a:schemeClr val="accent1"/>
+    </dgm:fillClrLst>
+    <dgm:linClrLst meth="repeat">
+      <a:schemeClr val="lt1"/>
+    </dgm:linClrLst>
+    <dgm:effectClrLst/>
+    <dgm:txLinClrLst/>
+    <dgm:txFillClrLst/>
+    <dgm:txEffectClrLst/>
+  </dgm:styleLbl>
+  <dgm:styleLbl name="alignNode1">
+    <dgm:fillClrLst meth="repeat">
+      <a:schemeClr val="accent1"/>
+    </dgm:fillClrLst>
+    <dgm:linClrLst meth="repeat">
+      <a:schemeClr val="accent1"/>
+    </dgm:linClrLst>
+    <dgm:effectClrLst/>
+    <dgm:txLinClrLst/>
+    <dgm:txFillClrLst/>
+    <dgm:txEffectClrLst/>
+  </dgm:styleLbl>
+  <dgm:styleLbl name="node1">
+    <dgm:fillClrLst meth="repeat">
+      <a:schemeClr val="accent1"/>
+    </dgm:fillClrLst>
+    <dgm:linClrLst meth="repeat">
+      <a:schemeClr val="lt1"/>
+    </dgm:linClrLst>
+    <dgm:effectClrLst/>
+    <dgm:txLinClrLst/>
+    <dgm:txFillClrLst/>
+    <dgm:txEffectClrLst/>
+  </dgm:styleLbl>
+  <dgm:styleLbl name="lnNode1">
+    <dgm:fillClrLst meth="repeat">
+      <a:schemeClr val="accent1"/>
+    </dgm:fillClrLst>
+    <dgm:linClrLst meth="repeat">
+      <a:schemeClr val="lt1"/>
+    </dgm:linClrLst>
+    <dgm:effectClrLst/>
+    <dgm:txLinClrLst/>
+    <dgm:txFillClrLst/>
+    <dgm:txEffectClrLst/>
+  </dgm:styleLbl>
+  <dgm:styleLbl name="vennNode1">
+    <dgm:fillClrLst meth="repeat">
+      <a:schemeClr val="accent1">
+        <a:alpha val="50000"/>
+      </a:schemeClr>
+    </dgm:fillClrLst>
+    <dgm:linClrLst meth="repeat">
+      <a:schemeClr val="lt1"/>
+    </dgm:linClrLst>
+    <dgm:effectClrLst/>
+    <dgm:txLinClrLst/>
+    <dgm:txFillClrLst/>
+    <dgm:txEffectClrLst/>
+  </dgm:styleLbl>
+  <dgm:styleLbl name="node2">
+    <dgm:fillClrLst meth="repeat">
+      <a:schemeClr val="accent1"/>
+    </dgm:fillClrLst>
+    <dgm:linClrLst meth="repeat">
+      <a:schemeClr val="lt1"/>
+    </dgm:linClrLst>
+    <dgm:effectClrLst/>
+    <dgm:txLinClrLst/>
+    <dgm:txFillClrLst/>
+    <dgm:txEffectClrLst/>
+  </dgm:styleLbl>
+  <dgm:styleLbl name="node3">
+    <dgm:fillClrLst meth="repeat">
+      <a:schemeClr val="accent1"/>
+    </dgm:fillClrLst>
+    <dgm:linClrLst meth="repeat">
+      <a:schemeClr val="lt1"/>
+    </dgm:linClrLst>
+    <dgm:effectClrLst/>
+    <dgm:txLinClrLst/>
+    <dgm:txFillClrLst/>
+    <dgm:txEffectClrLst/>
+  </dgm:styleLbl>
+  <dgm:styleLbl name="node4">
+    <dgm:fillClrLst meth="repeat">
+      <a:schemeClr val="accent1"/>
+    </dgm:fillClrLst>
+    <dgm:linClrLst meth="repeat">
+      <a:schemeClr val="lt1"/>
+    </dgm:linClrLst>
+    <dgm:effectClrLst/>
+    <dgm:txLinClrLst/>
+    <dgm:txFillClrLst/>
+    <dgm:txEffectClrLst/>
+  </dgm:styleLbl>
+  <dgm:styleLbl name="fgImgPlace1">
+    <dgm:fillClrLst meth="repeat">
+      <a:schemeClr val="accent1">
+        <a:tint val="50000"/>
+      </a:schemeClr>
+    </dgm:fillClrLst>
+    <dgm:linClrLst meth="repeat">
+      <a:schemeClr val="lt1"/>
+    </dgm:linClrLst>
+    <dgm:effectClrLst/>
+    <dgm:txLinClrLst/>
+    <dgm:txFillClrLst meth="repeat">
+      <a:schemeClr val="lt1"/>
+    </dgm:txFillClrLst>
+    <dgm:txEffectClrLst/>
+  </dgm:styleLbl>
+  <dgm:styleLbl name="alignImgPlace1">
+    <dgm:fillClrLst meth="repeat">
+      <a:schemeClr val="accent1">
+        <a:tint val="50000"/>
+      </a:schemeClr>
+    </dgm:fillClrLst>
+    <dgm:linClrLst meth="repeat">
+      <a:schemeClr val="lt1"/>
+    </dgm:linClrLst>
+    <dgm:effectClrLst/>
+    <dgm:txLinClrLst/>
+    <dgm:txFillClrLst meth="repeat">
+      <a:schemeClr val="lt1"/>
+    </dgm:txFillClrLst>
+    <dgm:txEffectClrLst/>
+  </dgm:styleLbl>
+  <dgm:styleLbl name="bgImgPlace1">
+    <dgm:fillClrLst meth="repeat">
+      <a:schemeClr val="accent1">
+        <a:tint val="50000"/>
+      </a:schemeClr>
+    </dgm:fillClrLst>
+    <dgm:linClrLst meth="repeat">
+      <a:schemeClr val="lt1"/>
+    </dgm:linClrLst>
+    <dgm:effectClrLst/>
+    <dgm:txLinClrLst/>
+    <dgm:txFillClrLst meth="repeat">
+      <a:schemeClr val="lt1"/>
+    </dgm:txFillClrLst>
+    <dgm:txEffectClrLst/>
+  </dgm:styleLbl>
+  <dgm:styleLbl name="sibTrans2D1">
+    <dgm:fillClrLst meth="repeat">
+      <a:schemeClr val="accent1">
+        <a:tint val="60000"/>
+      </a:schemeClr>
+    </dgm:fillClrLst>
+    <dgm:linClrLst meth="repeat">
+      <a:schemeClr val="accent1">
+        <a:tint val="60000"/>
+      </a:schemeClr>
+    </dgm:linClrLst>
+    <dgm:effectClrLst/>
+    <dgm:txLinClrLst/>
+    <dgm:txFillClrLst/>
+    <dgm:txEffectClrLst/>
+  </dgm:styleLbl>
+  <dgm:styleLbl name="fgSibTrans2D1">
+    <dgm:fillClrLst meth="repeat">
+      <a:schemeClr val="accent1">
+        <a:tint val="60000"/>
+      </a:schemeClr>
+    </dgm:fillClrLst>
+    <dgm:linClrLst meth="repeat">
+      <a:schemeClr val="accent1">
+        <a:tint val="60000"/>
+      </a:schemeClr>
+    </dgm:linClrLst>
+    <dgm:effectClrLst/>
+    <dgm:txLinClrLst/>
+    <dgm:txFillClrLst/>
+    <dgm:txEffectClrLst/>
+  </dgm:styleLbl>
+  <dgm:styleLbl name="bgSibTrans2D1">
+    <dgm:fillClrLst meth="repeat">
+      <a:schemeClr val="accent1">
+        <a:tint val="60000"/>
+      </a:schemeClr>
+    </dgm:fillClrLst>
+    <dgm:linClrLst meth="repeat">
+      <a:schemeClr val="accent1">
+        <a:tint val="60000"/>
+      </a:schemeClr>
+    </dgm:linClrLst>
+    <dgm:effectClrLst/>
+    <dgm:txLinClrLst/>
+    <dgm:txFillClrLst/>
+    <dgm:txEffectClrLst/>
+  </dgm:styleLbl>
+  <dgm:styleLbl name="sibTrans1D1">
+    <dgm:fillClrLst meth="repeat">
+      <a:schemeClr val="accent1"/>
+    </dgm:fillClrLst>
+    <dgm:linClrLst meth="repeat">
+      <a:schemeClr val="accent1"/>
+    </dgm:linClrLst>
+    <dgm:effectClrLst/>
+    <dgm:txLinClrLst/>
+    <dgm:txFillClrLst meth="repeat">
+      <a:schemeClr val="tx1"/>
+    </dgm:txFillClrLst>
+    <dgm:txEffectClrLst/>
+  </dgm:styleLbl>
+  <dgm:styleLbl name="callout">
+    <dgm:fillClrLst meth="repeat">
+      <a:schemeClr val="accent1"/>
+    </dgm:fillClrLst>
+    <dgm:linClrLst meth="repeat">
+      <a:schemeClr val="accent1">
+        <a:tint val="50000"/>
+      </a:schemeClr>
+    </dgm:linClrLst>
+    <dgm:effectClrLst/>
+    <dgm:txLinClrLst/>
+    <dgm:txFillClrLst meth="repeat">
+      <a:schemeClr val="tx1"/>
+    </dgm:txFillClrLst>
+    <dgm:txEffectClrLst/>
+  </dgm:styleLbl>
+  <dgm:styleLbl name="asst0">
+    <dgm:fillClrLst meth="repeat">
+      <a:schemeClr val="accent1"/>
+    </dgm:fillClrLst>
+    <dgm:linClrLst meth="repeat">
+      <a:schemeClr val="lt1"/>
+    </dgm:linClrLst>
+    <dgm:effectClrLst/>
+    <dgm:txLinClrLst/>
+    <dgm:txFillClrLst/>
+    <dgm:txEffectClrLst/>
+  </dgm:styleLbl>
+  <dgm:styleLbl name="asst1">
+    <dgm:fillClrLst meth="repeat">
+      <a:schemeClr val="accent1"/>
+    </dgm:fillClrLst>
+    <dgm:linClrLst meth="repeat">
+      <a:schemeClr val="lt1"/>
+    </dgm:linClrLst>
+    <dgm:effectClrLst/>
+    <dgm:txLinClrLst/>
+    <dgm:txFillClrLst/>
+    <dgm:txEffectClrLst/>
+  </dgm:styleLbl>
+  <dgm:styleLbl name="asst2">
+    <dgm:fillClrLst meth="repeat">
+      <a:schemeClr val="accent1"/>
+    </dgm:fillClrLst>
+    <dgm:linClrLst meth="repeat">
+      <a:schemeClr val="lt1"/>
+    </dgm:linClrLst>
+    <dgm:effectClrLst/>
+    <dgm:txLinClrLst/>
+    <dgm:txFillClrLst/>
+    <dgm:txEffectClrLst/>
+  </dgm:styleLbl>
+  <dgm:styleLbl name="asst3">
+    <dgm:fillClrLst meth="repeat">
+      <a:schemeClr val="accent1"/>
+    </dgm:fillClrLst>
+    <dgm:linClrLst meth="repeat">
+      <a:schemeClr val="lt1"/>
+    </dgm:linClrLst>
+    <dgm:effectClrLst/>
+    <dgm:txLinClrLst/>
+    <dgm:txFillClrLst/>
+    <dgm:txEffectClrLst/>
+  </dgm:styleLbl>
+  <dgm:styleLbl name="asst4">
+    <dgm:fillClrLst meth="repeat">
+      <a:schemeClr val="accent1"/>
+    </dgm:fillClrLst>
+    <dgm:linClrLst meth="repeat">
+      <a:schemeClr val="lt1"/>
+    </dgm:linClrLst>
+    <dgm:effectClrLst/>
+    <dgm:txLinClrLst/>
+    <dgm:txFillClrLst/>
+    <dgm:txEffectClrLst/>
+  </dgm:styleLbl>
+  <dgm:styleLbl name="parChTrans2D1">
+    <dgm:fillClrLst meth="repeat">
+      <a:schemeClr val="accent1">
+        <a:tint val="60000"/>
+      </a:schemeClr>
+    </dgm:fillClrLst>
+    <dgm:linClrLst meth="repeat">
+      <a:schemeClr val="accent1">
+        <a:tint val="60000"/>
+      </a:schemeClr>
+    </dgm:linClrLst>
+    <dgm:effectClrLst/>
+    <dgm:txLinClrLst/>
+    <dgm:txFillClrLst meth="repeat">
+      <a:schemeClr val="lt1"/>
+    </dgm:txFillClrLst>
+    <dgm:txEffectClrLst/>
+  </dgm:styleLbl>
+  <dgm:styleLbl name="parChTrans2D2">
+    <dgm:fillClrLst meth="repeat">
+      <a:schemeClr val="accent1"/>
+    </dgm:fillClrLst>
+    <dgm:linClrLst meth="repeat">
+      <a:schemeClr val="accent1"/>
+    </dgm:linClrLst>
+    <dgm:effectClrLst/>
+    <dgm:txLinClrLst/>
+    <dgm:txFillClrLst meth="repeat">
+      <a:schemeClr val="lt1"/>
+    </dgm:txFillClrLst>
+    <dgm:txEffectClrLst/>
+  </dgm:styleLbl>
+  <dgm:styleLbl name="parChTrans2D3">
+    <dgm:fillClrLst meth="repeat">
+      <a:schemeClr val="accent1"/>
+    </dgm:fillClrLst>
+    <dgm:linClrLst meth="repeat">
+      <a:schemeClr val="accent1"/>
+    </dgm:linClrLst>
+    <dgm:effectClrLst/>
+    <dgm:txLinClrLst/>
+    <dgm:txFillClrLst meth="repeat">
+      <a:schemeClr val="lt1"/>
+    </dgm:txFillClrLst>
+    <dgm:txEffectClrLst/>
+  </dgm:styleLbl>
+  <dgm:styleLbl name="parChTrans2D4">
+    <dgm:fillClrLst meth="repeat">
+      <a:schemeClr val="accent1"/>
+    </dgm:fillClrLst>
+    <dgm:linClrLst meth="repeat">
+      <a:schemeClr val="accent1"/>
+    </dgm:linClrLst>
+    <dgm:effectClrLst/>
+    <dgm:txLinClrLst/>
+    <dgm:txFillClrLst meth="repeat">
+      <a:schemeClr val="lt1"/>
+    </dgm:txFillClrLst>
+    <dgm:txEffectClrLst/>
+  </dgm:styleLbl>
+  <dgm:styleLbl name="parChTrans1D1">
+    <dgm:fillClrLst meth="repeat">
+      <a:schemeClr val="accent1"/>
+    </dgm:fillClrLst>
+    <dgm:linClrLst meth="repeat">
+      <a:schemeClr val="accent1">
+        <a:shade val="60000"/>
+      </a:schemeClr>
+    </dgm:linClrLst>
+    <dgm:effectClrLst/>
+    <dgm:txLinClrLst/>
+    <dgm:txFillClrLst meth="repeat">
+      <a:schemeClr val="tx1"/>
+    </dgm:txFillClrLst>
+    <dgm:txEffectClrLst/>
+  </dgm:styleLbl>
+  <dgm:styleLbl name="parChTrans1D2">
+    <dgm:fillClrLst meth="repeat">
+      <a:schemeClr val="accent1"/>
+    </dgm:fillClrLst>
+    <dgm:linClrLst meth="repeat">
+      <a:schemeClr val="accent1">
+        <a:shade val="60000"/>
+      </a:schemeClr>
+    </dgm:linClrLst>
+    <dgm:effectClrLst/>
+    <dgm:txLinClrLst/>
+    <dgm:txFillClrLst meth="repeat">
+      <a:schemeClr val="tx1"/>
+    </dgm:txFillClrLst>
+    <dgm:txEffectClrLst/>
+  </dgm:styleLbl>
+  <dgm:styleLbl name="parChTrans1D3">
+    <dgm:fillClrLst meth="repeat">
+      <a:schemeClr val="accent1"/>
+    </dgm:fillClrLst>
+    <dgm:linClrLst meth="repeat">
+      <a:schemeClr val="accent1">
+        <a:shade val="80000"/>
+      </a:schemeClr>
+    </dgm:linClrLst>
+    <dgm:effectClrLst/>
+    <dgm:txLinClrLst/>
+    <dgm:txFillClrLst meth="repeat">
+      <a:schemeClr val="tx1"/>
+    </dgm:txFillClrLst>
+    <dgm:txEffectClrLst/>
+  </dgm:styleLbl>
+  <dgm:styleLbl name="parChTrans1D4">
+    <dgm:fillClrLst meth="repeat">
+      <a:schemeClr val="accent1"/>
+    </dgm:fillClrLst>
+    <dgm:linClrLst meth="repeat">
+      <a:schemeClr val="accent1">
+        <a:shade val="80000"/>
+      </a:schemeClr>
+    </dgm:linClrLst>
+    <dgm:effectClrLst/>
+    <dgm:txLinClrLst/>
+    <dgm:txFillClrLst meth="repeat">
+      <a:schemeClr val="tx1"/>
+    </dgm:txFillClrLst>
+    <dgm:txEffectClrLst/>
+  </dgm:styleLbl>
+  <dgm:styleLbl name="fgAcc1">
+    <dgm:fillClrLst meth="repeat">
+      <a:schemeClr val="lt1">
+        <a:alpha val="90000"/>
+      </a:schemeClr>
+    </dgm:fillClrLst>
+    <dgm:linClrLst meth="repeat">
+      <a:schemeClr val="accent1"/>
+    </dgm:linClrLst>
+    <dgm:effectClrLst/>
+    <dgm:txLinClrLst/>
+    <dgm:txFillClrLst meth="repeat">
+      <a:schemeClr val="dk1"/>
+    </dgm:txFillClrLst>
+    <dgm:txEffectClrLst/>
+  </dgm:styleLbl>
+  <dgm:styleLbl name="conFgAcc1">
+    <dgm:fillClrLst meth="repeat">
+      <a:schemeClr val="lt1">
+        <a:alpha val="90000"/>
+      </a:schemeClr>
+    </dgm:fillClrLst>
+    <dgm:linClrLst meth="repeat">
+      <a:schemeClr val="accent1"/>
+    </dgm:linClrLst>
+    <dgm:effectClrLst/>
+    <dgm:txLinClrLst/>
+    <dgm:txFillClrLst meth="repeat">
+      <a:schemeClr val="dk1"/>
+    </dgm:txFillClrLst>
+    <dgm:txEffectClrLst/>
+  </dgm:styleLbl>
+  <dgm:styleLbl name="alignAcc1">
+    <dgm:fillClrLst meth="repeat">
+      <a:schemeClr val="lt1">
+        <a:alpha val="90000"/>
+      </a:schemeClr>
+    </dgm:fillClrLst>
+    <dgm:linClrLst meth="repeat">
+      <a:schemeClr val="accent1"/>
+    </dgm:linClrLst>
+    <dgm:effectClrLst/>
+    <dgm:txLinClrLst/>
+    <dgm:txFillClrLst meth="repeat">
+      <a:schemeClr val="dk1"/>
+    </dgm:txFillClrLst>
+    <dgm:txEffectClrLst/>
+  </dgm:styleLbl>
+  <dgm:styleLbl name="trAlignAcc1">
+    <dgm:fillClrLst meth="repeat">
+      <a:schemeClr val="lt1">
+        <a:alpha val="40000"/>
+      </a:schemeClr>
+    </dgm:fillClrLst>
+    <dgm:linClrLst meth="repeat">
+      <a:schemeClr val="accent1"/>
+    </dgm:linClrLst>
+    <dgm:effectClrLst/>
+    <dgm:txLinClrLst/>
+    <dgm:txFillClrLst meth="repeat">
+      <a:schemeClr val="dk1"/>
+    </dgm:txFillClrLst>
+    <dgm:txEffectClrLst/>
+  </dgm:styleLbl>
+  <dgm:styleLbl name="bgAcc1">
+    <dgm:fillClrLst meth="repeat">
+      <a:schemeClr val="lt1">
+        <a:alpha val="90000"/>
+      </a:schemeClr>
+    </dgm:fillClrLst>
+    <dgm:linClrLst meth="repeat">
+      <a:schemeClr val="accent1"/>
+    </dgm:linClrLst>
+    <dgm:effectClrLst/>
+    <dgm:txLinClrLst/>
+    <dgm:txFillClrLst meth="repeat">
+      <a:schemeClr val="dk1"/>
+    </dgm:txFillClrLst>
+    <dgm:txEffectClrLst/>
+  </dgm:styleLbl>
+  <dgm:styleLbl name="solidFgAcc1">
+    <dgm:fillClrLst meth="repeat">
+      <a:schemeClr val="lt1"/>
+    </dgm:fillClrLst>
+    <dgm:linClrLst meth="repeat">
+      <a:schemeClr val="accent1"/>
+    </dgm:linClrLst>
+    <dgm:effectClrLst/>
+    <dgm:txLinClrLst/>
+    <dgm:txFillClrLst meth="repeat">
+      <a:schemeClr val="dk1"/>
+    </dgm:txFillClrLst>
+    <dgm:txEffectClrLst/>
+  </dgm:styleLbl>
+  <dgm:styleLbl name="solidAlignAcc1">
+    <dgm:fillClrLst meth="repeat">
+      <a:schemeClr val="lt1"/>
+    </dgm:fillClrLst>
+    <dgm:linClrLst meth="repeat">
+      <a:schemeClr val="accent1"/>
+    </dgm:linClrLst>
+    <dgm:effectClrLst/>
+    <dgm:txLinClrLst/>
+    <dgm:txFillClrLst meth="repeat">
+      <a:schemeClr val="dk1"/>
+    </dgm:txFillClrLst>
+    <dgm:txEffectClrLst/>
+  </dgm:styleLbl>
+  <dgm:styleLbl name="solidBgAcc1">
+    <dgm:fillClrLst meth="repeat">
+      <a:schemeClr val="lt1"/>
+    </dgm:fillClrLst>
+    <dgm:linClrLst meth="repeat">
+      <a:schemeClr val="accent1"/>
+    </dgm:linClrLst>
+    <dgm:effectClrLst/>
+    <dgm:txLinClrLst/>
+    <dgm:txFillClrLst meth="repeat">
+      <a:schemeClr val="dk1"/>
+    </dgm:txFillClrLst>
+    <dgm:txEffectClrLst/>
+  </dgm:styleLbl>
+  <dgm:styleLbl name="fgAccFollowNode1">
+    <dgm:fillClrLst meth="repeat">
+      <a:schemeClr val="accent1">
+        <a:alpha val="90000"/>
+        <a:tint val="40000"/>
+      </a:schemeClr>
+    </dgm:fillClrLst>
+    <dgm:linClrLst meth="repeat">
+      <a:schemeClr val="accent1">
+        <a:alpha val="90000"/>
+        <a:tint val="40000"/>
+      </a:schemeClr>
+    </dgm:linClrLst>
+    <dgm:effectClrLst/>
+    <dgm:txLinClrLst/>
+    <dgm:txFillClrLst meth="repeat">
+      <a:schemeClr val="dk1"/>
+    </dgm:txFillClrLst>
+    <dgm:txEffectClrLst/>
+  </dgm:styleLbl>
+  <dgm:styleLbl name="alignAccFollowNode1">
+    <dgm:fillClrLst meth="repeat">
+      <a:schemeClr val="accent1">
+        <a:alpha val="90000"/>
+        <a:tint val="40000"/>
+      </a:schemeClr>
+    </dgm:fillClrLst>
+    <dgm:linClrLst meth="repeat">
+      <a:schemeClr val="accent1">
+        <a:alpha val="90000"/>
+        <a:tint val="40000"/>
+      </a:schemeClr>
+    </dgm:linClrLst>
+    <dgm:effectClrLst/>
+    <dgm:txLinClrLst/>
+    <dgm:txFillClrLst meth="repeat">
+      <a:schemeClr val="dk1"/>
+    </dgm:txFillClrLst>
+    <dgm:txEffectClrLst/>
+  </dgm:styleLbl>
+  <dgm:styleLbl name="bgAccFollowNode1">
+    <dgm:fillClrLst meth="repeat">
+      <a:schemeClr val="accent1">
+        <a:alpha val="90000"/>
+        <a:tint val="40000"/>
+      </a:schemeClr>
+    </dgm:fillClrLst>
+    <dgm:linClrLst meth="repeat">
+      <a:schemeClr val="accent1">
+        <a:alpha val="90000"/>
+        <a:tint val="40000"/>
+      </a:schemeClr>
+    </dgm:linClrLst>
+    <dgm:effectClrLst/>
+    <dgm:txLinClrLst/>
+    <dgm:txFillClrLst meth="repeat">
+      <a:schemeClr val="dk1"/>
+    </dgm:txFillClrLst>
+    <dgm:txEffectClrLst/>
+  </dgm:styleLbl>
+  <dgm:styleLbl name="fgAcc0">
+    <dgm:fillClrLst meth="repeat">
+      <a:schemeClr val="lt1">
+        <a:alpha val="90000"/>
+      </a:schemeClr>
+    </dgm:fillClrLst>
+    <dgm:linClrLst meth="repeat">
+      <a:schemeClr val="accent1"/>
+    </dgm:linClrLst>
+    <dgm:effectClrLst/>
+    <dgm:txLinClrLst/>
+    <dgm:txFillClrLst meth="repeat">
+      <a:schemeClr val="dk1"/>
+    </dgm:txFillClrLst>
+    <dgm:txEffectClrLst/>
+  </dgm:styleLbl>
+  <dgm:styleLbl name="fgAcc2">
+    <dgm:fillClrLst meth="repeat">
+      <a:schemeClr val="lt1">
+        <a:alpha val="90000"/>
+      </a:schemeClr>
+    </dgm:fillClrLst>
+    <dgm:linClrLst meth="repeat">
+      <a:schemeClr val="accent1"/>
+    </dgm:linClrLst>
+    <dgm:effectClrLst/>
+    <dgm:txLinClrLst/>
+    <dgm:txFillClrLst meth="repeat">
+      <a:schemeClr val="dk1"/>
+    </dgm:txFillClrLst>
+    <dgm:txEffectClrLst/>
+  </dgm:styleLbl>
+  <dgm:styleLbl name="fgAcc3">
+    <dgm:fillClrLst meth="repeat">
+      <a:schemeClr val="lt1">
+        <a:alpha val="90000"/>
+      </a:schemeClr>
+    </dgm:fillClrLst>
+    <dgm:linClrLst meth="repeat">
+      <a:schemeClr val="accent1"/>
+    </dgm:linClrLst>
+    <dgm:effectClrLst/>
+    <dgm:txLinClrLst/>
+    <dgm:txFillClrLst meth="repeat">
+      <a:schemeClr val="dk1"/>
+    </dgm:txFillClrLst>
+    <dgm:txEffectClrLst/>
+  </dgm:styleLbl>
+  <dgm:styleLbl name="fgAcc4">
+    <dgm:fillClrLst meth="repeat">
+      <a:schemeClr val="lt1">
+        <a:alpha val="90000"/>
+      </a:schemeClr>
+    </dgm:fillClrLst>
+    <dgm:linClrLst meth="repeat">
+      <a:schemeClr val="accent1"/>
+    </dgm:linClrLst>
+    <dgm:effectClrLst/>
+    <dgm:txLinClrLst/>
+    <dgm:txFillClrLst meth="repeat">
+      <a:schemeClr val="dk1"/>
+    </dgm:txFillClrLst>
+    <dgm:txEffectClrLst/>
+  </dgm:styleLbl>
+  <dgm:styleLbl name="bgShp">
+    <dgm:fillClrLst meth="repeat">
+      <a:schemeClr val="accent1">
+        <a:tint val="40000"/>
+      </a:schemeClr>
+    </dgm:fillClrLst>
+    <dgm:linClrLst meth="repeat">
+      <a:schemeClr val="accent1"/>
+    </dgm:linClrLst>
+    <dgm:effectClrLst/>
+    <dgm:txLinClrLst/>
+    <dgm:txFillClrLst meth="repeat">
+      <a:schemeClr val="dk1"/>
+    </dgm:txFillClrLst>
+    <dgm:txEffectClrLst/>
+  </dgm:styleLbl>
+  <dgm:styleLbl name="dkBgShp">
+    <dgm:fillClrLst meth="repeat">
+      <a:schemeClr val="accent1">
+        <a:shade val="80000"/>
+      </a:schemeClr>
+    </dgm:fillClrLst>
+    <dgm:linClrLst meth="repeat">
+      <a:schemeClr val="accent1"/>
+    </dgm:linClrLst>
+    <dgm:effectClrLst/>
+    <dgm:txLinClrLst/>
+    <dgm:txFillClrLst meth="repeat">
+      <a:schemeClr val="lt1"/>
+    </dgm:txFillClrLst>
+    <dgm:txEffectClrLst/>
+  </dgm:styleLbl>
+  <dgm:styleLbl name="trBgShp">
+    <dgm:fillClrLst meth="repeat">
+      <a:schemeClr val="accent1">
+        <a:tint val="50000"/>
+        <a:alpha val="40000"/>
+      </a:schemeClr>
+    </dgm:fillClrLst>
+    <dgm:linClrLst meth="repeat">
+      <a:schemeClr val="accent1"/>
+    </dgm:linClrLst>
+    <dgm:effectClrLst/>
+    <dgm:txLinClrLst/>
+    <dgm:txFillClrLst meth="repeat">
+      <a:schemeClr val="lt1"/>
+    </dgm:txFillClrLst>
+    <dgm:txEffectClrLst/>
+  </dgm:styleLbl>
+  <dgm:styleLbl name="fgShp">
+    <dgm:fillClrLst meth="repeat">
+      <a:schemeClr val="accent1">
+        <a:tint val="60000"/>
+      </a:schemeClr>
+    </dgm:fillClrLst>
+    <dgm:linClrLst meth="repeat">
+      <a:schemeClr val="lt1"/>
+    </dgm:linClrLst>
+    <dgm:effectClrLst/>
+    <dgm:txLinClrLst/>
+    <dgm:txFillClrLst meth="repeat">
+      <a:schemeClr val="dk1"/>
+    </dgm:txFillClrLst>
+    <dgm:txEffectClrLst/>
+  </dgm:styleLbl>
+  <dgm:styleLbl name="revTx">
+    <dgm:fillClrLst meth="repeat">
+      <a:schemeClr val="lt1">
+        <a:alpha val="0"/>
+      </a:schemeClr>
+    </dgm:fillClrLst>
+    <dgm:linClrLst meth="repeat">
+      <a:schemeClr val="dk1">
+        <a:alpha val="0"/>
+      </a:schemeClr>
+    </dgm:linClrLst>
+    <dgm:effectClrLst/>
+    <dgm:txLinClrLst/>
+    <dgm:txFillClrLst meth="repeat">
+      <a:schemeClr val="tx1"/>
+    </dgm:txFillClrLst>
+    <dgm:txEffectClrLst/>
+  </dgm:styleLbl>
+</dgm:colorsDef>
+</file>
+
+<file path=ppt/diagrams/data1.xml><?xml version="1.0" encoding="utf-8"?>
+<dgm:dataModel xmlns:dgm="http://schemas.openxmlformats.org/drawingml/2006/diagram" xmlns:a="http://schemas.openxmlformats.org/drawingml/2006/main">
+  <dgm:ptLst>
+    <dgm:pt modelId="{C3236E9F-986E-43AB-A383-DF6D1AC1F68B}" type="doc">
+      <dgm:prSet loTypeId="urn:microsoft.com/office/officeart/2005/8/layout/vList5" loCatId="list" qsTypeId="urn:microsoft.com/office/officeart/2005/8/quickstyle/simple1" qsCatId="simple" csTypeId="urn:microsoft.com/office/officeart/2005/8/colors/accent1_2" csCatId="accent1" phldr="1"/>
+      <dgm:spPr/>
+      <dgm:t>
+        <a:bodyPr/>
+        <a:lstStyle/>
+        <a:p>
+          <a:endParaRPr lang="en-US"/>
+        </a:p>
+      </dgm:t>
+    </dgm:pt>
+    <dgm:pt modelId="{03445371-05AB-4F0E-AC88-63867A768BAA}">
+      <dgm:prSet phldrT="[Text]"/>
+      <dgm:spPr/>
+      <dgm:t>
+        <a:bodyPr/>
+        <a:lstStyle/>
+        <a:p>
+          <a:r>
+            <a:rPr lang="en-US" dirty="0"/>
+            <a:t>Cleaning text for word cloud</a:t>
+          </a:r>
+        </a:p>
+      </dgm:t>
+    </dgm:pt>
+    <dgm:pt modelId="{19BD2698-B84E-4074-87A5-6270DFD35566}" type="parTrans" cxnId="{2AC8998C-9318-460E-B811-02F7B45B39AC}">
+      <dgm:prSet/>
+      <dgm:spPr/>
+      <dgm:t>
+        <a:bodyPr/>
+        <a:lstStyle/>
+        <a:p>
+          <a:endParaRPr lang="en-US"/>
+        </a:p>
+      </dgm:t>
+    </dgm:pt>
+    <dgm:pt modelId="{62E10C28-2D70-4169-88D1-EA138A4DE8BF}" type="sibTrans" cxnId="{2AC8998C-9318-460E-B811-02F7B45B39AC}">
+      <dgm:prSet/>
+      <dgm:spPr/>
+      <dgm:t>
+        <a:bodyPr/>
+        <a:lstStyle/>
+        <a:p>
+          <a:endParaRPr lang="en-US"/>
+        </a:p>
+      </dgm:t>
+    </dgm:pt>
+    <dgm:pt modelId="{C232D6DF-8747-4491-A939-360E7F3E2627}">
+      <dgm:prSet phldrT="[Text]"/>
+      <dgm:spPr/>
+      <dgm:t>
+        <a:bodyPr/>
+        <a:lstStyle/>
+        <a:p>
+          <a:r>
+            <a:rPr lang="en-US" dirty="0"/>
+            <a:t>Removed stop words</a:t>
+          </a:r>
+        </a:p>
+      </dgm:t>
+    </dgm:pt>
+    <dgm:pt modelId="{0BA2FE8E-C0C4-424D-8067-E9781A7C603C}" type="parTrans" cxnId="{66710BD8-8BFA-4C2F-83D8-84D6F190AA0B}">
+      <dgm:prSet/>
+      <dgm:spPr/>
+      <dgm:t>
+        <a:bodyPr/>
+        <a:lstStyle/>
+        <a:p>
+          <a:endParaRPr lang="en-US"/>
+        </a:p>
+      </dgm:t>
+    </dgm:pt>
+    <dgm:pt modelId="{6A82E673-A879-4218-832C-71EF427459F1}" type="sibTrans" cxnId="{66710BD8-8BFA-4C2F-83D8-84D6F190AA0B}">
+      <dgm:prSet/>
+      <dgm:spPr/>
+      <dgm:t>
+        <a:bodyPr/>
+        <a:lstStyle/>
+        <a:p>
+          <a:endParaRPr lang="en-US"/>
+        </a:p>
+      </dgm:t>
+    </dgm:pt>
+    <dgm:pt modelId="{BAA947F0-2657-4B40-A467-F2B6BAC926A0}">
+      <dgm:prSet phldrT="[Text]"/>
+      <dgm:spPr/>
+      <dgm:t>
+        <a:bodyPr/>
+        <a:lstStyle/>
+        <a:p>
+          <a:r>
+            <a:rPr lang="en-US" dirty="0"/>
+            <a:t>Lemmatization</a:t>
+          </a:r>
+        </a:p>
+      </dgm:t>
+    </dgm:pt>
+    <dgm:pt modelId="{672B7C21-88E9-4ABE-955A-B1C0E7CED70A}" type="parTrans" cxnId="{8DA193A2-7DA1-4826-9F14-16C02C74AC5F}">
+      <dgm:prSet/>
+      <dgm:spPr/>
+      <dgm:t>
+        <a:bodyPr/>
+        <a:lstStyle/>
+        <a:p>
+          <a:endParaRPr lang="en-US"/>
+        </a:p>
+      </dgm:t>
+    </dgm:pt>
+    <dgm:pt modelId="{D55FBA07-6968-4AE1-A96B-6C4FED3FE8A7}" type="sibTrans" cxnId="{8DA193A2-7DA1-4826-9F14-16C02C74AC5F}">
+      <dgm:prSet/>
+      <dgm:spPr/>
+      <dgm:t>
+        <a:bodyPr/>
+        <a:lstStyle/>
+        <a:p>
+          <a:endParaRPr lang="en-US"/>
+        </a:p>
+      </dgm:t>
+    </dgm:pt>
+    <dgm:pt modelId="{D0E31E0F-59C1-4172-95E8-F6C5A9D3D571}">
+      <dgm:prSet phldrT="[Text]"/>
+      <dgm:spPr/>
+      <dgm:t>
+        <a:bodyPr/>
+        <a:lstStyle/>
+        <a:p>
+          <a:r>
+            <a:rPr lang="en-US" dirty="0"/>
+            <a:t>Converting time</a:t>
+          </a:r>
+        </a:p>
+      </dgm:t>
+    </dgm:pt>
+    <dgm:pt modelId="{B375484E-EF80-4838-96E7-3A26E0DACB20}" type="parTrans" cxnId="{AEE6841A-3A17-4982-A099-6827DD178035}">
+      <dgm:prSet/>
+      <dgm:spPr/>
+      <dgm:t>
+        <a:bodyPr/>
+        <a:lstStyle/>
+        <a:p>
+          <a:endParaRPr lang="en-US"/>
+        </a:p>
+      </dgm:t>
+    </dgm:pt>
+    <dgm:pt modelId="{24FAE4B7-DDCE-43D6-9532-75884C89F7E3}" type="sibTrans" cxnId="{AEE6841A-3A17-4982-A099-6827DD178035}">
+      <dgm:prSet/>
+      <dgm:spPr/>
+      <dgm:t>
+        <a:bodyPr/>
+        <a:lstStyle/>
+        <a:p>
+          <a:endParaRPr lang="en-US"/>
+        </a:p>
+      </dgm:t>
+    </dgm:pt>
+    <dgm:pt modelId="{C6A9DA2E-640D-4214-85BD-617297FEDC48}">
+      <dgm:prSet phldrT="[Text]"/>
+      <dgm:spPr/>
+      <dgm:t>
+        <a:bodyPr/>
+        <a:lstStyle/>
+        <a:p>
+          <a:r>
+            <a:rPr lang="en-US" dirty="0"/>
+            <a:t>Reddit API outputs seconds since </a:t>
+          </a:r>
+          <a:r>
+            <a:rPr lang="en-US" dirty="0" err="1"/>
+            <a:t>unix</a:t>
+          </a:r>
+          <a:r>
+            <a:rPr lang="en-US" dirty="0"/>
+            <a:t> epoch</a:t>
+          </a:r>
+        </a:p>
+      </dgm:t>
+    </dgm:pt>
+    <dgm:pt modelId="{50D7BFF9-9E28-4488-8FA0-C49BB2CD143F}" type="parTrans" cxnId="{D646CF12-ECBB-4B32-8496-E2FE563BD6AB}">
+      <dgm:prSet/>
+      <dgm:spPr/>
+      <dgm:t>
+        <a:bodyPr/>
+        <a:lstStyle/>
+        <a:p>
+          <a:endParaRPr lang="en-US"/>
+        </a:p>
+      </dgm:t>
+    </dgm:pt>
+    <dgm:pt modelId="{C6288091-8190-4EB3-847C-3A139CCC8BC7}" type="sibTrans" cxnId="{D646CF12-ECBB-4B32-8496-E2FE563BD6AB}">
+      <dgm:prSet/>
+      <dgm:spPr/>
+      <dgm:t>
+        <a:bodyPr/>
+        <a:lstStyle/>
+        <a:p>
+          <a:endParaRPr lang="en-US"/>
+        </a:p>
+      </dgm:t>
+    </dgm:pt>
+    <dgm:pt modelId="{82D8BB8A-F5F7-47DC-B439-4D4A6DCB08DB}">
+      <dgm:prSet phldrT="[Text]"/>
+      <dgm:spPr/>
+      <dgm:t>
+        <a:bodyPr/>
+        <a:lstStyle/>
+        <a:p>
+          <a:r>
+            <a:rPr lang="en-US" dirty="0"/>
+            <a:t>Converted to US central time</a:t>
+          </a:r>
+        </a:p>
+      </dgm:t>
+    </dgm:pt>
+    <dgm:pt modelId="{DB423D59-498B-4DD3-8094-D02D205C6F24}" type="parTrans" cxnId="{DAA55A2F-3BF5-4377-A393-E3EBC2260CB1}">
+      <dgm:prSet/>
+      <dgm:spPr/>
+      <dgm:t>
+        <a:bodyPr/>
+        <a:lstStyle/>
+        <a:p>
+          <a:endParaRPr lang="en-US"/>
+        </a:p>
+      </dgm:t>
+    </dgm:pt>
+    <dgm:pt modelId="{617840DC-0723-4FCB-917F-C42F1C73A389}" type="sibTrans" cxnId="{DAA55A2F-3BF5-4377-A393-E3EBC2260CB1}">
+      <dgm:prSet/>
+      <dgm:spPr/>
+      <dgm:t>
+        <a:bodyPr/>
+        <a:lstStyle/>
+        <a:p>
+          <a:endParaRPr lang="en-US"/>
+        </a:p>
+      </dgm:t>
+    </dgm:pt>
+    <dgm:pt modelId="{E82F942F-EFD3-45CD-ACE6-061BD981C31A}">
+      <dgm:prSet phldrT="[Text]"/>
+      <dgm:spPr/>
+      <dgm:t>
+        <a:bodyPr/>
+        <a:lstStyle/>
+        <a:p>
+          <a:r>
+            <a:rPr lang="en-US" dirty="0"/>
+            <a:t>Cleaning text data for sentiment analysis</a:t>
+          </a:r>
+        </a:p>
+      </dgm:t>
+    </dgm:pt>
+    <dgm:pt modelId="{79F9B3F3-1BEB-4875-85F1-1B9B4C9BC2B2}" type="parTrans" cxnId="{B1319334-CED5-4566-B76C-D7AF298A5485}">
+      <dgm:prSet/>
+      <dgm:spPr/>
+      <dgm:t>
+        <a:bodyPr/>
+        <a:lstStyle/>
+        <a:p>
+          <a:endParaRPr lang="en-US"/>
+        </a:p>
+      </dgm:t>
+    </dgm:pt>
+    <dgm:pt modelId="{3B9B76D3-F989-4FC4-ACC9-D741CEBA7946}" type="sibTrans" cxnId="{B1319334-CED5-4566-B76C-D7AF298A5485}">
+      <dgm:prSet/>
+      <dgm:spPr/>
+      <dgm:t>
+        <a:bodyPr/>
+        <a:lstStyle/>
+        <a:p>
+          <a:endParaRPr lang="en-US"/>
+        </a:p>
+      </dgm:t>
+    </dgm:pt>
+    <dgm:pt modelId="{9309C218-CA73-4D4F-A5F9-1C9809F4BC11}">
+      <dgm:prSet phldrT="[Text]"/>
+      <dgm:spPr/>
+      <dgm:t>
+        <a:bodyPr/>
+        <a:lstStyle/>
+        <a:p>
+          <a:r>
+            <a:rPr lang="en-US" dirty="0"/>
+            <a:t>Remove non ascii characters</a:t>
+          </a:r>
+        </a:p>
+      </dgm:t>
+    </dgm:pt>
+    <dgm:pt modelId="{A6DC885D-CB27-4992-AD47-8A9523AF930C}" type="parTrans" cxnId="{D301536E-7C60-4180-B6B3-68046B0F4F10}">
+      <dgm:prSet/>
+      <dgm:spPr/>
+      <dgm:t>
+        <a:bodyPr/>
+        <a:lstStyle/>
+        <a:p>
+          <a:endParaRPr lang="en-US"/>
+        </a:p>
+      </dgm:t>
+    </dgm:pt>
+    <dgm:pt modelId="{54BF2094-E9D5-49F8-BB7C-8F5ED9C8EB02}" type="sibTrans" cxnId="{D301536E-7C60-4180-B6B3-68046B0F4F10}">
+      <dgm:prSet/>
+      <dgm:spPr/>
+      <dgm:t>
+        <a:bodyPr/>
+        <a:lstStyle/>
+        <a:p>
+          <a:endParaRPr lang="en-US"/>
+        </a:p>
+      </dgm:t>
+    </dgm:pt>
+    <dgm:pt modelId="{0C0C332C-FE2B-436C-A3DD-724BFFE1E694}">
+      <dgm:prSet phldrT="[Text]"/>
+      <dgm:spPr/>
+      <dgm:t>
+        <a:bodyPr/>
+        <a:lstStyle/>
+        <a:p>
+          <a:r>
+            <a:rPr lang="en-US" dirty="0"/>
+            <a:t>Remove emojis</a:t>
+          </a:r>
+        </a:p>
+      </dgm:t>
+    </dgm:pt>
+    <dgm:pt modelId="{D76FD430-5855-412B-A8F1-0665D0E02810}" type="parTrans" cxnId="{25E934E2-2FD6-4224-95CD-A25531180E59}">
+      <dgm:prSet/>
+      <dgm:spPr/>
+      <dgm:t>
+        <a:bodyPr/>
+        <a:lstStyle/>
+        <a:p>
+          <a:endParaRPr lang="en-US"/>
+        </a:p>
+      </dgm:t>
+    </dgm:pt>
+    <dgm:pt modelId="{70288E34-E59E-43B3-8A23-6FBFD794C93D}" type="sibTrans" cxnId="{25E934E2-2FD6-4224-95CD-A25531180E59}">
+      <dgm:prSet/>
+      <dgm:spPr/>
+      <dgm:t>
+        <a:bodyPr/>
+        <a:lstStyle/>
+        <a:p>
+          <a:endParaRPr lang="en-US"/>
+        </a:p>
+      </dgm:t>
+    </dgm:pt>
+    <dgm:pt modelId="{E82458A6-AE19-4C5D-8EDB-99D805FD2435}" type="pres">
+      <dgm:prSet presAssocID="{C3236E9F-986E-43AB-A383-DF6D1AC1F68B}" presName="Name0" presStyleCnt="0">
+        <dgm:presLayoutVars>
+          <dgm:dir/>
+          <dgm:animLvl val="lvl"/>
+          <dgm:resizeHandles val="exact"/>
+        </dgm:presLayoutVars>
+      </dgm:prSet>
+      <dgm:spPr/>
+    </dgm:pt>
+    <dgm:pt modelId="{1F8055B5-888F-4BBB-AAF1-2F3255E81E96}" type="pres">
+      <dgm:prSet presAssocID="{03445371-05AB-4F0E-AC88-63867A768BAA}" presName="linNode" presStyleCnt="0"/>
+      <dgm:spPr/>
+    </dgm:pt>
+    <dgm:pt modelId="{71CEB461-FDFF-4C28-B584-B691A21587C3}" type="pres">
+      <dgm:prSet presAssocID="{03445371-05AB-4F0E-AC88-63867A768BAA}" presName="parentText" presStyleLbl="node1" presStyleIdx="0" presStyleCnt="3">
+        <dgm:presLayoutVars>
+          <dgm:chMax val="1"/>
+          <dgm:bulletEnabled val="1"/>
+        </dgm:presLayoutVars>
+      </dgm:prSet>
+      <dgm:spPr/>
+    </dgm:pt>
+    <dgm:pt modelId="{59B2AB0D-0CD2-4510-ABAA-768DB6596D43}" type="pres">
+      <dgm:prSet presAssocID="{03445371-05AB-4F0E-AC88-63867A768BAA}" presName="descendantText" presStyleLbl="alignAccFollowNode1" presStyleIdx="0" presStyleCnt="3">
+        <dgm:presLayoutVars>
+          <dgm:bulletEnabled val="1"/>
+        </dgm:presLayoutVars>
+      </dgm:prSet>
+      <dgm:spPr/>
+    </dgm:pt>
+    <dgm:pt modelId="{D261F9C4-2509-4888-A930-6744659BCD03}" type="pres">
+      <dgm:prSet presAssocID="{62E10C28-2D70-4169-88D1-EA138A4DE8BF}" presName="sp" presStyleCnt="0"/>
+      <dgm:spPr/>
+    </dgm:pt>
+    <dgm:pt modelId="{B2FB3D4B-5ACB-44F6-BAEF-EA7CD7FD1975}" type="pres">
+      <dgm:prSet presAssocID="{D0E31E0F-59C1-4172-95E8-F6C5A9D3D571}" presName="linNode" presStyleCnt="0"/>
+      <dgm:spPr/>
+    </dgm:pt>
+    <dgm:pt modelId="{BF959207-7AB4-4CE4-BA41-F32AB138BA6E}" type="pres">
+      <dgm:prSet presAssocID="{D0E31E0F-59C1-4172-95E8-F6C5A9D3D571}" presName="parentText" presStyleLbl="node1" presStyleIdx="1" presStyleCnt="3">
+        <dgm:presLayoutVars>
+          <dgm:chMax val="1"/>
+          <dgm:bulletEnabled val="1"/>
+        </dgm:presLayoutVars>
+      </dgm:prSet>
+      <dgm:spPr/>
+    </dgm:pt>
+    <dgm:pt modelId="{1F34F253-7104-4299-89AA-231C8C99C817}" type="pres">
+      <dgm:prSet presAssocID="{D0E31E0F-59C1-4172-95E8-F6C5A9D3D571}" presName="descendantText" presStyleLbl="alignAccFollowNode1" presStyleIdx="1" presStyleCnt="3">
+        <dgm:presLayoutVars>
+          <dgm:bulletEnabled val="1"/>
+        </dgm:presLayoutVars>
+      </dgm:prSet>
+      <dgm:spPr/>
+    </dgm:pt>
+    <dgm:pt modelId="{7D7B378C-6B5D-4CBA-A109-67289547190F}" type="pres">
+      <dgm:prSet presAssocID="{24FAE4B7-DDCE-43D6-9532-75884C89F7E3}" presName="sp" presStyleCnt="0"/>
+      <dgm:spPr/>
+    </dgm:pt>
+    <dgm:pt modelId="{961E63FB-9F17-4404-8E00-5F99C53AECC0}" type="pres">
+      <dgm:prSet presAssocID="{E82F942F-EFD3-45CD-ACE6-061BD981C31A}" presName="linNode" presStyleCnt="0"/>
+      <dgm:spPr/>
+    </dgm:pt>
+    <dgm:pt modelId="{61D5A1A4-943E-428A-8C03-9451E8D9BACE}" type="pres">
+      <dgm:prSet presAssocID="{E82F942F-EFD3-45CD-ACE6-061BD981C31A}" presName="parentText" presStyleLbl="node1" presStyleIdx="2" presStyleCnt="3">
+        <dgm:presLayoutVars>
+          <dgm:chMax val="1"/>
+          <dgm:bulletEnabled val="1"/>
+        </dgm:presLayoutVars>
+      </dgm:prSet>
+      <dgm:spPr/>
+    </dgm:pt>
+    <dgm:pt modelId="{E57B1493-0DB2-4062-979B-E3078DCBAACB}" type="pres">
+      <dgm:prSet presAssocID="{E82F942F-EFD3-45CD-ACE6-061BD981C31A}" presName="descendantText" presStyleLbl="alignAccFollowNode1" presStyleIdx="2" presStyleCnt="3">
+        <dgm:presLayoutVars>
+          <dgm:bulletEnabled val="1"/>
+        </dgm:presLayoutVars>
+      </dgm:prSet>
+      <dgm:spPr/>
+    </dgm:pt>
+  </dgm:ptLst>
+  <dgm:cxnLst>
+    <dgm:cxn modelId="{D646CF12-ECBB-4B32-8496-E2FE563BD6AB}" srcId="{D0E31E0F-59C1-4172-95E8-F6C5A9D3D571}" destId="{C6A9DA2E-640D-4214-85BD-617297FEDC48}" srcOrd="0" destOrd="0" parTransId="{50D7BFF9-9E28-4488-8FA0-C49BB2CD143F}" sibTransId="{C6288091-8190-4EB3-847C-3A139CCC8BC7}"/>
+    <dgm:cxn modelId="{AEE6841A-3A17-4982-A099-6827DD178035}" srcId="{C3236E9F-986E-43AB-A383-DF6D1AC1F68B}" destId="{D0E31E0F-59C1-4172-95E8-F6C5A9D3D571}" srcOrd="1" destOrd="0" parTransId="{B375484E-EF80-4838-96E7-3A26E0DACB20}" sibTransId="{24FAE4B7-DDCE-43D6-9532-75884C89F7E3}"/>
+    <dgm:cxn modelId="{7AD0BA1F-1CB8-4A28-A858-454C84A9EC41}" type="presOf" srcId="{E82F942F-EFD3-45CD-ACE6-061BD981C31A}" destId="{61D5A1A4-943E-428A-8C03-9451E8D9BACE}" srcOrd="0" destOrd="0" presId="urn:microsoft.com/office/officeart/2005/8/layout/vList5"/>
+    <dgm:cxn modelId="{64C33522-379E-41EB-AB49-EE15CDF80735}" type="presOf" srcId="{0C0C332C-FE2B-436C-A3DD-724BFFE1E694}" destId="{E57B1493-0DB2-4062-979B-E3078DCBAACB}" srcOrd="0" destOrd="1" presId="urn:microsoft.com/office/officeart/2005/8/layout/vList5"/>
+    <dgm:cxn modelId="{DAA55A2F-3BF5-4377-A393-E3EBC2260CB1}" srcId="{D0E31E0F-59C1-4172-95E8-F6C5A9D3D571}" destId="{82D8BB8A-F5F7-47DC-B439-4D4A6DCB08DB}" srcOrd="1" destOrd="0" parTransId="{DB423D59-498B-4DD3-8094-D02D205C6F24}" sibTransId="{617840DC-0723-4FCB-917F-C42F1C73A389}"/>
+    <dgm:cxn modelId="{B1319334-CED5-4566-B76C-D7AF298A5485}" srcId="{C3236E9F-986E-43AB-A383-DF6D1AC1F68B}" destId="{E82F942F-EFD3-45CD-ACE6-061BD981C31A}" srcOrd="2" destOrd="0" parTransId="{79F9B3F3-1BEB-4875-85F1-1B9B4C9BC2B2}" sibTransId="{3B9B76D3-F989-4FC4-ACC9-D741CEBA7946}"/>
+    <dgm:cxn modelId="{D6762869-F1FE-4868-B531-2A67F85FD0A6}" type="presOf" srcId="{C232D6DF-8747-4491-A939-360E7F3E2627}" destId="{59B2AB0D-0CD2-4510-ABAA-768DB6596D43}" srcOrd="0" destOrd="0" presId="urn:microsoft.com/office/officeart/2005/8/layout/vList5"/>
+    <dgm:cxn modelId="{D301536E-7C60-4180-B6B3-68046B0F4F10}" srcId="{E82F942F-EFD3-45CD-ACE6-061BD981C31A}" destId="{9309C218-CA73-4D4F-A5F9-1C9809F4BC11}" srcOrd="0" destOrd="0" parTransId="{A6DC885D-CB27-4992-AD47-8A9523AF930C}" sibTransId="{54BF2094-E9D5-49F8-BB7C-8F5ED9C8EB02}"/>
+    <dgm:cxn modelId="{D8663880-B842-4772-9094-F2A4F73D7A88}" type="presOf" srcId="{C3236E9F-986E-43AB-A383-DF6D1AC1F68B}" destId="{E82458A6-AE19-4C5D-8EDB-99D805FD2435}" srcOrd="0" destOrd="0" presId="urn:microsoft.com/office/officeart/2005/8/layout/vList5"/>
+    <dgm:cxn modelId="{2AC8998C-9318-460E-B811-02F7B45B39AC}" srcId="{C3236E9F-986E-43AB-A383-DF6D1AC1F68B}" destId="{03445371-05AB-4F0E-AC88-63867A768BAA}" srcOrd="0" destOrd="0" parTransId="{19BD2698-B84E-4074-87A5-6270DFD35566}" sibTransId="{62E10C28-2D70-4169-88D1-EA138A4DE8BF}"/>
+    <dgm:cxn modelId="{C78B3F96-E110-4E24-AABB-9464E4A98E3C}" type="presOf" srcId="{03445371-05AB-4F0E-AC88-63867A768BAA}" destId="{71CEB461-FDFF-4C28-B584-B691A21587C3}" srcOrd="0" destOrd="0" presId="urn:microsoft.com/office/officeart/2005/8/layout/vList5"/>
+    <dgm:cxn modelId="{8DA193A2-7DA1-4826-9F14-16C02C74AC5F}" srcId="{03445371-05AB-4F0E-AC88-63867A768BAA}" destId="{BAA947F0-2657-4B40-A467-F2B6BAC926A0}" srcOrd="1" destOrd="0" parTransId="{672B7C21-88E9-4ABE-955A-B1C0E7CED70A}" sibTransId="{D55FBA07-6968-4AE1-A96B-6C4FED3FE8A7}"/>
+    <dgm:cxn modelId="{3A336EA7-FC88-4641-94D5-E6328572389B}" type="presOf" srcId="{D0E31E0F-59C1-4172-95E8-F6C5A9D3D571}" destId="{BF959207-7AB4-4CE4-BA41-F32AB138BA6E}" srcOrd="0" destOrd="0" presId="urn:microsoft.com/office/officeart/2005/8/layout/vList5"/>
+    <dgm:cxn modelId="{66710BD8-8BFA-4C2F-83D8-84D6F190AA0B}" srcId="{03445371-05AB-4F0E-AC88-63867A768BAA}" destId="{C232D6DF-8747-4491-A939-360E7F3E2627}" srcOrd="0" destOrd="0" parTransId="{0BA2FE8E-C0C4-424D-8067-E9781A7C603C}" sibTransId="{6A82E673-A879-4218-832C-71EF427459F1}"/>
+    <dgm:cxn modelId="{25E934E2-2FD6-4224-95CD-A25531180E59}" srcId="{E82F942F-EFD3-45CD-ACE6-061BD981C31A}" destId="{0C0C332C-FE2B-436C-A3DD-724BFFE1E694}" srcOrd="1" destOrd="0" parTransId="{D76FD430-5855-412B-A8F1-0665D0E02810}" sibTransId="{70288E34-E59E-43B3-8A23-6FBFD794C93D}"/>
+    <dgm:cxn modelId="{1897F6F3-C7E6-4387-8600-4CCD28846C03}" type="presOf" srcId="{9309C218-CA73-4D4F-A5F9-1C9809F4BC11}" destId="{E57B1493-0DB2-4062-979B-E3078DCBAACB}" srcOrd="0" destOrd="0" presId="urn:microsoft.com/office/officeart/2005/8/layout/vList5"/>
+    <dgm:cxn modelId="{AEEE33FA-9ED2-4EC6-918F-3F62A6EA4AEB}" type="presOf" srcId="{BAA947F0-2657-4B40-A467-F2B6BAC926A0}" destId="{59B2AB0D-0CD2-4510-ABAA-768DB6596D43}" srcOrd="0" destOrd="1" presId="urn:microsoft.com/office/officeart/2005/8/layout/vList5"/>
+    <dgm:cxn modelId="{1D6F1EFE-450F-41A6-9425-270043FB3CD5}" type="presOf" srcId="{82D8BB8A-F5F7-47DC-B439-4D4A6DCB08DB}" destId="{1F34F253-7104-4299-89AA-231C8C99C817}" srcOrd="0" destOrd="1" presId="urn:microsoft.com/office/officeart/2005/8/layout/vList5"/>
+    <dgm:cxn modelId="{3BB9C6FF-769A-4129-98E5-B814C11B90EB}" type="presOf" srcId="{C6A9DA2E-640D-4214-85BD-617297FEDC48}" destId="{1F34F253-7104-4299-89AA-231C8C99C817}" srcOrd="0" destOrd="0" presId="urn:microsoft.com/office/officeart/2005/8/layout/vList5"/>
+    <dgm:cxn modelId="{832EBB23-283E-44E8-B44E-D6C007930EEB}" type="presParOf" srcId="{E82458A6-AE19-4C5D-8EDB-99D805FD2435}" destId="{1F8055B5-888F-4BBB-AAF1-2F3255E81E96}" srcOrd="0" destOrd="0" presId="urn:microsoft.com/office/officeart/2005/8/layout/vList5"/>
+    <dgm:cxn modelId="{B242A9BF-35FF-4902-B76A-541028D35157}" type="presParOf" srcId="{1F8055B5-888F-4BBB-AAF1-2F3255E81E96}" destId="{71CEB461-FDFF-4C28-B584-B691A21587C3}" srcOrd="0" destOrd="0" presId="urn:microsoft.com/office/officeart/2005/8/layout/vList5"/>
+    <dgm:cxn modelId="{5A113D82-95B4-45E8-A15B-96F5F62BD97D}" type="presParOf" srcId="{1F8055B5-888F-4BBB-AAF1-2F3255E81E96}" destId="{59B2AB0D-0CD2-4510-ABAA-768DB6596D43}" srcOrd="1" destOrd="0" presId="urn:microsoft.com/office/officeart/2005/8/layout/vList5"/>
+    <dgm:cxn modelId="{CADA103E-B9F4-4B76-A0D5-3A4A6F1501EB}" type="presParOf" srcId="{E82458A6-AE19-4C5D-8EDB-99D805FD2435}" destId="{D261F9C4-2509-4888-A930-6744659BCD03}" srcOrd="1" destOrd="0" presId="urn:microsoft.com/office/officeart/2005/8/layout/vList5"/>
+    <dgm:cxn modelId="{8B3E0F07-0B12-4CBE-9155-CDB4E0CAEBC9}" type="presParOf" srcId="{E82458A6-AE19-4C5D-8EDB-99D805FD2435}" destId="{B2FB3D4B-5ACB-44F6-BAEF-EA7CD7FD1975}" srcOrd="2" destOrd="0" presId="urn:microsoft.com/office/officeart/2005/8/layout/vList5"/>
+    <dgm:cxn modelId="{90BAADF4-983C-4D8F-A397-7B960DD6D355}" type="presParOf" srcId="{B2FB3D4B-5ACB-44F6-BAEF-EA7CD7FD1975}" destId="{BF959207-7AB4-4CE4-BA41-F32AB138BA6E}" srcOrd="0" destOrd="0" presId="urn:microsoft.com/office/officeart/2005/8/layout/vList5"/>
+    <dgm:cxn modelId="{82F9EE3C-97AA-47CC-8824-0E4AF438E8C7}" type="presParOf" srcId="{B2FB3D4B-5ACB-44F6-BAEF-EA7CD7FD1975}" destId="{1F34F253-7104-4299-89AA-231C8C99C817}" srcOrd="1" destOrd="0" presId="urn:microsoft.com/office/officeart/2005/8/layout/vList5"/>
+    <dgm:cxn modelId="{A09A6EE7-0A71-4F0A-9816-15C19EBEDC70}" type="presParOf" srcId="{E82458A6-AE19-4C5D-8EDB-99D805FD2435}" destId="{7D7B378C-6B5D-4CBA-A109-67289547190F}" srcOrd="3" destOrd="0" presId="urn:microsoft.com/office/officeart/2005/8/layout/vList5"/>
+    <dgm:cxn modelId="{949A463F-1244-453E-99D7-63BEB2819799}" type="presParOf" srcId="{E82458A6-AE19-4C5D-8EDB-99D805FD2435}" destId="{961E63FB-9F17-4404-8E00-5F99C53AECC0}" srcOrd="4" destOrd="0" presId="urn:microsoft.com/office/officeart/2005/8/layout/vList5"/>
+    <dgm:cxn modelId="{79D8AEB1-1EAC-4EEF-9124-2D630E29FDF4}" type="presParOf" srcId="{961E63FB-9F17-4404-8E00-5F99C53AECC0}" destId="{61D5A1A4-943E-428A-8C03-9451E8D9BACE}" srcOrd="0" destOrd="0" presId="urn:microsoft.com/office/officeart/2005/8/layout/vList5"/>
+    <dgm:cxn modelId="{04941472-6B87-4E5B-98D2-A8BFDAA87508}" type="presParOf" srcId="{961E63FB-9F17-4404-8E00-5F99C53AECC0}" destId="{E57B1493-0DB2-4062-979B-E3078DCBAACB}" srcOrd="1" destOrd="0" presId="urn:microsoft.com/office/officeart/2005/8/layout/vList5"/>
+  </dgm:cxnLst>
+  <dgm:bg/>
+  <dgm:whole/>
+  <dgm:extLst>
+    <a:ext uri="http://schemas.microsoft.com/office/drawing/2008/diagram">
+      <dsp:dataModelExt xmlns:dsp="http://schemas.microsoft.com/office/drawing/2008/diagram" relId="rId6" minVer="http://schemas.openxmlformats.org/drawingml/2006/diagram"/>
+    </a:ext>
+  </dgm:extLst>
+</dgm:dataModel>
+</file>
+
+<file path=ppt/diagrams/drawing1.xml><?xml version="1.0" encoding="utf-8"?>
+<dsp:drawing xmlns:dgm="http://schemas.openxmlformats.org/drawingml/2006/diagram" xmlns:dsp="http://schemas.microsoft.com/office/drawing/2008/diagram" xmlns:a="http://schemas.openxmlformats.org/drawingml/2006/main">
+  <dsp:spTree>
+    <dsp:nvGrpSpPr>
+      <dsp:cNvPr id="0" name=""/>
+      <dsp:cNvGrpSpPr/>
+    </dsp:nvGrpSpPr>
+    <dsp:grpSpPr/>
+    <dsp:sp modelId="{59B2AB0D-0CD2-4510-ABAA-768DB6596D43}">
+      <dsp:nvSpPr>
+        <dsp:cNvPr id="0" name=""/>
+        <dsp:cNvSpPr/>
+      </dsp:nvSpPr>
+      <dsp:spPr>
+        <a:xfrm rot="5400000">
+          <a:off x="4802041" y="-1820475"/>
+          <a:ext cx="1121829" cy="5047488"/>
+        </a:xfrm>
+        <a:prstGeom prst="round2SameRect">
+          <a:avLst/>
+        </a:prstGeom>
+        <a:solidFill>
+          <a:schemeClr val="accent1">
+            <a:alpha val="90000"/>
+            <a:tint val="40000"/>
+            <a:hueOff val="0"/>
+            <a:satOff val="0"/>
+            <a:lumOff val="0"/>
+            <a:alphaOff val="0"/>
+          </a:schemeClr>
+        </a:solidFill>
+        <a:ln w="12700" cap="flat" cmpd="sng" algn="ctr">
+          <a:solidFill>
+            <a:schemeClr val="accent1">
+              <a:alpha val="90000"/>
+              <a:tint val="40000"/>
+              <a:hueOff val="0"/>
+              <a:satOff val="0"/>
+              <a:lumOff val="0"/>
+              <a:alphaOff val="0"/>
+            </a:schemeClr>
+          </a:solidFill>
+          <a:prstDash val="solid"/>
+          <a:miter lim="800000"/>
+        </a:ln>
+        <a:effectLst/>
+      </dsp:spPr>
+      <dsp:style>
+        <a:lnRef idx="2">
+          <a:scrgbClr r="0" g="0" b="0"/>
+        </a:lnRef>
+        <a:fillRef idx="1">
+          <a:scrgbClr r="0" g="0" b="0"/>
+        </a:fillRef>
+        <a:effectRef idx="0">
+          <a:scrgbClr r="0" g="0" b="0"/>
+        </a:effectRef>
+        <a:fontRef idx="minor"/>
+      </dsp:style>
+      <dsp:txBody>
+        <a:bodyPr spcFirstLastPara="0" vert="horz" wrap="square" lIns="80010" tIns="40005" rIns="80010" bIns="40005" numCol="1" spcCol="1270" anchor="ctr" anchorCtr="0">
+          <a:noAutofit/>
+        </a:bodyPr>
+        <a:lstStyle/>
+        <a:p>
+          <a:pPr marL="228600" lvl="1" indent="-228600" algn="l" defTabSz="933450">
+            <a:lnSpc>
+              <a:spcPct val="90000"/>
+            </a:lnSpc>
+            <a:spcBef>
+              <a:spcPct val="0"/>
+            </a:spcBef>
+            <a:spcAft>
+              <a:spcPct val="15000"/>
+            </a:spcAft>
+            <a:buChar char="•"/>
+          </a:pPr>
+          <a:r>
+            <a:rPr lang="en-US" sz="2100" kern="1200" dirty="0"/>
+            <a:t>Removed stop words</a:t>
+          </a:r>
+        </a:p>
+        <a:p>
+          <a:pPr marL="228600" lvl="1" indent="-228600" algn="l" defTabSz="933450">
+            <a:lnSpc>
+              <a:spcPct val="90000"/>
+            </a:lnSpc>
+            <a:spcBef>
+              <a:spcPct val="0"/>
+            </a:spcBef>
+            <a:spcAft>
+              <a:spcPct val="15000"/>
+            </a:spcAft>
+            <a:buChar char="•"/>
+          </a:pPr>
+          <a:r>
+            <a:rPr lang="en-US" sz="2100" kern="1200" dirty="0"/>
+            <a:t>Lemmatization</a:t>
+          </a:r>
+        </a:p>
+      </dsp:txBody>
+      <dsp:txXfrm rot="-5400000">
+        <a:off x="2839212" y="197117"/>
+        <a:ext cx="4992725" cy="1012303"/>
+      </dsp:txXfrm>
+    </dsp:sp>
+    <dsp:sp modelId="{71CEB461-FDFF-4C28-B584-B691A21587C3}">
+      <dsp:nvSpPr>
+        <dsp:cNvPr id="0" name=""/>
+        <dsp:cNvSpPr/>
+      </dsp:nvSpPr>
+      <dsp:spPr>
+        <a:xfrm>
+          <a:off x="0" y="2124"/>
+          <a:ext cx="2839212" cy="1402286"/>
+        </a:xfrm>
+        <a:prstGeom prst="roundRect">
+          <a:avLst/>
+        </a:prstGeom>
+        <a:solidFill>
+          <a:schemeClr val="accent1">
+            <a:hueOff val="0"/>
+            <a:satOff val="0"/>
+            <a:lumOff val="0"/>
+            <a:alphaOff val="0"/>
+          </a:schemeClr>
+        </a:solidFill>
+        <a:ln w="12700" cap="flat" cmpd="sng" algn="ctr">
+          <a:solidFill>
+            <a:schemeClr val="lt1">
+              <a:hueOff val="0"/>
+              <a:satOff val="0"/>
+              <a:lumOff val="0"/>
+              <a:alphaOff val="0"/>
+            </a:schemeClr>
+          </a:solidFill>
+          <a:prstDash val="solid"/>
+          <a:miter lim="800000"/>
+        </a:ln>
+        <a:effectLst/>
+      </dsp:spPr>
+      <dsp:style>
+        <a:lnRef idx="2">
+          <a:scrgbClr r="0" g="0" b="0"/>
+        </a:lnRef>
+        <a:fillRef idx="1">
+          <a:scrgbClr r="0" g="0" b="0"/>
+        </a:fillRef>
+        <a:effectRef idx="0">
+          <a:scrgbClr r="0" g="0" b="0"/>
+        </a:effectRef>
+        <a:fontRef idx="minor">
+          <a:schemeClr val="lt1"/>
+        </a:fontRef>
+      </dsp:style>
+      <dsp:txBody>
+        <a:bodyPr spcFirstLastPara="0" vert="horz" wrap="square" lIns="99060" tIns="49530" rIns="99060" bIns="49530" numCol="1" spcCol="1270" anchor="ctr" anchorCtr="0">
+          <a:noAutofit/>
+        </a:bodyPr>
+        <a:lstStyle/>
+        <a:p>
+          <a:pPr marL="0" lvl="0" indent="0" algn="ctr" defTabSz="1155700">
+            <a:lnSpc>
+              <a:spcPct val="90000"/>
+            </a:lnSpc>
+            <a:spcBef>
+              <a:spcPct val="0"/>
+            </a:spcBef>
+            <a:spcAft>
+              <a:spcPct val="35000"/>
+            </a:spcAft>
+            <a:buNone/>
+          </a:pPr>
+          <a:r>
+            <a:rPr lang="en-US" sz="2600" kern="1200" dirty="0"/>
+            <a:t>Cleaning text for word cloud</a:t>
+          </a:r>
+        </a:p>
+      </dsp:txBody>
+      <dsp:txXfrm>
+        <a:off x="68454" y="70578"/>
+        <a:ext cx="2702304" cy="1265378"/>
+      </dsp:txXfrm>
+    </dsp:sp>
+    <dsp:sp modelId="{1F34F253-7104-4299-89AA-231C8C99C817}">
+      <dsp:nvSpPr>
+        <dsp:cNvPr id="0" name=""/>
+        <dsp:cNvSpPr/>
+      </dsp:nvSpPr>
+      <dsp:spPr>
+        <a:xfrm rot="5400000">
+          <a:off x="4802041" y="-348075"/>
+          <a:ext cx="1121829" cy="5047488"/>
+        </a:xfrm>
+        <a:prstGeom prst="round2SameRect">
+          <a:avLst/>
+        </a:prstGeom>
+        <a:solidFill>
+          <a:schemeClr val="accent1">
+            <a:alpha val="90000"/>
+            <a:tint val="40000"/>
+            <a:hueOff val="0"/>
+            <a:satOff val="0"/>
+            <a:lumOff val="0"/>
+            <a:alphaOff val="0"/>
+          </a:schemeClr>
+        </a:solidFill>
+        <a:ln w="12700" cap="flat" cmpd="sng" algn="ctr">
+          <a:solidFill>
+            <a:schemeClr val="accent1">
+              <a:alpha val="90000"/>
+              <a:tint val="40000"/>
+              <a:hueOff val="0"/>
+              <a:satOff val="0"/>
+              <a:lumOff val="0"/>
+              <a:alphaOff val="0"/>
+            </a:schemeClr>
+          </a:solidFill>
+          <a:prstDash val="solid"/>
+          <a:miter lim="800000"/>
+        </a:ln>
+        <a:effectLst/>
+      </dsp:spPr>
+      <dsp:style>
+        <a:lnRef idx="2">
+          <a:scrgbClr r="0" g="0" b="0"/>
+        </a:lnRef>
+        <a:fillRef idx="1">
+          <a:scrgbClr r="0" g="0" b="0"/>
+        </a:fillRef>
+        <a:effectRef idx="0">
+          <a:scrgbClr r="0" g="0" b="0"/>
+        </a:effectRef>
+        <a:fontRef idx="minor"/>
+      </dsp:style>
+      <dsp:txBody>
+        <a:bodyPr spcFirstLastPara="0" vert="horz" wrap="square" lIns="80010" tIns="40005" rIns="80010" bIns="40005" numCol="1" spcCol="1270" anchor="ctr" anchorCtr="0">
+          <a:noAutofit/>
+        </a:bodyPr>
+        <a:lstStyle/>
+        <a:p>
+          <a:pPr marL="228600" lvl="1" indent="-228600" algn="l" defTabSz="933450">
+            <a:lnSpc>
+              <a:spcPct val="90000"/>
+            </a:lnSpc>
+            <a:spcBef>
+              <a:spcPct val="0"/>
+            </a:spcBef>
+            <a:spcAft>
+              <a:spcPct val="15000"/>
+            </a:spcAft>
+            <a:buChar char="•"/>
+          </a:pPr>
+          <a:r>
+            <a:rPr lang="en-US" sz="2100" kern="1200" dirty="0"/>
+            <a:t>Reddit API outputs seconds since </a:t>
+          </a:r>
+          <a:r>
+            <a:rPr lang="en-US" sz="2100" kern="1200" dirty="0" err="1"/>
+            <a:t>unix</a:t>
+          </a:r>
+          <a:r>
+            <a:rPr lang="en-US" sz="2100" kern="1200" dirty="0"/>
+            <a:t> epoch</a:t>
+          </a:r>
+        </a:p>
+        <a:p>
+          <a:pPr marL="228600" lvl="1" indent="-228600" algn="l" defTabSz="933450">
+            <a:lnSpc>
+              <a:spcPct val="90000"/>
+            </a:lnSpc>
+            <a:spcBef>
+              <a:spcPct val="0"/>
+            </a:spcBef>
+            <a:spcAft>
+              <a:spcPct val="15000"/>
+            </a:spcAft>
+            <a:buChar char="•"/>
+          </a:pPr>
+          <a:r>
+            <a:rPr lang="en-US" sz="2100" kern="1200" dirty="0"/>
+            <a:t>Converted to US central time</a:t>
+          </a:r>
+        </a:p>
+      </dsp:txBody>
+      <dsp:txXfrm rot="-5400000">
+        <a:off x="2839212" y="1669517"/>
+        <a:ext cx="4992725" cy="1012303"/>
+      </dsp:txXfrm>
+    </dsp:sp>
+    <dsp:sp modelId="{BF959207-7AB4-4CE4-BA41-F32AB138BA6E}">
+      <dsp:nvSpPr>
+        <dsp:cNvPr id="0" name=""/>
+        <dsp:cNvSpPr/>
+      </dsp:nvSpPr>
+      <dsp:spPr>
+        <a:xfrm>
+          <a:off x="0" y="1474525"/>
+          <a:ext cx="2839212" cy="1402286"/>
+        </a:xfrm>
+        <a:prstGeom prst="roundRect">
+          <a:avLst/>
+        </a:prstGeom>
+        <a:solidFill>
+          <a:schemeClr val="accent1">
+            <a:hueOff val="0"/>
+            <a:satOff val="0"/>
+            <a:lumOff val="0"/>
+            <a:alphaOff val="0"/>
+          </a:schemeClr>
+        </a:solidFill>
+        <a:ln w="12700" cap="flat" cmpd="sng" algn="ctr">
+          <a:solidFill>
+            <a:schemeClr val="lt1">
+              <a:hueOff val="0"/>
+              <a:satOff val="0"/>
+              <a:lumOff val="0"/>
+              <a:alphaOff val="0"/>
+            </a:schemeClr>
+          </a:solidFill>
+          <a:prstDash val="solid"/>
+          <a:miter lim="800000"/>
+        </a:ln>
+        <a:effectLst/>
+      </dsp:spPr>
+      <dsp:style>
+        <a:lnRef idx="2">
+          <a:scrgbClr r="0" g="0" b="0"/>
+        </a:lnRef>
+        <a:fillRef idx="1">
+          <a:scrgbClr r="0" g="0" b="0"/>
+        </a:fillRef>
+        <a:effectRef idx="0">
+          <a:scrgbClr r="0" g="0" b="0"/>
+        </a:effectRef>
+        <a:fontRef idx="minor">
+          <a:schemeClr val="lt1"/>
+        </a:fontRef>
+      </dsp:style>
+      <dsp:txBody>
+        <a:bodyPr spcFirstLastPara="0" vert="horz" wrap="square" lIns="99060" tIns="49530" rIns="99060" bIns="49530" numCol="1" spcCol="1270" anchor="ctr" anchorCtr="0">
+          <a:noAutofit/>
+        </a:bodyPr>
+        <a:lstStyle/>
+        <a:p>
+          <a:pPr marL="0" lvl="0" indent="0" algn="ctr" defTabSz="1155700">
+            <a:lnSpc>
+              <a:spcPct val="90000"/>
+            </a:lnSpc>
+            <a:spcBef>
+              <a:spcPct val="0"/>
+            </a:spcBef>
+            <a:spcAft>
+              <a:spcPct val="35000"/>
+            </a:spcAft>
+            <a:buNone/>
+          </a:pPr>
+          <a:r>
+            <a:rPr lang="en-US" sz="2600" kern="1200" dirty="0"/>
+            <a:t>Converting time</a:t>
+          </a:r>
+        </a:p>
+      </dsp:txBody>
+      <dsp:txXfrm>
+        <a:off x="68454" y="1542979"/>
+        <a:ext cx="2702304" cy="1265378"/>
+      </dsp:txXfrm>
+    </dsp:sp>
+    <dsp:sp modelId="{E57B1493-0DB2-4062-979B-E3078DCBAACB}">
+      <dsp:nvSpPr>
+        <dsp:cNvPr id="0" name=""/>
+        <dsp:cNvSpPr/>
+      </dsp:nvSpPr>
+      <dsp:spPr>
+        <a:xfrm rot="5400000">
+          <a:off x="4802041" y="1124325"/>
+          <a:ext cx="1121829" cy="5047488"/>
+        </a:xfrm>
+        <a:prstGeom prst="round2SameRect">
+          <a:avLst/>
+        </a:prstGeom>
+        <a:solidFill>
+          <a:schemeClr val="accent1">
+            <a:alpha val="90000"/>
+            <a:tint val="40000"/>
+            <a:hueOff val="0"/>
+            <a:satOff val="0"/>
+            <a:lumOff val="0"/>
+            <a:alphaOff val="0"/>
+          </a:schemeClr>
+        </a:solidFill>
+        <a:ln w="12700" cap="flat" cmpd="sng" algn="ctr">
+          <a:solidFill>
+            <a:schemeClr val="accent1">
+              <a:alpha val="90000"/>
+              <a:tint val="40000"/>
+              <a:hueOff val="0"/>
+              <a:satOff val="0"/>
+              <a:lumOff val="0"/>
+              <a:alphaOff val="0"/>
+            </a:schemeClr>
+          </a:solidFill>
+          <a:prstDash val="solid"/>
+          <a:miter lim="800000"/>
+        </a:ln>
+        <a:effectLst/>
+      </dsp:spPr>
+      <dsp:style>
+        <a:lnRef idx="2">
+          <a:scrgbClr r="0" g="0" b="0"/>
+        </a:lnRef>
+        <a:fillRef idx="1">
+          <a:scrgbClr r="0" g="0" b="0"/>
+        </a:fillRef>
+        <a:effectRef idx="0">
+          <a:scrgbClr r="0" g="0" b="0"/>
+        </a:effectRef>
+        <a:fontRef idx="minor"/>
+      </dsp:style>
+      <dsp:txBody>
+        <a:bodyPr spcFirstLastPara="0" vert="horz" wrap="square" lIns="80010" tIns="40005" rIns="80010" bIns="40005" numCol="1" spcCol="1270" anchor="ctr" anchorCtr="0">
+          <a:noAutofit/>
+        </a:bodyPr>
+        <a:lstStyle/>
+        <a:p>
+          <a:pPr marL="228600" lvl="1" indent="-228600" algn="l" defTabSz="933450">
+            <a:lnSpc>
+              <a:spcPct val="90000"/>
+            </a:lnSpc>
+            <a:spcBef>
+              <a:spcPct val="0"/>
+            </a:spcBef>
+            <a:spcAft>
+              <a:spcPct val="15000"/>
+            </a:spcAft>
+            <a:buChar char="•"/>
+          </a:pPr>
+          <a:r>
+            <a:rPr lang="en-US" sz="2100" kern="1200" dirty="0"/>
+            <a:t>Remove non ascii characters</a:t>
+          </a:r>
+        </a:p>
+        <a:p>
+          <a:pPr marL="228600" lvl="1" indent="-228600" algn="l" defTabSz="933450">
+            <a:lnSpc>
+              <a:spcPct val="90000"/>
+            </a:lnSpc>
+            <a:spcBef>
+              <a:spcPct val="0"/>
+            </a:spcBef>
+            <a:spcAft>
+              <a:spcPct val="15000"/>
+            </a:spcAft>
+            <a:buChar char="•"/>
+          </a:pPr>
+          <a:r>
+            <a:rPr lang="en-US" sz="2100" kern="1200" dirty="0"/>
+            <a:t>Remove emojis</a:t>
+          </a:r>
+        </a:p>
+      </dsp:txBody>
+      <dsp:txXfrm rot="-5400000">
+        <a:off x="2839212" y="3141918"/>
+        <a:ext cx="4992725" cy="1012303"/>
+      </dsp:txXfrm>
+    </dsp:sp>
+    <dsp:sp modelId="{61D5A1A4-943E-428A-8C03-9451E8D9BACE}">
+      <dsp:nvSpPr>
+        <dsp:cNvPr id="0" name=""/>
+        <dsp:cNvSpPr/>
+      </dsp:nvSpPr>
+      <dsp:spPr>
+        <a:xfrm>
+          <a:off x="0" y="2946926"/>
+          <a:ext cx="2839212" cy="1402286"/>
+        </a:xfrm>
+        <a:prstGeom prst="roundRect">
+          <a:avLst/>
+        </a:prstGeom>
+        <a:solidFill>
+          <a:schemeClr val="accent1">
+            <a:hueOff val="0"/>
+            <a:satOff val="0"/>
+            <a:lumOff val="0"/>
+            <a:alphaOff val="0"/>
+          </a:schemeClr>
+        </a:solidFill>
+        <a:ln w="12700" cap="flat" cmpd="sng" algn="ctr">
+          <a:solidFill>
+            <a:schemeClr val="lt1">
+              <a:hueOff val="0"/>
+              <a:satOff val="0"/>
+              <a:lumOff val="0"/>
+              <a:alphaOff val="0"/>
+            </a:schemeClr>
+          </a:solidFill>
+          <a:prstDash val="solid"/>
+          <a:miter lim="800000"/>
+        </a:ln>
+        <a:effectLst/>
+      </dsp:spPr>
+      <dsp:style>
+        <a:lnRef idx="2">
+          <a:scrgbClr r="0" g="0" b="0"/>
+        </a:lnRef>
+        <a:fillRef idx="1">
+          <a:scrgbClr r="0" g="0" b="0"/>
+        </a:fillRef>
+        <a:effectRef idx="0">
+          <a:scrgbClr r="0" g="0" b="0"/>
+        </a:effectRef>
+        <a:fontRef idx="minor">
+          <a:schemeClr val="lt1"/>
+        </a:fontRef>
+      </dsp:style>
+      <dsp:txBody>
+        <a:bodyPr spcFirstLastPara="0" vert="horz" wrap="square" lIns="99060" tIns="49530" rIns="99060" bIns="49530" numCol="1" spcCol="1270" anchor="ctr" anchorCtr="0">
+          <a:noAutofit/>
+        </a:bodyPr>
+        <a:lstStyle/>
+        <a:p>
+          <a:pPr marL="0" lvl="0" indent="0" algn="ctr" defTabSz="1155700">
+            <a:lnSpc>
+              <a:spcPct val="90000"/>
+            </a:lnSpc>
+            <a:spcBef>
+              <a:spcPct val="0"/>
+            </a:spcBef>
+            <a:spcAft>
+              <a:spcPct val="35000"/>
+            </a:spcAft>
+            <a:buNone/>
+          </a:pPr>
+          <a:r>
+            <a:rPr lang="en-US" sz="2600" kern="1200" dirty="0"/>
+            <a:t>Cleaning text data for sentiment analysis</a:t>
+          </a:r>
+        </a:p>
+      </dsp:txBody>
+      <dsp:txXfrm>
+        <a:off x="68454" y="3015380"/>
+        <a:ext cx="2702304" cy="1265378"/>
+      </dsp:txXfrm>
+    </dsp:sp>
+  </dsp:spTree>
+</dsp:drawing>
+</file>
+
+<file path=ppt/diagrams/layout1.xml><?xml version="1.0" encoding="utf-8"?>
+<dgm:layoutDef xmlns:dgm="http://schemas.openxmlformats.org/drawingml/2006/diagram" xmlns:a="http://schemas.openxmlformats.org/drawingml/2006/main" uniqueId="urn:microsoft.com/office/officeart/2005/8/layout/vList5">
+  <dgm:title val=""/>
+  <dgm:desc val=""/>
+  <dgm:catLst>
+    <dgm:cat type="list" pri="15000"/>
+    <dgm:cat type="convert" pri="2000"/>
+  </dgm:catLst>
+  <dgm:sampData>
+    <dgm:dataModel>
+      <dgm:ptLst>
+        <dgm:pt modelId="0" type="doc"/>
+        <dgm:pt modelId="1">
+          <dgm:prSet phldr="1"/>
+        </dgm:pt>
+        <dgm:pt modelId="11">
+          <dgm:prSet phldr="1"/>
+        </dgm:pt>
+        <dgm:pt modelId="12">
+          <dgm:prSet phldr="1"/>
+        </dgm:pt>
+        <dgm:pt modelId="2">
+          <dgm:prSet phldr="1"/>
+        </dgm:pt>
+        <dgm:pt modelId="21">
+          <dgm:prSet phldr="1"/>
+        </dgm:pt>
+        <dgm:pt modelId="22">
+          <dgm:prSet phldr="1"/>
+        </dgm:pt>
+        <dgm:pt modelId="3">
+          <dgm:prSet phldr="1"/>
+        </dgm:pt>
+        <dgm:pt modelId="31">
+          <dgm:prSet phldr="1"/>
+        </dgm:pt>
+        <dgm:pt modelId="32">
+          <dgm:prSet phldr="1"/>
+        </dgm:pt>
+      </dgm:ptLst>
+      <dgm:cxnLst>
+        <dgm:cxn modelId="4" srcId="0" destId="1" srcOrd="0" destOrd="0"/>
+        <dgm:cxn modelId="5" srcId="0" destId="2" srcOrd="1" destOrd="0"/>
+        <dgm:cxn modelId="6" srcId="0" destId="3" srcOrd="2" destOrd="0"/>
+        <dgm:cxn modelId="13" srcId="1" destId="11" srcOrd="0" destOrd="0"/>
+        <dgm:cxn modelId="14" srcId="1" destId="12" srcOrd="1" destOrd="0"/>
+        <dgm:cxn modelId="23" srcId="2" destId="21" srcOrd="0" destOrd="0"/>
+        <dgm:cxn modelId="24" srcId="2" destId="22" srcOrd="1" destOrd="0"/>
+        <dgm:cxn modelId="33" srcId="3" destId="31" srcOrd="0" destOrd="0"/>
+        <dgm:cxn modelId="34" srcId="3" destId="32" srcOrd="1" destOrd="0"/>
+      </dgm:cxnLst>
+      <dgm:bg/>
+      <dgm:whole/>
+    </dgm:dataModel>
+  </dgm:sampData>
+  <dgm:styleData>
+    <dgm:dataModel>
+      <dgm:ptLst>
+        <dgm:pt modelId="0" type="doc"/>
+        <dgm:pt modelId="1"/>
+        <dgm:pt modelId="11"/>
+        <dgm:pt modelId="2"/>
+        <dgm:pt modelId="21"/>
+      </dgm:ptLst>
+      <dgm:cxnLst>
+        <dgm:cxn modelId="4" srcId="0" destId="1" srcOrd="0" destOrd="0"/>
+        <dgm:cxn modelId="5" srcId="0" destId="2" srcOrd="1" destOrd="0"/>
+        <dgm:cxn modelId="13" srcId="1" destId="11" srcOrd="0" destOrd="0"/>
+        <dgm:cxn modelId="23" srcId="2" destId="21" srcOrd="0" destOrd="0"/>
+      </dgm:cxnLst>
+      <dgm:bg/>
+      <dgm:whole/>
+    </dgm:dataModel>
+  </dgm:styleData>
+  <dgm:clrData>
+    <dgm:dataModel>
+      <dgm:ptLst>
+        <dgm:pt modelId="0" type="doc"/>
+        <dgm:pt modelId="1"/>
+        <dgm:pt modelId="11"/>
+        <dgm:pt modelId="2"/>
+        <dgm:pt modelId="21"/>
+        <dgm:pt modelId="3"/>
+        <dgm:pt modelId="31"/>
+        <dgm:pt modelId="4"/>
+        <dgm:pt modelId="41"/>
+      </dgm:ptLst>
+      <dgm:cxnLst>
+        <dgm:cxn modelId="5" srcId="0" destId="1" srcOrd="0" destOrd="0"/>
+        <dgm:cxn modelId="6" srcId="0" destId="2" srcOrd="1" destOrd="0"/>
+        <dgm:cxn modelId="7" srcId="0" destId="3" srcOrd="2" destOrd="0"/>
+        <dgm:cxn modelId="8" srcId="0" destId="4" srcOrd="3" destOrd="0"/>
+        <dgm:cxn modelId="13" srcId="1" destId="11" srcOrd="0" destOrd="0"/>
+        <dgm:cxn modelId="23" srcId="2" destId="21" srcOrd="0" destOrd="0"/>
+        <dgm:cxn modelId="33" srcId="3" destId="31" srcOrd="0" destOrd="0"/>
+        <dgm:cxn modelId="43" srcId="4" destId="41" srcOrd="0" destOrd="0"/>
+      </dgm:cxnLst>
+      <dgm:bg/>
+      <dgm:whole/>
+    </dgm:dataModel>
+  </dgm:clrData>
+  <dgm:layoutNode name="Name0">
+    <dgm:varLst>
+      <dgm:dir/>
+      <dgm:animLvl val="lvl"/>
+      <dgm:resizeHandles val="exact"/>
+    </dgm:varLst>
+    <dgm:choose name="Name1">
+      <dgm:if name="Name2" func="var" arg="dir" op="equ" val="norm">
+        <dgm:alg type="lin">
+          <dgm:param type="linDir" val="fromT"/>
+          <dgm:param type="nodeHorzAlign" val="l"/>
+        </dgm:alg>
+      </dgm:if>
+      <dgm:else name="Name3">
+        <dgm:alg type="lin">
+          <dgm:param type="linDir" val="fromT"/>
+          <dgm:param type="nodeHorzAlign" val="r"/>
+        </dgm:alg>
+      </dgm:else>
+    </dgm:choose>
+    <dgm:shape xmlns:r="http://schemas.openxmlformats.org/officeDocument/2006/relationships" r:blip="">
+      <dgm:adjLst/>
+    </dgm:shape>
+    <dgm:presOf/>
+    <dgm:constrLst>
+      <dgm:constr type="h" for="ch" forName="linNode" refType="h"/>
+      <dgm:constr type="w" for="ch" forName="linNode" refType="w"/>
+      <dgm:constr type="h" for="ch" forName="sp" refType="h" fact="0.05"/>
+      <dgm:constr type="primFontSz" for="des" forName="parentText" op="equ" val="65"/>
+      <dgm:constr type="secFontSz" for="des" forName="descendantText" op="equ"/>
+    </dgm:constrLst>
+    <dgm:ruleLst/>
+    <dgm:forEach name="Name4" axis="ch" ptType="node">
+      <dgm:layoutNode name="linNode">
+        <dgm:choose name="Name5">
+          <dgm:if name="Name6" func="var" arg="dir" op="equ" val="norm">
+            <dgm:alg type="lin">
+              <dgm:param type="linDir" val="fromL"/>
+            </dgm:alg>
+          </dgm:if>
+          <dgm:else name="Name7">
+            <dgm:alg type="lin">
+              <dgm:param type="linDir" val="fromR"/>
+            </dgm:alg>
+          </dgm:else>
+        </dgm:choose>
+        <dgm:shape xmlns:r="http://schemas.openxmlformats.org/officeDocument/2006/relationships" r:blip="">
+          <dgm:adjLst/>
+        </dgm:shape>
+        <dgm:presOf/>
+        <dgm:constrLst>
+          <dgm:constr type="w" for="ch" forName="parentText" refType="w" fact="0.36"/>
+          <dgm:constr type="w" for="ch" forName="descendantText" refType="w" fact="0.64"/>
+          <dgm:constr type="h" for="ch" forName="parentText" refType="h"/>
+          <dgm:constr type="h" for="ch" forName="descendantText" refType="h" refFor="ch" refForName="parentText" fact="0.8"/>
+        </dgm:constrLst>
+        <dgm:ruleLst/>
+        <dgm:layoutNode name="parentText">
+          <dgm:varLst>
+            <dgm:chMax val="1"/>
+            <dgm:bulletEnabled val="1"/>
+          </dgm:varLst>
+          <dgm:alg type="tx"/>
+          <dgm:shape xmlns:r="http://schemas.openxmlformats.org/officeDocument/2006/relationships" type="roundRect" r:blip="" zOrderOff="3">
+            <dgm:adjLst/>
+          </dgm:shape>
+          <dgm:presOf axis="self" ptType="node"/>
+          <dgm:constrLst>
+            <dgm:constr type="tMarg" refType="primFontSz" fact="0.15"/>
+            <dgm:constr type="bMarg" refType="primFontSz" fact="0.15"/>
+            <dgm:constr type="lMarg" refType="primFontSz" fact="0.3"/>
+            <dgm:constr type="rMarg" refType="primFontSz" fact="0.3"/>
+          </dgm:constrLst>
+          <dgm:ruleLst>
+            <dgm:rule type="primFontSz" val="5" fact="NaN" max="NaN"/>
+          </dgm:ruleLst>
+        </dgm:layoutNode>
+        <dgm:choose name="Name8">
+          <dgm:if name="Name9" axis="ch" ptType="node" func="cnt" op="gte" val="1">
+            <dgm:layoutNode name="descendantText" styleLbl="alignAccFollowNode1">
+              <dgm:varLst>
+                <dgm:bulletEnabled val="1"/>
+              </dgm:varLst>
+              <dgm:alg type="tx">
+                <dgm:param type="stBulletLvl" val="1"/>
+                <dgm:param type="txAnchorVertCh" val="mid"/>
+              </dgm:alg>
+              <dgm:choose name="Name10">
+                <dgm:if name="Name11" func="var" arg="dir" op="equ" val="norm">
+                  <dgm:shape xmlns:r="http://schemas.openxmlformats.org/officeDocument/2006/relationships" rot="90" type="round2SameRect" r:blip="">
+                    <dgm:adjLst/>
+                  </dgm:shape>
+                </dgm:if>
+                <dgm:else name="Name12">
+                  <dgm:shape xmlns:r="http://schemas.openxmlformats.org/officeDocument/2006/relationships" rot="-90" type="round2SameRect" r:blip="">
+                    <dgm:adjLst/>
+                  </dgm:shape>
+                </dgm:else>
+              </dgm:choose>
+              <dgm:presOf axis="des" ptType="node"/>
+              <dgm:constrLst>
+                <dgm:constr type="secFontSz" val="65"/>
+                <dgm:constr type="primFontSz" refType="secFontSz"/>
+                <dgm:constr type="lMarg" refType="secFontSz" fact="0.3"/>
+                <dgm:constr type="rMarg" refType="secFontSz" fact="0.3"/>
+                <dgm:constr type="tMarg" refType="secFontSz" fact="0.15"/>
+                <dgm:constr type="bMarg" refType="secFontSz" fact="0.15"/>
+              </dgm:constrLst>
+              <dgm:ruleLst>
+                <dgm:rule type="secFontSz" val="5" fact="NaN" max="NaN"/>
+              </dgm:ruleLst>
+            </dgm:layoutNode>
+          </dgm:if>
+          <dgm:else name="Name13"/>
+        </dgm:choose>
+      </dgm:layoutNode>
+      <dgm:forEach name="Name14" axis="followSib" ptType="sibTrans" cnt="1">
+        <dgm:layoutNode name="sp">
+          <dgm:alg type="sp"/>
+          <dgm:shape xmlns:r="http://schemas.openxmlformats.org/officeDocument/2006/relationships" r:blip="">
+            <dgm:adjLst/>
+          </dgm:shape>
+          <dgm:presOf/>
+          <dgm:constrLst/>
+          <dgm:ruleLst/>
+        </dgm:layoutNode>
+      </dgm:forEach>
+    </dgm:forEach>
+  </dgm:layoutNode>
+</dgm:layoutDef>
+</file>
+
+<file path=ppt/diagrams/quickStyle1.xml><?xml version="1.0" encoding="utf-8"?>
+<dgm:styleDef xmlns:dgm="http://schemas.openxmlformats.org/drawingml/2006/diagram" xmlns:a="http://schemas.openxmlformats.org/drawingml/2006/main" uniqueId="urn:microsoft.com/office/officeart/2005/8/quickstyle/simple1">
+  <dgm:title val=""/>
+  <dgm:desc val=""/>
+  <dgm:catLst>
+    <dgm:cat type="simple" pri="10100"/>
+  </dgm:catLst>
+  <dgm:scene3d>
+    <a:camera prst="orthographicFront"/>
+    <a:lightRig rig="threePt" dir="t"/>
+  </dgm:scene3d>
+  <dgm:styleLbl name="node0">
+    <dgm:scene3d>
+      <a:camera prst="orthographicFront"/>
+      <a:lightRig rig="threePt" dir="t"/>
+    </dgm:scene3d>
+    <dgm:sp3d/>
+    <dgm:txPr/>
+    <dgm:style>
+      <a:lnRef idx="2">
+        <a:scrgbClr r="0" g="0" b="0"/>
+      </a:lnRef>
+      <a:fillRef idx="1">
+        <a:scrgbClr r="0" g="0" b="0"/>
+      </a:fillRef>
+      <a:effectRef idx="0">
+        <a:scrgbClr r="0" g="0" b="0"/>
+      </a:effectRef>
+      <a:fontRef idx="minor">
+        <a:schemeClr val="lt1"/>
+      </a:fontRef>
+    </dgm:style>
+  </dgm:styleLbl>
+  <dgm:styleLbl name="lnNode1">
+    <dgm:scene3d>
+      <a:camera prst="orthographicFront"/>
+      <a:lightRig rig="threePt" dir="t"/>
+    </dgm:scene3d>
+    <dgm:sp3d/>
+    <dgm:txPr/>
+    <dgm:style>
+      <a:lnRef idx="2">
+        <a:scrgbClr r="0" g="0" b="0"/>
+      </a:lnRef>
+      <a:fillRef idx="1">
+        <a:scrgbClr r="0" g="0" b="0"/>
+      </a:fillRef>
+      <a:effectRef idx="0">
+        <a:scrgbClr r="0" g="0" b="0"/>
+      </a:effectRef>
+      <a:fontRef idx="minor">
+        <a:schemeClr val="lt1"/>
+      </a:fontRef>
+    </dgm:style>
+  </dgm:styleLbl>
+  <dgm:styleLbl name="vennNode1">
+    <dgm:scene3d>
+      <a:camera prst="orthographicFront"/>
+      <a:lightRig rig="threePt" dir="t"/>
+    </dgm:scene3d>
+    <dgm:sp3d/>
+    <dgm:txPr/>
+    <dgm:style>
+      <a:lnRef idx="2">
+        <a:scrgbClr r="0" g="0" b="0"/>
+      </a:lnRef>
+      <a:fillRef idx="1">
+        <a:scrgbClr r="0" g="0" b="0"/>
+      </a:fillRef>
+      <a:effectRef idx="0">
+        <a:scrgbClr r="0" g="0" b="0"/>
+      </a:effectRef>
+      <a:fontRef idx="minor">
+        <a:schemeClr val="tx1"/>
+      </a:fontRef>
+    </dgm:style>
+  </dgm:styleLbl>
+  <dgm:styleLbl name="alignNode1">
+    <dgm:scene3d>
+      <a:camera prst="orthographicFront"/>
+      <a:lightRig rig="threePt" dir="t"/>
+    </dgm:scene3d>
+    <dgm:sp3d/>
+    <dgm:txPr/>
+    <dgm:style>
+      <a:lnRef idx="2">
+        <a:scrgbClr r="0" g="0" b="0"/>
+      </a:lnRef>
+      <a:fillRef idx="1">
+        <a:scrgbClr r="0" g="0" b="0"/>
+      </a:fillRef>
+      <a:effectRef idx="0">
+        <a:scrgbClr r="0" g="0" b="0"/>
+      </a:effectRef>
+      <a:fontRef idx="minor">
+        <a:schemeClr val="lt1"/>
+      </a:fontRef>
+    </dgm:style>
+  </dgm:styleLbl>
+  <dgm:styleLbl name="node1">
+    <dgm:scene3d>
+      <a:camera prst="orthographicFront"/>
+      <a:lightRig rig="threePt" dir="t"/>
+    </dgm:scene3d>
+    <dgm:sp3d/>
+    <dgm:txPr/>
+    <dgm:style>
+      <a:lnRef idx="2">
+        <a:scrgbClr r="0" g="0" b="0"/>
+      </a:lnRef>
+      <a:fillRef idx="1">
+        <a:scrgbClr r="0" g="0" b="0"/>
+      </a:fillRef>
+      <a:effectRef idx="0">
+        <a:scrgbClr r="0" g="0" b="0"/>
+      </a:effectRef>
+      <a:fontRef idx="minor">
+        <a:schemeClr val="lt1"/>
+      </a:fontRef>
+    </dgm:style>
+  </dgm:styleLbl>
+  <dgm:styleLbl name="node2">
+    <dgm:scene3d>
+      <a:camera prst="orthographicFront"/>
+      <a:lightRig rig="threePt" dir="t"/>
+    </dgm:scene3d>
+    <dgm:sp3d/>
+    <dgm:txPr/>
+    <dgm:style>
+      <a:lnRef idx="2">
+        <a:scrgbClr r="0" g="0" b="0"/>
+      </a:lnRef>
+      <a:fillRef idx="1">
+        <a:scrgbClr r="0" g="0" b="0"/>
+      </a:fillRef>
+      <a:effectRef idx="0">
+        <a:scrgbClr r="0" g="0" b="0"/>
+      </a:effectRef>
+      <a:fontRef idx="minor">
+        <a:schemeClr val="lt1"/>
+      </a:fontRef>
+    </dgm:style>
+  </dgm:styleLbl>
+  <dgm:styleLbl name="node3">
+    <dgm:scene3d>
+      <a:camera prst="orthographicFront"/>
+      <a:lightRig rig="threePt" dir="t"/>
+    </dgm:scene3d>
+    <dgm:sp3d/>
+    <dgm:txPr/>
+    <dgm:style>
+      <a:lnRef idx="2">
+        <a:scrgbClr r="0" g="0" b="0"/>
+      </a:lnRef>
+      <a:fillRef idx="1">
+        <a:scrgbClr r="0" g="0" b="0"/>
+      </a:fillRef>
+      <a:effectRef idx="0">
+        <a:scrgbClr r="0" g="0" b="0"/>
+      </a:effectRef>
+      <a:fontRef idx="minor">
+        <a:schemeClr val="lt1"/>
+      </a:fontRef>
+    </dgm:style>
+  </dgm:styleLbl>
+  <dgm:styleLbl name="node4">
+    <dgm:scene3d>
+      <a:camera prst="orthographicFront"/>
+      <a:lightRig rig="threePt" dir="t"/>
+    </dgm:scene3d>
+    <dgm:sp3d/>
+    <dgm:txPr/>
+    <dgm:style>
+      <a:lnRef idx="2">
+        <a:scrgbClr r="0" g="0" b="0"/>
+      </a:lnRef>
+      <a:fillRef idx="1">
+        <a:scrgbClr r="0" g="0" b="0"/>
+      </a:fillRef>
+      <a:effectRef idx="0">
+        <a:scrgbClr r="0" g="0" b="0"/>
+      </a:effectRef>
+      <a:fontRef idx="minor">
+        <a:schemeClr val="lt1"/>
+      </a:fontRef>
+    </dgm:style>
+  </dgm:styleLbl>
+  <dgm:styleLbl name="fgImgPlace1">
+    <dgm:scene3d>
+      <a:camera prst="orthographicFront"/>
+      <a:lightRig rig="threePt" dir="t"/>
+    </dgm:scene3d>
+    <dgm:sp3d/>
+    <dgm:txPr/>
+    <dgm:style>
+      <a:lnRef idx="2">
+        <a:scrgbClr r="0" g="0" b="0"/>
+      </a:lnRef>
+      <a:fillRef idx="1">
+        <a:scrgbClr r="0" g="0" b="0"/>
+      </a:fillRef>
+      <a:effectRef idx="0">
+        <a:scrgbClr r="0" g="0" b="0"/>
+      </a:effectRef>
+      <a:fontRef idx="minor"/>
+    </dgm:style>
+  </dgm:styleLbl>
+  <dgm:styleLbl name="alignImgPlace1">
+    <dgm:scene3d>
+      <a:camera prst="orthographicFront"/>
+      <a:lightRig rig="threePt" dir="t"/>
+    </dgm:scene3d>
+    <dgm:sp3d/>
+    <dgm:txPr/>
+    <dgm:style>
+      <a:lnRef idx="2">
+        <a:scrgbClr r="0" g="0" b="0"/>
+      </a:lnRef>
+      <a:fillRef idx="1">
+        <a:scrgbClr r="0" g="0" b="0"/>
+      </a:fillRef>
+      <a:effectRef idx="0">
+        <a:scrgbClr r="0" g="0" b="0"/>
+      </a:effectRef>
+      <a:fontRef idx="minor"/>
+    </dgm:style>
+  </dgm:styleLbl>
+  <dgm:styleLbl name="bgImgPlace1">
+    <dgm:scene3d>
+      <a:camera prst="orthographicFront"/>
+      <a:lightRig rig="threePt" dir="t"/>
+    </dgm:scene3d>
+    <dgm:sp3d/>
+    <dgm:txPr/>
+    <dgm:style>
+      <a:lnRef idx="2">
+        <a:scrgbClr r="0" g="0" b="0"/>
+      </a:lnRef>
+      <a:fillRef idx="1">
+        <a:scrgbClr r="0" g="0" b="0"/>
+      </a:fillRef>
+      <a:effectRef idx="0">
+        <a:scrgbClr r="0" g="0" b="0"/>
+      </a:effectRef>
+      <a:fontRef idx="minor"/>
+    </dgm:style>
+  </dgm:styleLbl>
+  <dgm:styleLbl name="sibTrans2D1">
+    <dgm:scene3d>
+      <a:camera prst="orthographicFront"/>
+      <a:lightRig rig="threePt" dir="t"/>
+    </dgm:scene3d>
+    <dgm:sp3d/>
+    <dgm:txPr/>
+    <dgm:style>
+      <a:lnRef idx="0">
+        <a:scrgbClr r="0" g="0" b="0"/>
+      </a:lnRef>
+      <a:fillRef idx="1">
+        <a:scrgbClr r="0" g="0" b="0"/>
+      </a:fillRef>
+      <a:effectRef idx="0">
+        <a:scrgbClr r="0" g="0" b="0"/>
+      </a:effectRef>
+      <a:fontRef idx="minor">
+        <a:schemeClr val="lt1"/>
+      </a:fontRef>
+    </dgm:style>
+  </dgm:styleLbl>
+  <dgm:styleLbl name="fgSibTrans2D1">
+    <dgm:scene3d>
+      <a:camera prst="orthographicFront"/>
+      <a:lightRig rig="threePt" dir="t"/>
+    </dgm:scene3d>
+    <dgm:sp3d/>
+    <dgm:txPr/>
+    <dgm:style>
+      <a:lnRef idx="0">
+        <a:scrgbClr r="0" g="0" b="0"/>
+      </a:lnRef>
+      <a:fillRef idx="1">
+        <a:scrgbClr r="0" g="0" b="0"/>
+      </a:fillRef>
+      <a:effectRef idx="0">
+        <a:scrgbClr r="0" g="0" b="0"/>
+      </a:effectRef>
+      <a:fontRef idx="minor">
+        <a:schemeClr val="lt1"/>
+      </a:fontRef>
+    </dgm:style>
+  </dgm:styleLbl>
+  <dgm:styleLbl name="bgSibTrans2D1">
+    <dgm:scene3d>
+      <a:camera prst="orthographicFront"/>
+      <a:lightRig rig="threePt" dir="t"/>
+    </dgm:scene3d>
+    <dgm:sp3d/>
+    <dgm:txPr/>
+    <dgm:style>
+      <a:lnRef idx="0">
+        <a:scrgbClr r="0" g="0" b="0"/>
+      </a:lnRef>
+      <a:fillRef idx="1">
+        <a:scrgbClr r="0" g="0" b="0"/>
+      </a:fillRef>
+      <a:effectRef idx="0">
+        <a:scrgbClr r="0" g="0" b="0"/>
+      </a:effectRef>
+      <a:fontRef idx="minor">
+        <a:schemeClr val="lt1"/>
+      </a:fontRef>
+    </dgm:style>
+  </dgm:styleLbl>
+  <dgm:styleLbl name="sibTrans1D1">
+    <dgm:scene3d>
+      <a:camera prst="orthographicFront"/>
+      <a:lightRig rig="threePt" dir="t"/>
+    </dgm:scene3d>
+    <dgm:sp3d/>
+    <dgm:txPr/>
+    <dgm:style>
+      <a:lnRef idx="1">
+        <a:scrgbClr r="0" g="0" b="0"/>
+      </a:lnRef>
+      <a:fillRef idx="0">
+        <a:scrgbClr r="0" g="0" b="0"/>
+      </a:fillRef>
+      <a:effectRef idx="0">
+        <a:scrgbClr r="0" g="0" b="0"/>
+      </a:effectRef>
+      <a:fontRef idx="minor"/>
+    </dgm:style>
+  </dgm:styleLbl>
+  <dgm:styleLbl name="callout">
+    <dgm:scene3d>
+      <a:camera prst="orthographicFront"/>
+      <a:lightRig rig="threePt" dir="t"/>
+    </dgm:scene3d>
+    <dgm:sp3d/>
+    <dgm:txPr/>
+    <dgm:style>
+      <a:lnRef idx="2">
+        <a:scrgbClr r="0" g="0" b="0"/>
+      </a:lnRef>
+      <a:fillRef idx="1">
+        <a:scrgbClr r="0" g="0" b="0"/>
+      </a:fillRef>
+      <a:effectRef idx="0">
+        <a:scrgbClr r="0" g="0" b="0"/>
+      </a:effectRef>
+      <a:fontRef idx="minor"/>
+    </dgm:style>
+  </dgm:styleLbl>
+  <dgm:styleLbl name="asst0">
+    <dgm:scene3d>
+      <a:camera prst="orthographicFront"/>
+      <a:lightRig rig="threePt" dir="t"/>
+    </dgm:scene3d>
+    <dgm:sp3d/>
+    <dgm:txPr/>
+    <dgm:style>
+      <a:lnRef idx="2">
+        <a:scrgbClr r="0" g="0" b="0"/>
+      </a:lnRef>
+      <a:fillRef idx="1">
+        <a:scrgbClr r="0" g="0" b="0"/>
+      </a:fillRef>
+      <a:effectRef idx="0">
+        <a:scrgbClr r="0" g="0" b="0"/>
+      </a:effectRef>
+      <a:fontRef idx="minor">
+        <a:schemeClr val="lt1"/>
+      </a:fontRef>
+    </dgm:style>
+  </dgm:styleLbl>
+  <dgm:styleLbl name="asst1">
+    <dgm:scene3d>
+      <a:camera prst="orthographicFront"/>
+      <a:lightRig rig="threePt" dir="t"/>
+    </dgm:scene3d>
+    <dgm:sp3d/>
+    <dgm:txPr/>
+    <dgm:style>
+      <a:lnRef idx="2">
+        <a:scrgbClr r="0" g="0" b="0"/>
+      </a:lnRef>
+      <a:fillRef idx="1">
+        <a:scrgbClr r="0" g="0" b="0"/>
+      </a:fillRef>
+      <a:effectRef idx="0">
+        <a:scrgbClr r="0" g="0" b="0"/>
+      </a:effectRef>
+      <a:fontRef idx="minor">
+        <a:schemeClr val="lt1"/>
+      </a:fontRef>
+    </dgm:style>
+  </dgm:styleLbl>
+  <dgm:styleLbl name="asst2">
+    <dgm:scene3d>
+      <a:camera prst="orthographicFront"/>
+      <a:lightRig rig="threePt" dir="t"/>
+    </dgm:scene3d>
+    <dgm:sp3d/>
+    <dgm:txPr/>
+    <dgm:style>
+      <a:lnRef idx="2">
+        <a:scrgbClr r="0" g="0" b="0"/>
+      </a:lnRef>
+      <a:fillRef idx="1">
+        <a:scrgbClr r="0" g="0" b="0"/>
+      </a:fillRef>
+      <a:effectRef idx="0">
+        <a:scrgbClr r="0" g="0" b="0"/>
+      </a:effectRef>
+      <a:fontRef idx="minor">
+        <a:schemeClr val="lt1"/>
+      </a:fontRef>
+    </dgm:style>
+  </dgm:styleLbl>
+  <dgm:styleLbl name="asst3">
+    <dgm:scene3d>
+      <a:camera prst="orthographicFront"/>
+      <a:lightRig rig="threePt" dir="t"/>
+    </dgm:scene3d>
+    <dgm:sp3d/>
+    <dgm:txPr/>
+    <dgm:style>
+      <a:lnRef idx="2">
+        <a:scrgbClr r="0" g="0" b="0"/>
+      </a:lnRef>
+      <a:fillRef idx="1">
+        <a:scrgbClr r="0" g="0" b="0"/>
+      </a:fillRef>
+      <a:effectRef idx="0">
+        <a:scrgbClr r="0" g="0" b="0"/>
+      </a:effectRef>
+      <a:fontRef idx="minor">
+        <a:schemeClr val="lt1"/>
+      </a:fontRef>
+    </dgm:style>
+  </dgm:styleLbl>
+  <dgm:styleLbl name="asst4">
+    <dgm:scene3d>
+      <a:camera prst="orthographicFront"/>
+      <a:lightRig rig="threePt" dir="t"/>
+    </dgm:scene3d>
+    <dgm:sp3d/>
+    <dgm:txPr/>
+    <dgm:style>
+      <a:lnRef idx="2">
+        <a:scrgbClr r="0" g="0" b="0"/>
+      </a:lnRef>
+      <a:fillRef idx="1">
+        <a:scrgbClr r="0" g="0" b="0"/>
+      </a:fillRef>
+      <a:effectRef idx="0">
+        <a:scrgbClr r="0" g="0" b="0"/>
+      </a:effectRef>
+      <a:fontRef idx="minor">
+        <a:schemeClr val="lt1"/>
+      </a:fontRef>
+    </dgm:style>
+  </dgm:styleLbl>
+  <dgm:styleLbl name="parChTrans2D1">
+    <dgm:scene3d>
+      <a:camera prst="orthographicFront"/>
+      <a:lightRig rig="threePt" dir="t"/>
+    </dgm:scene3d>
+    <dgm:sp3d/>
+    <dgm:txPr/>
+    <dgm:style>
+      <a:lnRef idx="2">
+        <a:scrgbClr r="0" g="0" b="0"/>
+      </a:lnRef>
+      <a:fillRef idx="1">
+        <a:scrgbClr r="0" g="0" b="0"/>
+      </a:fillRef>
+      <a:effectRef idx="0">
+        <a:scrgbClr r="0" g="0" b="0"/>
+      </a:effectRef>
+      <a:fontRef idx="minor">
+        <a:schemeClr val="lt1"/>
+      </a:fontRef>
+    </dgm:style>
+  </dgm:styleLbl>
+  <dgm:styleLbl name="parChTrans2D2">
+    <dgm:scene3d>
+      <a:camera prst="orthographicFront"/>
+      <a:lightRig rig="threePt" dir="t"/>
+    </dgm:scene3d>
+    <dgm:sp3d/>
+    <dgm:txPr/>
+    <dgm:style>
+      <a:lnRef idx="2">
+        <a:scrgbClr r="0" g="0" b="0"/>
+      </a:lnRef>
+      <a:fillRef idx="1">
+        <a:scrgbClr r="0" g="0" b="0"/>
+      </a:fillRef>
+      <a:effectRef idx="0">
+        <a:scrgbClr r="0" g="0" b="0"/>
+      </a:effectRef>
+      <a:fontRef idx="minor">
+        <a:schemeClr val="lt1"/>
+      </a:fontRef>
+    </dgm:style>
+  </dgm:styleLbl>
+  <dgm:styleLbl name="parChTrans2D3">
+    <dgm:scene3d>
+      <a:camera prst="orthographicFront"/>
+      <a:lightRig rig="threePt" dir="t"/>
+    </dgm:scene3d>
+    <dgm:sp3d/>
+    <dgm:txPr/>
+    <dgm:style>
+      <a:lnRef idx="2">
+        <a:scrgbClr r="0" g="0" b="0"/>
+      </a:lnRef>
+      <a:fillRef idx="1">
+        <a:scrgbClr r="0" g="0" b="0"/>
+      </a:fillRef>
+      <a:effectRef idx="0">
+        <a:scrgbClr r="0" g="0" b="0"/>
+      </a:effectRef>
+      <a:fontRef idx="minor">
+        <a:schemeClr val="lt1"/>
+      </a:fontRef>
+    </dgm:style>
+  </dgm:styleLbl>
+  <dgm:styleLbl name="parChTrans2D4">
+    <dgm:scene3d>
+      <a:camera prst="orthographicFront"/>
+      <a:lightRig rig="threePt" dir="t"/>
+    </dgm:scene3d>
+    <dgm:sp3d/>
+    <dgm:txPr/>
+    <dgm:style>
+      <a:lnRef idx="2">
+        <a:scrgbClr r="0" g="0" b="0"/>
+      </a:lnRef>
+      <a:fillRef idx="1">
+        <a:scrgbClr r="0" g="0" b="0"/>
+      </a:fillRef>
+      <a:effectRef idx="0">
+        <a:scrgbClr r="0" g="0" b="0"/>
+      </a:effectRef>
+      <a:fontRef idx="minor">
+        <a:schemeClr val="lt1"/>
+      </a:fontRef>
+    </dgm:style>
+  </dgm:styleLbl>
+  <dgm:styleLbl name="parChTrans1D1">
+    <dgm:scene3d>
+      <a:camera prst="orthographicFront"/>
+      <a:lightRig rig="threePt" dir="t"/>
+    </dgm:scene3d>
+    <dgm:sp3d/>
+    <dgm:txPr/>
+    <dgm:style>
+      <a:lnRef idx="2">
+        <a:scrgbClr r="0" g="0" b="0"/>
+      </a:lnRef>
+      <a:fillRef idx="0">
+        <a:scrgbClr r="0" g="0" b="0"/>
+      </a:fillRef>
+      <a:effectRef idx="0">
+        <a:scrgbClr r="0" g="0" b="0"/>
+      </a:effectRef>
+      <a:fontRef idx="minor"/>
+    </dgm:style>
+  </dgm:styleLbl>
+  <dgm:styleLbl name="parChTrans1D2">
+    <dgm:scene3d>
+      <a:camera prst="orthographicFront"/>
+      <a:lightRig rig="threePt" dir="t"/>
+    </dgm:scene3d>
+    <dgm:sp3d/>
+    <dgm:txPr/>
+    <dgm:style>
+      <a:lnRef idx="2">
+        <a:scrgbClr r="0" g="0" b="0"/>
+      </a:lnRef>
+      <a:fillRef idx="0">
+        <a:scrgbClr r="0" g="0" b="0"/>
+      </a:fillRef>
+      <a:effectRef idx="0">
+        <a:scrgbClr r="0" g="0" b="0"/>
+      </a:effectRef>
+      <a:fontRef idx="minor"/>
+    </dgm:style>
+  </dgm:styleLbl>
+  <dgm:styleLbl name="parChTrans1D3">
+    <dgm:scene3d>
+      <a:camera prst="orthographicFront"/>
+      <a:lightRig rig="threePt" dir="t"/>
+    </dgm:scene3d>
+    <dgm:sp3d/>
+    <dgm:txPr/>
+    <dgm:style>
+      <a:lnRef idx="2">
+        <a:scrgbClr r="0" g="0" b="0"/>
+      </a:lnRef>
+      <a:fillRef idx="0">
+        <a:scrgbClr r="0" g="0" b="0"/>
+      </a:fillRef>
+      <a:effectRef idx="0">
+        <a:scrgbClr r="0" g="0" b="0"/>
+      </a:effectRef>
+      <a:fontRef idx="minor"/>
+    </dgm:style>
+  </dgm:styleLbl>
+  <dgm:styleLbl name="parChTrans1D4">
+    <dgm:scene3d>
+      <a:camera prst="orthographicFront"/>
+      <a:lightRig rig="threePt" dir="t"/>
+    </dgm:scene3d>
+    <dgm:sp3d/>
+    <dgm:txPr/>
+    <dgm:style>
+      <a:lnRef idx="2">
+        <a:scrgbClr r="0" g="0" b="0"/>
+      </a:lnRef>
+      <a:fillRef idx="0">
+        <a:scrgbClr r="0" g="0" b="0"/>
+      </a:fillRef>
+      <a:effectRef idx="0">
+        <a:scrgbClr r="0" g="0" b="0"/>
+      </a:effectRef>
+      <a:fontRef idx="minor"/>
+    </dgm:style>
+  </dgm:styleLbl>
+  <dgm:styleLbl name="fgAcc1">
+    <dgm:scene3d>
+      <a:camera prst="orthographicFront"/>
+      <a:lightRig rig="threePt" dir="t"/>
+    </dgm:scene3d>
+    <dgm:sp3d/>
+    <dgm:txPr/>
+    <dgm:style>
+      <a:lnRef idx="2">
+        <a:scrgbClr r="0" g="0" b="0"/>
+      </a:lnRef>
+      <a:fillRef idx="1">
+        <a:scrgbClr r="0" g="0" b="0"/>
+      </a:fillRef>
+      <a:effectRef idx="0">
+        <a:scrgbClr r="0" g="0" b="0"/>
+      </a:effectRef>
+      <a:fontRef idx="minor"/>
+    </dgm:style>
+  </dgm:styleLbl>
+  <dgm:styleLbl name="conFgAcc1">
+    <dgm:scene3d>
+      <a:camera prst="orthographicFront"/>
+      <a:lightRig rig="threePt" dir="t"/>
+    </dgm:scene3d>
+    <dgm:sp3d/>
+    <dgm:txPr/>
+    <dgm:style>
+      <a:lnRef idx="2">
+        <a:scrgbClr r="0" g="0" b="0"/>
+      </a:lnRef>
+      <a:fillRef idx="1">
+        <a:scrgbClr r="0" g="0" b="0"/>
+      </a:fillRef>
+      <a:effectRef idx="0">
+        <a:scrgbClr r="0" g="0" b="0"/>
+      </a:effectRef>
+      <a:fontRef idx="minor"/>
+    </dgm:style>
+  </dgm:styleLbl>
+  <dgm:styleLbl name="alignAcc1">
+    <dgm:scene3d>
+      <a:camera prst="orthographicFront"/>
+      <a:lightRig rig="threePt" dir="t"/>
+    </dgm:scene3d>
+    <dgm:sp3d/>
+    <dgm:txPr/>
+    <dgm:style>
+      <a:lnRef idx="2">
+        <a:scrgbClr r="0" g="0" b="0"/>
+      </a:lnRef>
+      <a:fillRef idx="1">
+        <a:scrgbClr r="0" g="0" b="0"/>
+      </a:fillRef>
+      <a:effectRef idx="0">
+        <a:scrgbClr r="0" g="0" b="0"/>
+      </a:effectRef>
+      <a:fontRef idx="minor"/>
+    </dgm:style>
+  </dgm:styleLbl>
+  <dgm:styleLbl name="trAlignAcc1">
+    <dgm:scene3d>
+      <a:camera prst="orthographicFront"/>
+      <a:lightRig rig="threePt" dir="t"/>
+    </dgm:scene3d>
+    <dgm:sp3d/>
+    <dgm:txPr/>
+    <dgm:style>
+      <a:lnRef idx="1">
+        <a:scrgbClr r="0" g="0" b="0"/>
+      </a:lnRef>
+      <a:fillRef idx="1">
+        <a:scrgbClr r="0" g="0" b="0"/>
+      </a:fillRef>
+      <a:effectRef idx="0">
+        <a:scrgbClr r="0" g="0" b="0"/>
+      </a:effectRef>
+      <a:fontRef idx="minor"/>
+    </dgm:style>
+  </dgm:styleLbl>
+  <dgm:styleLbl name="bgAcc1">
+    <dgm:scene3d>
+      <a:camera prst="orthographicFront"/>
+      <a:lightRig rig="threePt" dir="t"/>
+    </dgm:scene3d>
+    <dgm:sp3d/>
+    <dgm:txPr/>
+    <dgm:style>
+      <a:lnRef idx="2">
+        <a:scrgbClr r="0" g="0" b="0"/>
+      </a:lnRef>
+      <a:fillRef idx="1">
+        <a:scrgbClr r="0" g="0" b="0"/>
+      </a:fillRef>
+      <a:effectRef idx="0">
+        <a:scrgbClr r="0" g="0" b="0"/>
+      </a:effectRef>
+      <a:fontRef idx="minor"/>
+    </dgm:style>
+  </dgm:styleLbl>
+  <dgm:styleLbl name="solidFgAcc1">
+    <dgm:scene3d>
+      <a:camera prst="orthographicFront"/>
+      <a:lightRig rig="threePt" dir="t"/>
+    </dgm:scene3d>
+    <dgm:sp3d/>
+    <dgm:txPr/>
+    <dgm:style>
+      <a:lnRef idx="2">
+        <a:scrgbClr r="0" g="0" b="0"/>
+      </a:lnRef>
+      <a:fillRef idx="1">
+        <a:scrgbClr r="0" g="0" b="0"/>
+      </a:fillRef>
+      <a:effectRef idx="0">
+        <a:scrgbClr r="0" g="0" b="0"/>
+      </a:effectRef>
+      <a:fontRef idx="minor"/>
+    </dgm:style>
+  </dgm:styleLbl>
+  <dgm:styleLbl name="solidAlignAcc1">
+    <dgm:scene3d>
+      <a:camera prst="orthographicFront"/>
+      <a:lightRig rig="threePt" dir="t"/>
+    </dgm:scene3d>
+    <dgm:sp3d/>
+    <dgm:txPr/>
+    <dgm:style>
+      <a:lnRef idx="2">
+        <a:scrgbClr r="0" g="0" b="0"/>
+      </a:lnRef>
+      <a:fillRef idx="1">
+        <a:scrgbClr r="0" g="0" b="0"/>
+      </a:fillRef>
+      <a:effectRef idx="0">
+        <a:scrgbClr r="0" g="0" b="0"/>
+      </a:effectRef>
+      <a:fontRef idx="minor"/>
+    </dgm:style>
+  </dgm:styleLbl>
+  <dgm:styleLbl name="solidBgAcc1">
+    <dgm:scene3d>
+      <a:camera prst="orthographicFront"/>
+      <a:lightRig rig="threePt" dir="t"/>
+    </dgm:scene3d>
+    <dgm:sp3d/>
+    <dgm:txPr/>
+    <dgm:style>
+      <a:lnRef idx="2">
+        <a:scrgbClr r="0" g="0" b="0"/>
+      </a:lnRef>
+      <a:fillRef idx="1">
+        <a:scrgbClr r="0" g="0" b="0"/>
+      </a:fillRef>
+      <a:effectRef idx="0">
+        <a:scrgbClr r="0" g="0" b="0"/>
+      </a:effectRef>
+      <a:fontRef idx="minor"/>
+    </dgm:style>
+  </dgm:styleLbl>
+  <dgm:styleLbl name="fgAccFollowNode1">
+    <dgm:scene3d>
+      <a:camera prst="orthographicFront"/>
+      <a:lightRig rig="threePt" dir="t"/>
+    </dgm:scene3d>
+    <dgm:sp3d/>
+    <dgm:txPr/>
+    <dgm:style>
+      <a:lnRef idx="2">
+        <a:scrgbClr r="0" g="0" b="0"/>
+      </a:lnRef>
+      <a:fillRef idx="1">
+        <a:scrgbClr r="0" g="0" b="0"/>
+      </a:fillRef>
+      <a:effectRef idx="0">
+        <a:scrgbClr r="0" g="0" b="0"/>
+      </a:effectRef>
+      <a:fontRef idx="minor"/>
+    </dgm:style>
+  </dgm:styleLbl>
+  <dgm:styleLbl name="alignAccFollowNode1">
+    <dgm:scene3d>
+      <a:camera prst="orthographicFront"/>
+      <a:lightRig rig="threePt" dir="t"/>
+    </dgm:scene3d>
+    <dgm:sp3d/>
+    <dgm:txPr/>
+    <dgm:style>
+      <a:lnRef idx="2">
+        <a:scrgbClr r="0" g="0" b="0"/>
+      </a:lnRef>
+      <a:fillRef idx="1">
+        <a:scrgbClr r="0" g="0" b="0"/>
+      </a:fillRef>
+      <a:effectRef idx="0">
+        <a:scrgbClr r="0" g="0" b="0"/>
+      </a:effectRef>
+      <a:fontRef idx="minor"/>
+    </dgm:style>
+  </dgm:styleLbl>
+  <dgm:styleLbl name="bgAccFollowNode1">
+    <dgm:scene3d>
+      <a:camera prst="orthographicFront"/>
+      <a:lightRig rig="threePt" dir="t"/>
+    </dgm:scene3d>
+    <dgm:sp3d/>
+    <dgm:txPr/>
+    <dgm:style>
+      <a:lnRef idx="2">
+        <a:scrgbClr r="0" g="0" b="0"/>
+      </a:lnRef>
+      <a:fillRef idx="1">
+        <a:scrgbClr r="0" g="0" b="0"/>
+      </a:fillRef>
+      <a:effectRef idx="0">
+        <a:scrgbClr r="0" g="0" b="0"/>
+      </a:effectRef>
+      <a:fontRef idx="minor"/>
+    </dgm:style>
+  </dgm:styleLbl>
+  <dgm:styleLbl name="fgAcc0">
+    <dgm:scene3d>
+      <a:camera prst="orthographicFront"/>
+      <a:lightRig rig="threePt" dir="t"/>
+    </dgm:scene3d>
+    <dgm:sp3d/>
+    <dgm:txPr/>
+    <dgm:style>
+      <a:lnRef idx="2">
+        <a:scrgbClr r="0" g="0" b="0"/>
+      </a:lnRef>
+      <a:fillRef idx="1">
+        <a:scrgbClr r="0" g="0" b="0"/>
+      </a:fillRef>
+      <a:effectRef idx="0">
+        <a:scrgbClr r="0" g="0" b="0"/>
+      </a:effectRef>
+      <a:fontRef idx="minor"/>
+    </dgm:style>
+  </dgm:styleLbl>
+  <dgm:styleLbl name="fgAcc2">
+    <dgm:scene3d>
+      <a:camera prst="orthographicFront"/>
+      <a:lightRig rig="threePt" dir="t"/>
+    </dgm:scene3d>
+    <dgm:sp3d/>
+    <dgm:txPr/>
+    <dgm:style>
+      <a:lnRef idx="2">
+        <a:scrgbClr r="0" g="0" b="0"/>
+      </a:lnRef>
+      <a:fillRef idx="1">
+        <a:scrgbClr r="0" g="0" b="0"/>
+      </a:fillRef>
+      <a:effectRef idx="0">
+        <a:scrgbClr r="0" g="0" b="0"/>
+      </a:effectRef>
+      <a:fontRef idx="minor"/>
+    </dgm:style>
+  </dgm:styleLbl>
+  <dgm:styleLbl name="fgAcc3">
+    <dgm:scene3d>
+      <a:camera prst="orthographicFront"/>
+      <a:lightRig rig="threePt" dir="t"/>
+    </dgm:scene3d>
+    <dgm:sp3d/>
+    <dgm:txPr/>
+    <dgm:style>
+      <a:lnRef idx="2">
+        <a:scrgbClr r="0" g="0" b="0"/>
+      </a:lnRef>
+      <a:fillRef idx="1">
+        <a:scrgbClr r="0" g="0" b="0"/>
+      </a:fillRef>
+      <a:effectRef idx="0">
+        <a:scrgbClr r="0" g="0" b="0"/>
+      </a:effectRef>
+      <a:fontRef idx="minor"/>
+    </dgm:style>
+  </dgm:styleLbl>
+  <dgm:styleLbl name="fgAcc4">
+    <dgm:scene3d>
+      <a:camera prst="orthographicFront"/>
+      <a:lightRig rig="threePt" dir="t"/>
+    </dgm:scene3d>
+    <dgm:sp3d/>
+    <dgm:txPr/>
+    <dgm:style>
+      <a:lnRef idx="2">
+        <a:scrgbClr r="0" g="0" b="0"/>
+      </a:lnRef>
+      <a:fillRef idx="1">
+        <a:scrgbClr r="0" g="0" b="0"/>
+      </a:fillRef>
+      <a:effectRef idx="0">
+        <a:scrgbClr r="0" g="0" b="0"/>
+      </a:effectRef>
+      <a:fontRef idx="minor"/>
+    </dgm:style>
+  </dgm:styleLbl>
+  <dgm:styleLbl name="bgShp">
+    <dgm:scene3d>
+      <a:camera prst="orthographicFront"/>
+      <a:lightRig rig="threePt" dir="t"/>
+    </dgm:scene3d>
+    <dgm:sp3d/>
+    <dgm:txPr/>
+    <dgm:style>
+      <a:lnRef idx="0">
+        <a:scrgbClr r="0" g="0" b="0"/>
+      </a:lnRef>
+      <a:fillRef idx="1">
+        <a:scrgbClr r="0" g="0" b="0"/>
+      </a:fillRef>
+      <a:effectRef idx="0">
+        <a:scrgbClr r="0" g="0" b="0"/>
+      </a:effectRef>
+      <a:fontRef idx="minor"/>
+    </dgm:style>
+  </dgm:styleLbl>
+  <dgm:styleLbl name="dkBgShp">
+    <dgm:scene3d>
+      <a:camera prst="orthographicFront"/>
+      <a:lightRig rig="threePt" dir="t"/>
+    </dgm:scene3d>
+    <dgm:sp3d/>
+    <dgm:txPr/>
+    <dgm:style>
+      <a:lnRef idx="0">
+        <a:scrgbClr r="0" g="0" b="0"/>
+      </a:lnRef>
+      <a:fillRef idx="1">
+        <a:scrgbClr r="0" g="0" b="0"/>
+      </a:fillRef>
+      <a:effectRef idx="0">
+        <a:scrgbClr r="0" g="0" b="0"/>
+      </a:effectRef>
+      <a:fontRef idx="minor"/>
+    </dgm:style>
+  </dgm:styleLbl>
+  <dgm:styleLbl name="trBgShp">
+    <dgm:scene3d>
+      <a:camera prst="orthographicFront"/>
+      <a:lightRig rig="threePt" dir="t"/>
+    </dgm:scene3d>
+    <dgm:sp3d/>
+    <dgm:txPr/>
+    <dgm:style>
+      <a:lnRef idx="0">
+        <a:scrgbClr r="0" g="0" b="0"/>
+      </a:lnRef>
+      <a:fillRef idx="1">
+        <a:scrgbClr r="0" g="0" b="0"/>
+      </a:fillRef>
+      <a:effectRef idx="0">
+        <a:scrgbClr r="0" g="0" b="0"/>
+      </a:effectRef>
+      <a:fontRef idx="minor"/>
+    </dgm:style>
+  </dgm:styleLbl>
+  <dgm:styleLbl name="fgShp">
+    <dgm:scene3d>
+      <a:camera prst="orthographicFront"/>
+      <a:lightRig rig="threePt" dir="t"/>
+    </dgm:scene3d>
+    <dgm:sp3d/>
+    <dgm:txPr/>
+    <dgm:style>
+      <a:lnRef idx="2">
+        <a:scrgbClr r="0" g="0" b="0"/>
+      </a:lnRef>
+      <a:fillRef idx="1">
+        <a:scrgbClr r="0" g="0" b="0"/>
+      </a:fillRef>
+      <a:effectRef idx="0">
+        <a:scrgbClr r="0" g="0" b="0"/>
+      </a:effectRef>
+      <a:fontRef idx="minor"/>
+    </dgm:style>
+  </dgm:styleLbl>
+  <dgm:styleLbl name="revTx">
+    <dgm:scene3d>
+      <a:camera prst="orthographicFront"/>
+      <a:lightRig rig="threePt" dir="t"/>
+    </dgm:scene3d>
+    <dgm:sp3d/>
+    <dgm:txPr/>
+    <dgm:style>
+      <a:lnRef idx="0">
+        <a:scrgbClr r="0" g="0" b="0"/>
+      </a:lnRef>
+      <a:fillRef idx="0">
+        <a:scrgbClr r="0" g="0" b="0"/>
+      </a:fillRef>
+      <a:effectRef idx="0">
+        <a:scrgbClr r="0" g="0" b="0"/>
+      </a:effectRef>
+      <a:fontRef idx="minor"/>
+    </dgm:style>
+  </dgm:styleLbl>
+</dgm:styleDef>
+</file>
+
 <file path=ppt/slideLayouts/slideLayout1.xml><?xml version="1.0" encoding="utf-8"?>
 <p:sldLayout xmlns:a="http://schemas.openxmlformats.org/drawingml/2006/main" xmlns:r="http://schemas.openxmlformats.org/officeDocument/2006/relationships" xmlns:p="http://schemas.openxmlformats.org/presentationml/2006/main" type="title" preserve="1">
   <p:cSld name="Title Slide">
@@ -265,7 +3297,7 @@
           <a:p>
             <a:fld id="{6270B643-D407-470F-8B85-01D08C506417}" type="datetimeFigureOut">
               <a:rPr lang="en-US" smtClean="0"/>
-              <a:t>7/24/2022</a:t>
+              <a:t>7/26/2022</a:t>
             </a:fld>
             <a:endParaRPr lang="en-US"/>
           </a:p>
@@ -435,7 +3467,7 @@
           <a:p>
             <a:fld id="{6270B643-D407-470F-8B85-01D08C506417}" type="datetimeFigureOut">
               <a:rPr lang="en-US" smtClean="0"/>
-              <a:t>7/24/2022</a:t>
+              <a:t>7/26/2022</a:t>
             </a:fld>
             <a:endParaRPr lang="en-US"/>
           </a:p>
@@ -615,7 +3647,7 @@
           <a:p>
             <a:fld id="{6270B643-D407-470F-8B85-01D08C506417}" type="datetimeFigureOut">
               <a:rPr lang="en-US" smtClean="0"/>
-              <a:t>7/24/2022</a:t>
+              <a:t>7/26/2022</a:t>
             </a:fld>
             <a:endParaRPr lang="en-US"/>
           </a:p>
@@ -785,7 +3817,7 @@
           <a:p>
             <a:fld id="{6270B643-D407-470F-8B85-01D08C506417}" type="datetimeFigureOut">
               <a:rPr lang="en-US" smtClean="0"/>
-              <a:t>7/24/2022</a:t>
+              <a:t>7/26/2022</a:t>
             </a:fld>
             <a:endParaRPr lang="en-US"/>
           </a:p>
@@ -1029,7 +4061,7 @@
           <a:p>
             <a:fld id="{6270B643-D407-470F-8B85-01D08C506417}" type="datetimeFigureOut">
               <a:rPr lang="en-US" smtClean="0"/>
-              <a:t>7/24/2022</a:t>
+              <a:t>7/26/2022</a:t>
             </a:fld>
             <a:endParaRPr lang="en-US"/>
           </a:p>
@@ -1261,7 +4293,7 @@
           <a:p>
             <a:fld id="{6270B643-D407-470F-8B85-01D08C506417}" type="datetimeFigureOut">
               <a:rPr lang="en-US" smtClean="0"/>
-              <a:t>7/24/2022</a:t>
+              <a:t>7/26/2022</a:t>
             </a:fld>
             <a:endParaRPr lang="en-US"/>
           </a:p>
@@ -1628,7 +4660,7 @@
           <a:p>
             <a:fld id="{6270B643-D407-470F-8B85-01D08C506417}" type="datetimeFigureOut">
               <a:rPr lang="en-US" smtClean="0"/>
-              <a:t>7/24/2022</a:t>
+              <a:t>7/26/2022</a:t>
             </a:fld>
             <a:endParaRPr lang="en-US"/>
           </a:p>
@@ -1746,7 +4778,7 @@
           <a:p>
             <a:fld id="{6270B643-D407-470F-8B85-01D08C506417}" type="datetimeFigureOut">
               <a:rPr lang="en-US" smtClean="0"/>
-              <a:t>7/24/2022</a:t>
+              <a:t>7/26/2022</a:t>
             </a:fld>
             <a:endParaRPr lang="en-US"/>
           </a:p>
@@ -1841,7 +4873,7 @@
           <a:p>
             <a:fld id="{6270B643-D407-470F-8B85-01D08C506417}" type="datetimeFigureOut">
               <a:rPr lang="en-US" smtClean="0"/>
-              <a:t>7/24/2022</a:t>
+              <a:t>7/26/2022</a:t>
             </a:fld>
             <a:endParaRPr lang="en-US"/>
           </a:p>
@@ -2118,7 +5150,7 @@
           <a:p>
             <a:fld id="{6270B643-D407-470F-8B85-01D08C506417}" type="datetimeFigureOut">
               <a:rPr lang="en-US" smtClean="0"/>
-              <a:t>7/24/2022</a:t>
+              <a:t>7/26/2022</a:t>
             </a:fld>
             <a:endParaRPr lang="en-US"/>
           </a:p>
@@ -2375,7 +5407,7 @@
           <a:p>
             <a:fld id="{6270B643-D407-470F-8B85-01D08C506417}" type="datetimeFigureOut">
               <a:rPr lang="en-US" smtClean="0"/>
-              <a:t>7/24/2022</a:t>
+              <a:t>7/26/2022</a:t>
             </a:fld>
             <a:endParaRPr lang="en-US"/>
           </a:p>
@@ -2588,7 +5620,7 @@
           <a:p>
             <a:fld id="{6270B643-D407-470F-8B85-01D08C506417}" type="datetimeFigureOut">
               <a:rPr lang="en-US" smtClean="0"/>
-              <a:t>7/24/2022</a:t>
+              <a:t>7/26/2022</a:t>
             </a:fld>
             <a:endParaRPr lang="en-US"/>
           </a:p>
@@ -3026,6 +6058,92 @@
           </a:p>
         </p:txBody>
       </p:sp>
+      <p:cxnSp>
+        <p:nvCxnSpPr>
+          <p:cNvPr id="4" name="Straight Connector 3">
+            <a:extLst>
+              <a:ext uri="{FF2B5EF4-FFF2-40B4-BE49-F238E27FC236}">
+                <a16:creationId xmlns:a16="http://schemas.microsoft.com/office/drawing/2014/main" id="{92CAEA57-2CF4-38CB-8072-FB78F7511851}"/>
+              </a:ext>
+            </a:extLst>
+          </p:cNvPr>
+          <p:cNvCxnSpPr>
+            <a:cxnSpLocks/>
+          </p:cNvCxnSpPr>
+          <p:nvPr/>
+        </p:nvCxnSpPr>
+        <p:spPr>
+          <a:xfrm>
+            <a:off x="629785" y="3448681"/>
+            <a:ext cx="8235656" cy="0"/>
+          </a:xfrm>
+          <a:prstGeom prst="line">
+            <a:avLst/>
+          </a:prstGeom>
+          <a:ln w="38100"/>
+        </p:spPr>
+        <p:style>
+          <a:lnRef idx="1">
+            <a:schemeClr val="dk1"/>
+          </a:lnRef>
+          <a:fillRef idx="0">
+            <a:schemeClr val="dk1"/>
+          </a:fillRef>
+          <a:effectRef idx="0">
+            <a:schemeClr val="dk1"/>
+          </a:effectRef>
+          <a:fontRef idx="minor">
+            <a:schemeClr val="tx1"/>
+          </a:fontRef>
+        </p:style>
+      </p:cxnSp>
+      <p:pic>
+        <p:nvPicPr>
+          <p:cNvPr id="1026" name="Picture 2" descr="Brand - Reddit">
+            <a:extLst>
+              <a:ext uri="{FF2B5EF4-FFF2-40B4-BE49-F238E27FC236}">
+                <a16:creationId xmlns:a16="http://schemas.microsoft.com/office/drawing/2014/main" id="{24042C33-8779-C3CA-0FF8-9EC49626BFC3}"/>
+              </a:ext>
+            </a:extLst>
+          </p:cNvPr>
+          <p:cNvPicPr>
+            <a:picLocks noChangeAspect="1" noChangeArrowheads="1"/>
+          </p:cNvPicPr>
+          <p:nvPr/>
+        </p:nvPicPr>
+        <p:blipFill>
+          <a:blip r:embed="rId2">
+            <a:extLst>
+              <a:ext uri="{28A0092B-C50C-407E-A947-70E740481C1C}">
+                <a14:useLocalDpi xmlns:a14="http://schemas.microsoft.com/office/drawing/2010/main" val="0"/>
+              </a:ext>
+            </a:extLst>
+          </a:blip>
+          <a:srcRect/>
+          <a:stretch>
+            <a:fillRect/>
+          </a:stretch>
+        </p:blipFill>
+        <p:spPr bwMode="auto">
+          <a:xfrm>
+            <a:off x="3415375" y="3780395"/>
+            <a:ext cx="2313250" cy="2313250"/>
+          </a:xfrm>
+          <a:prstGeom prst="rect">
+            <a:avLst/>
+          </a:prstGeom>
+          <a:noFill/>
+          <a:extLst>
+            <a:ext uri="{909E8E84-426E-40DD-AFC4-6F175D3DCCD1}">
+              <a14:hiddenFill xmlns:a14="http://schemas.microsoft.com/office/drawing/2010/main">
+                <a:solidFill>
+                  <a:srgbClr val="FFFFFF"/>
+                </a:solidFill>
+              </a14:hiddenFill>
+            </a:ext>
+          </a:extLst>
+        </p:spPr>
+      </p:pic>
     </p:spTree>
     <p:extLst>
       <p:ext uri="{BB962C8B-B14F-4D97-AF65-F5344CB8AC3E}">
@@ -3109,6 +6227,84 @@
           </a:p>
         </p:txBody>
       </p:sp>
+      <p:cxnSp>
+        <p:nvCxnSpPr>
+          <p:cNvPr id="4" name="Straight Connector 3">
+            <a:extLst>
+              <a:ext uri="{FF2B5EF4-FFF2-40B4-BE49-F238E27FC236}">
+                <a16:creationId xmlns:a16="http://schemas.microsoft.com/office/drawing/2014/main" id="{8D0608B8-DADC-A612-573D-4AB4D0F6D67A}"/>
+              </a:ext>
+            </a:extLst>
+          </p:cNvPr>
+          <p:cNvCxnSpPr>
+            <a:cxnSpLocks/>
+          </p:cNvCxnSpPr>
+          <p:nvPr/>
+        </p:nvCxnSpPr>
+        <p:spPr>
+          <a:xfrm>
+            <a:off x="628650" y="1311044"/>
+            <a:ext cx="8235656" cy="0"/>
+          </a:xfrm>
+          <a:prstGeom prst="line">
+            <a:avLst/>
+          </a:prstGeom>
+          <a:ln w="38100"/>
+        </p:spPr>
+        <p:style>
+          <a:lnRef idx="1">
+            <a:schemeClr val="dk1"/>
+          </a:lnRef>
+          <a:fillRef idx="0">
+            <a:schemeClr val="dk1"/>
+          </a:fillRef>
+          <a:effectRef idx="0">
+            <a:schemeClr val="dk1"/>
+          </a:effectRef>
+          <a:fontRef idx="minor">
+            <a:schemeClr val="tx1"/>
+          </a:fontRef>
+        </p:style>
+      </p:cxnSp>
+      <p:cxnSp>
+        <p:nvCxnSpPr>
+          <p:cNvPr id="5" name="Straight Connector 4">
+            <a:extLst>
+              <a:ext uri="{FF2B5EF4-FFF2-40B4-BE49-F238E27FC236}">
+                <a16:creationId xmlns:a16="http://schemas.microsoft.com/office/drawing/2014/main" id="{4976AC46-5E6E-FA32-3424-E0FBF2011A13}"/>
+              </a:ext>
+            </a:extLst>
+          </p:cNvPr>
+          <p:cNvCxnSpPr>
+            <a:cxnSpLocks/>
+          </p:cNvCxnSpPr>
+          <p:nvPr/>
+        </p:nvCxnSpPr>
+        <p:spPr>
+          <a:xfrm>
+            <a:off x="466283" y="1311044"/>
+            <a:ext cx="8398023" cy="0"/>
+          </a:xfrm>
+          <a:prstGeom prst="line">
+            <a:avLst/>
+          </a:prstGeom>
+          <a:ln w="38100"/>
+        </p:spPr>
+        <p:style>
+          <a:lnRef idx="1">
+            <a:schemeClr val="dk1"/>
+          </a:lnRef>
+          <a:fillRef idx="0">
+            <a:schemeClr val="dk1"/>
+          </a:fillRef>
+          <a:effectRef idx="0">
+            <a:schemeClr val="dk1"/>
+          </a:effectRef>
+          <a:fontRef idx="minor">
+            <a:schemeClr val="tx1"/>
+          </a:fontRef>
+        </p:style>
+      </p:cxnSp>
     </p:spTree>
     <p:extLst>
       <p:ext uri="{BB962C8B-B14F-4D97-AF65-F5344CB8AC3E}">
@@ -3192,6 +6388,84 @@
           </a:p>
         </p:txBody>
       </p:sp>
+      <p:cxnSp>
+        <p:nvCxnSpPr>
+          <p:cNvPr id="4" name="Straight Connector 3">
+            <a:extLst>
+              <a:ext uri="{FF2B5EF4-FFF2-40B4-BE49-F238E27FC236}">
+                <a16:creationId xmlns:a16="http://schemas.microsoft.com/office/drawing/2014/main" id="{F684D957-FE56-35A6-2242-C1265FA23F1F}"/>
+              </a:ext>
+            </a:extLst>
+          </p:cNvPr>
+          <p:cNvCxnSpPr>
+            <a:cxnSpLocks/>
+          </p:cNvCxnSpPr>
+          <p:nvPr/>
+        </p:nvCxnSpPr>
+        <p:spPr>
+          <a:xfrm>
+            <a:off x="628650" y="1311044"/>
+            <a:ext cx="8235656" cy="0"/>
+          </a:xfrm>
+          <a:prstGeom prst="line">
+            <a:avLst/>
+          </a:prstGeom>
+          <a:ln w="38100"/>
+        </p:spPr>
+        <p:style>
+          <a:lnRef idx="1">
+            <a:schemeClr val="dk1"/>
+          </a:lnRef>
+          <a:fillRef idx="0">
+            <a:schemeClr val="dk1"/>
+          </a:fillRef>
+          <a:effectRef idx="0">
+            <a:schemeClr val="dk1"/>
+          </a:effectRef>
+          <a:fontRef idx="minor">
+            <a:schemeClr val="tx1"/>
+          </a:fontRef>
+        </p:style>
+      </p:cxnSp>
+      <p:cxnSp>
+        <p:nvCxnSpPr>
+          <p:cNvPr id="5" name="Straight Connector 4">
+            <a:extLst>
+              <a:ext uri="{FF2B5EF4-FFF2-40B4-BE49-F238E27FC236}">
+                <a16:creationId xmlns:a16="http://schemas.microsoft.com/office/drawing/2014/main" id="{D91DF535-C6A1-D277-39FA-D84DE9F8B12E}"/>
+              </a:ext>
+            </a:extLst>
+          </p:cNvPr>
+          <p:cNvCxnSpPr>
+            <a:cxnSpLocks/>
+          </p:cNvCxnSpPr>
+          <p:nvPr/>
+        </p:nvCxnSpPr>
+        <p:spPr>
+          <a:xfrm>
+            <a:off x="466283" y="1311044"/>
+            <a:ext cx="8398023" cy="0"/>
+          </a:xfrm>
+          <a:prstGeom prst="line">
+            <a:avLst/>
+          </a:prstGeom>
+          <a:ln w="38100"/>
+        </p:spPr>
+        <p:style>
+          <a:lnRef idx="1">
+            <a:schemeClr val="dk1"/>
+          </a:lnRef>
+          <a:fillRef idx="0">
+            <a:schemeClr val="dk1"/>
+          </a:fillRef>
+          <a:effectRef idx="0">
+            <a:schemeClr val="dk1"/>
+          </a:effectRef>
+          <a:fontRef idx="minor">
+            <a:schemeClr val="tx1"/>
+          </a:fontRef>
+        </p:style>
+      </p:cxnSp>
     </p:spTree>
     <p:extLst>
       <p:ext uri="{BB962C8B-B14F-4D97-AF65-F5344CB8AC3E}">
@@ -3238,40 +6512,21 @@
             <p:ph type="title"/>
           </p:nvPr>
         </p:nvSpPr>
-        <p:spPr/>
+        <p:spPr>
+          <a:xfrm>
+            <a:off x="628650" y="2714710"/>
+            <a:ext cx="7886700" cy="1325563"/>
+          </a:xfrm>
+        </p:spPr>
         <p:txBody>
           <a:bodyPr/>
           <a:lstStyle/>
           <a:p>
+            <a:pPr algn="ctr"/>
             <a:r>
               <a:rPr lang="en-US" dirty="0"/>
               <a:t>Questions?</a:t>
             </a:r>
-          </a:p>
-        </p:txBody>
-      </p:sp>
-      <p:sp>
-        <p:nvSpPr>
-          <p:cNvPr id="3" name="Content Placeholder 2">
-            <a:extLst>
-              <a:ext uri="{FF2B5EF4-FFF2-40B4-BE49-F238E27FC236}">
-                <a16:creationId xmlns:a16="http://schemas.microsoft.com/office/drawing/2014/main" id="{96F27CE1-DAA3-433B-FFDC-63E5A6A34393}"/>
-              </a:ext>
-            </a:extLst>
-          </p:cNvPr>
-          <p:cNvSpPr>
-            <a:spLocks noGrp="1"/>
-          </p:cNvSpPr>
-          <p:nvPr>
-            <p:ph idx="1"/>
-          </p:nvPr>
-        </p:nvSpPr>
-        <p:spPr/>
-        <p:txBody>
-          <a:bodyPr/>
-          <a:lstStyle/>
-          <a:p>
-            <a:endParaRPr lang="en-US"/>
           </a:p>
         </p:txBody>
       </p:sp>
@@ -3349,15 +6604,460 @@
             <p:ph idx="1"/>
           </p:nvPr>
         </p:nvSpPr>
-        <p:spPr/>
+        <p:spPr>
+          <a:xfrm>
+            <a:off x="466283" y="1811299"/>
+            <a:ext cx="7886700" cy="4351338"/>
+          </a:xfrm>
+        </p:spPr>
         <p:txBody>
           <a:bodyPr/>
           <a:lstStyle/>
           <a:p>
-            <a:endParaRPr lang="en-US" dirty="0"/>
+            <a:r>
+              <a:rPr lang="en-US" dirty="0"/>
+              <a:t>Does mood fluctuate throughout the day?</a:t>
+            </a:r>
           </a:p>
         </p:txBody>
       </p:sp>
+      <p:cxnSp>
+        <p:nvCxnSpPr>
+          <p:cNvPr id="4" name="Straight Connector 3">
+            <a:extLst>
+              <a:ext uri="{FF2B5EF4-FFF2-40B4-BE49-F238E27FC236}">
+                <a16:creationId xmlns:a16="http://schemas.microsoft.com/office/drawing/2014/main" id="{A991655A-E027-BEF1-8724-A351EED4A755}"/>
+              </a:ext>
+            </a:extLst>
+          </p:cNvPr>
+          <p:cNvCxnSpPr>
+            <a:cxnSpLocks/>
+          </p:cNvCxnSpPr>
+          <p:nvPr/>
+        </p:nvCxnSpPr>
+        <p:spPr>
+          <a:xfrm>
+            <a:off x="466283" y="1311044"/>
+            <a:ext cx="8398023" cy="0"/>
+          </a:xfrm>
+          <a:prstGeom prst="line">
+            <a:avLst/>
+          </a:prstGeom>
+          <a:ln w="38100"/>
+        </p:spPr>
+        <p:style>
+          <a:lnRef idx="1">
+            <a:schemeClr val="dk1"/>
+          </a:lnRef>
+          <a:fillRef idx="0">
+            <a:schemeClr val="dk1"/>
+          </a:fillRef>
+          <a:effectRef idx="0">
+            <a:schemeClr val="dk1"/>
+          </a:effectRef>
+          <a:fontRef idx="minor">
+            <a:schemeClr val="tx1"/>
+          </a:fontRef>
+        </p:style>
+      </p:cxnSp>
+      <p:grpSp>
+        <p:nvGrpSpPr>
+          <p:cNvPr id="6" name="Group 5">
+            <a:extLst>
+              <a:ext uri="{FF2B5EF4-FFF2-40B4-BE49-F238E27FC236}">
+                <a16:creationId xmlns:a16="http://schemas.microsoft.com/office/drawing/2014/main" id="{26C9DA6E-51C4-9E34-8DB9-EFAC4F69DD51}"/>
+              </a:ext>
+            </a:extLst>
+          </p:cNvPr>
+          <p:cNvGrpSpPr/>
+          <p:nvPr/>
+        </p:nvGrpSpPr>
+        <p:grpSpPr>
+          <a:xfrm>
+            <a:off x="466283" y="2941053"/>
+            <a:ext cx="8235656" cy="1951577"/>
+            <a:chOff x="628650" y="3298963"/>
+            <a:chExt cx="6096000" cy="1951577"/>
+          </a:xfrm>
+        </p:grpSpPr>
+        <p:sp>
+          <p:nvSpPr>
+            <p:cNvPr id="7" name="Freeform: Shape 6">
+              <a:extLst>
+                <a:ext uri="{FF2B5EF4-FFF2-40B4-BE49-F238E27FC236}">
+                  <a16:creationId xmlns:a16="http://schemas.microsoft.com/office/drawing/2014/main" id="{94D84CCE-CD39-BCB9-11C0-B2F43EE24123}"/>
+                </a:ext>
+              </a:extLst>
+            </p:cNvPr>
+            <p:cNvSpPr/>
+            <p:nvPr/>
+          </p:nvSpPr>
+          <p:spPr>
+            <a:xfrm>
+              <a:off x="3067050" y="3315775"/>
+              <a:ext cx="3657600" cy="1934765"/>
+            </a:xfrm>
+            <a:custGeom>
+              <a:avLst/>
+              <a:gdLst>
+                <a:gd name="connsiteX0" fmla="*/ 0 w 3657600"/>
+                <a:gd name="connsiteY0" fmla="*/ 241846 h 1934765"/>
+                <a:gd name="connsiteX1" fmla="*/ 2690218 w 3657600"/>
+                <a:gd name="connsiteY1" fmla="*/ 241846 h 1934765"/>
+                <a:gd name="connsiteX2" fmla="*/ 2690218 w 3657600"/>
+                <a:gd name="connsiteY2" fmla="*/ 0 h 1934765"/>
+                <a:gd name="connsiteX3" fmla="*/ 3657600 w 3657600"/>
+                <a:gd name="connsiteY3" fmla="*/ 967383 h 1934765"/>
+                <a:gd name="connsiteX4" fmla="*/ 2690218 w 3657600"/>
+                <a:gd name="connsiteY4" fmla="*/ 1934765 h 1934765"/>
+                <a:gd name="connsiteX5" fmla="*/ 2690218 w 3657600"/>
+                <a:gd name="connsiteY5" fmla="*/ 1692919 h 1934765"/>
+                <a:gd name="connsiteX6" fmla="*/ 0 w 3657600"/>
+                <a:gd name="connsiteY6" fmla="*/ 1692919 h 1934765"/>
+                <a:gd name="connsiteX7" fmla="*/ 0 w 3657600"/>
+                <a:gd name="connsiteY7" fmla="*/ 241846 h 1934765"/>
+              </a:gdLst>
+              <a:ahLst/>
+              <a:cxnLst>
+                <a:cxn ang="0">
+                  <a:pos x="connsiteX0" y="connsiteY0"/>
+                </a:cxn>
+                <a:cxn ang="0">
+                  <a:pos x="connsiteX1" y="connsiteY1"/>
+                </a:cxn>
+                <a:cxn ang="0">
+                  <a:pos x="connsiteX2" y="connsiteY2"/>
+                </a:cxn>
+                <a:cxn ang="0">
+                  <a:pos x="connsiteX3" y="connsiteY3"/>
+                </a:cxn>
+                <a:cxn ang="0">
+                  <a:pos x="connsiteX4" y="connsiteY4"/>
+                </a:cxn>
+                <a:cxn ang="0">
+                  <a:pos x="connsiteX5" y="connsiteY5"/>
+                </a:cxn>
+                <a:cxn ang="0">
+                  <a:pos x="connsiteX6" y="connsiteY6"/>
+                </a:cxn>
+                <a:cxn ang="0">
+                  <a:pos x="connsiteX7" y="connsiteY7"/>
+                </a:cxn>
+              </a:cxnLst>
+              <a:rect l="l" t="t" r="r" b="b"/>
+              <a:pathLst>
+                <a:path w="3657600" h="1934765">
+                  <a:moveTo>
+                    <a:pt x="0" y="241846"/>
+                  </a:moveTo>
+                  <a:lnTo>
+                    <a:pt x="2690218" y="241846"/>
+                  </a:lnTo>
+                  <a:lnTo>
+                    <a:pt x="2690218" y="0"/>
+                  </a:lnTo>
+                  <a:lnTo>
+                    <a:pt x="3657600" y="967383"/>
+                  </a:lnTo>
+                  <a:lnTo>
+                    <a:pt x="2690218" y="1934765"/>
+                  </a:lnTo>
+                  <a:lnTo>
+                    <a:pt x="2690218" y="1692919"/>
+                  </a:lnTo>
+                  <a:lnTo>
+                    <a:pt x="0" y="1692919"/>
+                  </a:lnTo>
+                  <a:lnTo>
+                    <a:pt x="0" y="241846"/>
+                  </a:lnTo>
+                  <a:close/>
+                </a:path>
+              </a:pathLst>
+            </a:custGeom>
+          </p:spPr>
+          <p:style>
+            <a:lnRef idx="2">
+              <a:schemeClr val="accent1">
+                <a:alpha val="90000"/>
+                <a:tint val="40000"/>
+                <a:hueOff val="0"/>
+                <a:satOff val="0"/>
+                <a:lumOff val="0"/>
+                <a:alphaOff val="0"/>
+              </a:schemeClr>
+            </a:lnRef>
+            <a:fillRef idx="1">
+              <a:schemeClr val="accent1">
+                <a:alpha val="90000"/>
+                <a:tint val="40000"/>
+                <a:hueOff val="0"/>
+                <a:satOff val="0"/>
+                <a:lumOff val="0"/>
+                <a:alphaOff val="0"/>
+              </a:schemeClr>
+            </a:fillRef>
+            <a:effectRef idx="0">
+              <a:schemeClr val="accent1">
+                <a:alpha val="90000"/>
+                <a:tint val="40000"/>
+                <a:hueOff val="0"/>
+                <a:satOff val="0"/>
+                <a:lumOff val="0"/>
+                <a:alphaOff val="0"/>
+              </a:schemeClr>
+            </a:effectRef>
+            <a:fontRef idx="minor">
+              <a:schemeClr val="dk1">
+                <a:hueOff val="0"/>
+                <a:satOff val="0"/>
+                <a:lumOff val="0"/>
+                <a:alphaOff val="0"/>
+              </a:schemeClr>
+            </a:fontRef>
+          </p:style>
+          <p:txBody>
+            <a:bodyPr spcFirstLastPara="0" vert="horz" wrap="square" lIns="29210" tIns="271056" rIns="754747" bIns="271056" numCol="1" spcCol="1270" anchor="ctr" anchorCtr="0">
+              <a:noAutofit/>
+            </a:bodyPr>
+            <a:lstStyle/>
+            <a:p>
+              <a:pPr marL="0" lvl="1" algn="ctr" defTabSz="2044700">
+                <a:lnSpc>
+                  <a:spcPct val="90000"/>
+                </a:lnSpc>
+                <a:spcBef>
+                  <a:spcPct val="0"/>
+                </a:spcBef>
+                <a:spcAft>
+                  <a:spcPct val="15000"/>
+                </a:spcAft>
+              </a:pPr>
+              <a:r>
+                <a:rPr lang="en-US" kern="1200" dirty="0"/>
+                <a:t>If you can pinpoint which part of the day consumers are most positive than you could reasonably assume they would respond more favorably to ads</a:t>
+              </a:r>
+            </a:p>
+          </p:txBody>
+        </p:sp>
+        <p:sp>
+          <p:nvSpPr>
+            <p:cNvPr id="8" name="Freeform: Shape 7">
+              <a:extLst>
+                <a:ext uri="{FF2B5EF4-FFF2-40B4-BE49-F238E27FC236}">
+                  <a16:creationId xmlns:a16="http://schemas.microsoft.com/office/drawing/2014/main" id="{CEE00B14-D74D-4C63-D573-AE187A212762}"/>
+                </a:ext>
+              </a:extLst>
+            </p:cNvPr>
+            <p:cNvSpPr/>
+            <p:nvPr/>
+          </p:nvSpPr>
+          <p:spPr>
+            <a:xfrm>
+              <a:off x="628650" y="3298963"/>
+              <a:ext cx="2438400" cy="1934765"/>
+            </a:xfrm>
+            <a:custGeom>
+              <a:avLst/>
+              <a:gdLst>
+                <a:gd name="connsiteX0" fmla="*/ 0 w 2438400"/>
+                <a:gd name="connsiteY0" fmla="*/ 322467 h 1934765"/>
+                <a:gd name="connsiteX1" fmla="*/ 322467 w 2438400"/>
+                <a:gd name="connsiteY1" fmla="*/ 0 h 1934765"/>
+                <a:gd name="connsiteX2" fmla="*/ 2115933 w 2438400"/>
+                <a:gd name="connsiteY2" fmla="*/ 0 h 1934765"/>
+                <a:gd name="connsiteX3" fmla="*/ 2438400 w 2438400"/>
+                <a:gd name="connsiteY3" fmla="*/ 322467 h 1934765"/>
+                <a:gd name="connsiteX4" fmla="*/ 2438400 w 2438400"/>
+                <a:gd name="connsiteY4" fmla="*/ 1612298 h 1934765"/>
+                <a:gd name="connsiteX5" fmla="*/ 2115933 w 2438400"/>
+                <a:gd name="connsiteY5" fmla="*/ 1934765 h 1934765"/>
+                <a:gd name="connsiteX6" fmla="*/ 322467 w 2438400"/>
+                <a:gd name="connsiteY6" fmla="*/ 1934765 h 1934765"/>
+                <a:gd name="connsiteX7" fmla="*/ 0 w 2438400"/>
+                <a:gd name="connsiteY7" fmla="*/ 1612298 h 1934765"/>
+                <a:gd name="connsiteX8" fmla="*/ 0 w 2438400"/>
+                <a:gd name="connsiteY8" fmla="*/ 322467 h 1934765"/>
+              </a:gdLst>
+              <a:ahLst/>
+              <a:cxnLst>
+                <a:cxn ang="0">
+                  <a:pos x="connsiteX0" y="connsiteY0"/>
+                </a:cxn>
+                <a:cxn ang="0">
+                  <a:pos x="connsiteX1" y="connsiteY1"/>
+                </a:cxn>
+                <a:cxn ang="0">
+                  <a:pos x="connsiteX2" y="connsiteY2"/>
+                </a:cxn>
+                <a:cxn ang="0">
+                  <a:pos x="connsiteX3" y="connsiteY3"/>
+                </a:cxn>
+                <a:cxn ang="0">
+                  <a:pos x="connsiteX4" y="connsiteY4"/>
+                </a:cxn>
+                <a:cxn ang="0">
+                  <a:pos x="connsiteX5" y="connsiteY5"/>
+                </a:cxn>
+                <a:cxn ang="0">
+                  <a:pos x="connsiteX6" y="connsiteY6"/>
+                </a:cxn>
+                <a:cxn ang="0">
+                  <a:pos x="connsiteX7" y="connsiteY7"/>
+                </a:cxn>
+                <a:cxn ang="0">
+                  <a:pos x="connsiteX8" y="connsiteY8"/>
+                </a:cxn>
+              </a:cxnLst>
+              <a:rect l="l" t="t" r="r" b="b"/>
+              <a:pathLst>
+                <a:path w="2438400" h="1934765">
+                  <a:moveTo>
+                    <a:pt x="0" y="322467"/>
+                  </a:moveTo>
+                  <a:cubicBezTo>
+                    <a:pt x="0" y="144373"/>
+                    <a:pt x="144373" y="0"/>
+                    <a:pt x="322467" y="0"/>
+                  </a:cubicBezTo>
+                  <a:lnTo>
+                    <a:pt x="2115933" y="0"/>
+                  </a:lnTo>
+                  <a:cubicBezTo>
+                    <a:pt x="2294027" y="0"/>
+                    <a:pt x="2438400" y="144373"/>
+                    <a:pt x="2438400" y="322467"/>
+                  </a:cubicBezTo>
+                  <a:lnTo>
+                    <a:pt x="2438400" y="1612298"/>
+                  </a:lnTo>
+                  <a:cubicBezTo>
+                    <a:pt x="2438400" y="1790392"/>
+                    <a:pt x="2294027" y="1934765"/>
+                    <a:pt x="2115933" y="1934765"/>
+                  </a:cubicBezTo>
+                  <a:lnTo>
+                    <a:pt x="322467" y="1934765"/>
+                  </a:lnTo>
+                  <a:cubicBezTo>
+                    <a:pt x="144373" y="1934765"/>
+                    <a:pt x="0" y="1790392"/>
+                    <a:pt x="0" y="1612298"/>
+                  </a:cubicBezTo>
+                  <a:lnTo>
+                    <a:pt x="0" y="322467"/>
+                  </a:lnTo>
+                  <a:close/>
+                </a:path>
+              </a:pathLst>
+            </a:custGeom>
+          </p:spPr>
+          <p:style>
+            <a:lnRef idx="2">
+              <a:schemeClr val="lt1">
+                <a:hueOff val="0"/>
+                <a:satOff val="0"/>
+                <a:lumOff val="0"/>
+                <a:alphaOff val="0"/>
+              </a:schemeClr>
+            </a:lnRef>
+            <a:fillRef idx="1">
+              <a:schemeClr val="accent1">
+                <a:hueOff val="0"/>
+                <a:satOff val="0"/>
+                <a:lumOff val="0"/>
+                <a:alphaOff val="0"/>
+              </a:schemeClr>
+            </a:fillRef>
+            <a:effectRef idx="0">
+              <a:schemeClr val="accent1">
+                <a:hueOff val="0"/>
+                <a:satOff val="0"/>
+                <a:lumOff val="0"/>
+                <a:alphaOff val="0"/>
+              </a:schemeClr>
+            </a:effectRef>
+            <a:fontRef idx="minor">
+              <a:schemeClr val="lt1"/>
+            </a:fontRef>
+          </p:style>
+          <p:txBody>
+            <a:bodyPr spcFirstLastPara="0" vert="horz" wrap="square" lIns="323047" tIns="208747" rIns="323047" bIns="208747" numCol="1" spcCol="1270" anchor="t" anchorCtr="0">
+              <a:noAutofit/>
+            </a:bodyPr>
+            <a:lstStyle/>
+            <a:p>
+              <a:pPr marL="0" lvl="0" indent="0" algn="ctr" defTabSz="2667000">
+                <a:lnSpc>
+                  <a:spcPct val="90000"/>
+                </a:lnSpc>
+                <a:spcBef>
+                  <a:spcPct val="0"/>
+                </a:spcBef>
+                <a:spcAft>
+                  <a:spcPct val="35000"/>
+                </a:spcAft>
+                <a:buNone/>
+              </a:pPr>
+              <a:r>
+                <a:rPr lang="en-US" sz="2000" kern="1200" dirty="0"/>
+                <a:t>Business Case</a:t>
+              </a:r>
+            </a:p>
+          </p:txBody>
+        </p:sp>
+      </p:grpSp>
+      <p:pic>
+        <p:nvPicPr>
+          <p:cNvPr id="13" name="Picture 12" descr="Range of moods sticky notes">
+            <a:extLst>
+              <a:ext uri="{FF2B5EF4-FFF2-40B4-BE49-F238E27FC236}">
+                <a16:creationId xmlns:a16="http://schemas.microsoft.com/office/drawing/2014/main" id="{7FEB9CF6-63F6-758B-76FD-DA4653EA2C21}"/>
+              </a:ext>
+            </a:extLst>
+          </p:cNvPr>
+          <p:cNvPicPr>
+            <a:picLocks noChangeAspect="1"/>
+          </p:cNvPicPr>
+          <p:nvPr/>
+        </p:nvPicPr>
+        <p:blipFill>
+          <a:blip r:embed="rId2">
+            <a:extLst>
+              <a:ext uri="{BEBA8EAE-BF5A-486C-A8C5-ECC9F3942E4B}">
+                <a14:imgProps xmlns:a14="http://schemas.microsoft.com/office/drawing/2010/main">
+                  <a14:imgLayer r:embed="rId3">
+                    <a14:imgEffect>
+                      <a14:backgroundRemoval t="10000" b="90000" l="10000" r="90000">
+                        <a14:foregroundMark x1="52898" y1="45815" x2="52898" y2="45815"/>
+                        <a14:foregroundMark x1="49555" y1="42297" x2="55055" y2="50546"/>
+                        <a14:foregroundMark x1="73308" y1="47594" x2="83122" y2="59078"/>
+                        <a14:foregroundMark x1="87059" y1="63769" x2="87059" y2="63769"/>
+                        <a14:foregroundMark x1="60555" y1="47594" x2="60555" y2="47594"/>
+                      </a14:backgroundRemoval>
+                    </a14:imgEffect>
+                  </a14:imgLayer>
+                </a14:imgProps>
+              </a:ext>
+              <a:ext uri="{28A0092B-C50C-407E-A947-70E740481C1C}">
+                <a14:useLocalDpi xmlns:a14="http://schemas.microsoft.com/office/drawing/2010/main" val="0"/>
+              </a:ext>
+            </a:extLst>
+          </a:blip>
+          <a:stretch>
+            <a:fillRect/>
+          </a:stretch>
+        </p:blipFill>
+        <p:spPr>
+          <a:xfrm>
+            <a:off x="570458" y="2957865"/>
+            <a:ext cx="3085911" cy="2058207"/>
+          </a:xfrm>
+          <a:prstGeom prst="rect">
+            <a:avLst/>
+          </a:prstGeom>
+        </p:spPr>
+      </p:pic>
     </p:spTree>
     <p:extLst>
       <p:ext uri="{BB962C8B-B14F-4D97-AF65-F5344CB8AC3E}">
@@ -3432,12 +7132,166 @@
             <p:ph idx="1"/>
           </p:nvPr>
         </p:nvSpPr>
-        <p:spPr/>
+        <p:spPr>
+          <a:xfrm>
+            <a:off x="466283" y="1819569"/>
+            <a:ext cx="7886700" cy="4351338"/>
+          </a:xfrm>
+        </p:spPr>
         <p:txBody>
           <a:bodyPr/>
           <a:lstStyle/>
           <a:p>
-            <a:endParaRPr lang="en-US"/>
+            <a:r>
+              <a:rPr lang="en-US" b="0" i="0" dirty="0">
+                <a:effectLst/>
+                <a:latin typeface="-apple-system"/>
+              </a:rPr>
+              <a:t>Sentiment analysis is an NLP (Natural Language Processing) technique used generally to determine if human speech is positive, negative, or neutral.</a:t>
+            </a:r>
+            <a:endParaRPr lang="en-US" dirty="0"/>
+          </a:p>
+        </p:txBody>
+      </p:sp>
+      <p:cxnSp>
+        <p:nvCxnSpPr>
+          <p:cNvPr id="4" name="Straight Connector 3">
+            <a:extLst>
+              <a:ext uri="{FF2B5EF4-FFF2-40B4-BE49-F238E27FC236}">
+                <a16:creationId xmlns:a16="http://schemas.microsoft.com/office/drawing/2014/main" id="{5346E452-BADB-5CF4-1D64-F799B94F81BA}"/>
+              </a:ext>
+            </a:extLst>
+          </p:cNvPr>
+          <p:cNvCxnSpPr>
+            <a:cxnSpLocks/>
+          </p:cNvCxnSpPr>
+          <p:nvPr/>
+        </p:nvCxnSpPr>
+        <p:spPr>
+          <a:xfrm>
+            <a:off x="628650" y="1311044"/>
+            <a:ext cx="8235656" cy="0"/>
+          </a:xfrm>
+          <a:prstGeom prst="line">
+            <a:avLst/>
+          </a:prstGeom>
+          <a:ln w="38100"/>
+        </p:spPr>
+        <p:style>
+          <a:lnRef idx="1">
+            <a:schemeClr val="dk1"/>
+          </a:lnRef>
+          <a:fillRef idx="0">
+            <a:schemeClr val="dk1"/>
+          </a:fillRef>
+          <a:effectRef idx="0">
+            <a:schemeClr val="dk1"/>
+          </a:effectRef>
+          <a:fontRef idx="minor">
+            <a:schemeClr val="tx1"/>
+          </a:fontRef>
+        </p:style>
+      </p:cxnSp>
+      <p:cxnSp>
+        <p:nvCxnSpPr>
+          <p:cNvPr id="5" name="Straight Connector 4">
+            <a:extLst>
+              <a:ext uri="{FF2B5EF4-FFF2-40B4-BE49-F238E27FC236}">
+                <a16:creationId xmlns:a16="http://schemas.microsoft.com/office/drawing/2014/main" id="{F91192E4-A542-8679-C4E9-43EE2800312B}"/>
+              </a:ext>
+            </a:extLst>
+          </p:cNvPr>
+          <p:cNvCxnSpPr>
+            <a:cxnSpLocks/>
+          </p:cNvCxnSpPr>
+          <p:nvPr/>
+        </p:nvCxnSpPr>
+        <p:spPr>
+          <a:xfrm>
+            <a:off x="466283" y="1311044"/>
+            <a:ext cx="8398023" cy="0"/>
+          </a:xfrm>
+          <a:prstGeom prst="line">
+            <a:avLst/>
+          </a:prstGeom>
+          <a:ln w="38100"/>
+        </p:spPr>
+        <p:style>
+          <a:lnRef idx="1">
+            <a:schemeClr val="dk1"/>
+          </a:lnRef>
+          <a:fillRef idx="0">
+            <a:schemeClr val="dk1"/>
+          </a:fillRef>
+          <a:effectRef idx="0">
+            <a:schemeClr val="dk1"/>
+          </a:effectRef>
+          <a:fontRef idx="minor">
+            <a:schemeClr val="tx1"/>
+          </a:fontRef>
+        </p:style>
+      </p:cxnSp>
+      <p:pic>
+        <p:nvPicPr>
+          <p:cNvPr id="6" name="Picture 5">
+            <a:extLst>
+              <a:ext uri="{FF2B5EF4-FFF2-40B4-BE49-F238E27FC236}">
+                <a16:creationId xmlns:a16="http://schemas.microsoft.com/office/drawing/2014/main" id="{EB33446A-5C71-148B-4438-EFC1F8E0D4EF}"/>
+              </a:ext>
+            </a:extLst>
+          </p:cNvPr>
+          <p:cNvPicPr>
+            <a:picLocks noChangeAspect="1"/>
+          </p:cNvPicPr>
+          <p:nvPr/>
+        </p:nvPicPr>
+        <p:blipFill rotWithShape="1">
+          <a:blip r:embed="rId2"/>
+          <a:srcRect t="7396" b="21046"/>
+          <a:stretch/>
+        </p:blipFill>
+        <p:spPr>
+          <a:xfrm>
+            <a:off x="1653186" y="3429000"/>
+            <a:ext cx="5625679" cy="3017748"/>
+          </a:xfrm>
+          <a:prstGeom prst="rect">
+            <a:avLst/>
+          </a:prstGeom>
+        </p:spPr>
+      </p:pic>
+      <p:sp>
+        <p:nvSpPr>
+          <p:cNvPr id="7" name="TextBox 6">
+            <a:extLst>
+              <a:ext uri="{FF2B5EF4-FFF2-40B4-BE49-F238E27FC236}">
+                <a16:creationId xmlns:a16="http://schemas.microsoft.com/office/drawing/2014/main" id="{DECF0DBF-445F-FCD4-1394-6C2F628D2B31}"/>
+              </a:ext>
+            </a:extLst>
+          </p:cNvPr>
+          <p:cNvSpPr txBox="1"/>
+          <p:nvPr/>
+        </p:nvSpPr>
+        <p:spPr>
+          <a:xfrm>
+            <a:off x="3165829" y="6446748"/>
+            <a:ext cx="2600392" cy="246221"/>
+          </a:xfrm>
+          <a:prstGeom prst="rect">
+            <a:avLst/>
+          </a:prstGeom>
+          <a:noFill/>
+        </p:spPr>
+        <p:txBody>
+          <a:bodyPr wrap="none" rtlCol="0">
+            <a:spAutoFit/>
+          </a:bodyPr>
+          <a:lstStyle/>
+          <a:p>
+            <a:r>
+              <a:rPr lang="en-US" sz="1000" dirty="0"/>
+              <a:t>https://monkeylearn.com/sentiment-analysis/</a:t>
+            </a:r>
           </a:p>
         </p:txBody>
       </p:sp>
@@ -3499,31 +7353,1452 @@
           </a:p>
         </p:txBody>
       </p:sp>
-      <p:sp>
-        <p:nvSpPr>
-          <p:cNvPr id="3" name="Content Placeholder 2">
+      <p:grpSp>
+        <p:nvGrpSpPr>
+          <p:cNvPr id="7" name="Group 6">
             <a:extLst>
               <a:ext uri="{FF2B5EF4-FFF2-40B4-BE49-F238E27FC236}">
-                <a16:creationId xmlns:a16="http://schemas.microsoft.com/office/drawing/2014/main" id="{44307EEA-F6A2-8E50-5FF8-06ABE09E887C}"/>
+                <a16:creationId xmlns:a16="http://schemas.microsoft.com/office/drawing/2014/main" id="{AAD30B4F-4012-2F4F-6037-595601358F8F}"/>
               </a:ext>
             </a:extLst>
           </p:cNvPr>
-          <p:cNvSpPr>
-            <a:spLocks noGrp="1"/>
-          </p:cNvSpPr>
-          <p:nvPr>
-            <p:ph idx="1"/>
-          </p:nvPr>
-        </p:nvSpPr>
-        <p:spPr/>
-        <p:txBody>
-          <a:bodyPr/>
-          <a:lstStyle/>
-          <a:p>
-            <a:endParaRPr lang="en-US"/>
-          </a:p>
-        </p:txBody>
-      </p:sp>
+          <p:cNvGrpSpPr/>
+          <p:nvPr/>
+        </p:nvGrpSpPr>
+        <p:grpSpPr>
+          <a:xfrm>
+            <a:off x="466283" y="1562363"/>
+            <a:ext cx="8478385" cy="3179195"/>
+            <a:chOff x="466283" y="1562363"/>
+            <a:chExt cx="8478385" cy="3179195"/>
+          </a:xfrm>
+        </p:grpSpPr>
+        <p:sp>
+          <p:nvSpPr>
+            <p:cNvPr id="8" name="Freeform: Shape 7">
+              <a:extLst>
+                <a:ext uri="{FF2B5EF4-FFF2-40B4-BE49-F238E27FC236}">
+                  <a16:creationId xmlns:a16="http://schemas.microsoft.com/office/drawing/2014/main" id="{389AC8A4-17F0-6F55-3C4F-89BD3A08CB9C}"/>
+                </a:ext>
+              </a:extLst>
+            </p:cNvPr>
+            <p:cNvSpPr/>
+            <p:nvPr/>
+          </p:nvSpPr>
+          <p:spPr>
+            <a:xfrm>
+              <a:off x="466283" y="1562363"/>
+              <a:ext cx="1899150" cy="1259914"/>
+            </a:xfrm>
+            <a:custGeom>
+              <a:avLst/>
+              <a:gdLst>
+                <a:gd name="connsiteX0" fmla="*/ 0 w 1899150"/>
+                <a:gd name="connsiteY0" fmla="*/ 125991 h 1259914"/>
+                <a:gd name="connsiteX1" fmla="*/ 125991 w 1899150"/>
+                <a:gd name="connsiteY1" fmla="*/ 0 h 1259914"/>
+                <a:gd name="connsiteX2" fmla="*/ 1773159 w 1899150"/>
+                <a:gd name="connsiteY2" fmla="*/ 0 h 1259914"/>
+                <a:gd name="connsiteX3" fmla="*/ 1899150 w 1899150"/>
+                <a:gd name="connsiteY3" fmla="*/ 125991 h 1259914"/>
+                <a:gd name="connsiteX4" fmla="*/ 1899150 w 1899150"/>
+                <a:gd name="connsiteY4" fmla="*/ 1133923 h 1259914"/>
+                <a:gd name="connsiteX5" fmla="*/ 1773159 w 1899150"/>
+                <a:gd name="connsiteY5" fmla="*/ 1259914 h 1259914"/>
+                <a:gd name="connsiteX6" fmla="*/ 125991 w 1899150"/>
+                <a:gd name="connsiteY6" fmla="*/ 1259914 h 1259914"/>
+                <a:gd name="connsiteX7" fmla="*/ 0 w 1899150"/>
+                <a:gd name="connsiteY7" fmla="*/ 1133923 h 1259914"/>
+                <a:gd name="connsiteX8" fmla="*/ 0 w 1899150"/>
+                <a:gd name="connsiteY8" fmla="*/ 125991 h 1259914"/>
+              </a:gdLst>
+              <a:ahLst/>
+              <a:cxnLst>
+                <a:cxn ang="0">
+                  <a:pos x="connsiteX0" y="connsiteY0"/>
+                </a:cxn>
+                <a:cxn ang="0">
+                  <a:pos x="connsiteX1" y="connsiteY1"/>
+                </a:cxn>
+                <a:cxn ang="0">
+                  <a:pos x="connsiteX2" y="connsiteY2"/>
+                </a:cxn>
+                <a:cxn ang="0">
+                  <a:pos x="connsiteX3" y="connsiteY3"/>
+                </a:cxn>
+                <a:cxn ang="0">
+                  <a:pos x="connsiteX4" y="connsiteY4"/>
+                </a:cxn>
+                <a:cxn ang="0">
+                  <a:pos x="connsiteX5" y="connsiteY5"/>
+                </a:cxn>
+                <a:cxn ang="0">
+                  <a:pos x="connsiteX6" y="connsiteY6"/>
+                </a:cxn>
+                <a:cxn ang="0">
+                  <a:pos x="connsiteX7" y="connsiteY7"/>
+                </a:cxn>
+                <a:cxn ang="0">
+                  <a:pos x="connsiteX8" y="connsiteY8"/>
+                </a:cxn>
+              </a:cxnLst>
+              <a:rect l="l" t="t" r="r" b="b"/>
+              <a:pathLst>
+                <a:path w="1899150" h="1259914">
+                  <a:moveTo>
+                    <a:pt x="0" y="125991"/>
+                  </a:moveTo>
+                  <a:cubicBezTo>
+                    <a:pt x="0" y="56408"/>
+                    <a:pt x="56408" y="0"/>
+                    <a:pt x="125991" y="0"/>
+                  </a:cubicBezTo>
+                  <a:lnTo>
+                    <a:pt x="1773159" y="0"/>
+                  </a:lnTo>
+                  <a:cubicBezTo>
+                    <a:pt x="1842742" y="0"/>
+                    <a:pt x="1899150" y="56408"/>
+                    <a:pt x="1899150" y="125991"/>
+                  </a:cubicBezTo>
+                  <a:lnTo>
+                    <a:pt x="1899150" y="1133923"/>
+                  </a:lnTo>
+                  <a:cubicBezTo>
+                    <a:pt x="1899150" y="1203506"/>
+                    <a:pt x="1842742" y="1259914"/>
+                    <a:pt x="1773159" y="1259914"/>
+                  </a:cubicBezTo>
+                  <a:lnTo>
+                    <a:pt x="125991" y="1259914"/>
+                  </a:lnTo>
+                  <a:cubicBezTo>
+                    <a:pt x="56408" y="1259914"/>
+                    <a:pt x="0" y="1203506"/>
+                    <a:pt x="0" y="1133923"/>
+                  </a:cubicBezTo>
+                  <a:lnTo>
+                    <a:pt x="0" y="125991"/>
+                  </a:lnTo>
+                  <a:close/>
+                </a:path>
+              </a:pathLst>
+            </a:custGeom>
+          </p:spPr>
+          <p:style>
+            <a:lnRef idx="2">
+              <a:schemeClr val="lt1">
+                <a:hueOff val="0"/>
+                <a:satOff val="0"/>
+                <a:lumOff val="0"/>
+                <a:alphaOff val="0"/>
+              </a:schemeClr>
+            </a:lnRef>
+            <a:fillRef idx="1">
+              <a:schemeClr val="accent1">
+                <a:hueOff val="0"/>
+                <a:satOff val="0"/>
+                <a:lumOff val="0"/>
+                <a:alphaOff val="0"/>
+              </a:schemeClr>
+            </a:fillRef>
+            <a:effectRef idx="0">
+              <a:schemeClr val="accent1">
+                <a:hueOff val="0"/>
+                <a:satOff val="0"/>
+                <a:lumOff val="0"/>
+                <a:alphaOff val="0"/>
+              </a:schemeClr>
+            </a:effectRef>
+            <a:fontRef idx="minor">
+              <a:schemeClr val="lt1"/>
+            </a:fontRef>
+          </p:style>
+          <p:txBody>
+            <a:bodyPr spcFirstLastPara="0" vert="horz" wrap="square" lIns="113792" tIns="113792" rIns="113792" bIns="480931" numCol="1" spcCol="1270" anchor="t" anchorCtr="0">
+              <a:noAutofit/>
+            </a:bodyPr>
+            <a:lstStyle/>
+            <a:p>
+              <a:pPr marL="0" lvl="0" indent="0" algn="l" defTabSz="711200">
+                <a:lnSpc>
+                  <a:spcPct val="90000"/>
+                </a:lnSpc>
+                <a:spcBef>
+                  <a:spcPct val="0"/>
+                </a:spcBef>
+                <a:spcAft>
+                  <a:spcPct val="35000"/>
+                </a:spcAft>
+                <a:buNone/>
+              </a:pPr>
+              <a:r>
+                <a:rPr lang="en-US" sz="1600" kern="1200" dirty="0"/>
+                <a:t>Connect to reddit API</a:t>
+              </a:r>
+            </a:p>
+          </p:txBody>
+        </p:sp>
+        <p:sp>
+          <p:nvSpPr>
+            <p:cNvPr id="9" name="Freeform: Shape 8">
+              <a:extLst>
+                <a:ext uri="{FF2B5EF4-FFF2-40B4-BE49-F238E27FC236}">
+                  <a16:creationId xmlns:a16="http://schemas.microsoft.com/office/drawing/2014/main" id="{F5711ADC-09C8-FE38-2A89-B68916B81726}"/>
+                </a:ext>
+              </a:extLst>
+            </p:cNvPr>
+            <p:cNvSpPr/>
+            <p:nvPr/>
+          </p:nvSpPr>
+          <p:spPr>
+            <a:xfrm>
+              <a:off x="878272" y="2601787"/>
+              <a:ext cx="1899150" cy="2139771"/>
+            </a:xfrm>
+            <a:custGeom>
+              <a:avLst/>
+              <a:gdLst>
+                <a:gd name="connsiteX0" fmla="*/ 0 w 1899150"/>
+                <a:gd name="connsiteY0" fmla="*/ 189915 h 3397535"/>
+                <a:gd name="connsiteX1" fmla="*/ 189915 w 1899150"/>
+                <a:gd name="connsiteY1" fmla="*/ 0 h 3397535"/>
+                <a:gd name="connsiteX2" fmla="*/ 1709235 w 1899150"/>
+                <a:gd name="connsiteY2" fmla="*/ 0 h 3397535"/>
+                <a:gd name="connsiteX3" fmla="*/ 1899150 w 1899150"/>
+                <a:gd name="connsiteY3" fmla="*/ 189915 h 3397535"/>
+                <a:gd name="connsiteX4" fmla="*/ 1899150 w 1899150"/>
+                <a:gd name="connsiteY4" fmla="*/ 3207620 h 3397535"/>
+                <a:gd name="connsiteX5" fmla="*/ 1709235 w 1899150"/>
+                <a:gd name="connsiteY5" fmla="*/ 3397535 h 3397535"/>
+                <a:gd name="connsiteX6" fmla="*/ 189915 w 1899150"/>
+                <a:gd name="connsiteY6" fmla="*/ 3397535 h 3397535"/>
+                <a:gd name="connsiteX7" fmla="*/ 0 w 1899150"/>
+                <a:gd name="connsiteY7" fmla="*/ 3207620 h 3397535"/>
+                <a:gd name="connsiteX8" fmla="*/ 0 w 1899150"/>
+                <a:gd name="connsiteY8" fmla="*/ 189915 h 3397535"/>
+              </a:gdLst>
+              <a:ahLst/>
+              <a:cxnLst>
+                <a:cxn ang="0">
+                  <a:pos x="connsiteX0" y="connsiteY0"/>
+                </a:cxn>
+                <a:cxn ang="0">
+                  <a:pos x="connsiteX1" y="connsiteY1"/>
+                </a:cxn>
+                <a:cxn ang="0">
+                  <a:pos x="connsiteX2" y="connsiteY2"/>
+                </a:cxn>
+                <a:cxn ang="0">
+                  <a:pos x="connsiteX3" y="connsiteY3"/>
+                </a:cxn>
+                <a:cxn ang="0">
+                  <a:pos x="connsiteX4" y="connsiteY4"/>
+                </a:cxn>
+                <a:cxn ang="0">
+                  <a:pos x="connsiteX5" y="connsiteY5"/>
+                </a:cxn>
+                <a:cxn ang="0">
+                  <a:pos x="connsiteX6" y="connsiteY6"/>
+                </a:cxn>
+                <a:cxn ang="0">
+                  <a:pos x="connsiteX7" y="connsiteY7"/>
+                </a:cxn>
+                <a:cxn ang="0">
+                  <a:pos x="connsiteX8" y="connsiteY8"/>
+                </a:cxn>
+              </a:cxnLst>
+              <a:rect l="l" t="t" r="r" b="b"/>
+              <a:pathLst>
+                <a:path w="1899150" h="3397535">
+                  <a:moveTo>
+                    <a:pt x="0" y="189915"/>
+                  </a:moveTo>
+                  <a:cubicBezTo>
+                    <a:pt x="0" y="85028"/>
+                    <a:pt x="85028" y="0"/>
+                    <a:pt x="189915" y="0"/>
+                  </a:cubicBezTo>
+                  <a:lnTo>
+                    <a:pt x="1709235" y="0"/>
+                  </a:lnTo>
+                  <a:cubicBezTo>
+                    <a:pt x="1814122" y="0"/>
+                    <a:pt x="1899150" y="85028"/>
+                    <a:pt x="1899150" y="189915"/>
+                  </a:cubicBezTo>
+                  <a:lnTo>
+                    <a:pt x="1899150" y="3207620"/>
+                  </a:lnTo>
+                  <a:cubicBezTo>
+                    <a:pt x="1899150" y="3312507"/>
+                    <a:pt x="1814122" y="3397535"/>
+                    <a:pt x="1709235" y="3397535"/>
+                  </a:cubicBezTo>
+                  <a:lnTo>
+                    <a:pt x="189915" y="3397535"/>
+                  </a:lnTo>
+                  <a:cubicBezTo>
+                    <a:pt x="85028" y="3397535"/>
+                    <a:pt x="0" y="3312507"/>
+                    <a:pt x="0" y="3207620"/>
+                  </a:cubicBezTo>
+                  <a:lnTo>
+                    <a:pt x="0" y="189915"/>
+                  </a:lnTo>
+                  <a:close/>
+                </a:path>
+              </a:pathLst>
+            </a:custGeom>
+          </p:spPr>
+          <p:style>
+            <a:lnRef idx="2">
+              <a:schemeClr val="accent1">
+                <a:hueOff val="0"/>
+                <a:satOff val="0"/>
+                <a:lumOff val="0"/>
+                <a:alphaOff val="0"/>
+              </a:schemeClr>
+            </a:lnRef>
+            <a:fillRef idx="1">
+              <a:schemeClr val="lt1">
+                <a:alpha val="90000"/>
+                <a:hueOff val="0"/>
+                <a:satOff val="0"/>
+                <a:lumOff val="0"/>
+                <a:alphaOff val="0"/>
+              </a:schemeClr>
+            </a:fillRef>
+            <a:effectRef idx="0">
+              <a:schemeClr val="lt1">
+                <a:alpha val="90000"/>
+                <a:hueOff val="0"/>
+                <a:satOff val="0"/>
+                <a:lumOff val="0"/>
+                <a:alphaOff val="0"/>
+              </a:schemeClr>
+            </a:effectRef>
+            <a:fontRef idx="minor">
+              <a:schemeClr val="dk1">
+                <a:hueOff val="0"/>
+                <a:satOff val="0"/>
+                <a:lumOff val="0"/>
+                <a:alphaOff val="0"/>
+              </a:schemeClr>
+            </a:fontRef>
+          </p:style>
+          <p:txBody>
+            <a:bodyPr spcFirstLastPara="0" vert="horz" wrap="square" lIns="176528" tIns="176528" rIns="176528" bIns="176528" numCol="1" spcCol="1270" anchor="t" anchorCtr="0">
+              <a:noAutofit/>
+            </a:bodyPr>
+            <a:lstStyle/>
+            <a:p>
+              <a:pPr marL="171450" lvl="1" indent="-171450" algn="l" defTabSz="755650">
+                <a:lnSpc>
+                  <a:spcPct val="90000"/>
+                </a:lnSpc>
+                <a:spcBef>
+                  <a:spcPct val="0"/>
+                </a:spcBef>
+                <a:spcAft>
+                  <a:spcPct val="15000"/>
+                </a:spcAft>
+                <a:buChar char="•"/>
+              </a:pPr>
+              <a:r>
+                <a:rPr lang="en-US" sz="1700" kern="1200" dirty="0"/>
+                <a:t>Very similar to other API’s with the use of authentication keys etc.</a:t>
+              </a:r>
+            </a:p>
+          </p:txBody>
+        </p:sp>
+        <p:sp>
+          <p:nvSpPr>
+            <p:cNvPr id="10" name="Freeform: Shape 9">
+              <a:extLst>
+                <a:ext uri="{FF2B5EF4-FFF2-40B4-BE49-F238E27FC236}">
+                  <a16:creationId xmlns:a16="http://schemas.microsoft.com/office/drawing/2014/main" id="{2B4C35FB-D7A8-6273-1630-215EFEFE093B}"/>
+                </a:ext>
+              </a:extLst>
+            </p:cNvPr>
+            <p:cNvSpPr/>
+            <p:nvPr/>
+          </p:nvSpPr>
+          <p:spPr>
+            <a:xfrm>
+              <a:off x="2668607" y="1881389"/>
+              <a:ext cx="615782" cy="472833"/>
+            </a:xfrm>
+            <a:custGeom>
+              <a:avLst/>
+              <a:gdLst>
+                <a:gd name="connsiteX0" fmla="*/ 0 w 615782"/>
+                <a:gd name="connsiteY0" fmla="*/ 94567 h 472833"/>
+                <a:gd name="connsiteX1" fmla="*/ 379366 w 615782"/>
+                <a:gd name="connsiteY1" fmla="*/ 94567 h 472833"/>
+                <a:gd name="connsiteX2" fmla="*/ 379366 w 615782"/>
+                <a:gd name="connsiteY2" fmla="*/ 0 h 472833"/>
+                <a:gd name="connsiteX3" fmla="*/ 615782 w 615782"/>
+                <a:gd name="connsiteY3" fmla="*/ 236417 h 472833"/>
+                <a:gd name="connsiteX4" fmla="*/ 379366 w 615782"/>
+                <a:gd name="connsiteY4" fmla="*/ 472833 h 472833"/>
+                <a:gd name="connsiteX5" fmla="*/ 379366 w 615782"/>
+                <a:gd name="connsiteY5" fmla="*/ 378266 h 472833"/>
+                <a:gd name="connsiteX6" fmla="*/ 0 w 615782"/>
+                <a:gd name="connsiteY6" fmla="*/ 378266 h 472833"/>
+                <a:gd name="connsiteX7" fmla="*/ 0 w 615782"/>
+                <a:gd name="connsiteY7" fmla="*/ 94567 h 472833"/>
+              </a:gdLst>
+              <a:ahLst/>
+              <a:cxnLst>
+                <a:cxn ang="0">
+                  <a:pos x="connsiteX0" y="connsiteY0"/>
+                </a:cxn>
+                <a:cxn ang="0">
+                  <a:pos x="connsiteX1" y="connsiteY1"/>
+                </a:cxn>
+                <a:cxn ang="0">
+                  <a:pos x="connsiteX2" y="connsiteY2"/>
+                </a:cxn>
+                <a:cxn ang="0">
+                  <a:pos x="connsiteX3" y="connsiteY3"/>
+                </a:cxn>
+                <a:cxn ang="0">
+                  <a:pos x="connsiteX4" y="connsiteY4"/>
+                </a:cxn>
+                <a:cxn ang="0">
+                  <a:pos x="connsiteX5" y="connsiteY5"/>
+                </a:cxn>
+                <a:cxn ang="0">
+                  <a:pos x="connsiteX6" y="connsiteY6"/>
+                </a:cxn>
+                <a:cxn ang="0">
+                  <a:pos x="connsiteX7" y="connsiteY7"/>
+                </a:cxn>
+              </a:cxnLst>
+              <a:rect l="l" t="t" r="r" b="b"/>
+              <a:pathLst>
+                <a:path w="615782" h="472833">
+                  <a:moveTo>
+                    <a:pt x="0" y="94567"/>
+                  </a:moveTo>
+                  <a:lnTo>
+                    <a:pt x="379366" y="94567"/>
+                  </a:lnTo>
+                  <a:lnTo>
+                    <a:pt x="379366" y="0"/>
+                  </a:lnTo>
+                  <a:lnTo>
+                    <a:pt x="615782" y="236417"/>
+                  </a:lnTo>
+                  <a:lnTo>
+                    <a:pt x="379366" y="472833"/>
+                  </a:lnTo>
+                  <a:lnTo>
+                    <a:pt x="379366" y="378266"/>
+                  </a:lnTo>
+                  <a:lnTo>
+                    <a:pt x="0" y="378266"/>
+                  </a:lnTo>
+                  <a:lnTo>
+                    <a:pt x="0" y="94567"/>
+                  </a:lnTo>
+                  <a:close/>
+                </a:path>
+              </a:pathLst>
+            </a:custGeom>
+          </p:spPr>
+          <p:style>
+            <a:lnRef idx="0">
+              <a:schemeClr val="accent1">
+                <a:tint val="60000"/>
+                <a:hueOff val="0"/>
+                <a:satOff val="0"/>
+                <a:lumOff val="0"/>
+                <a:alphaOff val="0"/>
+              </a:schemeClr>
+            </a:lnRef>
+            <a:fillRef idx="1">
+              <a:schemeClr val="accent1">
+                <a:tint val="60000"/>
+                <a:hueOff val="0"/>
+                <a:satOff val="0"/>
+                <a:lumOff val="0"/>
+                <a:alphaOff val="0"/>
+              </a:schemeClr>
+            </a:fillRef>
+            <a:effectRef idx="0">
+              <a:schemeClr val="accent1">
+                <a:tint val="60000"/>
+                <a:hueOff val="0"/>
+                <a:satOff val="0"/>
+                <a:lumOff val="0"/>
+                <a:alphaOff val="0"/>
+              </a:schemeClr>
+            </a:effectRef>
+            <a:fontRef idx="minor">
+              <a:schemeClr val="lt1"/>
+            </a:fontRef>
+          </p:style>
+          <p:txBody>
+            <a:bodyPr spcFirstLastPara="0" vert="horz" wrap="square" lIns="-1" tIns="94567" rIns="141850" bIns="94566" numCol="1" spcCol="1270" anchor="ctr" anchorCtr="0">
+              <a:noAutofit/>
+            </a:bodyPr>
+            <a:lstStyle/>
+            <a:p>
+              <a:pPr marL="0" lvl="0" indent="0" algn="ctr" defTabSz="622300">
+                <a:lnSpc>
+                  <a:spcPct val="90000"/>
+                </a:lnSpc>
+                <a:spcBef>
+                  <a:spcPct val="0"/>
+                </a:spcBef>
+                <a:spcAft>
+                  <a:spcPct val="35000"/>
+                </a:spcAft>
+                <a:buNone/>
+              </a:pPr>
+              <a:endParaRPr lang="en-US" sz="1400" kern="1200"/>
+            </a:p>
+          </p:txBody>
+        </p:sp>
+        <p:sp>
+          <p:nvSpPr>
+            <p:cNvPr id="11" name="Freeform: Shape 10">
+              <a:extLst>
+                <a:ext uri="{FF2B5EF4-FFF2-40B4-BE49-F238E27FC236}">
+                  <a16:creationId xmlns:a16="http://schemas.microsoft.com/office/drawing/2014/main" id="{F5544752-4250-E7D9-118F-0C12F228018A}"/>
+                </a:ext>
+              </a:extLst>
+            </p:cNvPr>
+            <p:cNvSpPr/>
+            <p:nvPr/>
+          </p:nvSpPr>
+          <p:spPr>
+            <a:xfrm>
+              <a:off x="3527286" y="1562363"/>
+              <a:ext cx="1899150" cy="1243882"/>
+            </a:xfrm>
+            <a:custGeom>
+              <a:avLst/>
+              <a:gdLst>
+                <a:gd name="connsiteX0" fmla="*/ 0 w 1899150"/>
+                <a:gd name="connsiteY0" fmla="*/ 124388 h 1243882"/>
+                <a:gd name="connsiteX1" fmla="*/ 124388 w 1899150"/>
+                <a:gd name="connsiteY1" fmla="*/ 0 h 1243882"/>
+                <a:gd name="connsiteX2" fmla="*/ 1774762 w 1899150"/>
+                <a:gd name="connsiteY2" fmla="*/ 0 h 1243882"/>
+                <a:gd name="connsiteX3" fmla="*/ 1899150 w 1899150"/>
+                <a:gd name="connsiteY3" fmla="*/ 124388 h 1243882"/>
+                <a:gd name="connsiteX4" fmla="*/ 1899150 w 1899150"/>
+                <a:gd name="connsiteY4" fmla="*/ 1119494 h 1243882"/>
+                <a:gd name="connsiteX5" fmla="*/ 1774762 w 1899150"/>
+                <a:gd name="connsiteY5" fmla="*/ 1243882 h 1243882"/>
+                <a:gd name="connsiteX6" fmla="*/ 124388 w 1899150"/>
+                <a:gd name="connsiteY6" fmla="*/ 1243882 h 1243882"/>
+                <a:gd name="connsiteX7" fmla="*/ 0 w 1899150"/>
+                <a:gd name="connsiteY7" fmla="*/ 1119494 h 1243882"/>
+                <a:gd name="connsiteX8" fmla="*/ 0 w 1899150"/>
+                <a:gd name="connsiteY8" fmla="*/ 124388 h 1243882"/>
+              </a:gdLst>
+              <a:ahLst/>
+              <a:cxnLst>
+                <a:cxn ang="0">
+                  <a:pos x="connsiteX0" y="connsiteY0"/>
+                </a:cxn>
+                <a:cxn ang="0">
+                  <a:pos x="connsiteX1" y="connsiteY1"/>
+                </a:cxn>
+                <a:cxn ang="0">
+                  <a:pos x="connsiteX2" y="connsiteY2"/>
+                </a:cxn>
+                <a:cxn ang="0">
+                  <a:pos x="connsiteX3" y="connsiteY3"/>
+                </a:cxn>
+                <a:cxn ang="0">
+                  <a:pos x="connsiteX4" y="connsiteY4"/>
+                </a:cxn>
+                <a:cxn ang="0">
+                  <a:pos x="connsiteX5" y="connsiteY5"/>
+                </a:cxn>
+                <a:cxn ang="0">
+                  <a:pos x="connsiteX6" y="connsiteY6"/>
+                </a:cxn>
+                <a:cxn ang="0">
+                  <a:pos x="connsiteX7" y="connsiteY7"/>
+                </a:cxn>
+                <a:cxn ang="0">
+                  <a:pos x="connsiteX8" y="connsiteY8"/>
+                </a:cxn>
+              </a:cxnLst>
+              <a:rect l="l" t="t" r="r" b="b"/>
+              <a:pathLst>
+                <a:path w="1899150" h="1243882">
+                  <a:moveTo>
+                    <a:pt x="0" y="124388"/>
+                  </a:moveTo>
+                  <a:cubicBezTo>
+                    <a:pt x="0" y="55690"/>
+                    <a:pt x="55690" y="0"/>
+                    <a:pt x="124388" y="0"/>
+                  </a:cubicBezTo>
+                  <a:lnTo>
+                    <a:pt x="1774762" y="0"/>
+                  </a:lnTo>
+                  <a:cubicBezTo>
+                    <a:pt x="1843460" y="0"/>
+                    <a:pt x="1899150" y="55690"/>
+                    <a:pt x="1899150" y="124388"/>
+                  </a:cubicBezTo>
+                  <a:lnTo>
+                    <a:pt x="1899150" y="1119494"/>
+                  </a:lnTo>
+                  <a:cubicBezTo>
+                    <a:pt x="1899150" y="1188192"/>
+                    <a:pt x="1843460" y="1243882"/>
+                    <a:pt x="1774762" y="1243882"/>
+                  </a:cubicBezTo>
+                  <a:lnTo>
+                    <a:pt x="124388" y="1243882"/>
+                  </a:lnTo>
+                  <a:cubicBezTo>
+                    <a:pt x="55690" y="1243882"/>
+                    <a:pt x="0" y="1188192"/>
+                    <a:pt x="0" y="1119494"/>
+                  </a:cubicBezTo>
+                  <a:lnTo>
+                    <a:pt x="0" y="124388"/>
+                  </a:lnTo>
+                  <a:close/>
+                </a:path>
+              </a:pathLst>
+            </a:custGeom>
+          </p:spPr>
+          <p:style>
+            <a:lnRef idx="2">
+              <a:schemeClr val="lt1">
+                <a:hueOff val="0"/>
+                <a:satOff val="0"/>
+                <a:lumOff val="0"/>
+                <a:alphaOff val="0"/>
+              </a:schemeClr>
+            </a:lnRef>
+            <a:fillRef idx="1">
+              <a:schemeClr val="accent1">
+                <a:hueOff val="0"/>
+                <a:satOff val="0"/>
+                <a:lumOff val="0"/>
+                <a:alphaOff val="0"/>
+              </a:schemeClr>
+            </a:fillRef>
+            <a:effectRef idx="0">
+              <a:schemeClr val="accent1">
+                <a:hueOff val="0"/>
+                <a:satOff val="0"/>
+                <a:lumOff val="0"/>
+                <a:alphaOff val="0"/>
+              </a:schemeClr>
+            </a:effectRef>
+            <a:fontRef idx="minor">
+              <a:schemeClr val="lt1"/>
+            </a:fontRef>
+          </p:style>
+          <p:txBody>
+            <a:bodyPr spcFirstLastPara="0" vert="horz" wrap="square" lIns="113792" tIns="113792" rIns="113792" bIns="475587" numCol="1" spcCol="1270" anchor="t" anchorCtr="0">
+              <a:noAutofit/>
+            </a:bodyPr>
+            <a:lstStyle/>
+            <a:p>
+              <a:pPr marL="0" lvl="0" indent="0" algn="l" defTabSz="711200">
+                <a:lnSpc>
+                  <a:spcPct val="90000"/>
+                </a:lnSpc>
+                <a:spcBef>
+                  <a:spcPct val="0"/>
+                </a:spcBef>
+                <a:spcAft>
+                  <a:spcPct val="35000"/>
+                </a:spcAft>
+                <a:buNone/>
+              </a:pPr>
+              <a:r>
+                <a:rPr lang="en-US" sz="1600" kern="1200" dirty="0"/>
+                <a:t>Specify the subreddit and pull the most recent 1000 posts</a:t>
+              </a:r>
+            </a:p>
+          </p:txBody>
+        </p:sp>
+        <p:sp>
+          <p:nvSpPr>
+            <p:cNvPr id="12" name="Freeform: Shape 11">
+              <a:extLst>
+                <a:ext uri="{FF2B5EF4-FFF2-40B4-BE49-F238E27FC236}">
+                  <a16:creationId xmlns:a16="http://schemas.microsoft.com/office/drawing/2014/main" id="{8A1A71F5-C743-DA82-05EC-C988C96C828C}"/>
+                </a:ext>
+              </a:extLst>
+            </p:cNvPr>
+            <p:cNvSpPr/>
+            <p:nvPr/>
+          </p:nvSpPr>
+          <p:spPr>
+            <a:xfrm>
+              <a:off x="3956604" y="2601787"/>
+              <a:ext cx="1899150" cy="2139771"/>
+            </a:xfrm>
+            <a:custGeom>
+              <a:avLst/>
+              <a:gdLst>
+                <a:gd name="connsiteX0" fmla="*/ 0 w 1899150"/>
+                <a:gd name="connsiteY0" fmla="*/ 189915 h 4083031"/>
+                <a:gd name="connsiteX1" fmla="*/ 189915 w 1899150"/>
+                <a:gd name="connsiteY1" fmla="*/ 0 h 4083031"/>
+                <a:gd name="connsiteX2" fmla="*/ 1709235 w 1899150"/>
+                <a:gd name="connsiteY2" fmla="*/ 0 h 4083031"/>
+                <a:gd name="connsiteX3" fmla="*/ 1899150 w 1899150"/>
+                <a:gd name="connsiteY3" fmla="*/ 189915 h 4083031"/>
+                <a:gd name="connsiteX4" fmla="*/ 1899150 w 1899150"/>
+                <a:gd name="connsiteY4" fmla="*/ 3893116 h 4083031"/>
+                <a:gd name="connsiteX5" fmla="*/ 1709235 w 1899150"/>
+                <a:gd name="connsiteY5" fmla="*/ 4083031 h 4083031"/>
+                <a:gd name="connsiteX6" fmla="*/ 189915 w 1899150"/>
+                <a:gd name="connsiteY6" fmla="*/ 4083031 h 4083031"/>
+                <a:gd name="connsiteX7" fmla="*/ 0 w 1899150"/>
+                <a:gd name="connsiteY7" fmla="*/ 3893116 h 4083031"/>
+                <a:gd name="connsiteX8" fmla="*/ 0 w 1899150"/>
+                <a:gd name="connsiteY8" fmla="*/ 189915 h 4083031"/>
+              </a:gdLst>
+              <a:ahLst/>
+              <a:cxnLst>
+                <a:cxn ang="0">
+                  <a:pos x="connsiteX0" y="connsiteY0"/>
+                </a:cxn>
+                <a:cxn ang="0">
+                  <a:pos x="connsiteX1" y="connsiteY1"/>
+                </a:cxn>
+                <a:cxn ang="0">
+                  <a:pos x="connsiteX2" y="connsiteY2"/>
+                </a:cxn>
+                <a:cxn ang="0">
+                  <a:pos x="connsiteX3" y="connsiteY3"/>
+                </a:cxn>
+                <a:cxn ang="0">
+                  <a:pos x="connsiteX4" y="connsiteY4"/>
+                </a:cxn>
+                <a:cxn ang="0">
+                  <a:pos x="connsiteX5" y="connsiteY5"/>
+                </a:cxn>
+                <a:cxn ang="0">
+                  <a:pos x="connsiteX6" y="connsiteY6"/>
+                </a:cxn>
+                <a:cxn ang="0">
+                  <a:pos x="connsiteX7" y="connsiteY7"/>
+                </a:cxn>
+                <a:cxn ang="0">
+                  <a:pos x="connsiteX8" y="connsiteY8"/>
+                </a:cxn>
+              </a:cxnLst>
+              <a:rect l="l" t="t" r="r" b="b"/>
+              <a:pathLst>
+                <a:path w="1899150" h="4083031">
+                  <a:moveTo>
+                    <a:pt x="0" y="189915"/>
+                  </a:moveTo>
+                  <a:cubicBezTo>
+                    <a:pt x="0" y="85028"/>
+                    <a:pt x="85028" y="0"/>
+                    <a:pt x="189915" y="0"/>
+                  </a:cubicBezTo>
+                  <a:lnTo>
+                    <a:pt x="1709235" y="0"/>
+                  </a:lnTo>
+                  <a:cubicBezTo>
+                    <a:pt x="1814122" y="0"/>
+                    <a:pt x="1899150" y="85028"/>
+                    <a:pt x="1899150" y="189915"/>
+                  </a:cubicBezTo>
+                  <a:lnTo>
+                    <a:pt x="1899150" y="3893116"/>
+                  </a:lnTo>
+                  <a:cubicBezTo>
+                    <a:pt x="1899150" y="3998003"/>
+                    <a:pt x="1814122" y="4083031"/>
+                    <a:pt x="1709235" y="4083031"/>
+                  </a:cubicBezTo>
+                  <a:lnTo>
+                    <a:pt x="189915" y="4083031"/>
+                  </a:lnTo>
+                  <a:cubicBezTo>
+                    <a:pt x="85028" y="4083031"/>
+                    <a:pt x="0" y="3998003"/>
+                    <a:pt x="0" y="3893116"/>
+                  </a:cubicBezTo>
+                  <a:lnTo>
+                    <a:pt x="0" y="189915"/>
+                  </a:lnTo>
+                  <a:close/>
+                </a:path>
+              </a:pathLst>
+            </a:custGeom>
+          </p:spPr>
+          <p:style>
+            <a:lnRef idx="2">
+              <a:schemeClr val="accent1">
+                <a:hueOff val="0"/>
+                <a:satOff val="0"/>
+                <a:lumOff val="0"/>
+                <a:alphaOff val="0"/>
+              </a:schemeClr>
+            </a:lnRef>
+            <a:fillRef idx="1">
+              <a:schemeClr val="lt1">
+                <a:alpha val="90000"/>
+                <a:hueOff val="0"/>
+                <a:satOff val="0"/>
+                <a:lumOff val="0"/>
+                <a:alphaOff val="0"/>
+              </a:schemeClr>
+            </a:fillRef>
+            <a:effectRef idx="0">
+              <a:schemeClr val="lt1">
+                <a:alpha val="90000"/>
+                <a:hueOff val="0"/>
+                <a:satOff val="0"/>
+                <a:lumOff val="0"/>
+                <a:alphaOff val="0"/>
+              </a:schemeClr>
+            </a:effectRef>
+            <a:fontRef idx="minor">
+              <a:schemeClr val="dk1">
+                <a:hueOff val="0"/>
+                <a:satOff val="0"/>
+                <a:lumOff val="0"/>
+                <a:alphaOff val="0"/>
+              </a:schemeClr>
+            </a:fontRef>
+          </p:style>
+          <p:txBody>
+            <a:bodyPr spcFirstLastPara="0" vert="horz" wrap="square" lIns="176528" tIns="176528" rIns="176528" bIns="176528" numCol="1" spcCol="1270" anchor="t" anchorCtr="0">
+              <a:noAutofit/>
+            </a:bodyPr>
+            <a:lstStyle/>
+            <a:p>
+              <a:pPr marL="171450" lvl="1" indent="-171450" algn="l" defTabSz="755650">
+                <a:lnSpc>
+                  <a:spcPct val="90000"/>
+                </a:lnSpc>
+                <a:spcBef>
+                  <a:spcPct val="0"/>
+                </a:spcBef>
+                <a:spcAft>
+                  <a:spcPct val="15000"/>
+                </a:spcAft>
+                <a:buChar char="•"/>
+              </a:pPr>
+              <a:r>
+                <a:rPr lang="en-US" sz="1700" kern="1200" dirty="0"/>
+                <a:t>I extracted posts from “r/Depression” thinking this would have the most dramatic differences in sentiment</a:t>
+              </a:r>
+            </a:p>
+          </p:txBody>
+        </p:sp>
+        <p:sp>
+          <p:nvSpPr>
+            <p:cNvPr id="13" name="Freeform: Shape 12">
+              <a:extLst>
+                <a:ext uri="{FF2B5EF4-FFF2-40B4-BE49-F238E27FC236}">
+                  <a16:creationId xmlns:a16="http://schemas.microsoft.com/office/drawing/2014/main" id="{98DFEF2C-4E20-DBB0-6258-BB31342900AD}"/>
+                </a:ext>
+              </a:extLst>
+            </p:cNvPr>
+            <p:cNvSpPr/>
+            <p:nvPr/>
+          </p:nvSpPr>
+          <p:spPr>
+            <a:xfrm>
+              <a:off x="5711933" y="1858775"/>
+              <a:ext cx="608933" cy="472833"/>
+            </a:xfrm>
+            <a:custGeom>
+              <a:avLst/>
+              <a:gdLst>
+                <a:gd name="connsiteX0" fmla="*/ 0 w 608933"/>
+                <a:gd name="connsiteY0" fmla="*/ 94567 h 472833"/>
+                <a:gd name="connsiteX1" fmla="*/ 372517 w 608933"/>
+                <a:gd name="connsiteY1" fmla="*/ 94567 h 472833"/>
+                <a:gd name="connsiteX2" fmla="*/ 372517 w 608933"/>
+                <a:gd name="connsiteY2" fmla="*/ 0 h 472833"/>
+                <a:gd name="connsiteX3" fmla="*/ 608933 w 608933"/>
+                <a:gd name="connsiteY3" fmla="*/ 236417 h 472833"/>
+                <a:gd name="connsiteX4" fmla="*/ 372517 w 608933"/>
+                <a:gd name="connsiteY4" fmla="*/ 472833 h 472833"/>
+                <a:gd name="connsiteX5" fmla="*/ 372517 w 608933"/>
+                <a:gd name="connsiteY5" fmla="*/ 378266 h 472833"/>
+                <a:gd name="connsiteX6" fmla="*/ 0 w 608933"/>
+                <a:gd name="connsiteY6" fmla="*/ 378266 h 472833"/>
+                <a:gd name="connsiteX7" fmla="*/ 0 w 608933"/>
+                <a:gd name="connsiteY7" fmla="*/ 94567 h 472833"/>
+              </a:gdLst>
+              <a:ahLst/>
+              <a:cxnLst>
+                <a:cxn ang="0">
+                  <a:pos x="connsiteX0" y="connsiteY0"/>
+                </a:cxn>
+                <a:cxn ang="0">
+                  <a:pos x="connsiteX1" y="connsiteY1"/>
+                </a:cxn>
+                <a:cxn ang="0">
+                  <a:pos x="connsiteX2" y="connsiteY2"/>
+                </a:cxn>
+                <a:cxn ang="0">
+                  <a:pos x="connsiteX3" y="connsiteY3"/>
+                </a:cxn>
+                <a:cxn ang="0">
+                  <a:pos x="connsiteX4" y="connsiteY4"/>
+                </a:cxn>
+                <a:cxn ang="0">
+                  <a:pos x="connsiteX5" y="connsiteY5"/>
+                </a:cxn>
+                <a:cxn ang="0">
+                  <a:pos x="connsiteX6" y="connsiteY6"/>
+                </a:cxn>
+                <a:cxn ang="0">
+                  <a:pos x="connsiteX7" y="connsiteY7"/>
+                </a:cxn>
+              </a:cxnLst>
+              <a:rect l="l" t="t" r="r" b="b"/>
+              <a:pathLst>
+                <a:path w="608933" h="472833">
+                  <a:moveTo>
+                    <a:pt x="0" y="94567"/>
+                  </a:moveTo>
+                  <a:lnTo>
+                    <a:pt x="372517" y="94567"/>
+                  </a:lnTo>
+                  <a:lnTo>
+                    <a:pt x="372517" y="0"/>
+                  </a:lnTo>
+                  <a:lnTo>
+                    <a:pt x="608933" y="236417"/>
+                  </a:lnTo>
+                  <a:lnTo>
+                    <a:pt x="372517" y="472833"/>
+                  </a:lnTo>
+                  <a:lnTo>
+                    <a:pt x="372517" y="378266"/>
+                  </a:lnTo>
+                  <a:lnTo>
+                    <a:pt x="0" y="378266"/>
+                  </a:lnTo>
+                  <a:lnTo>
+                    <a:pt x="0" y="94567"/>
+                  </a:lnTo>
+                  <a:close/>
+                </a:path>
+              </a:pathLst>
+            </a:custGeom>
+          </p:spPr>
+          <p:style>
+            <a:lnRef idx="0">
+              <a:schemeClr val="accent1">
+                <a:tint val="60000"/>
+                <a:hueOff val="0"/>
+                <a:satOff val="0"/>
+                <a:lumOff val="0"/>
+                <a:alphaOff val="0"/>
+              </a:schemeClr>
+            </a:lnRef>
+            <a:fillRef idx="1">
+              <a:schemeClr val="accent1">
+                <a:tint val="60000"/>
+                <a:hueOff val="0"/>
+                <a:satOff val="0"/>
+                <a:lumOff val="0"/>
+                <a:alphaOff val="0"/>
+              </a:schemeClr>
+            </a:fillRef>
+            <a:effectRef idx="0">
+              <a:schemeClr val="accent1">
+                <a:tint val="60000"/>
+                <a:hueOff val="0"/>
+                <a:satOff val="0"/>
+                <a:lumOff val="0"/>
+                <a:alphaOff val="0"/>
+              </a:schemeClr>
+            </a:effectRef>
+            <a:fontRef idx="minor">
+              <a:schemeClr val="lt1"/>
+            </a:fontRef>
+          </p:style>
+          <p:txBody>
+            <a:bodyPr spcFirstLastPara="0" vert="horz" wrap="square" lIns="-1" tIns="94567" rIns="141850" bIns="94566" numCol="1" spcCol="1270" anchor="ctr" anchorCtr="0">
+              <a:noAutofit/>
+            </a:bodyPr>
+            <a:lstStyle/>
+            <a:p>
+              <a:pPr marL="0" lvl="0" indent="0" algn="ctr" defTabSz="622300">
+                <a:lnSpc>
+                  <a:spcPct val="90000"/>
+                </a:lnSpc>
+                <a:spcBef>
+                  <a:spcPct val="0"/>
+                </a:spcBef>
+                <a:spcAft>
+                  <a:spcPct val="35000"/>
+                </a:spcAft>
+                <a:buNone/>
+              </a:pPr>
+              <a:endParaRPr lang="en-US" sz="1400" kern="1200"/>
+            </a:p>
+          </p:txBody>
+        </p:sp>
+        <p:sp>
+          <p:nvSpPr>
+            <p:cNvPr id="14" name="Freeform: Shape 13">
+              <a:extLst>
+                <a:ext uri="{FF2B5EF4-FFF2-40B4-BE49-F238E27FC236}">
+                  <a16:creationId xmlns:a16="http://schemas.microsoft.com/office/drawing/2014/main" id="{EDFD3549-B858-27DE-3D2A-0A09B4DC9DB8}"/>
+                </a:ext>
+              </a:extLst>
+            </p:cNvPr>
+            <p:cNvSpPr/>
+            <p:nvPr/>
+          </p:nvSpPr>
+          <p:spPr>
+            <a:xfrm>
+              <a:off x="6616200" y="1562363"/>
+              <a:ext cx="1899150" cy="1243882"/>
+            </a:xfrm>
+            <a:custGeom>
+              <a:avLst/>
+              <a:gdLst>
+                <a:gd name="connsiteX0" fmla="*/ 0 w 1899150"/>
+                <a:gd name="connsiteY0" fmla="*/ 73440 h 734399"/>
+                <a:gd name="connsiteX1" fmla="*/ 73440 w 1899150"/>
+                <a:gd name="connsiteY1" fmla="*/ 0 h 734399"/>
+                <a:gd name="connsiteX2" fmla="*/ 1825710 w 1899150"/>
+                <a:gd name="connsiteY2" fmla="*/ 0 h 734399"/>
+                <a:gd name="connsiteX3" fmla="*/ 1899150 w 1899150"/>
+                <a:gd name="connsiteY3" fmla="*/ 73440 h 734399"/>
+                <a:gd name="connsiteX4" fmla="*/ 1899150 w 1899150"/>
+                <a:gd name="connsiteY4" fmla="*/ 660959 h 734399"/>
+                <a:gd name="connsiteX5" fmla="*/ 1825710 w 1899150"/>
+                <a:gd name="connsiteY5" fmla="*/ 734399 h 734399"/>
+                <a:gd name="connsiteX6" fmla="*/ 73440 w 1899150"/>
+                <a:gd name="connsiteY6" fmla="*/ 734399 h 734399"/>
+                <a:gd name="connsiteX7" fmla="*/ 0 w 1899150"/>
+                <a:gd name="connsiteY7" fmla="*/ 660959 h 734399"/>
+                <a:gd name="connsiteX8" fmla="*/ 0 w 1899150"/>
+                <a:gd name="connsiteY8" fmla="*/ 73440 h 734399"/>
+              </a:gdLst>
+              <a:ahLst/>
+              <a:cxnLst>
+                <a:cxn ang="0">
+                  <a:pos x="connsiteX0" y="connsiteY0"/>
+                </a:cxn>
+                <a:cxn ang="0">
+                  <a:pos x="connsiteX1" y="connsiteY1"/>
+                </a:cxn>
+                <a:cxn ang="0">
+                  <a:pos x="connsiteX2" y="connsiteY2"/>
+                </a:cxn>
+                <a:cxn ang="0">
+                  <a:pos x="connsiteX3" y="connsiteY3"/>
+                </a:cxn>
+                <a:cxn ang="0">
+                  <a:pos x="connsiteX4" y="connsiteY4"/>
+                </a:cxn>
+                <a:cxn ang="0">
+                  <a:pos x="connsiteX5" y="connsiteY5"/>
+                </a:cxn>
+                <a:cxn ang="0">
+                  <a:pos x="connsiteX6" y="connsiteY6"/>
+                </a:cxn>
+                <a:cxn ang="0">
+                  <a:pos x="connsiteX7" y="connsiteY7"/>
+                </a:cxn>
+                <a:cxn ang="0">
+                  <a:pos x="connsiteX8" y="connsiteY8"/>
+                </a:cxn>
+              </a:cxnLst>
+              <a:rect l="l" t="t" r="r" b="b"/>
+              <a:pathLst>
+                <a:path w="1899150" h="734399">
+                  <a:moveTo>
+                    <a:pt x="0" y="73440"/>
+                  </a:moveTo>
+                  <a:cubicBezTo>
+                    <a:pt x="0" y="32880"/>
+                    <a:pt x="32880" y="0"/>
+                    <a:pt x="73440" y="0"/>
+                  </a:cubicBezTo>
+                  <a:lnTo>
+                    <a:pt x="1825710" y="0"/>
+                  </a:lnTo>
+                  <a:cubicBezTo>
+                    <a:pt x="1866270" y="0"/>
+                    <a:pt x="1899150" y="32880"/>
+                    <a:pt x="1899150" y="73440"/>
+                  </a:cubicBezTo>
+                  <a:lnTo>
+                    <a:pt x="1899150" y="660959"/>
+                  </a:lnTo>
+                  <a:cubicBezTo>
+                    <a:pt x="1899150" y="701519"/>
+                    <a:pt x="1866270" y="734399"/>
+                    <a:pt x="1825710" y="734399"/>
+                  </a:cubicBezTo>
+                  <a:lnTo>
+                    <a:pt x="73440" y="734399"/>
+                  </a:lnTo>
+                  <a:cubicBezTo>
+                    <a:pt x="32880" y="734399"/>
+                    <a:pt x="0" y="701519"/>
+                    <a:pt x="0" y="660959"/>
+                  </a:cubicBezTo>
+                  <a:lnTo>
+                    <a:pt x="0" y="73440"/>
+                  </a:lnTo>
+                  <a:close/>
+                </a:path>
+              </a:pathLst>
+            </a:custGeom>
+          </p:spPr>
+          <p:style>
+            <a:lnRef idx="2">
+              <a:schemeClr val="lt1">
+                <a:hueOff val="0"/>
+                <a:satOff val="0"/>
+                <a:lumOff val="0"/>
+                <a:alphaOff val="0"/>
+              </a:schemeClr>
+            </a:lnRef>
+            <a:fillRef idx="1">
+              <a:schemeClr val="accent1">
+                <a:hueOff val="0"/>
+                <a:satOff val="0"/>
+                <a:lumOff val="0"/>
+                <a:alphaOff val="0"/>
+              </a:schemeClr>
+            </a:fillRef>
+            <a:effectRef idx="0">
+              <a:schemeClr val="accent1">
+                <a:hueOff val="0"/>
+                <a:satOff val="0"/>
+                <a:lumOff val="0"/>
+                <a:alphaOff val="0"/>
+              </a:schemeClr>
+            </a:effectRef>
+            <a:fontRef idx="minor">
+              <a:schemeClr val="lt1"/>
+            </a:fontRef>
+          </p:style>
+          <p:txBody>
+            <a:bodyPr spcFirstLastPara="0" vert="horz" wrap="square" lIns="120904" tIns="120904" rIns="120904" bIns="309569" numCol="1" spcCol="1270" anchor="t" anchorCtr="0">
+              <a:noAutofit/>
+            </a:bodyPr>
+            <a:lstStyle/>
+            <a:p>
+              <a:pPr marL="0" lvl="0" indent="0" algn="l" defTabSz="755650">
+                <a:lnSpc>
+                  <a:spcPct val="90000"/>
+                </a:lnSpc>
+                <a:spcBef>
+                  <a:spcPct val="0"/>
+                </a:spcBef>
+                <a:spcAft>
+                  <a:spcPct val="35000"/>
+                </a:spcAft>
+                <a:buNone/>
+              </a:pPr>
+              <a:r>
+                <a:rPr lang="en-US" sz="1700" kern="1200" dirty="0"/>
+                <a:t>Extract only headers needed for analysis</a:t>
+              </a:r>
+            </a:p>
+          </p:txBody>
+        </p:sp>
+        <p:sp>
+          <p:nvSpPr>
+            <p:cNvPr id="15" name="Freeform: Shape 14">
+              <a:extLst>
+                <a:ext uri="{FF2B5EF4-FFF2-40B4-BE49-F238E27FC236}">
+                  <a16:creationId xmlns:a16="http://schemas.microsoft.com/office/drawing/2014/main" id="{92DE3511-74AB-9736-CDC9-31CEBF551892}"/>
+                </a:ext>
+              </a:extLst>
+            </p:cNvPr>
+            <p:cNvSpPr/>
+            <p:nvPr/>
+          </p:nvSpPr>
+          <p:spPr>
+            <a:xfrm>
+              <a:off x="7045518" y="2601788"/>
+              <a:ext cx="1899150" cy="2139770"/>
+            </a:xfrm>
+            <a:custGeom>
+              <a:avLst/>
+              <a:gdLst>
+                <a:gd name="connsiteX0" fmla="*/ 0 w 1899150"/>
+                <a:gd name="connsiteY0" fmla="*/ 189915 h 3729375"/>
+                <a:gd name="connsiteX1" fmla="*/ 189915 w 1899150"/>
+                <a:gd name="connsiteY1" fmla="*/ 0 h 3729375"/>
+                <a:gd name="connsiteX2" fmla="*/ 1709235 w 1899150"/>
+                <a:gd name="connsiteY2" fmla="*/ 0 h 3729375"/>
+                <a:gd name="connsiteX3" fmla="*/ 1899150 w 1899150"/>
+                <a:gd name="connsiteY3" fmla="*/ 189915 h 3729375"/>
+                <a:gd name="connsiteX4" fmla="*/ 1899150 w 1899150"/>
+                <a:gd name="connsiteY4" fmla="*/ 3539460 h 3729375"/>
+                <a:gd name="connsiteX5" fmla="*/ 1709235 w 1899150"/>
+                <a:gd name="connsiteY5" fmla="*/ 3729375 h 3729375"/>
+                <a:gd name="connsiteX6" fmla="*/ 189915 w 1899150"/>
+                <a:gd name="connsiteY6" fmla="*/ 3729375 h 3729375"/>
+                <a:gd name="connsiteX7" fmla="*/ 0 w 1899150"/>
+                <a:gd name="connsiteY7" fmla="*/ 3539460 h 3729375"/>
+                <a:gd name="connsiteX8" fmla="*/ 0 w 1899150"/>
+                <a:gd name="connsiteY8" fmla="*/ 189915 h 3729375"/>
+              </a:gdLst>
+              <a:ahLst/>
+              <a:cxnLst>
+                <a:cxn ang="0">
+                  <a:pos x="connsiteX0" y="connsiteY0"/>
+                </a:cxn>
+                <a:cxn ang="0">
+                  <a:pos x="connsiteX1" y="connsiteY1"/>
+                </a:cxn>
+                <a:cxn ang="0">
+                  <a:pos x="connsiteX2" y="connsiteY2"/>
+                </a:cxn>
+                <a:cxn ang="0">
+                  <a:pos x="connsiteX3" y="connsiteY3"/>
+                </a:cxn>
+                <a:cxn ang="0">
+                  <a:pos x="connsiteX4" y="connsiteY4"/>
+                </a:cxn>
+                <a:cxn ang="0">
+                  <a:pos x="connsiteX5" y="connsiteY5"/>
+                </a:cxn>
+                <a:cxn ang="0">
+                  <a:pos x="connsiteX6" y="connsiteY6"/>
+                </a:cxn>
+                <a:cxn ang="0">
+                  <a:pos x="connsiteX7" y="connsiteY7"/>
+                </a:cxn>
+                <a:cxn ang="0">
+                  <a:pos x="connsiteX8" y="connsiteY8"/>
+                </a:cxn>
+              </a:cxnLst>
+              <a:rect l="l" t="t" r="r" b="b"/>
+              <a:pathLst>
+                <a:path w="1899150" h="3729375">
+                  <a:moveTo>
+                    <a:pt x="0" y="189915"/>
+                  </a:moveTo>
+                  <a:cubicBezTo>
+                    <a:pt x="0" y="85028"/>
+                    <a:pt x="85028" y="0"/>
+                    <a:pt x="189915" y="0"/>
+                  </a:cubicBezTo>
+                  <a:lnTo>
+                    <a:pt x="1709235" y="0"/>
+                  </a:lnTo>
+                  <a:cubicBezTo>
+                    <a:pt x="1814122" y="0"/>
+                    <a:pt x="1899150" y="85028"/>
+                    <a:pt x="1899150" y="189915"/>
+                  </a:cubicBezTo>
+                  <a:lnTo>
+                    <a:pt x="1899150" y="3539460"/>
+                  </a:lnTo>
+                  <a:cubicBezTo>
+                    <a:pt x="1899150" y="3644347"/>
+                    <a:pt x="1814122" y="3729375"/>
+                    <a:pt x="1709235" y="3729375"/>
+                  </a:cubicBezTo>
+                  <a:lnTo>
+                    <a:pt x="189915" y="3729375"/>
+                  </a:lnTo>
+                  <a:cubicBezTo>
+                    <a:pt x="85028" y="3729375"/>
+                    <a:pt x="0" y="3644347"/>
+                    <a:pt x="0" y="3539460"/>
+                  </a:cubicBezTo>
+                  <a:lnTo>
+                    <a:pt x="0" y="189915"/>
+                  </a:lnTo>
+                  <a:close/>
+                </a:path>
+              </a:pathLst>
+            </a:custGeom>
+          </p:spPr>
+          <p:style>
+            <a:lnRef idx="2">
+              <a:schemeClr val="accent1">
+                <a:hueOff val="0"/>
+                <a:satOff val="0"/>
+                <a:lumOff val="0"/>
+                <a:alphaOff val="0"/>
+              </a:schemeClr>
+            </a:lnRef>
+            <a:fillRef idx="1">
+              <a:schemeClr val="lt1">
+                <a:alpha val="90000"/>
+                <a:hueOff val="0"/>
+                <a:satOff val="0"/>
+                <a:lumOff val="0"/>
+                <a:alphaOff val="0"/>
+              </a:schemeClr>
+            </a:fillRef>
+            <a:effectRef idx="0">
+              <a:schemeClr val="lt1">
+                <a:alpha val="90000"/>
+                <a:hueOff val="0"/>
+                <a:satOff val="0"/>
+                <a:lumOff val="0"/>
+                <a:alphaOff val="0"/>
+              </a:schemeClr>
+            </a:effectRef>
+            <a:fontRef idx="minor">
+              <a:schemeClr val="dk1">
+                <a:hueOff val="0"/>
+                <a:satOff val="0"/>
+                <a:lumOff val="0"/>
+                <a:alphaOff val="0"/>
+              </a:schemeClr>
+            </a:fontRef>
+          </p:style>
+          <p:txBody>
+            <a:bodyPr spcFirstLastPara="0" vert="horz" wrap="square" lIns="176528" tIns="176528" rIns="176528" bIns="176528" numCol="1" spcCol="1270" anchor="t" anchorCtr="0">
+              <a:noAutofit/>
+            </a:bodyPr>
+            <a:lstStyle/>
+            <a:p>
+              <a:pPr marL="171450" lvl="1" indent="-171450" algn="l" defTabSz="755650">
+                <a:lnSpc>
+                  <a:spcPct val="90000"/>
+                </a:lnSpc>
+                <a:spcBef>
+                  <a:spcPct val="0"/>
+                </a:spcBef>
+                <a:spcAft>
+                  <a:spcPct val="15000"/>
+                </a:spcAft>
+                <a:buChar char="•"/>
+              </a:pPr>
+              <a:r>
+                <a:rPr lang="en-US" sz="1700" kern="1200" dirty="0"/>
+                <a:t>Reddit gathers many metadata values for each post, I only pulled data relevant to the project</a:t>
+              </a:r>
+            </a:p>
+          </p:txBody>
+        </p:sp>
+      </p:grpSp>
+      <p:cxnSp>
+        <p:nvCxnSpPr>
+          <p:cNvPr id="4" name="Straight Connector 3">
+            <a:extLst>
+              <a:ext uri="{FF2B5EF4-FFF2-40B4-BE49-F238E27FC236}">
+                <a16:creationId xmlns:a16="http://schemas.microsoft.com/office/drawing/2014/main" id="{FB71D06F-1855-C5F8-C625-F46EC9B93BA2}"/>
+              </a:ext>
+            </a:extLst>
+          </p:cNvPr>
+          <p:cNvCxnSpPr>
+            <a:cxnSpLocks/>
+          </p:cNvCxnSpPr>
+          <p:nvPr/>
+        </p:nvCxnSpPr>
+        <p:spPr>
+          <a:xfrm>
+            <a:off x="628650" y="1311044"/>
+            <a:ext cx="8235656" cy="0"/>
+          </a:xfrm>
+          <a:prstGeom prst="line">
+            <a:avLst/>
+          </a:prstGeom>
+          <a:ln w="38100"/>
+        </p:spPr>
+        <p:style>
+          <a:lnRef idx="1">
+            <a:schemeClr val="dk1"/>
+          </a:lnRef>
+          <a:fillRef idx="0">
+            <a:schemeClr val="dk1"/>
+          </a:fillRef>
+          <a:effectRef idx="0">
+            <a:schemeClr val="dk1"/>
+          </a:effectRef>
+          <a:fontRef idx="minor">
+            <a:schemeClr val="tx1"/>
+          </a:fontRef>
+        </p:style>
+      </p:cxnSp>
+      <p:cxnSp>
+        <p:nvCxnSpPr>
+          <p:cNvPr id="5" name="Straight Connector 4">
+            <a:extLst>
+              <a:ext uri="{FF2B5EF4-FFF2-40B4-BE49-F238E27FC236}">
+                <a16:creationId xmlns:a16="http://schemas.microsoft.com/office/drawing/2014/main" id="{D710E1E3-FFBB-8A24-B62D-E9E866944C25}"/>
+              </a:ext>
+            </a:extLst>
+          </p:cNvPr>
+          <p:cNvCxnSpPr>
+            <a:cxnSpLocks/>
+          </p:cNvCxnSpPr>
+          <p:nvPr/>
+        </p:nvCxnSpPr>
+        <p:spPr>
+          <a:xfrm>
+            <a:off x="466283" y="1311044"/>
+            <a:ext cx="8398023" cy="0"/>
+          </a:xfrm>
+          <a:prstGeom prst="line">
+            <a:avLst/>
+          </a:prstGeom>
+          <a:ln w="38100"/>
+        </p:spPr>
+        <p:style>
+          <a:lnRef idx="1">
+            <a:schemeClr val="dk1"/>
+          </a:lnRef>
+          <a:fillRef idx="0">
+            <a:schemeClr val="dk1"/>
+          </a:fillRef>
+          <a:effectRef idx="0">
+            <a:schemeClr val="dk1"/>
+          </a:effectRef>
+          <a:fontRef idx="minor">
+            <a:schemeClr val="tx1"/>
+          </a:fontRef>
+        </p:style>
+      </p:cxnSp>
+      <p:pic>
+        <p:nvPicPr>
+          <p:cNvPr id="17" name="Picture 16">
+            <a:extLst>
+              <a:ext uri="{FF2B5EF4-FFF2-40B4-BE49-F238E27FC236}">
+                <a16:creationId xmlns:a16="http://schemas.microsoft.com/office/drawing/2014/main" id="{47CF3F07-E5DD-14B3-B69A-7131DC7EE648}"/>
+              </a:ext>
+            </a:extLst>
+          </p:cNvPr>
+          <p:cNvPicPr>
+            <a:picLocks noChangeAspect="1"/>
+          </p:cNvPicPr>
+          <p:nvPr/>
+        </p:nvPicPr>
+        <p:blipFill>
+          <a:blip r:embed="rId2"/>
+          <a:stretch>
+            <a:fillRect/>
+          </a:stretch>
+        </p:blipFill>
+        <p:spPr>
+          <a:xfrm>
+            <a:off x="577644" y="5346500"/>
+            <a:ext cx="7988711" cy="400911"/>
+          </a:xfrm>
+          <a:prstGeom prst="rect">
+            <a:avLst/>
+          </a:prstGeom>
+        </p:spPr>
+      </p:pic>
     </p:spTree>
     <p:extLst>
       <p:ext uri="{BB962C8B-B14F-4D97-AF65-F5344CB8AC3E}">
@@ -3582,31 +8857,115 @@
           </a:p>
         </p:txBody>
       </p:sp>
-      <p:sp>
-        <p:nvSpPr>
-          <p:cNvPr id="3" name="Content Placeholder 2">
+      <p:graphicFrame>
+        <p:nvGraphicFramePr>
+          <p:cNvPr id="6" name="Content Placeholder 5">
             <a:extLst>
               <a:ext uri="{FF2B5EF4-FFF2-40B4-BE49-F238E27FC236}">
-                <a16:creationId xmlns:a16="http://schemas.microsoft.com/office/drawing/2014/main" id="{0CC3D51F-4ACB-1768-A52F-A2D703668CDE}"/>
+                <a16:creationId xmlns:a16="http://schemas.microsoft.com/office/drawing/2014/main" id="{083AAB7B-40D9-1975-01D0-56B850BFC737}"/>
               </a:ext>
             </a:extLst>
           </p:cNvPr>
-          <p:cNvSpPr>
-            <a:spLocks noGrp="1"/>
-          </p:cNvSpPr>
+          <p:cNvGraphicFramePr>
+            <a:graphicFrameLocks noGrp="1"/>
+          </p:cNvGraphicFramePr>
           <p:nvPr>
             <p:ph idx="1"/>
+            <p:extLst>
+              <p:ext uri="{D42A27DB-BD31-4B8C-83A1-F6EECF244321}">
+                <p14:modId xmlns:p14="http://schemas.microsoft.com/office/powerpoint/2010/main" val="2055719035"/>
+              </p:ext>
+            </p:extLst>
           </p:nvPr>
-        </p:nvSpPr>
-        <p:spPr/>
-        <p:txBody>
-          <a:bodyPr/>
-          <a:lstStyle/>
-          <a:p>
-            <a:endParaRPr lang="en-US"/>
-          </a:p>
-        </p:txBody>
-      </p:sp>
+        </p:nvGraphicFramePr>
+        <p:xfrm>
+          <a:off x="628650" y="1825625"/>
+          <a:ext cx="7886700" cy="4351338"/>
+        </p:xfrm>
+        <a:graphic>
+          <a:graphicData uri="http://schemas.openxmlformats.org/drawingml/2006/diagram">
+            <dgm:relIds xmlns:dgm="http://schemas.openxmlformats.org/drawingml/2006/diagram" xmlns:r="http://schemas.openxmlformats.org/officeDocument/2006/relationships" r:dm="rId2" r:lo="rId3" r:qs="rId4" r:cs="rId5"/>
+          </a:graphicData>
+        </a:graphic>
+      </p:graphicFrame>
+      <p:cxnSp>
+        <p:nvCxnSpPr>
+          <p:cNvPr id="4" name="Straight Connector 3">
+            <a:extLst>
+              <a:ext uri="{FF2B5EF4-FFF2-40B4-BE49-F238E27FC236}">
+                <a16:creationId xmlns:a16="http://schemas.microsoft.com/office/drawing/2014/main" id="{3EE6758C-1D1B-CE1E-8EA6-54A52E4DE6CF}"/>
+              </a:ext>
+            </a:extLst>
+          </p:cNvPr>
+          <p:cNvCxnSpPr>
+            <a:cxnSpLocks/>
+          </p:cNvCxnSpPr>
+          <p:nvPr/>
+        </p:nvCxnSpPr>
+        <p:spPr>
+          <a:xfrm>
+            <a:off x="628650" y="1311044"/>
+            <a:ext cx="8235656" cy="0"/>
+          </a:xfrm>
+          <a:prstGeom prst="line">
+            <a:avLst/>
+          </a:prstGeom>
+          <a:ln w="38100"/>
+        </p:spPr>
+        <p:style>
+          <a:lnRef idx="1">
+            <a:schemeClr val="dk1"/>
+          </a:lnRef>
+          <a:fillRef idx="0">
+            <a:schemeClr val="dk1"/>
+          </a:fillRef>
+          <a:effectRef idx="0">
+            <a:schemeClr val="dk1"/>
+          </a:effectRef>
+          <a:fontRef idx="minor">
+            <a:schemeClr val="tx1"/>
+          </a:fontRef>
+        </p:style>
+      </p:cxnSp>
+      <p:cxnSp>
+        <p:nvCxnSpPr>
+          <p:cNvPr id="5" name="Straight Connector 4">
+            <a:extLst>
+              <a:ext uri="{FF2B5EF4-FFF2-40B4-BE49-F238E27FC236}">
+                <a16:creationId xmlns:a16="http://schemas.microsoft.com/office/drawing/2014/main" id="{19EEA0C9-177C-D6B9-20A3-D782150308FC}"/>
+              </a:ext>
+            </a:extLst>
+          </p:cNvPr>
+          <p:cNvCxnSpPr>
+            <a:cxnSpLocks/>
+          </p:cNvCxnSpPr>
+          <p:nvPr/>
+        </p:nvCxnSpPr>
+        <p:spPr>
+          <a:xfrm>
+            <a:off x="466283" y="1311044"/>
+            <a:ext cx="8398023" cy="0"/>
+          </a:xfrm>
+          <a:prstGeom prst="line">
+            <a:avLst/>
+          </a:prstGeom>
+          <a:ln w="38100"/>
+        </p:spPr>
+        <p:style>
+          <a:lnRef idx="1">
+            <a:schemeClr val="dk1"/>
+          </a:lnRef>
+          <a:fillRef idx="0">
+            <a:schemeClr val="dk1"/>
+          </a:fillRef>
+          <a:effectRef idx="0">
+            <a:schemeClr val="dk1"/>
+          </a:effectRef>
+          <a:fontRef idx="minor">
+            <a:schemeClr val="tx1"/>
+          </a:fontRef>
+        </p:style>
+      </p:cxnSp>
     </p:spTree>
     <p:extLst>
       <p:ext uri="{BB962C8B-B14F-4D97-AF65-F5344CB8AC3E}">
@@ -3665,31 +9024,6 @@
           </a:p>
         </p:txBody>
       </p:sp>
-      <p:sp>
-        <p:nvSpPr>
-          <p:cNvPr id="3" name="Content Placeholder 2">
-            <a:extLst>
-              <a:ext uri="{FF2B5EF4-FFF2-40B4-BE49-F238E27FC236}">
-                <a16:creationId xmlns:a16="http://schemas.microsoft.com/office/drawing/2014/main" id="{28FAADB1-BB20-14AD-3D2D-DA482F635C79}"/>
-              </a:ext>
-            </a:extLst>
-          </p:cNvPr>
-          <p:cNvSpPr>
-            <a:spLocks noGrp="1"/>
-          </p:cNvSpPr>
-          <p:nvPr>
-            <p:ph idx="1"/>
-          </p:nvPr>
-        </p:nvSpPr>
-        <p:spPr/>
-        <p:txBody>
-          <a:bodyPr/>
-          <a:lstStyle/>
-          <a:p>
-            <a:endParaRPr lang="en-US"/>
-          </a:p>
-        </p:txBody>
-      </p:sp>
       <p:pic>
         <p:nvPicPr>
           <p:cNvPr id="1026" name="Picture 2">
@@ -3719,8 +9053,8 @@
         </p:blipFill>
         <p:spPr bwMode="auto">
           <a:xfrm>
-            <a:off x="2058866" y="2437202"/>
-            <a:ext cx="5026267" cy="2606746"/>
+            <a:off x="1772269" y="1595312"/>
+            <a:ext cx="5599462" cy="2904019"/>
           </a:xfrm>
           <a:prstGeom prst="rect">
             <a:avLst/>
@@ -3737,6 +9071,84 @@
           </a:extLst>
         </p:spPr>
       </p:pic>
+      <p:cxnSp>
+        <p:nvCxnSpPr>
+          <p:cNvPr id="5" name="Straight Connector 4">
+            <a:extLst>
+              <a:ext uri="{FF2B5EF4-FFF2-40B4-BE49-F238E27FC236}">
+                <a16:creationId xmlns:a16="http://schemas.microsoft.com/office/drawing/2014/main" id="{BA4107AD-E819-275E-1D3F-31AB7544AB24}"/>
+              </a:ext>
+            </a:extLst>
+          </p:cNvPr>
+          <p:cNvCxnSpPr>
+            <a:cxnSpLocks/>
+          </p:cNvCxnSpPr>
+          <p:nvPr/>
+        </p:nvCxnSpPr>
+        <p:spPr>
+          <a:xfrm>
+            <a:off x="628650" y="1311044"/>
+            <a:ext cx="8235656" cy="0"/>
+          </a:xfrm>
+          <a:prstGeom prst="line">
+            <a:avLst/>
+          </a:prstGeom>
+          <a:ln w="38100"/>
+        </p:spPr>
+        <p:style>
+          <a:lnRef idx="1">
+            <a:schemeClr val="dk1"/>
+          </a:lnRef>
+          <a:fillRef idx="0">
+            <a:schemeClr val="dk1"/>
+          </a:fillRef>
+          <a:effectRef idx="0">
+            <a:schemeClr val="dk1"/>
+          </a:effectRef>
+          <a:fontRef idx="minor">
+            <a:schemeClr val="tx1"/>
+          </a:fontRef>
+        </p:style>
+      </p:cxnSp>
+      <p:cxnSp>
+        <p:nvCxnSpPr>
+          <p:cNvPr id="6" name="Straight Connector 5">
+            <a:extLst>
+              <a:ext uri="{FF2B5EF4-FFF2-40B4-BE49-F238E27FC236}">
+                <a16:creationId xmlns:a16="http://schemas.microsoft.com/office/drawing/2014/main" id="{EBC39926-2A53-1786-9501-F7DB1443A16B}"/>
+              </a:ext>
+            </a:extLst>
+          </p:cNvPr>
+          <p:cNvCxnSpPr>
+            <a:cxnSpLocks/>
+          </p:cNvCxnSpPr>
+          <p:nvPr/>
+        </p:nvCxnSpPr>
+        <p:spPr>
+          <a:xfrm>
+            <a:off x="466283" y="1311044"/>
+            <a:ext cx="8398023" cy="0"/>
+          </a:xfrm>
+          <a:prstGeom prst="line">
+            <a:avLst/>
+          </a:prstGeom>
+          <a:ln w="38100"/>
+        </p:spPr>
+        <p:style>
+          <a:lnRef idx="1">
+            <a:schemeClr val="dk1"/>
+          </a:lnRef>
+          <a:fillRef idx="0">
+            <a:schemeClr val="dk1"/>
+          </a:fillRef>
+          <a:effectRef idx="0">
+            <a:schemeClr val="dk1"/>
+          </a:effectRef>
+          <a:fontRef idx="minor">
+            <a:schemeClr val="tx1"/>
+          </a:fontRef>
+        </p:style>
+      </p:cxnSp>
     </p:spTree>
     <p:extLst>
       <p:ext uri="{BB962C8B-B14F-4D97-AF65-F5344CB8AC3E}">
@@ -3783,14 +9195,19 @@
             <p:ph type="title"/>
           </p:nvPr>
         </p:nvSpPr>
-        <p:spPr/>
+        <p:spPr>
+          <a:xfrm>
+            <a:off x="628650" y="365126"/>
+            <a:ext cx="8164124" cy="1325563"/>
+          </a:xfrm>
+        </p:spPr>
         <p:txBody>
           <a:bodyPr/>
           <a:lstStyle/>
           <a:p>
             <a:r>
               <a:rPr lang="en-US" dirty="0"/>
-              <a:t>Sentiment Analysis</a:t>
+              <a:t>Sentiment Analysis implementation</a:t>
             </a:r>
           </a:p>
         </p:txBody>
@@ -3820,6 +9237,84 @@
           </a:p>
         </p:txBody>
       </p:sp>
+      <p:cxnSp>
+        <p:nvCxnSpPr>
+          <p:cNvPr id="4" name="Straight Connector 3">
+            <a:extLst>
+              <a:ext uri="{FF2B5EF4-FFF2-40B4-BE49-F238E27FC236}">
+                <a16:creationId xmlns:a16="http://schemas.microsoft.com/office/drawing/2014/main" id="{5AD60ACF-CA84-0B8A-66A8-D5027F693420}"/>
+              </a:ext>
+            </a:extLst>
+          </p:cNvPr>
+          <p:cNvCxnSpPr>
+            <a:cxnSpLocks/>
+          </p:cNvCxnSpPr>
+          <p:nvPr/>
+        </p:nvCxnSpPr>
+        <p:spPr>
+          <a:xfrm>
+            <a:off x="628650" y="1311044"/>
+            <a:ext cx="8235656" cy="0"/>
+          </a:xfrm>
+          <a:prstGeom prst="line">
+            <a:avLst/>
+          </a:prstGeom>
+          <a:ln w="38100"/>
+        </p:spPr>
+        <p:style>
+          <a:lnRef idx="1">
+            <a:schemeClr val="dk1"/>
+          </a:lnRef>
+          <a:fillRef idx="0">
+            <a:schemeClr val="dk1"/>
+          </a:fillRef>
+          <a:effectRef idx="0">
+            <a:schemeClr val="dk1"/>
+          </a:effectRef>
+          <a:fontRef idx="minor">
+            <a:schemeClr val="tx1"/>
+          </a:fontRef>
+        </p:style>
+      </p:cxnSp>
+      <p:cxnSp>
+        <p:nvCxnSpPr>
+          <p:cNvPr id="5" name="Straight Connector 4">
+            <a:extLst>
+              <a:ext uri="{FF2B5EF4-FFF2-40B4-BE49-F238E27FC236}">
+                <a16:creationId xmlns:a16="http://schemas.microsoft.com/office/drawing/2014/main" id="{C5B89D42-E7B0-2F92-C7A8-14BD6C2D0821}"/>
+              </a:ext>
+            </a:extLst>
+          </p:cNvPr>
+          <p:cNvCxnSpPr>
+            <a:cxnSpLocks/>
+          </p:cNvCxnSpPr>
+          <p:nvPr/>
+        </p:nvCxnSpPr>
+        <p:spPr>
+          <a:xfrm>
+            <a:off x="466283" y="1311044"/>
+            <a:ext cx="8398023" cy="0"/>
+          </a:xfrm>
+          <a:prstGeom prst="line">
+            <a:avLst/>
+          </a:prstGeom>
+          <a:ln w="38100"/>
+        </p:spPr>
+        <p:style>
+          <a:lnRef idx="1">
+            <a:schemeClr val="dk1"/>
+          </a:lnRef>
+          <a:fillRef idx="0">
+            <a:schemeClr val="dk1"/>
+          </a:fillRef>
+          <a:effectRef idx="0">
+            <a:schemeClr val="dk1"/>
+          </a:effectRef>
+          <a:fontRef idx="minor">
+            <a:schemeClr val="tx1"/>
+          </a:fontRef>
+        </p:style>
+      </p:cxnSp>
     </p:spTree>
     <p:extLst>
       <p:ext uri="{BB962C8B-B14F-4D97-AF65-F5344CB8AC3E}">
@@ -3927,6 +9422,84 @@
           </a:extLst>
         </p:spPr>
       </p:pic>
+      <p:cxnSp>
+        <p:nvCxnSpPr>
+          <p:cNvPr id="4" name="Straight Connector 3">
+            <a:extLst>
+              <a:ext uri="{FF2B5EF4-FFF2-40B4-BE49-F238E27FC236}">
+                <a16:creationId xmlns:a16="http://schemas.microsoft.com/office/drawing/2014/main" id="{B769C59B-0148-A6E9-4BE1-3C3A0C588201}"/>
+              </a:ext>
+            </a:extLst>
+          </p:cNvPr>
+          <p:cNvCxnSpPr>
+            <a:cxnSpLocks/>
+          </p:cNvCxnSpPr>
+          <p:nvPr/>
+        </p:nvCxnSpPr>
+        <p:spPr>
+          <a:xfrm>
+            <a:off x="628650" y="1311044"/>
+            <a:ext cx="8235656" cy="0"/>
+          </a:xfrm>
+          <a:prstGeom prst="line">
+            <a:avLst/>
+          </a:prstGeom>
+          <a:ln w="38100"/>
+        </p:spPr>
+        <p:style>
+          <a:lnRef idx="1">
+            <a:schemeClr val="dk1"/>
+          </a:lnRef>
+          <a:fillRef idx="0">
+            <a:schemeClr val="dk1"/>
+          </a:fillRef>
+          <a:effectRef idx="0">
+            <a:schemeClr val="dk1"/>
+          </a:effectRef>
+          <a:fontRef idx="minor">
+            <a:schemeClr val="tx1"/>
+          </a:fontRef>
+        </p:style>
+      </p:cxnSp>
+      <p:cxnSp>
+        <p:nvCxnSpPr>
+          <p:cNvPr id="5" name="Straight Connector 4">
+            <a:extLst>
+              <a:ext uri="{FF2B5EF4-FFF2-40B4-BE49-F238E27FC236}">
+                <a16:creationId xmlns:a16="http://schemas.microsoft.com/office/drawing/2014/main" id="{EDA04B29-6A48-2F0A-AE41-37D980D3A67B}"/>
+              </a:ext>
+            </a:extLst>
+          </p:cNvPr>
+          <p:cNvCxnSpPr>
+            <a:cxnSpLocks/>
+          </p:cNvCxnSpPr>
+          <p:nvPr/>
+        </p:nvCxnSpPr>
+        <p:spPr>
+          <a:xfrm>
+            <a:off x="466283" y="1311044"/>
+            <a:ext cx="8398023" cy="0"/>
+          </a:xfrm>
+          <a:prstGeom prst="line">
+            <a:avLst/>
+          </a:prstGeom>
+          <a:ln w="38100"/>
+        </p:spPr>
+        <p:style>
+          <a:lnRef idx="1">
+            <a:schemeClr val="dk1"/>
+          </a:lnRef>
+          <a:fillRef idx="0">
+            <a:schemeClr val="dk1"/>
+          </a:fillRef>
+          <a:effectRef idx="0">
+            <a:schemeClr val="dk1"/>
+          </a:effectRef>
+          <a:fontRef idx="minor">
+            <a:schemeClr val="tx1"/>
+          </a:fontRef>
+        </p:style>
+      </p:cxnSp>
     </p:spTree>
     <p:extLst>
       <p:ext uri="{BB962C8B-B14F-4D97-AF65-F5344CB8AC3E}">

--- a/FinalPresentation.pptx
+++ b/FinalPresentation.pptx
@@ -134,3038 +134,6 @@
 </p:presentation>
 </file>
 
-<file path=ppt/diagrams/colors1.xml><?xml version="1.0" encoding="utf-8"?>
-<dgm:colorsDef xmlns:dgm="http://schemas.openxmlformats.org/drawingml/2006/diagram" xmlns:a="http://schemas.openxmlformats.org/drawingml/2006/main" uniqueId="urn:microsoft.com/office/officeart/2005/8/colors/accent1_2">
-  <dgm:title val=""/>
-  <dgm:desc val=""/>
-  <dgm:catLst>
-    <dgm:cat type="accent1" pri="11200"/>
-  </dgm:catLst>
-  <dgm:styleLbl name="node0">
-    <dgm:fillClrLst meth="repeat">
-      <a:schemeClr val="accent1"/>
-    </dgm:fillClrLst>
-    <dgm:linClrLst meth="repeat">
-      <a:schemeClr val="lt1"/>
-    </dgm:linClrLst>
-    <dgm:effectClrLst/>
-    <dgm:txLinClrLst/>
-    <dgm:txFillClrLst/>
-    <dgm:txEffectClrLst/>
-  </dgm:styleLbl>
-  <dgm:styleLbl name="alignNode1">
-    <dgm:fillClrLst meth="repeat">
-      <a:schemeClr val="accent1"/>
-    </dgm:fillClrLst>
-    <dgm:linClrLst meth="repeat">
-      <a:schemeClr val="accent1"/>
-    </dgm:linClrLst>
-    <dgm:effectClrLst/>
-    <dgm:txLinClrLst/>
-    <dgm:txFillClrLst/>
-    <dgm:txEffectClrLst/>
-  </dgm:styleLbl>
-  <dgm:styleLbl name="node1">
-    <dgm:fillClrLst meth="repeat">
-      <a:schemeClr val="accent1"/>
-    </dgm:fillClrLst>
-    <dgm:linClrLst meth="repeat">
-      <a:schemeClr val="lt1"/>
-    </dgm:linClrLst>
-    <dgm:effectClrLst/>
-    <dgm:txLinClrLst/>
-    <dgm:txFillClrLst/>
-    <dgm:txEffectClrLst/>
-  </dgm:styleLbl>
-  <dgm:styleLbl name="lnNode1">
-    <dgm:fillClrLst meth="repeat">
-      <a:schemeClr val="accent1"/>
-    </dgm:fillClrLst>
-    <dgm:linClrLst meth="repeat">
-      <a:schemeClr val="lt1"/>
-    </dgm:linClrLst>
-    <dgm:effectClrLst/>
-    <dgm:txLinClrLst/>
-    <dgm:txFillClrLst/>
-    <dgm:txEffectClrLst/>
-  </dgm:styleLbl>
-  <dgm:styleLbl name="vennNode1">
-    <dgm:fillClrLst meth="repeat">
-      <a:schemeClr val="accent1">
-        <a:alpha val="50000"/>
-      </a:schemeClr>
-    </dgm:fillClrLst>
-    <dgm:linClrLst meth="repeat">
-      <a:schemeClr val="lt1"/>
-    </dgm:linClrLst>
-    <dgm:effectClrLst/>
-    <dgm:txLinClrLst/>
-    <dgm:txFillClrLst/>
-    <dgm:txEffectClrLst/>
-  </dgm:styleLbl>
-  <dgm:styleLbl name="node2">
-    <dgm:fillClrLst meth="repeat">
-      <a:schemeClr val="accent1"/>
-    </dgm:fillClrLst>
-    <dgm:linClrLst meth="repeat">
-      <a:schemeClr val="lt1"/>
-    </dgm:linClrLst>
-    <dgm:effectClrLst/>
-    <dgm:txLinClrLst/>
-    <dgm:txFillClrLst/>
-    <dgm:txEffectClrLst/>
-  </dgm:styleLbl>
-  <dgm:styleLbl name="node3">
-    <dgm:fillClrLst meth="repeat">
-      <a:schemeClr val="accent1"/>
-    </dgm:fillClrLst>
-    <dgm:linClrLst meth="repeat">
-      <a:schemeClr val="lt1"/>
-    </dgm:linClrLst>
-    <dgm:effectClrLst/>
-    <dgm:txLinClrLst/>
-    <dgm:txFillClrLst/>
-    <dgm:txEffectClrLst/>
-  </dgm:styleLbl>
-  <dgm:styleLbl name="node4">
-    <dgm:fillClrLst meth="repeat">
-      <a:schemeClr val="accent1"/>
-    </dgm:fillClrLst>
-    <dgm:linClrLst meth="repeat">
-      <a:schemeClr val="lt1"/>
-    </dgm:linClrLst>
-    <dgm:effectClrLst/>
-    <dgm:txLinClrLst/>
-    <dgm:txFillClrLst/>
-    <dgm:txEffectClrLst/>
-  </dgm:styleLbl>
-  <dgm:styleLbl name="fgImgPlace1">
-    <dgm:fillClrLst meth="repeat">
-      <a:schemeClr val="accent1">
-        <a:tint val="50000"/>
-      </a:schemeClr>
-    </dgm:fillClrLst>
-    <dgm:linClrLst meth="repeat">
-      <a:schemeClr val="lt1"/>
-    </dgm:linClrLst>
-    <dgm:effectClrLst/>
-    <dgm:txLinClrLst/>
-    <dgm:txFillClrLst meth="repeat">
-      <a:schemeClr val="lt1"/>
-    </dgm:txFillClrLst>
-    <dgm:txEffectClrLst/>
-  </dgm:styleLbl>
-  <dgm:styleLbl name="alignImgPlace1">
-    <dgm:fillClrLst meth="repeat">
-      <a:schemeClr val="accent1">
-        <a:tint val="50000"/>
-      </a:schemeClr>
-    </dgm:fillClrLst>
-    <dgm:linClrLst meth="repeat">
-      <a:schemeClr val="lt1"/>
-    </dgm:linClrLst>
-    <dgm:effectClrLst/>
-    <dgm:txLinClrLst/>
-    <dgm:txFillClrLst meth="repeat">
-      <a:schemeClr val="lt1"/>
-    </dgm:txFillClrLst>
-    <dgm:txEffectClrLst/>
-  </dgm:styleLbl>
-  <dgm:styleLbl name="bgImgPlace1">
-    <dgm:fillClrLst meth="repeat">
-      <a:schemeClr val="accent1">
-        <a:tint val="50000"/>
-      </a:schemeClr>
-    </dgm:fillClrLst>
-    <dgm:linClrLst meth="repeat">
-      <a:schemeClr val="lt1"/>
-    </dgm:linClrLst>
-    <dgm:effectClrLst/>
-    <dgm:txLinClrLst/>
-    <dgm:txFillClrLst meth="repeat">
-      <a:schemeClr val="lt1"/>
-    </dgm:txFillClrLst>
-    <dgm:txEffectClrLst/>
-  </dgm:styleLbl>
-  <dgm:styleLbl name="sibTrans2D1">
-    <dgm:fillClrLst meth="repeat">
-      <a:schemeClr val="accent1">
-        <a:tint val="60000"/>
-      </a:schemeClr>
-    </dgm:fillClrLst>
-    <dgm:linClrLst meth="repeat">
-      <a:schemeClr val="accent1">
-        <a:tint val="60000"/>
-      </a:schemeClr>
-    </dgm:linClrLst>
-    <dgm:effectClrLst/>
-    <dgm:txLinClrLst/>
-    <dgm:txFillClrLst/>
-    <dgm:txEffectClrLst/>
-  </dgm:styleLbl>
-  <dgm:styleLbl name="fgSibTrans2D1">
-    <dgm:fillClrLst meth="repeat">
-      <a:schemeClr val="accent1">
-        <a:tint val="60000"/>
-      </a:schemeClr>
-    </dgm:fillClrLst>
-    <dgm:linClrLst meth="repeat">
-      <a:schemeClr val="accent1">
-        <a:tint val="60000"/>
-      </a:schemeClr>
-    </dgm:linClrLst>
-    <dgm:effectClrLst/>
-    <dgm:txLinClrLst/>
-    <dgm:txFillClrLst/>
-    <dgm:txEffectClrLst/>
-  </dgm:styleLbl>
-  <dgm:styleLbl name="bgSibTrans2D1">
-    <dgm:fillClrLst meth="repeat">
-      <a:schemeClr val="accent1">
-        <a:tint val="60000"/>
-      </a:schemeClr>
-    </dgm:fillClrLst>
-    <dgm:linClrLst meth="repeat">
-      <a:schemeClr val="accent1">
-        <a:tint val="60000"/>
-      </a:schemeClr>
-    </dgm:linClrLst>
-    <dgm:effectClrLst/>
-    <dgm:txLinClrLst/>
-    <dgm:txFillClrLst/>
-    <dgm:txEffectClrLst/>
-  </dgm:styleLbl>
-  <dgm:styleLbl name="sibTrans1D1">
-    <dgm:fillClrLst meth="repeat">
-      <a:schemeClr val="accent1"/>
-    </dgm:fillClrLst>
-    <dgm:linClrLst meth="repeat">
-      <a:schemeClr val="accent1"/>
-    </dgm:linClrLst>
-    <dgm:effectClrLst/>
-    <dgm:txLinClrLst/>
-    <dgm:txFillClrLst meth="repeat">
-      <a:schemeClr val="tx1"/>
-    </dgm:txFillClrLst>
-    <dgm:txEffectClrLst/>
-  </dgm:styleLbl>
-  <dgm:styleLbl name="callout">
-    <dgm:fillClrLst meth="repeat">
-      <a:schemeClr val="accent1"/>
-    </dgm:fillClrLst>
-    <dgm:linClrLst meth="repeat">
-      <a:schemeClr val="accent1">
-        <a:tint val="50000"/>
-      </a:schemeClr>
-    </dgm:linClrLst>
-    <dgm:effectClrLst/>
-    <dgm:txLinClrLst/>
-    <dgm:txFillClrLst meth="repeat">
-      <a:schemeClr val="tx1"/>
-    </dgm:txFillClrLst>
-    <dgm:txEffectClrLst/>
-  </dgm:styleLbl>
-  <dgm:styleLbl name="asst0">
-    <dgm:fillClrLst meth="repeat">
-      <a:schemeClr val="accent1"/>
-    </dgm:fillClrLst>
-    <dgm:linClrLst meth="repeat">
-      <a:schemeClr val="lt1"/>
-    </dgm:linClrLst>
-    <dgm:effectClrLst/>
-    <dgm:txLinClrLst/>
-    <dgm:txFillClrLst/>
-    <dgm:txEffectClrLst/>
-  </dgm:styleLbl>
-  <dgm:styleLbl name="asst1">
-    <dgm:fillClrLst meth="repeat">
-      <a:schemeClr val="accent1"/>
-    </dgm:fillClrLst>
-    <dgm:linClrLst meth="repeat">
-      <a:schemeClr val="lt1"/>
-    </dgm:linClrLst>
-    <dgm:effectClrLst/>
-    <dgm:txLinClrLst/>
-    <dgm:txFillClrLst/>
-    <dgm:txEffectClrLst/>
-  </dgm:styleLbl>
-  <dgm:styleLbl name="asst2">
-    <dgm:fillClrLst meth="repeat">
-      <a:schemeClr val="accent1"/>
-    </dgm:fillClrLst>
-    <dgm:linClrLst meth="repeat">
-      <a:schemeClr val="lt1"/>
-    </dgm:linClrLst>
-    <dgm:effectClrLst/>
-    <dgm:txLinClrLst/>
-    <dgm:txFillClrLst/>
-    <dgm:txEffectClrLst/>
-  </dgm:styleLbl>
-  <dgm:styleLbl name="asst3">
-    <dgm:fillClrLst meth="repeat">
-      <a:schemeClr val="accent1"/>
-    </dgm:fillClrLst>
-    <dgm:linClrLst meth="repeat">
-      <a:schemeClr val="lt1"/>
-    </dgm:linClrLst>
-    <dgm:effectClrLst/>
-    <dgm:txLinClrLst/>
-    <dgm:txFillClrLst/>
-    <dgm:txEffectClrLst/>
-  </dgm:styleLbl>
-  <dgm:styleLbl name="asst4">
-    <dgm:fillClrLst meth="repeat">
-      <a:schemeClr val="accent1"/>
-    </dgm:fillClrLst>
-    <dgm:linClrLst meth="repeat">
-      <a:schemeClr val="lt1"/>
-    </dgm:linClrLst>
-    <dgm:effectClrLst/>
-    <dgm:txLinClrLst/>
-    <dgm:txFillClrLst/>
-    <dgm:txEffectClrLst/>
-  </dgm:styleLbl>
-  <dgm:styleLbl name="parChTrans2D1">
-    <dgm:fillClrLst meth="repeat">
-      <a:schemeClr val="accent1">
-        <a:tint val="60000"/>
-      </a:schemeClr>
-    </dgm:fillClrLst>
-    <dgm:linClrLst meth="repeat">
-      <a:schemeClr val="accent1">
-        <a:tint val="60000"/>
-      </a:schemeClr>
-    </dgm:linClrLst>
-    <dgm:effectClrLst/>
-    <dgm:txLinClrLst/>
-    <dgm:txFillClrLst meth="repeat">
-      <a:schemeClr val="lt1"/>
-    </dgm:txFillClrLst>
-    <dgm:txEffectClrLst/>
-  </dgm:styleLbl>
-  <dgm:styleLbl name="parChTrans2D2">
-    <dgm:fillClrLst meth="repeat">
-      <a:schemeClr val="accent1"/>
-    </dgm:fillClrLst>
-    <dgm:linClrLst meth="repeat">
-      <a:schemeClr val="accent1"/>
-    </dgm:linClrLst>
-    <dgm:effectClrLst/>
-    <dgm:txLinClrLst/>
-    <dgm:txFillClrLst meth="repeat">
-      <a:schemeClr val="lt1"/>
-    </dgm:txFillClrLst>
-    <dgm:txEffectClrLst/>
-  </dgm:styleLbl>
-  <dgm:styleLbl name="parChTrans2D3">
-    <dgm:fillClrLst meth="repeat">
-      <a:schemeClr val="accent1"/>
-    </dgm:fillClrLst>
-    <dgm:linClrLst meth="repeat">
-      <a:schemeClr val="accent1"/>
-    </dgm:linClrLst>
-    <dgm:effectClrLst/>
-    <dgm:txLinClrLst/>
-    <dgm:txFillClrLst meth="repeat">
-      <a:schemeClr val="lt1"/>
-    </dgm:txFillClrLst>
-    <dgm:txEffectClrLst/>
-  </dgm:styleLbl>
-  <dgm:styleLbl name="parChTrans2D4">
-    <dgm:fillClrLst meth="repeat">
-      <a:schemeClr val="accent1"/>
-    </dgm:fillClrLst>
-    <dgm:linClrLst meth="repeat">
-      <a:schemeClr val="accent1"/>
-    </dgm:linClrLst>
-    <dgm:effectClrLst/>
-    <dgm:txLinClrLst/>
-    <dgm:txFillClrLst meth="repeat">
-      <a:schemeClr val="lt1"/>
-    </dgm:txFillClrLst>
-    <dgm:txEffectClrLst/>
-  </dgm:styleLbl>
-  <dgm:styleLbl name="parChTrans1D1">
-    <dgm:fillClrLst meth="repeat">
-      <a:schemeClr val="accent1"/>
-    </dgm:fillClrLst>
-    <dgm:linClrLst meth="repeat">
-      <a:schemeClr val="accent1">
-        <a:shade val="60000"/>
-      </a:schemeClr>
-    </dgm:linClrLst>
-    <dgm:effectClrLst/>
-    <dgm:txLinClrLst/>
-    <dgm:txFillClrLst meth="repeat">
-      <a:schemeClr val="tx1"/>
-    </dgm:txFillClrLst>
-    <dgm:txEffectClrLst/>
-  </dgm:styleLbl>
-  <dgm:styleLbl name="parChTrans1D2">
-    <dgm:fillClrLst meth="repeat">
-      <a:schemeClr val="accent1"/>
-    </dgm:fillClrLst>
-    <dgm:linClrLst meth="repeat">
-      <a:schemeClr val="accent1">
-        <a:shade val="60000"/>
-      </a:schemeClr>
-    </dgm:linClrLst>
-    <dgm:effectClrLst/>
-    <dgm:txLinClrLst/>
-    <dgm:txFillClrLst meth="repeat">
-      <a:schemeClr val="tx1"/>
-    </dgm:txFillClrLst>
-    <dgm:txEffectClrLst/>
-  </dgm:styleLbl>
-  <dgm:styleLbl name="parChTrans1D3">
-    <dgm:fillClrLst meth="repeat">
-      <a:schemeClr val="accent1"/>
-    </dgm:fillClrLst>
-    <dgm:linClrLst meth="repeat">
-      <a:schemeClr val="accent1">
-        <a:shade val="80000"/>
-      </a:schemeClr>
-    </dgm:linClrLst>
-    <dgm:effectClrLst/>
-    <dgm:txLinClrLst/>
-    <dgm:txFillClrLst meth="repeat">
-      <a:schemeClr val="tx1"/>
-    </dgm:txFillClrLst>
-    <dgm:txEffectClrLst/>
-  </dgm:styleLbl>
-  <dgm:styleLbl name="parChTrans1D4">
-    <dgm:fillClrLst meth="repeat">
-      <a:schemeClr val="accent1"/>
-    </dgm:fillClrLst>
-    <dgm:linClrLst meth="repeat">
-      <a:schemeClr val="accent1">
-        <a:shade val="80000"/>
-      </a:schemeClr>
-    </dgm:linClrLst>
-    <dgm:effectClrLst/>
-    <dgm:txLinClrLst/>
-    <dgm:txFillClrLst meth="repeat">
-      <a:schemeClr val="tx1"/>
-    </dgm:txFillClrLst>
-    <dgm:txEffectClrLst/>
-  </dgm:styleLbl>
-  <dgm:styleLbl name="fgAcc1">
-    <dgm:fillClrLst meth="repeat">
-      <a:schemeClr val="lt1">
-        <a:alpha val="90000"/>
-      </a:schemeClr>
-    </dgm:fillClrLst>
-    <dgm:linClrLst meth="repeat">
-      <a:schemeClr val="accent1"/>
-    </dgm:linClrLst>
-    <dgm:effectClrLst/>
-    <dgm:txLinClrLst/>
-    <dgm:txFillClrLst meth="repeat">
-      <a:schemeClr val="dk1"/>
-    </dgm:txFillClrLst>
-    <dgm:txEffectClrLst/>
-  </dgm:styleLbl>
-  <dgm:styleLbl name="conFgAcc1">
-    <dgm:fillClrLst meth="repeat">
-      <a:schemeClr val="lt1">
-        <a:alpha val="90000"/>
-      </a:schemeClr>
-    </dgm:fillClrLst>
-    <dgm:linClrLst meth="repeat">
-      <a:schemeClr val="accent1"/>
-    </dgm:linClrLst>
-    <dgm:effectClrLst/>
-    <dgm:txLinClrLst/>
-    <dgm:txFillClrLst meth="repeat">
-      <a:schemeClr val="dk1"/>
-    </dgm:txFillClrLst>
-    <dgm:txEffectClrLst/>
-  </dgm:styleLbl>
-  <dgm:styleLbl name="alignAcc1">
-    <dgm:fillClrLst meth="repeat">
-      <a:schemeClr val="lt1">
-        <a:alpha val="90000"/>
-      </a:schemeClr>
-    </dgm:fillClrLst>
-    <dgm:linClrLst meth="repeat">
-      <a:schemeClr val="accent1"/>
-    </dgm:linClrLst>
-    <dgm:effectClrLst/>
-    <dgm:txLinClrLst/>
-    <dgm:txFillClrLst meth="repeat">
-      <a:schemeClr val="dk1"/>
-    </dgm:txFillClrLst>
-    <dgm:txEffectClrLst/>
-  </dgm:styleLbl>
-  <dgm:styleLbl name="trAlignAcc1">
-    <dgm:fillClrLst meth="repeat">
-      <a:schemeClr val="lt1">
-        <a:alpha val="40000"/>
-      </a:schemeClr>
-    </dgm:fillClrLst>
-    <dgm:linClrLst meth="repeat">
-      <a:schemeClr val="accent1"/>
-    </dgm:linClrLst>
-    <dgm:effectClrLst/>
-    <dgm:txLinClrLst/>
-    <dgm:txFillClrLst meth="repeat">
-      <a:schemeClr val="dk1"/>
-    </dgm:txFillClrLst>
-    <dgm:txEffectClrLst/>
-  </dgm:styleLbl>
-  <dgm:styleLbl name="bgAcc1">
-    <dgm:fillClrLst meth="repeat">
-      <a:schemeClr val="lt1">
-        <a:alpha val="90000"/>
-      </a:schemeClr>
-    </dgm:fillClrLst>
-    <dgm:linClrLst meth="repeat">
-      <a:schemeClr val="accent1"/>
-    </dgm:linClrLst>
-    <dgm:effectClrLst/>
-    <dgm:txLinClrLst/>
-    <dgm:txFillClrLst meth="repeat">
-      <a:schemeClr val="dk1"/>
-    </dgm:txFillClrLst>
-    <dgm:txEffectClrLst/>
-  </dgm:styleLbl>
-  <dgm:styleLbl name="solidFgAcc1">
-    <dgm:fillClrLst meth="repeat">
-      <a:schemeClr val="lt1"/>
-    </dgm:fillClrLst>
-    <dgm:linClrLst meth="repeat">
-      <a:schemeClr val="accent1"/>
-    </dgm:linClrLst>
-    <dgm:effectClrLst/>
-    <dgm:txLinClrLst/>
-    <dgm:txFillClrLst meth="repeat">
-      <a:schemeClr val="dk1"/>
-    </dgm:txFillClrLst>
-    <dgm:txEffectClrLst/>
-  </dgm:styleLbl>
-  <dgm:styleLbl name="solidAlignAcc1">
-    <dgm:fillClrLst meth="repeat">
-      <a:schemeClr val="lt1"/>
-    </dgm:fillClrLst>
-    <dgm:linClrLst meth="repeat">
-      <a:schemeClr val="accent1"/>
-    </dgm:linClrLst>
-    <dgm:effectClrLst/>
-    <dgm:txLinClrLst/>
-    <dgm:txFillClrLst meth="repeat">
-      <a:schemeClr val="dk1"/>
-    </dgm:txFillClrLst>
-    <dgm:txEffectClrLst/>
-  </dgm:styleLbl>
-  <dgm:styleLbl name="solidBgAcc1">
-    <dgm:fillClrLst meth="repeat">
-      <a:schemeClr val="lt1"/>
-    </dgm:fillClrLst>
-    <dgm:linClrLst meth="repeat">
-      <a:schemeClr val="accent1"/>
-    </dgm:linClrLst>
-    <dgm:effectClrLst/>
-    <dgm:txLinClrLst/>
-    <dgm:txFillClrLst meth="repeat">
-      <a:schemeClr val="dk1"/>
-    </dgm:txFillClrLst>
-    <dgm:txEffectClrLst/>
-  </dgm:styleLbl>
-  <dgm:styleLbl name="fgAccFollowNode1">
-    <dgm:fillClrLst meth="repeat">
-      <a:schemeClr val="accent1">
-        <a:alpha val="90000"/>
-        <a:tint val="40000"/>
-      </a:schemeClr>
-    </dgm:fillClrLst>
-    <dgm:linClrLst meth="repeat">
-      <a:schemeClr val="accent1">
-        <a:alpha val="90000"/>
-        <a:tint val="40000"/>
-      </a:schemeClr>
-    </dgm:linClrLst>
-    <dgm:effectClrLst/>
-    <dgm:txLinClrLst/>
-    <dgm:txFillClrLst meth="repeat">
-      <a:schemeClr val="dk1"/>
-    </dgm:txFillClrLst>
-    <dgm:txEffectClrLst/>
-  </dgm:styleLbl>
-  <dgm:styleLbl name="alignAccFollowNode1">
-    <dgm:fillClrLst meth="repeat">
-      <a:schemeClr val="accent1">
-        <a:alpha val="90000"/>
-        <a:tint val="40000"/>
-      </a:schemeClr>
-    </dgm:fillClrLst>
-    <dgm:linClrLst meth="repeat">
-      <a:schemeClr val="accent1">
-        <a:alpha val="90000"/>
-        <a:tint val="40000"/>
-      </a:schemeClr>
-    </dgm:linClrLst>
-    <dgm:effectClrLst/>
-    <dgm:txLinClrLst/>
-    <dgm:txFillClrLst meth="repeat">
-      <a:schemeClr val="dk1"/>
-    </dgm:txFillClrLst>
-    <dgm:txEffectClrLst/>
-  </dgm:styleLbl>
-  <dgm:styleLbl name="bgAccFollowNode1">
-    <dgm:fillClrLst meth="repeat">
-      <a:schemeClr val="accent1">
-        <a:alpha val="90000"/>
-        <a:tint val="40000"/>
-      </a:schemeClr>
-    </dgm:fillClrLst>
-    <dgm:linClrLst meth="repeat">
-      <a:schemeClr val="accent1">
-        <a:alpha val="90000"/>
-        <a:tint val="40000"/>
-      </a:schemeClr>
-    </dgm:linClrLst>
-    <dgm:effectClrLst/>
-    <dgm:txLinClrLst/>
-    <dgm:txFillClrLst meth="repeat">
-      <a:schemeClr val="dk1"/>
-    </dgm:txFillClrLst>
-    <dgm:txEffectClrLst/>
-  </dgm:styleLbl>
-  <dgm:styleLbl name="fgAcc0">
-    <dgm:fillClrLst meth="repeat">
-      <a:schemeClr val="lt1">
-        <a:alpha val="90000"/>
-      </a:schemeClr>
-    </dgm:fillClrLst>
-    <dgm:linClrLst meth="repeat">
-      <a:schemeClr val="accent1"/>
-    </dgm:linClrLst>
-    <dgm:effectClrLst/>
-    <dgm:txLinClrLst/>
-    <dgm:txFillClrLst meth="repeat">
-      <a:schemeClr val="dk1"/>
-    </dgm:txFillClrLst>
-    <dgm:txEffectClrLst/>
-  </dgm:styleLbl>
-  <dgm:styleLbl name="fgAcc2">
-    <dgm:fillClrLst meth="repeat">
-      <a:schemeClr val="lt1">
-        <a:alpha val="90000"/>
-      </a:schemeClr>
-    </dgm:fillClrLst>
-    <dgm:linClrLst meth="repeat">
-      <a:schemeClr val="accent1"/>
-    </dgm:linClrLst>
-    <dgm:effectClrLst/>
-    <dgm:txLinClrLst/>
-    <dgm:txFillClrLst meth="repeat">
-      <a:schemeClr val="dk1"/>
-    </dgm:txFillClrLst>
-    <dgm:txEffectClrLst/>
-  </dgm:styleLbl>
-  <dgm:styleLbl name="fgAcc3">
-    <dgm:fillClrLst meth="repeat">
-      <a:schemeClr val="lt1">
-        <a:alpha val="90000"/>
-      </a:schemeClr>
-    </dgm:fillClrLst>
-    <dgm:linClrLst meth="repeat">
-      <a:schemeClr val="accent1"/>
-    </dgm:linClrLst>
-    <dgm:effectClrLst/>
-    <dgm:txLinClrLst/>
-    <dgm:txFillClrLst meth="repeat">
-      <a:schemeClr val="dk1"/>
-    </dgm:txFillClrLst>
-    <dgm:txEffectClrLst/>
-  </dgm:styleLbl>
-  <dgm:styleLbl name="fgAcc4">
-    <dgm:fillClrLst meth="repeat">
-      <a:schemeClr val="lt1">
-        <a:alpha val="90000"/>
-      </a:schemeClr>
-    </dgm:fillClrLst>
-    <dgm:linClrLst meth="repeat">
-      <a:schemeClr val="accent1"/>
-    </dgm:linClrLst>
-    <dgm:effectClrLst/>
-    <dgm:txLinClrLst/>
-    <dgm:txFillClrLst meth="repeat">
-      <a:schemeClr val="dk1"/>
-    </dgm:txFillClrLst>
-    <dgm:txEffectClrLst/>
-  </dgm:styleLbl>
-  <dgm:styleLbl name="bgShp">
-    <dgm:fillClrLst meth="repeat">
-      <a:schemeClr val="accent1">
-        <a:tint val="40000"/>
-      </a:schemeClr>
-    </dgm:fillClrLst>
-    <dgm:linClrLst meth="repeat">
-      <a:schemeClr val="accent1"/>
-    </dgm:linClrLst>
-    <dgm:effectClrLst/>
-    <dgm:txLinClrLst/>
-    <dgm:txFillClrLst meth="repeat">
-      <a:schemeClr val="dk1"/>
-    </dgm:txFillClrLst>
-    <dgm:txEffectClrLst/>
-  </dgm:styleLbl>
-  <dgm:styleLbl name="dkBgShp">
-    <dgm:fillClrLst meth="repeat">
-      <a:schemeClr val="accent1">
-        <a:shade val="80000"/>
-      </a:schemeClr>
-    </dgm:fillClrLst>
-    <dgm:linClrLst meth="repeat">
-      <a:schemeClr val="accent1"/>
-    </dgm:linClrLst>
-    <dgm:effectClrLst/>
-    <dgm:txLinClrLst/>
-    <dgm:txFillClrLst meth="repeat">
-      <a:schemeClr val="lt1"/>
-    </dgm:txFillClrLst>
-    <dgm:txEffectClrLst/>
-  </dgm:styleLbl>
-  <dgm:styleLbl name="trBgShp">
-    <dgm:fillClrLst meth="repeat">
-      <a:schemeClr val="accent1">
-        <a:tint val="50000"/>
-        <a:alpha val="40000"/>
-      </a:schemeClr>
-    </dgm:fillClrLst>
-    <dgm:linClrLst meth="repeat">
-      <a:schemeClr val="accent1"/>
-    </dgm:linClrLst>
-    <dgm:effectClrLst/>
-    <dgm:txLinClrLst/>
-    <dgm:txFillClrLst meth="repeat">
-      <a:schemeClr val="lt1"/>
-    </dgm:txFillClrLst>
-    <dgm:txEffectClrLst/>
-  </dgm:styleLbl>
-  <dgm:styleLbl name="fgShp">
-    <dgm:fillClrLst meth="repeat">
-      <a:schemeClr val="accent1">
-        <a:tint val="60000"/>
-      </a:schemeClr>
-    </dgm:fillClrLst>
-    <dgm:linClrLst meth="repeat">
-      <a:schemeClr val="lt1"/>
-    </dgm:linClrLst>
-    <dgm:effectClrLst/>
-    <dgm:txLinClrLst/>
-    <dgm:txFillClrLst meth="repeat">
-      <a:schemeClr val="dk1"/>
-    </dgm:txFillClrLst>
-    <dgm:txEffectClrLst/>
-  </dgm:styleLbl>
-  <dgm:styleLbl name="revTx">
-    <dgm:fillClrLst meth="repeat">
-      <a:schemeClr val="lt1">
-        <a:alpha val="0"/>
-      </a:schemeClr>
-    </dgm:fillClrLst>
-    <dgm:linClrLst meth="repeat">
-      <a:schemeClr val="dk1">
-        <a:alpha val="0"/>
-      </a:schemeClr>
-    </dgm:linClrLst>
-    <dgm:effectClrLst/>
-    <dgm:txLinClrLst/>
-    <dgm:txFillClrLst meth="repeat">
-      <a:schemeClr val="tx1"/>
-    </dgm:txFillClrLst>
-    <dgm:txEffectClrLst/>
-  </dgm:styleLbl>
-</dgm:colorsDef>
-</file>
-
-<file path=ppt/diagrams/data1.xml><?xml version="1.0" encoding="utf-8"?>
-<dgm:dataModel xmlns:dgm="http://schemas.openxmlformats.org/drawingml/2006/diagram" xmlns:a="http://schemas.openxmlformats.org/drawingml/2006/main">
-  <dgm:ptLst>
-    <dgm:pt modelId="{C3236E9F-986E-43AB-A383-DF6D1AC1F68B}" type="doc">
-      <dgm:prSet loTypeId="urn:microsoft.com/office/officeart/2005/8/layout/vList5" loCatId="list" qsTypeId="urn:microsoft.com/office/officeart/2005/8/quickstyle/simple1" qsCatId="simple" csTypeId="urn:microsoft.com/office/officeart/2005/8/colors/accent1_2" csCatId="accent1" phldr="1"/>
-      <dgm:spPr/>
-      <dgm:t>
-        <a:bodyPr/>
-        <a:lstStyle/>
-        <a:p>
-          <a:endParaRPr lang="en-US"/>
-        </a:p>
-      </dgm:t>
-    </dgm:pt>
-    <dgm:pt modelId="{03445371-05AB-4F0E-AC88-63867A768BAA}">
-      <dgm:prSet phldrT="[Text]"/>
-      <dgm:spPr/>
-      <dgm:t>
-        <a:bodyPr/>
-        <a:lstStyle/>
-        <a:p>
-          <a:r>
-            <a:rPr lang="en-US" dirty="0"/>
-            <a:t>Cleaning text for word cloud</a:t>
-          </a:r>
-        </a:p>
-      </dgm:t>
-    </dgm:pt>
-    <dgm:pt modelId="{19BD2698-B84E-4074-87A5-6270DFD35566}" type="parTrans" cxnId="{2AC8998C-9318-460E-B811-02F7B45B39AC}">
-      <dgm:prSet/>
-      <dgm:spPr/>
-      <dgm:t>
-        <a:bodyPr/>
-        <a:lstStyle/>
-        <a:p>
-          <a:endParaRPr lang="en-US"/>
-        </a:p>
-      </dgm:t>
-    </dgm:pt>
-    <dgm:pt modelId="{62E10C28-2D70-4169-88D1-EA138A4DE8BF}" type="sibTrans" cxnId="{2AC8998C-9318-460E-B811-02F7B45B39AC}">
-      <dgm:prSet/>
-      <dgm:spPr/>
-      <dgm:t>
-        <a:bodyPr/>
-        <a:lstStyle/>
-        <a:p>
-          <a:endParaRPr lang="en-US"/>
-        </a:p>
-      </dgm:t>
-    </dgm:pt>
-    <dgm:pt modelId="{C232D6DF-8747-4491-A939-360E7F3E2627}">
-      <dgm:prSet phldrT="[Text]"/>
-      <dgm:spPr/>
-      <dgm:t>
-        <a:bodyPr/>
-        <a:lstStyle/>
-        <a:p>
-          <a:r>
-            <a:rPr lang="en-US" dirty="0"/>
-            <a:t>Removed stop words</a:t>
-          </a:r>
-        </a:p>
-      </dgm:t>
-    </dgm:pt>
-    <dgm:pt modelId="{0BA2FE8E-C0C4-424D-8067-E9781A7C603C}" type="parTrans" cxnId="{66710BD8-8BFA-4C2F-83D8-84D6F190AA0B}">
-      <dgm:prSet/>
-      <dgm:spPr/>
-      <dgm:t>
-        <a:bodyPr/>
-        <a:lstStyle/>
-        <a:p>
-          <a:endParaRPr lang="en-US"/>
-        </a:p>
-      </dgm:t>
-    </dgm:pt>
-    <dgm:pt modelId="{6A82E673-A879-4218-832C-71EF427459F1}" type="sibTrans" cxnId="{66710BD8-8BFA-4C2F-83D8-84D6F190AA0B}">
-      <dgm:prSet/>
-      <dgm:spPr/>
-      <dgm:t>
-        <a:bodyPr/>
-        <a:lstStyle/>
-        <a:p>
-          <a:endParaRPr lang="en-US"/>
-        </a:p>
-      </dgm:t>
-    </dgm:pt>
-    <dgm:pt modelId="{BAA947F0-2657-4B40-A467-F2B6BAC926A0}">
-      <dgm:prSet phldrT="[Text]"/>
-      <dgm:spPr/>
-      <dgm:t>
-        <a:bodyPr/>
-        <a:lstStyle/>
-        <a:p>
-          <a:r>
-            <a:rPr lang="en-US" dirty="0"/>
-            <a:t>Lemmatization</a:t>
-          </a:r>
-        </a:p>
-      </dgm:t>
-    </dgm:pt>
-    <dgm:pt modelId="{672B7C21-88E9-4ABE-955A-B1C0E7CED70A}" type="parTrans" cxnId="{8DA193A2-7DA1-4826-9F14-16C02C74AC5F}">
-      <dgm:prSet/>
-      <dgm:spPr/>
-      <dgm:t>
-        <a:bodyPr/>
-        <a:lstStyle/>
-        <a:p>
-          <a:endParaRPr lang="en-US"/>
-        </a:p>
-      </dgm:t>
-    </dgm:pt>
-    <dgm:pt modelId="{D55FBA07-6968-4AE1-A96B-6C4FED3FE8A7}" type="sibTrans" cxnId="{8DA193A2-7DA1-4826-9F14-16C02C74AC5F}">
-      <dgm:prSet/>
-      <dgm:spPr/>
-      <dgm:t>
-        <a:bodyPr/>
-        <a:lstStyle/>
-        <a:p>
-          <a:endParaRPr lang="en-US"/>
-        </a:p>
-      </dgm:t>
-    </dgm:pt>
-    <dgm:pt modelId="{D0E31E0F-59C1-4172-95E8-F6C5A9D3D571}">
-      <dgm:prSet phldrT="[Text]"/>
-      <dgm:spPr/>
-      <dgm:t>
-        <a:bodyPr/>
-        <a:lstStyle/>
-        <a:p>
-          <a:r>
-            <a:rPr lang="en-US" dirty="0"/>
-            <a:t>Converting time</a:t>
-          </a:r>
-        </a:p>
-      </dgm:t>
-    </dgm:pt>
-    <dgm:pt modelId="{B375484E-EF80-4838-96E7-3A26E0DACB20}" type="parTrans" cxnId="{AEE6841A-3A17-4982-A099-6827DD178035}">
-      <dgm:prSet/>
-      <dgm:spPr/>
-      <dgm:t>
-        <a:bodyPr/>
-        <a:lstStyle/>
-        <a:p>
-          <a:endParaRPr lang="en-US"/>
-        </a:p>
-      </dgm:t>
-    </dgm:pt>
-    <dgm:pt modelId="{24FAE4B7-DDCE-43D6-9532-75884C89F7E3}" type="sibTrans" cxnId="{AEE6841A-3A17-4982-A099-6827DD178035}">
-      <dgm:prSet/>
-      <dgm:spPr/>
-      <dgm:t>
-        <a:bodyPr/>
-        <a:lstStyle/>
-        <a:p>
-          <a:endParaRPr lang="en-US"/>
-        </a:p>
-      </dgm:t>
-    </dgm:pt>
-    <dgm:pt modelId="{C6A9DA2E-640D-4214-85BD-617297FEDC48}">
-      <dgm:prSet phldrT="[Text]"/>
-      <dgm:spPr/>
-      <dgm:t>
-        <a:bodyPr/>
-        <a:lstStyle/>
-        <a:p>
-          <a:r>
-            <a:rPr lang="en-US" dirty="0"/>
-            <a:t>Reddit API outputs seconds since </a:t>
-          </a:r>
-          <a:r>
-            <a:rPr lang="en-US" dirty="0" err="1"/>
-            <a:t>unix</a:t>
-          </a:r>
-          <a:r>
-            <a:rPr lang="en-US" dirty="0"/>
-            <a:t> epoch</a:t>
-          </a:r>
-        </a:p>
-      </dgm:t>
-    </dgm:pt>
-    <dgm:pt modelId="{50D7BFF9-9E28-4488-8FA0-C49BB2CD143F}" type="parTrans" cxnId="{D646CF12-ECBB-4B32-8496-E2FE563BD6AB}">
-      <dgm:prSet/>
-      <dgm:spPr/>
-      <dgm:t>
-        <a:bodyPr/>
-        <a:lstStyle/>
-        <a:p>
-          <a:endParaRPr lang="en-US"/>
-        </a:p>
-      </dgm:t>
-    </dgm:pt>
-    <dgm:pt modelId="{C6288091-8190-4EB3-847C-3A139CCC8BC7}" type="sibTrans" cxnId="{D646CF12-ECBB-4B32-8496-E2FE563BD6AB}">
-      <dgm:prSet/>
-      <dgm:spPr/>
-      <dgm:t>
-        <a:bodyPr/>
-        <a:lstStyle/>
-        <a:p>
-          <a:endParaRPr lang="en-US"/>
-        </a:p>
-      </dgm:t>
-    </dgm:pt>
-    <dgm:pt modelId="{82D8BB8A-F5F7-47DC-B439-4D4A6DCB08DB}">
-      <dgm:prSet phldrT="[Text]"/>
-      <dgm:spPr/>
-      <dgm:t>
-        <a:bodyPr/>
-        <a:lstStyle/>
-        <a:p>
-          <a:r>
-            <a:rPr lang="en-US" dirty="0"/>
-            <a:t>Converted to US central time</a:t>
-          </a:r>
-        </a:p>
-      </dgm:t>
-    </dgm:pt>
-    <dgm:pt modelId="{DB423D59-498B-4DD3-8094-D02D205C6F24}" type="parTrans" cxnId="{DAA55A2F-3BF5-4377-A393-E3EBC2260CB1}">
-      <dgm:prSet/>
-      <dgm:spPr/>
-      <dgm:t>
-        <a:bodyPr/>
-        <a:lstStyle/>
-        <a:p>
-          <a:endParaRPr lang="en-US"/>
-        </a:p>
-      </dgm:t>
-    </dgm:pt>
-    <dgm:pt modelId="{617840DC-0723-4FCB-917F-C42F1C73A389}" type="sibTrans" cxnId="{DAA55A2F-3BF5-4377-A393-E3EBC2260CB1}">
-      <dgm:prSet/>
-      <dgm:spPr/>
-      <dgm:t>
-        <a:bodyPr/>
-        <a:lstStyle/>
-        <a:p>
-          <a:endParaRPr lang="en-US"/>
-        </a:p>
-      </dgm:t>
-    </dgm:pt>
-    <dgm:pt modelId="{E82F942F-EFD3-45CD-ACE6-061BD981C31A}">
-      <dgm:prSet phldrT="[Text]"/>
-      <dgm:spPr/>
-      <dgm:t>
-        <a:bodyPr/>
-        <a:lstStyle/>
-        <a:p>
-          <a:r>
-            <a:rPr lang="en-US" dirty="0"/>
-            <a:t>Cleaning text data for sentiment analysis</a:t>
-          </a:r>
-        </a:p>
-      </dgm:t>
-    </dgm:pt>
-    <dgm:pt modelId="{79F9B3F3-1BEB-4875-85F1-1B9B4C9BC2B2}" type="parTrans" cxnId="{B1319334-CED5-4566-B76C-D7AF298A5485}">
-      <dgm:prSet/>
-      <dgm:spPr/>
-      <dgm:t>
-        <a:bodyPr/>
-        <a:lstStyle/>
-        <a:p>
-          <a:endParaRPr lang="en-US"/>
-        </a:p>
-      </dgm:t>
-    </dgm:pt>
-    <dgm:pt modelId="{3B9B76D3-F989-4FC4-ACC9-D741CEBA7946}" type="sibTrans" cxnId="{B1319334-CED5-4566-B76C-D7AF298A5485}">
-      <dgm:prSet/>
-      <dgm:spPr/>
-      <dgm:t>
-        <a:bodyPr/>
-        <a:lstStyle/>
-        <a:p>
-          <a:endParaRPr lang="en-US"/>
-        </a:p>
-      </dgm:t>
-    </dgm:pt>
-    <dgm:pt modelId="{9309C218-CA73-4D4F-A5F9-1C9809F4BC11}">
-      <dgm:prSet phldrT="[Text]"/>
-      <dgm:spPr/>
-      <dgm:t>
-        <a:bodyPr/>
-        <a:lstStyle/>
-        <a:p>
-          <a:r>
-            <a:rPr lang="en-US" dirty="0"/>
-            <a:t>Remove non ascii characters</a:t>
-          </a:r>
-        </a:p>
-      </dgm:t>
-    </dgm:pt>
-    <dgm:pt modelId="{A6DC885D-CB27-4992-AD47-8A9523AF930C}" type="parTrans" cxnId="{D301536E-7C60-4180-B6B3-68046B0F4F10}">
-      <dgm:prSet/>
-      <dgm:spPr/>
-      <dgm:t>
-        <a:bodyPr/>
-        <a:lstStyle/>
-        <a:p>
-          <a:endParaRPr lang="en-US"/>
-        </a:p>
-      </dgm:t>
-    </dgm:pt>
-    <dgm:pt modelId="{54BF2094-E9D5-49F8-BB7C-8F5ED9C8EB02}" type="sibTrans" cxnId="{D301536E-7C60-4180-B6B3-68046B0F4F10}">
-      <dgm:prSet/>
-      <dgm:spPr/>
-      <dgm:t>
-        <a:bodyPr/>
-        <a:lstStyle/>
-        <a:p>
-          <a:endParaRPr lang="en-US"/>
-        </a:p>
-      </dgm:t>
-    </dgm:pt>
-    <dgm:pt modelId="{0C0C332C-FE2B-436C-A3DD-724BFFE1E694}">
-      <dgm:prSet phldrT="[Text]"/>
-      <dgm:spPr/>
-      <dgm:t>
-        <a:bodyPr/>
-        <a:lstStyle/>
-        <a:p>
-          <a:r>
-            <a:rPr lang="en-US" dirty="0"/>
-            <a:t>Remove emojis</a:t>
-          </a:r>
-        </a:p>
-      </dgm:t>
-    </dgm:pt>
-    <dgm:pt modelId="{D76FD430-5855-412B-A8F1-0665D0E02810}" type="parTrans" cxnId="{25E934E2-2FD6-4224-95CD-A25531180E59}">
-      <dgm:prSet/>
-      <dgm:spPr/>
-      <dgm:t>
-        <a:bodyPr/>
-        <a:lstStyle/>
-        <a:p>
-          <a:endParaRPr lang="en-US"/>
-        </a:p>
-      </dgm:t>
-    </dgm:pt>
-    <dgm:pt modelId="{70288E34-E59E-43B3-8A23-6FBFD794C93D}" type="sibTrans" cxnId="{25E934E2-2FD6-4224-95CD-A25531180E59}">
-      <dgm:prSet/>
-      <dgm:spPr/>
-      <dgm:t>
-        <a:bodyPr/>
-        <a:lstStyle/>
-        <a:p>
-          <a:endParaRPr lang="en-US"/>
-        </a:p>
-      </dgm:t>
-    </dgm:pt>
-    <dgm:pt modelId="{E82458A6-AE19-4C5D-8EDB-99D805FD2435}" type="pres">
-      <dgm:prSet presAssocID="{C3236E9F-986E-43AB-A383-DF6D1AC1F68B}" presName="Name0" presStyleCnt="0">
-        <dgm:presLayoutVars>
-          <dgm:dir/>
-          <dgm:animLvl val="lvl"/>
-          <dgm:resizeHandles val="exact"/>
-        </dgm:presLayoutVars>
-      </dgm:prSet>
-      <dgm:spPr/>
-    </dgm:pt>
-    <dgm:pt modelId="{1F8055B5-888F-4BBB-AAF1-2F3255E81E96}" type="pres">
-      <dgm:prSet presAssocID="{03445371-05AB-4F0E-AC88-63867A768BAA}" presName="linNode" presStyleCnt="0"/>
-      <dgm:spPr/>
-    </dgm:pt>
-    <dgm:pt modelId="{71CEB461-FDFF-4C28-B584-B691A21587C3}" type="pres">
-      <dgm:prSet presAssocID="{03445371-05AB-4F0E-AC88-63867A768BAA}" presName="parentText" presStyleLbl="node1" presStyleIdx="0" presStyleCnt="3">
-        <dgm:presLayoutVars>
-          <dgm:chMax val="1"/>
-          <dgm:bulletEnabled val="1"/>
-        </dgm:presLayoutVars>
-      </dgm:prSet>
-      <dgm:spPr/>
-    </dgm:pt>
-    <dgm:pt modelId="{59B2AB0D-0CD2-4510-ABAA-768DB6596D43}" type="pres">
-      <dgm:prSet presAssocID="{03445371-05AB-4F0E-AC88-63867A768BAA}" presName="descendantText" presStyleLbl="alignAccFollowNode1" presStyleIdx="0" presStyleCnt="3">
-        <dgm:presLayoutVars>
-          <dgm:bulletEnabled val="1"/>
-        </dgm:presLayoutVars>
-      </dgm:prSet>
-      <dgm:spPr/>
-    </dgm:pt>
-    <dgm:pt modelId="{D261F9C4-2509-4888-A930-6744659BCD03}" type="pres">
-      <dgm:prSet presAssocID="{62E10C28-2D70-4169-88D1-EA138A4DE8BF}" presName="sp" presStyleCnt="0"/>
-      <dgm:spPr/>
-    </dgm:pt>
-    <dgm:pt modelId="{B2FB3D4B-5ACB-44F6-BAEF-EA7CD7FD1975}" type="pres">
-      <dgm:prSet presAssocID="{D0E31E0F-59C1-4172-95E8-F6C5A9D3D571}" presName="linNode" presStyleCnt="0"/>
-      <dgm:spPr/>
-    </dgm:pt>
-    <dgm:pt modelId="{BF959207-7AB4-4CE4-BA41-F32AB138BA6E}" type="pres">
-      <dgm:prSet presAssocID="{D0E31E0F-59C1-4172-95E8-F6C5A9D3D571}" presName="parentText" presStyleLbl="node1" presStyleIdx="1" presStyleCnt="3">
-        <dgm:presLayoutVars>
-          <dgm:chMax val="1"/>
-          <dgm:bulletEnabled val="1"/>
-        </dgm:presLayoutVars>
-      </dgm:prSet>
-      <dgm:spPr/>
-    </dgm:pt>
-    <dgm:pt modelId="{1F34F253-7104-4299-89AA-231C8C99C817}" type="pres">
-      <dgm:prSet presAssocID="{D0E31E0F-59C1-4172-95E8-F6C5A9D3D571}" presName="descendantText" presStyleLbl="alignAccFollowNode1" presStyleIdx="1" presStyleCnt="3">
-        <dgm:presLayoutVars>
-          <dgm:bulletEnabled val="1"/>
-        </dgm:presLayoutVars>
-      </dgm:prSet>
-      <dgm:spPr/>
-    </dgm:pt>
-    <dgm:pt modelId="{7D7B378C-6B5D-4CBA-A109-67289547190F}" type="pres">
-      <dgm:prSet presAssocID="{24FAE4B7-DDCE-43D6-9532-75884C89F7E3}" presName="sp" presStyleCnt="0"/>
-      <dgm:spPr/>
-    </dgm:pt>
-    <dgm:pt modelId="{961E63FB-9F17-4404-8E00-5F99C53AECC0}" type="pres">
-      <dgm:prSet presAssocID="{E82F942F-EFD3-45CD-ACE6-061BD981C31A}" presName="linNode" presStyleCnt="0"/>
-      <dgm:spPr/>
-    </dgm:pt>
-    <dgm:pt modelId="{61D5A1A4-943E-428A-8C03-9451E8D9BACE}" type="pres">
-      <dgm:prSet presAssocID="{E82F942F-EFD3-45CD-ACE6-061BD981C31A}" presName="parentText" presStyleLbl="node1" presStyleIdx="2" presStyleCnt="3">
-        <dgm:presLayoutVars>
-          <dgm:chMax val="1"/>
-          <dgm:bulletEnabled val="1"/>
-        </dgm:presLayoutVars>
-      </dgm:prSet>
-      <dgm:spPr/>
-    </dgm:pt>
-    <dgm:pt modelId="{E57B1493-0DB2-4062-979B-E3078DCBAACB}" type="pres">
-      <dgm:prSet presAssocID="{E82F942F-EFD3-45CD-ACE6-061BD981C31A}" presName="descendantText" presStyleLbl="alignAccFollowNode1" presStyleIdx="2" presStyleCnt="3">
-        <dgm:presLayoutVars>
-          <dgm:bulletEnabled val="1"/>
-        </dgm:presLayoutVars>
-      </dgm:prSet>
-      <dgm:spPr/>
-    </dgm:pt>
-  </dgm:ptLst>
-  <dgm:cxnLst>
-    <dgm:cxn modelId="{D646CF12-ECBB-4B32-8496-E2FE563BD6AB}" srcId="{D0E31E0F-59C1-4172-95E8-F6C5A9D3D571}" destId="{C6A9DA2E-640D-4214-85BD-617297FEDC48}" srcOrd="0" destOrd="0" parTransId="{50D7BFF9-9E28-4488-8FA0-C49BB2CD143F}" sibTransId="{C6288091-8190-4EB3-847C-3A139CCC8BC7}"/>
-    <dgm:cxn modelId="{AEE6841A-3A17-4982-A099-6827DD178035}" srcId="{C3236E9F-986E-43AB-A383-DF6D1AC1F68B}" destId="{D0E31E0F-59C1-4172-95E8-F6C5A9D3D571}" srcOrd="1" destOrd="0" parTransId="{B375484E-EF80-4838-96E7-3A26E0DACB20}" sibTransId="{24FAE4B7-DDCE-43D6-9532-75884C89F7E3}"/>
-    <dgm:cxn modelId="{7AD0BA1F-1CB8-4A28-A858-454C84A9EC41}" type="presOf" srcId="{E82F942F-EFD3-45CD-ACE6-061BD981C31A}" destId="{61D5A1A4-943E-428A-8C03-9451E8D9BACE}" srcOrd="0" destOrd="0" presId="urn:microsoft.com/office/officeart/2005/8/layout/vList5"/>
-    <dgm:cxn modelId="{64C33522-379E-41EB-AB49-EE15CDF80735}" type="presOf" srcId="{0C0C332C-FE2B-436C-A3DD-724BFFE1E694}" destId="{E57B1493-0DB2-4062-979B-E3078DCBAACB}" srcOrd="0" destOrd="1" presId="urn:microsoft.com/office/officeart/2005/8/layout/vList5"/>
-    <dgm:cxn modelId="{DAA55A2F-3BF5-4377-A393-E3EBC2260CB1}" srcId="{D0E31E0F-59C1-4172-95E8-F6C5A9D3D571}" destId="{82D8BB8A-F5F7-47DC-B439-4D4A6DCB08DB}" srcOrd="1" destOrd="0" parTransId="{DB423D59-498B-4DD3-8094-D02D205C6F24}" sibTransId="{617840DC-0723-4FCB-917F-C42F1C73A389}"/>
-    <dgm:cxn modelId="{B1319334-CED5-4566-B76C-D7AF298A5485}" srcId="{C3236E9F-986E-43AB-A383-DF6D1AC1F68B}" destId="{E82F942F-EFD3-45CD-ACE6-061BD981C31A}" srcOrd="2" destOrd="0" parTransId="{79F9B3F3-1BEB-4875-85F1-1B9B4C9BC2B2}" sibTransId="{3B9B76D3-F989-4FC4-ACC9-D741CEBA7946}"/>
-    <dgm:cxn modelId="{D6762869-F1FE-4868-B531-2A67F85FD0A6}" type="presOf" srcId="{C232D6DF-8747-4491-A939-360E7F3E2627}" destId="{59B2AB0D-0CD2-4510-ABAA-768DB6596D43}" srcOrd="0" destOrd="0" presId="urn:microsoft.com/office/officeart/2005/8/layout/vList5"/>
-    <dgm:cxn modelId="{D301536E-7C60-4180-B6B3-68046B0F4F10}" srcId="{E82F942F-EFD3-45CD-ACE6-061BD981C31A}" destId="{9309C218-CA73-4D4F-A5F9-1C9809F4BC11}" srcOrd="0" destOrd="0" parTransId="{A6DC885D-CB27-4992-AD47-8A9523AF930C}" sibTransId="{54BF2094-E9D5-49F8-BB7C-8F5ED9C8EB02}"/>
-    <dgm:cxn modelId="{D8663880-B842-4772-9094-F2A4F73D7A88}" type="presOf" srcId="{C3236E9F-986E-43AB-A383-DF6D1AC1F68B}" destId="{E82458A6-AE19-4C5D-8EDB-99D805FD2435}" srcOrd="0" destOrd="0" presId="urn:microsoft.com/office/officeart/2005/8/layout/vList5"/>
-    <dgm:cxn modelId="{2AC8998C-9318-460E-B811-02F7B45B39AC}" srcId="{C3236E9F-986E-43AB-A383-DF6D1AC1F68B}" destId="{03445371-05AB-4F0E-AC88-63867A768BAA}" srcOrd="0" destOrd="0" parTransId="{19BD2698-B84E-4074-87A5-6270DFD35566}" sibTransId="{62E10C28-2D70-4169-88D1-EA138A4DE8BF}"/>
-    <dgm:cxn modelId="{C78B3F96-E110-4E24-AABB-9464E4A98E3C}" type="presOf" srcId="{03445371-05AB-4F0E-AC88-63867A768BAA}" destId="{71CEB461-FDFF-4C28-B584-B691A21587C3}" srcOrd="0" destOrd="0" presId="urn:microsoft.com/office/officeart/2005/8/layout/vList5"/>
-    <dgm:cxn modelId="{8DA193A2-7DA1-4826-9F14-16C02C74AC5F}" srcId="{03445371-05AB-4F0E-AC88-63867A768BAA}" destId="{BAA947F0-2657-4B40-A467-F2B6BAC926A0}" srcOrd="1" destOrd="0" parTransId="{672B7C21-88E9-4ABE-955A-B1C0E7CED70A}" sibTransId="{D55FBA07-6968-4AE1-A96B-6C4FED3FE8A7}"/>
-    <dgm:cxn modelId="{3A336EA7-FC88-4641-94D5-E6328572389B}" type="presOf" srcId="{D0E31E0F-59C1-4172-95E8-F6C5A9D3D571}" destId="{BF959207-7AB4-4CE4-BA41-F32AB138BA6E}" srcOrd="0" destOrd="0" presId="urn:microsoft.com/office/officeart/2005/8/layout/vList5"/>
-    <dgm:cxn modelId="{66710BD8-8BFA-4C2F-83D8-84D6F190AA0B}" srcId="{03445371-05AB-4F0E-AC88-63867A768BAA}" destId="{C232D6DF-8747-4491-A939-360E7F3E2627}" srcOrd="0" destOrd="0" parTransId="{0BA2FE8E-C0C4-424D-8067-E9781A7C603C}" sibTransId="{6A82E673-A879-4218-832C-71EF427459F1}"/>
-    <dgm:cxn modelId="{25E934E2-2FD6-4224-95CD-A25531180E59}" srcId="{E82F942F-EFD3-45CD-ACE6-061BD981C31A}" destId="{0C0C332C-FE2B-436C-A3DD-724BFFE1E694}" srcOrd="1" destOrd="0" parTransId="{D76FD430-5855-412B-A8F1-0665D0E02810}" sibTransId="{70288E34-E59E-43B3-8A23-6FBFD794C93D}"/>
-    <dgm:cxn modelId="{1897F6F3-C7E6-4387-8600-4CCD28846C03}" type="presOf" srcId="{9309C218-CA73-4D4F-A5F9-1C9809F4BC11}" destId="{E57B1493-0DB2-4062-979B-E3078DCBAACB}" srcOrd="0" destOrd="0" presId="urn:microsoft.com/office/officeart/2005/8/layout/vList5"/>
-    <dgm:cxn modelId="{AEEE33FA-9ED2-4EC6-918F-3F62A6EA4AEB}" type="presOf" srcId="{BAA947F0-2657-4B40-A467-F2B6BAC926A0}" destId="{59B2AB0D-0CD2-4510-ABAA-768DB6596D43}" srcOrd="0" destOrd="1" presId="urn:microsoft.com/office/officeart/2005/8/layout/vList5"/>
-    <dgm:cxn modelId="{1D6F1EFE-450F-41A6-9425-270043FB3CD5}" type="presOf" srcId="{82D8BB8A-F5F7-47DC-B439-4D4A6DCB08DB}" destId="{1F34F253-7104-4299-89AA-231C8C99C817}" srcOrd="0" destOrd="1" presId="urn:microsoft.com/office/officeart/2005/8/layout/vList5"/>
-    <dgm:cxn modelId="{3BB9C6FF-769A-4129-98E5-B814C11B90EB}" type="presOf" srcId="{C6A9DA2E-640D-4214-85BD-617297FEDC48}" destId="{1F34F253-7104-4299-89AA-231C8C99C817}" srcOrd="0" destOrd="0" presId="urn:microsoft.com/office/officeart/2005/8/layout/vList5"/>
-    <dgm:cxn modelId="{832EBB23-283E-44E8-B44E-D6C007930EEB}" type="presParOf" srcId="{E82458A6-AE19-4C5D-8EDB-99D805FD2435}" destId="{1F8055B5-888F-4BBB-AAF1-2F3255E81E96}" srcOrd="0" destOrd="0" presId="urn:microsoft.com/office/officeart/2005/8/layout/vList5"/>
-    <dgm:cxn modelId="{B242A9BF-35FF-4902-B76A-541028D35157}" type="presParOf" srcId="{1F8055B5-888F-4BBB-AAF1-2F3255E81E96}" destId="{71CEB461-FDFF-4C28-B584-B691A21587C3}" srcOrd="0" destOrd="0" presId="urn:microsoft.com/office/officeart/2005/8/layout/vList5"/>
-    <dgm:cxn modelId="{5A113D82-95B4-45E8-A15B-96F5F62BD97D}" type="presParOf" srcId="{1F8055B5-888F-4BBB-AAF1-2F3255E81E96}" destId="{59B2AB0D-0CD2-4510-ABAA-768DB6596D43}" srcOrd="1" destOrd="0" presId="urn:microsoft.com/office/officeart/2005/8/layout/vList5"/>
-    <dgm:cxn modelId="{CADA103E-B9F4-4B76-A0D5-3A4A6F1501EB}" type="presParOf" srcId="{E82458A6-AE19-4C5D-8EDB-99D805FD2435}" destId="{D261F9C4-2509-4888-A930-6744659BCD03}" srcOrd="1" destOrd="0" presId="urn:microsoft.com/office/officeart/2005/8/layout/vList5"/>
-    <dgm:cxn modelId="{8B3E0F07-0B12-4CBE-9155-CDB4E0CAEBC9}" type="presParOf" srcId="{E82458A6-AE19-4C5D-8EDB-99D805FD2435}" destId="{B2FB3D4B-5ACB-44F6-BAEF-EA7CD7FD1975}" srcOrd="2" destOrd="0" presId="urn:microsoft.com/office/officeart/2005/8/layout/vList5"/>
-    <dgm:cxn modelId="{90BAADF4-983C-4D8F-A397-7B960DD6D355}" type="presParOf" srcId="{B2FB3D4B-5ACB-44F6-BAEF-EA7CD7FD1975}" destId="{BF959207-7AB4-4CE4-BA41-F32AB138BA6E}" srcOrd="0" destOrd="0" presId="urn:microsoft.com/office/officeart/2005/8/layout/vList5"/>
-    <dgm:cxn modelId="{82F9EE3C-97AA-47CC-8824-0E4AF438E8C7}" type="presParOf" srcId="{B2FB3D4B-5ACB-44F6-BAEF-EA7CD7FD1975}" destId="{1F34F253-7104-4299-89AA-231C8C99C817}" srcOrd="1" destOrd="0" presId="urn:microsoft.com/office/officeart/2005/8/layout/vList5"/>
-    <dgm:cxn modelId="{A09A6EE7-0A71-4F0A-9816-15C19EBEDC70}" type="presParOf" srcId="{E82458A6-AE19-4C5D-8EDB-99D805FD2435}" destId="{7D7B378C-6B5D-4CBA-A109-67289547190F}" srcOrd="3" destOrd="0" presId="urn:microsoft.com/office/officeart/2005/8/layout/vList5"/>
-    <dgm:cxn modelId="{949A463F-1244-453E-99D7-63BEB2819799}" type="presParOf" srcId="{E82458A6-AE19-4C5D-8EDB-99D805FD2435}" destId="{961E63FB-9F17-4404-8E00-5F99C53AECC0}" srcOrd="4" destOrd="0" presId="urn:microsoft.com/office/officeart/2005/8/layout/vList5"/>
-    <dgm:cxn modelId="{79D8AEB1-1EAC-4EEF-9124-2D630E29FDF4}" type="presParOf" srcId="{961E63FB-9F17-4404-8E00-5F99C53AECC0}" destId="{61D5A1A4-943E-428A-8C03-9451E8D9BACE}" srcOrd="0" destOrd="0" presId="urn:microsoft.com/office/officeart/2005/8/layout/vList5"/>
-    <dgm:cxn modelId="{04941472-6B87-4E5B-98D2-A8BFDAA87508}" type="presParOf" srcId="{961E63FB-9F17-4404-8E00-5F99C53AECC0}" destId="{E57B1493-0DB2-4062-979B-E3078DCBAACB}" srcOrd="1" destOrd="0" presId="urn:microsoft.com/office/officeart/2005/8/layout/vList5"/>
-  </dgm:cxnLst>
-  <dgm:bg/>
-  <dgm:whole/>
-  <dgm:extLst>
-    <a:ext uri="http://schemas.microsoft.com/office/drawing/2008/diagram">
-      <dsp:dataModelExt xmlns:dsp="http://schemas.microsoft.com/office/drawing/2008/diagram" relId="rId6" minVer="http://schemas.openxmlformats.org/drawingml/2006/diagram"/>
-    </a:ext>
-  </dgm:extLst>
-</dgm:dataModel>
-</file>
-
-<file path=ppt/diagrams/drawing1.xml><?xml version="1.0" encoding="utf-8"?>
-<dsp:drawing xmlns:dgm="http://schemas.openxmlformats.org/drawingml/2006/diagram" xmlns:dsp="http://schemas.microsoft.com/office/drawing/2008/diagram" xmlns:a="http://schemas.openxmlformats.org/drawingml/2006/main">
-  <dsp:spTree>
-    <dsp:nvGrpSpPr>
-      <dsp:cNvPr id="0" name=""/>
-      <dsp:cNvGrpSpPr/>
-    </dsp:nvGrpSpPr>
-    <dsp:grpSpPr/>
-    <dsp:sp modelId="{59B2AB0D-0CD2-4510-ABAA-768DB6596D43}">
-      <dsp:nvSpPr>
-        <dsp:cNvPr id="0" name=""/>
-        <dsp:cNvSpPr/>
-      </dsp:nvSpPr>
-      <dsp:spPr>
-        <a:xfrm rot="5400000">
-          <a:off x="4802041" y="-1820475"/>
-          <a:ext cx="1121829" cy="5047488"/>
-        </a:xfrm>
-        <a:prstGeom prst="round2SameRect">
-          <a:avLst/>
-        </a:prstGeom>
-        <a:solidFill>
-          <a:schemeClr val="accent1">
-            <a:alpha val="90000"/>
-            <a:tint val="40000"/>
-            <a:hueOff val="0"/>
-            <a:satOff val="0"/>
-            <a:lumOff val="0"/>
-            <a:alphaOff val="0"/>
-          </a:schemeClr>
-        </a:solidFill>
-        <a:ln w="12700" cap="flat" cmpd="sng" algn="ctr">
-          <a:solidFill>
-            <a:schemeClr val="accent1">
-              <a:alpha val="90000"/>
-              <a:tint val="40000"/>
-              <a:hueOff val="0"/>
-              <a:satOff val="0"/>
-              <a:lumOff val="0"/>
-              <a:alphaOff val="0"/>
-            </a:schemeClr>
-          </a:solidFill>
-          <a:prstDash val="solid"/>
-          <a:miter lim="800000"/>
-        </a:ln>
-        <a:effectLst/>
-      </dsp:spPr>
-      <dsp:style>
-        <a:lnRef idx="2">
-          <a:scrgbClr r="0" g="0" b="0"/>
-        </a:lnRef>
-        <a:fillRef idx="1">
-          <a:scrgbClr r="0" g="0" b="0"/>
-        </a:fillRef>
-        <a:effectRef idx="0">
-          <a:scrgbClr r="0" g="0" b="0"/>
-        </a:effectRef>
-        <a:fontRef idx="minor"/>
-      </dsp:style>
-      <dsp:txBody>
-        <a:bodyPr spcFirstLastPara="0" vert="horz" wrap="square" lIns="80010" tIns="40005" rIns="80010" bIns="40005" numCol="1" spcCol="1270" anchor="ctr" anchorCtr="0">
-          <a:noAutofit/>
-        </a:bodyPr>
-        <a:lstStyle/>
-        <a:p>
-          <a:pPr marL="228600" lvl="1" indent="-228600" algn="l" defTabSz="933450">
-            <a:lnSpc>
-              <a:spcPct val="90000"/>
-            </a:lnSpc>
-            <a:spcBef>
-              <a:spcPct val="0"/>
-            </a:spcBef>
-            <a:spcAft>
-              <a:spcPct val="15000"/>
-            </a:spcAft>
-            <a:buChar char="•"/>
-          </a:pPr>
-          <a:r>
-            <a:rPr lang="en-US" sz="2100" kern="1200" dirty="0"/>
-            <a:t>Removed stop words</a:t>
-          </a:r>
-        </a:p>
-        <a:p>
-          <a:pPr marL="228600" lvl="1" indent="-228600" algn="l" defTabSz="933450">
-            <a:lnSpc>
-              <a:spcPct val="90000"/>
-            </a:lnSpc>
-            <a:spcBef>
-              <a:spcPct val="0"/>
-            </a:spcBef>
-            <a:spcAft>
-              <a:spcPct val="15000"/>
-            </a:spcAft>
-            <a:buChar char="•"/>
-          </a:pPr>
-          <a:r>
-            <a:rPr lang="en-US" sz="2100" kern="1200" dirty="0"/>
-            <a:t>Lemmatization</a:t>
-          </a:r>
-        </a:p>
-      </dsp:txBody>
-      <dsp:txXfrm rot="-5400000">
-        <a:off x="2839212" y="197117"/>
-        <a:ext cx="4992725" cy="1012303"/>
-      </dsp:txXfrm>
-    </dsp:sp>
-    <dsp:sp modelId="{71CEB461-FDFF-4C28-B584-B691A21587C3}">
-      <dsp:nvSpPr>
-        <dsp:cNvPr id="0" name=""/>
-        <dsp:cNvSpPr/>
-      </dsp:nvSpPr>
-      <dsp:spPr>
-        <a:xfrm>
-          <a:off x="0" y="2124"/>
-          <a:ext cx="2839212" cy="1402286"/>
-        </a:xfrm>
-        <a:prstGeom prst="roundRect">
-          <a:avLst/>
-        </a:prstGeom>
-        <a:solidFill>
-          <a:schemeClr val="accent1">
-            <a:hueOff val="0"/>
-            <a:satOff val="0"/>
-            <a:lumOff val="0"/>
-            <a:alphaOff val="0"/>
-          </a:schemeClr>
-        </a:solidFill>
-        <a:ln w="12700" cap="flat" cmpd="sng" algn="ctr">
-          <a:solidFill>
-            <a:schemeClr val="lt1">
-              <a:hueOff val="0"/>
-              <a:satOff val="0"/>
-              <a:lumOff val="0"/>
-              <a:alphaOff val="0"/>
-            </a:schemeClr>
-          </a:solidFill>
-          <a:prstDash val="solid"/>
-          <a:miter lim="800000"/>
-        </a:ln>
-        <a:effectLst/>
-      </dsp:spPr>
-      <dsp:style>
-        <a:lnRef idx="2">
-          <a:scrgbClr r="0" g="0" b="0"/>
-        </a:lnRef>
-        <a:fillRef idx="1">
-          <a:scrgbClr r="0" g="0" b="0"/>
-        </a:fillRef>
-        <a:effectRef idx="0">
-          <a:scrgbClr r="0" g="0" b="0"/>
-        </a:effectRef>
-        <a:fontRef idx="minor">
-          <a:schemeClr val="lt1"/>
-        </a:fontRef>
-      </dsp:style>
-      <dsp:txBody>
-        <a:bodyPr spcFirstLastPara="0" vert="horz" wrap="square" lIns="99060" tIns="49530" rIns="99060" bIns="49530" numCol="1" spcCol="1270" anchor="ctr" anchorCtr="0">
-          <a:noAutofit/>
-        </a:bodyPr>
-        <a:lstStyle/>
-        <a:p>
-          <a:pPr marL="0" lvl="0" indent="0" algn="ctr" defTabSz="1155700">
-            <a:lnSpc>
-              <a:spcPct val="90000"/>
-            </a:lnSpc>
-            <a:spcBef>
-              <a:spcPct val="0"/>
-            </a:spcBef>
-            <a:spcAft>
-              <a:spcPct val="35000"/>
-            </a:spcAft>
-            <a:buNone/>
-          </a:pPr>
-          <a:r>
-            <a:rPr lang="en-US" sz="2600" kern="1200" dirty="0"/>
-            <a:t>Cleaning text for word cloud</a:t>
-          </a:r>
-        </a:p>
-      </dsp:txBody>
-      <dsp:txXfrm>
-        <a:off x="68454" y="70578"/>
-        <a:ext cx="2702304" cy="1265378"/>
-      </dsp:txXfrm>
-    </dsp:sp>
-    <dsp:sp modelId="{1F34F253-7104-4299-89AA-231C8C99C817}">
-      <dsp:nvSpPr>
-        <dsp:cNvPr id="0" name=""/>
-        <dsp:cNvSpPr/>
-      </dsp:nvSpPr>
-      <dsp:spPr>
-        <a:xfrm rot="5400000">
-          <a:off x="4802041" y="-348075"/>
-          <a:ext cx="1121829" cy="5047488"/>
-        </a:xfrm>
-        <a:prstGeom prst="round2SameRect">
-          <a:avLst/>
-        </a:prstGeom>
-        <a:solidFill>
-          <a:schemeClr val="accent1">
-            <a:alpha val="90000"/>
-            <a:tint val="40000"/>
-            <a:hueOff val="0"/>
-            <a:satOff val="0"/>
-            <a:lumOff val="0"/>
-            <a:alphaOff val="0"/>
-          </a:schemeClr>
-        </a:solidFill>
-        <a:ln w="12700" cap="flat" cmpd="sng" algn="ctr">
-          <a:solidFill>
-            <a:schemeClr val="accent1">
-              <a:alpha val="90000"/>
-              <a:tint val="40000"/>
-              <a:hueOff val="0"/>
-              <a:satOff val="0"/>
-              <a:lumOff val="0"/>
-              <a:alphaOff val="0"/>
-            </a:schemeClr>
-          </a:solidFill>
-          <a:prstDash val="solid"/>
-          <a:miter lim="800000"/>
-        </a:ln>
-        <a:effectLst/>
-      </dsp:spPr>
-      <dsp:style>
-        <a:lnRef idx="2">
-          <a:scrgbClr r="0" g="0" b="0"/>
-        </a:lnRef>
-        <a:fillRef idx="1">
-          <a:scrgbClr r="0" g="0" b="0"/>
-        </a:fillRef>
-        <a:effectRef idx="0">
-          <a:scrgbClr r="0" g="0" b="0"/>
-        </a:effectRef>
-        <a:fontRef idx="minor"/>
-      </dsp:style>
-      <dsp:txBody>
-        <a:bodyPr spcFirstLastPara="0" vert="horz" wrap="square" lIns="80010" tIns="40005" rIns="80010" bIns="40005" numCol="1" spcCol="1270" anchor="ctr" anchorCtr="0">
-          <a:noAutofit/>
-        </a:bodyPr>
-        <a:lstStyle/>
-        <a:p>
-          <a:pPr marL="228600" lvl="1" indent="-228600" algn="l" defTabSz="933450">
-            <a:lnSpc>
-              <a:spcPct val="90000"/>
-            </a:lnSpc>
-            <a:spcBef>
-              <a:spcPct val="0"/>
-            </a:spcBef>
-            <a:spcAft>
-              <a:spcPct val="15000"/>
-            </a:spcAft>
-            <a:buChar char="•"/>
-          </a:pPr>
-          <a:r>
-            <a:rPr lang="en-US" sz="2100" kern="1200" dirty="0"/>
-            <a:t>Reddit API outputs seconds since </a:t>
-          </a:r>
-          <a:r>
-            <a:rPr lang="en-US" sz="2100" kern="1200" dirty="0" err="1"/>
-            <a:t>unix</a:t>
-          </a:r>
-          <a:r>
-            <a:rPr lang="en-US" sz="2100" kern="1200" dirty="0"/>
-            <a:t> epoch</a:t>
-          </a:r>
-        </a:p>
-        <a:p>
-          <a:pPr marL="228600" lvl="1" indent="-228600" algn="l" defTabSz="933450">
-            <a:lnSpc>
-              <a:spcPct val="90000"/>
-            </a:lnSpc>
-            <a:spcBef>
-              <a:spcPct val="0"/>
-            </a:spcBef>
-            <a:spcAft>
-              <a:spcPct val="15000"/>
-            </a:spcAft>
-            <a:buChar char="•"/>
-          </a:pPr>
-          <a:r>
-            <a:rPr lang="en-US" sz="2100" kern="1200" dirty="0"/>
-            <a:t>Converted to US central time</a:t>
-          </a:r>
-        </a:p>
-      </dsp:txBody>
-      <dsp:txXfrm rot="-5400000">
-        <a:off x="2839212" y="1669517"/>
-        <a:ext cx="4992725" cy="1012303"/>
-      </dsp:txXfrm>
-    </dsp:sp>
-    <dsp:sp modelId="{BF959207-7AB4-4CE4-BA41-F32AB138BA6E}">
-      <dsp:nvSpPr>
-        <dsp:cNvPr id="0" name=""/>
-        <dsp:cNvSpPr/>
-      </dsp:nvSpPr>
-      <dsp:spPr>
-        <a:xfrm>
-          <a:off x="0" y="1474525"/>
-          <a:ext cx="2839212" cy="1402286"/>
-        </a:xfrm>
-        <a:prstGeom prst="roundRect">
-          <a:avLst/>
-        </a:prstGeom>
-        <a:solidFill>
-          <a:schemeClr val="accent1">
-            <a:hueOff val="0"/>
-            <a:satOff val="0"/>
-            <a:lumOff val="0"/>
-            <a:alphaOff val="0"/>
-          </a:schemeClr>
-        </a:solidFill>
-        <a:ln w="12700" cap="flat" cmpd="sng" algn="ctr">
-          <a:solidFill>
-            <a:schemeClr val="lt1">
-              <a:hueOff val="0"/>
-              <a:satOff val="0"/>
-              <a:lumOff val="0"/>
-              <a:alphaOff val="0"/>
-            </a:schemeClr>
-          </a:solidFill>
-          <a:prstDash val="solid"/>
-          <a:miter lim="800000"/>
-        </a:ln>
-        <a:effectLst/>
-      </dsp:spPr>
-      <dsp:style>
-        <a:lnRef idx="2">
-          <a:scrgbClr r="0" g="0" b="0"/>
-        </a:lnRef>
-        <a:fillRef idx="1">
-          <a:scrgbClr r="0" g="0" b="0"/>
-        </a:fillRef>
-        <a:effectRef idx="0">
-          <a:scrgbClr r="0" g="0" b="0"/>
-        </a:effectRef>
-        <a:fontRef idx="minor">
-          <a:schemeClr val="lt1"/>
-        </a:fontRef>
-      </dsp:style>
-      <dsp:txBody>
-        <a:bodyPr spcFirstLastPara="0" vert="horz" wrap="square" lIns="99060" tIns="49530" rIns="99060" bIns="49530" numCol="1" spcCol="1270" anchor="ctr" anchorCtr="0">
-          <a:noAutofit/>
-        </a:bodyPr>
-        <a:lstStyle/>
-        <a:p>
-          <a:pPr marL="0" lvl="0" indent="0" algn="ctr" defTabSz="1155700">
-            <a:lnSpc>
-              <a:spcPct val="90000"/>
-            </a:lnSpc>
-            <a:spcBef>
-              <a:spcPct val="0"/>
-            </a:spcBef>
-            <a:spcAft>
-              <a:spcPct val="35000"/>
-            </a:spcAft>
-            <a:buNone/>
-          </a:pPr>
-          <a:r>
-            <a:rPr lang="en-US" sz="2600" kern="1200" dirty="0"/>
-            <a:t>Converting time</a:t>
-          </a:r>
-        </a:p>
-      </dsp:txBody>
-      <dsp:txXfrm>
-        <a:off x="68454" y="1542979"/>
-        <a:ext cx="2702304" cy="1265378"/>
-      </dsp:txXfrm>
-    </dsp:sp>
-    <dsp:sp modelId="{E57B1493-0DB2-4062-979B-E3078DCBAACB}">
-      <dsp:nvSpPr>
-        <dsp:cNvPr id="0" name=""/>
-        <dsp:cNvSpPr/>
-      </dsp:nvSpPr>
-      <dsp:spPr>
-        <a:xfrm rot="5400000">
-          <a:off x="4802041" y="1124325"/>
-          <a:ext cx="1121829" cy="5047488"/>
-        </a:xfrm>
-        <a:prstGeom prst="round2SameRect">
-          <a:avLst/>
-        </a:prstGeom>
-        <a:solidFill>
-          <a:schemeClr val="accent1">
-            <a:alpha val="90000"/>
-            <a:tint val="40000"/>
-            <a:hueOff val="0"/>
-            <a:satOff val="0"/>
-            <a:lumOff val="0"/>
-            <a:alphaOff val="0"/>
-          </a:schemeClr>
-        </a:solidFill>
-        <a:ln w="12700" cap="flat" cmpd="sng" algn="ctr">
-          <a:solidFill>
-            <a:schemeClr val="accent1">
-              <a:alpha val="90000"/>
-              <a:tint val="40000"/>
-              <a:hueOff val="0"/>
-              <a:satOff val="0"/>
-              <a:lumOff val="0"/>
-              <a:alphaOff val="0"/>
-            </a:schemeClr>
-          </a:solidFill>
-          <a:prstDash val="solid"/>
-          <a:miter lim="800000"/>
-        </a:ln>
-        <a:effectLst/>
-      </dsp:spPr>
-      <dsp:style>
-        <a:lnRef idx="2">
-          <a:scrgbClr r="0" g="0" b="0"/>
-        </a:lnRef>
-        <a:fillRef idx="1">
-          <a:scrgbClr r="0" g="0" b="0"/>
-        </a:fillRef>
-        <a:effectRef idx="0">
-          <a:scrgbClr r="0" g="0" b="0"/>
-        </a:effectRef>
-        <a:fontRef idx="minor"/>
-      </dsp:style>
-      <dsp:txBody>
-        <a:bodyPr spcFirstLastPara="0" vert="horz" wrap="square" lIns="80010" tIns="40005" rIns="80010" bIns="40005" numCol="1" spcCol="1270" anchor="ctr" anchorCtr="0">
-          <a:noAutofit/>
-        </a:bodyPr>
-        <a:lstStyle/>
-        <a:p>
-          <a:pPr marL="228600" lvl="1" indent="-228600" algn="l" defTabSz="933450">
-            <a:lnSpc>
-              <a:spcPct val="90000"/>
-            </a:lnSpc>
-            <a:spcBef>
-              <a:spcPct val="0"/>
-            </a:spcBef>
-            <a:spcAft>
-              <a:spcPct val="15000"/>
-            </a:spcAft>
-            <a:buChar char="•"/>
-          </a:pPr>
-          <a:r>
-            <a:rPr lang="en-US" sz="2100" kern="1200" dirty="0"/>
-            <a:t>Remove non ascii characters</a:t>
-          </a:r>
-        </a:p>
-        <a:p>
-          <a:pPr marL="228600" lvl="1" indent="-228600" algn="l" defTabSz="933450">
-            <a:lnSpc>
-              <a:spcPct val="90000"/>
-            </a:lnSpc>
-            <a:spcBef>
-              <a:spcPct val="0"/>
-            </a:spcBef>
-            <a:spcAft>
-              <a:spcPct val="15000"/>
-            </a:spcAft>
-            <a:buChar char="•"/>
-          </a:pPr>
-          <a:r>
-            <a:rPr lang="en-US" sz="2100" kern="1200" dirty="0"/>
-            <a:t>Remove emojis</a:t>
-          </a:r>
-        </a:p>
-      </dsp:txBody>
-      <dsp:txXfrm rot="-5400000">
-        <a:off x="2839212" y="3141918"/>
-        <a:ext cx="4992725" cy="1012303"/>
-      </dsp:txXfrm>
-    </dsp:sp>
-    <dsp:sp modelId="{61D5A1A4-943E-428A-8C03-9451E8D9BACE}">
-      <dsp:nvSpPr>
-        <dsp:cNvPr id="0" name=""/>
-        <dsp:cNvSpPr/>
-      </dsp:nvSpPr>
-      <dsp:spPr>
-        <a:xfrm>
-          <a:off x="0" y="2946926"/>
-          <a:ext cx="2839212" cy="1402286"/>
-        </a:xfrm>
-        <a:prstGeom prst="roundRect">
-          <a:avLst/>
-        </a:prstGeom>
-        <a:solidFill>
-          <a:schemeClr val="accent1">
-            <a:hueOff val="0"/>
-            <a:satOff val="0"/>
-            <a:lumOff val="0"/>
-            <a:alphaOff val="0"/>
-          </a:schemeClr>
-        </a:solidFill>
-        <a:ln w="12700" cap="flat" cmpd="sng" algn="ctr">
-          <a:solidFill>
-            <a:schemeClr val="lt1">
-              <a:hueOff val="0"/>
-              <a:satOff val="0"/>
-              <a:lumOff val="0"/>
-              <a:alphaOff val="0"/>
-            </a:schemeClr>
-          </a:solidFill>
-          <a:prstDash val="solid"/>
-          <a:miter lim="800000"/>
-        </a:ln>
-        <a:effectLst/>
-      </dsp:spPr>
-      <dsp:style>
-        <a:lnRef idx="2">
-          <a:scrgbClr r="0" g="0" b="0"/>
-        </a:lnRef>
-        <a:fillRef idx="1">
-          <a:scrgbClr r="0" g="0" b="0"/>
-        </a:fillRef>
-        <a:effectRef idx="0">
-          <a:scrgbClr r="0" g="0" b="0"/>
-        </a:effectRef>
-        <a:fontRef idx="minor">
-          <a:schemeClr val="lt1"/>
-        </a:fontRef>
-      </dsp:style>
-      <dsp:txBody>
-        <a:bodyPr spcFirstLastPara="0" vert="horz" wrap="square" lIns="99060" tIns="49530" rIns="99060" bIns="49530" numCol="1" spcCol="1270" anchor="ctr" anchorCtr="0">
-          <a:noAutofit/>
-        </a:bodyPr>
-        <a:lstStyle/>
-        <a:p>
-          <a:pPr marL="0" lvl="0" indent="0" algn="ctr" defTabSz="1155700">
-            <a:lnSpc>
-              <a:spcPct val="90000"/>
-            </a:lnSpc>
-            <a:spcBef>
-              <a:spcPct val="0"/>
-            </a:spcBef>
-            <a:spcAft>
-              <a:spcPct val="35000"/>
-            </a:spcAft>
-            <a:buNone/>
-          </a:pPr>
-          <a:r>
-            <a:rPr lang="en-US" sz="2600" kern="1200" dirty="0"/>
-            <a:t>Cleaning text data for sentiment analysis</a:t>
-          </a:r>
-        </a:p>
-      </dsp:txBody>
-      <dsp:txXfrm>
-        <a:off x="68454" y="3015380"/>
-        <a:ext cx="2702304" cy="1265378"/>
-      </dsp:txXfrm>
-    </dsp:sp>
-  </dsp:spTree>
-</dsp:drawing>
-</file>
-
-<file path=ppt/diagrams/layout1.xml><?xml version="1.0" encoding="utf-8"?>
-<dgm:layoutDef xmlns:dgm="http://schemas.openxmlformats.org/drawingml/2006/diagram" xmlns:a="http://schemas.openxmlformats.org/drawingml/2006/main" uniqueId="urn:microsoft.com/office/officeart/2005/8/layout/vList5">
-  <dgm:title val=""/>
-  <dgm:desc val=""/>
-  <dgm:catLst>
-    <dgm:cat type="list" pri="15000"/>
-    <dgm:cat type="convert" pri="2000"/>
-  </dgm:catLst>
-  <dgm:sampData>
-    <dgm:dataModel>
-      <dgm:ptLst>
-        <dgm:pt modelId="0" type="doc"/>
-        <dgm:pt modelId="1">
-          <dgm:prSet phldr="1"/>
-        </dgm:pt>
-        <dgm:pt modelId="11">
-          <dgm:prSet phldr="1"/>
-        </dgm:pt>
-        <dgm:pt modelId="12">
-          <dgm:prSet phldr="1"/>
-        </dgm:pt>
-        <dgm:pt modelId="2">
-          <dgm:prSet phldr="1"/>
-        </dgm:pt>
-        <dgm:pt modelId="21">
-          <dgm:prSet phldr="1"/>
-        </dgm:pt>
-        <dgm:pt modelId="22">
-          <dgm:prSet phldr="1"/>
-        </dgm:pt>
-        <dgm:pt modelId="3">
-          <dgm:prSet phldr="1"/>
-        </dgm:pt>
-        <dgm:pt modelId="31">
-          <dgm:prSet phldr="1"/>
-        </dgm:pt>
-        <dgm:pt modelId="32">
-          <dgm:prSet phldr="1"/>
-        </dgm:pt>
-      </dgm:ptLst>
-      <dgm:cxnLst>
-        <dgm:cxn modelId="4" srcId="0" destId="1" srcOrd="0" destOrd="0"/>
-        <dgm:cxn modelId="5" srcId="0" destId="2" srcOrd="1" destOrd="0"/>
-        <dgm:cxn modelId="6" srcId="0" destId="3" srcOrd="2" destOrd="0"/>
-        <dgm:cxn modelId="13" srcId="1" destId="11" srcOrd="0" destOrd="0"/>
-        <dgm:cxn modelId="14" srcId="1" destId="12" srcOrd="1" destOrd="0"/>
-        <dgm:cxn modelId="23" srcId="2" destId="21" srcOrd="0" destOrd="0"/>
-        <dgm:cxn modelId="24" srcId="2" destId="22" srcOrd="1" destOrd="0"/>
-        <dgm:cxn modelId="33" srcId="3" destId="31" srcOrd="0" destOrd="0"/>
-        <dgm:cxn modelId="34" srcId="3" destId="32" srcOrd="1" destOrd="0"/>
-      </dgm:cxnLst>
-      <dgm:bg/>
-      <dgm:whole/>
-    </dgm:dataModel>
-  </dgm:sampData>
-  <dgm:styleData>
-    <dgm:dataModel>
-      <dgm:ptLst>
-        <dgm:pt modelId="0" type="doc"/>
-        <dgm:pt modelId="1"/>
-        <dgm:pt modelId="11"/>
-        <dgm:pt modelId="2"/>
-        <dgm:pt modelId="21"/>
-      </dgm:ptLst>
-      <dgm:cxnLst>
-        <dgm:cxn modelId="4" srcId="0" destId="1" srcOrd="0" destOrd="0"/>
-        <dgm:cxn modelId="5" srcId="0" destId="2" srcOrd="1" destOrd="0"/>
-        <dgm:cxn modelId="13" srcId="1" destId="11" srcOrd="0" destOrd="0"/>
-        <dgm:cxn modelId="23" srcId="2" destId="21" srcOrd="0" destOrd="0"/>
-      </dgm:cxnLst>
-      <dgm:bg/>
-      <dgm:whole/>
-    </dgm:dataModel>
-  </dgm:styleData>
-  <dgm:clrData>
-    <dgm:dataModel>
-      <dgm:ptLst>
-        <dgm:pt modelId="0" type="doc"/>
-        <dgm:pt modelId="1"/>
-        <dgm:pt modelId="11"/>
-        <dgm:pt modelId="2"/>
-        <dgm:pt modelId="21"/>
-        <dgm:pt modelId="3"/>
-        <dgm:pt modelId="31"/>
-        <dgm:pt modelId="4"/>
-        <dgm:pt modelId="41"/>
-      </dgm:ptLst>
-      <dgm:cxnLst>
-        <dgm:cxn modelId="5" srcId="0" destId="1" srcOrd="0" destOrd="0"/>
-        <dgm:cxn modelId="6" srcId="0" destId="2" srcOrd="1" destOrd="0"/>
-        <dgm:cxn modelId="7" srcId="0" destId="3" srcOrd="2" destOrd="0"/>
-        <dgm:cxn modelId="8" srcId="0" destId="4" srcOrd="3" destOrd="0"/>
-        <dgm:cxn modelId="13" srcId="1" destId="11" srcOrd="0" destOrd="0"/>
-        <dgm:cxn modelId="23" srcId="2" destId="21" srcOrd="0" destOrd="0"/>
-        <dgm:cxn modelId="33" srcId="3" destId="31" srcOrd="0" destOrd="0"/>
-        <dgm:cxn modelId="43" srcId="4" destId="41" srcOrd="0" destOrd="0"/>
-      </dgm:cxnLst>
-      <dgm:bg/>
-      <dgm:whole/>
-    </dgm:dataModel>
-  </dgm:clrData>
-  <dgm:layoutNode name="Name0">
-    <dgm:varLst>
-      <dgm:dir/>
-      <dgm:animLvl val="lvl"/>
-      <dgm:resizeHandles val="exact"/>
-    </dgm:varLst>
-    <dgm:choose name="Name1">
-      <dgm:if name="Name2" func="var" arg="dir" op="equ" val="norm">
-        <dgm:alg type="lin">
-          <dgm:param type="linDir" val="fromT"/>
-          <dgm:param type="nodeHorzAlign" val="l"/>
-        </dgm:alg>
-      </dgm:if>
-      <dgm:else name="Name3">
-        <dgm:alg type="lin">
-          <dgm:param type="linDir" val="fromT"/>
-          <dgm:param type="nodeHorzAlign" val="r"/>
-        </dgm:alg>
-      </dgm:else>
-    </dgm:choose>
-    <dgm:shape xmlns:r="http://schemas.openxmlformats.org/officeDocument/2006/relationships" r:blip="">
-      <dgm:adjLst/>
-    </dgm:shape>
-    <dgm:presOf/>
-    <dgm:constrLst>
-      <dgm:constr type="h" for="ch" forName="linNode" refType="h"/>
-      <dgm:constr type="w" for="ch" forName="linNode" refType="w"/>
-      <dgm:constr type="h" for="ch" forName="sp" refType="h" fact="0.05"/>
-      <dgm:constr type="primFontSz" for="des" forName="parentText" op="equ" val="65"/>
-      <dgm:constr type="secFontSz" for="des" forName="descendantText" op="equ"/>
-    </dgm:constrLst>
-    <dgm:ruleLst/>
-    <dgm:forEach name="Name4" axis="ch" ptType="node">
-      <dgm:layoutNode name="linNode">
-        <dgm:choose name="Name5">
-          <dgm:if name="Name6" func="var" arg="dir" op="equ" val="norm">
-            <dgm:alg type="lin">
-              <dgm:param type="linDir" val="fromL"/>
-            </dgm:alg>
-          </dgm:if>
-          <dgm:else name="Name7">
-            <dgm:alg type="lin">
-              <dgm:param type="linDir" val="fromR"/>
-            </dgm:alg>
-          </dgm:else>
-        </dgm:choose>
-        <dgm:shape xmlns:r="http://schemas.openxmlformats.org/officeDocument/2006/relationships" r:blip="">
-          <dgm:adjLst/>
-        </dgm:shape>
-        <dgm:presOf/>
-        <dgm:constrLst>
-          <dgm:constr type="w" for="ch" forName="parentText" refType="w" fact="0.36"/>
-          <dgm:constr type="w" for="ch" forName="descendantText" refType="w" fact="0.64"/>
-          <dgm:constr type="h" for="ch" forName="parentText" refType="h"/>
-          <dgm:constr type="h" for="ch" forName="descendantText" refType="h" refFor="ch" refForName="parentText" fact="0.8"/>
-        </dgm:constrLst>
-        <dgm:ruleLst/>
-        <dgm:layoutNode name="parentText">
-          <dgm:varLst>
-            <dgm:chMax val="1"/>
-            <dgm:bulletEnabled val="1"/>
-          </dgm:varLst>
-          <dgm:alg type="tx"/>
-          <dgm:shape xmlns:r="http://schemas.openxmlformats.org/officeDocument/2006/relationships" type="roundRect" r:blip="" zOrderOff="3">
-            <dgm:adjLst/>
-          </dgm:shape>
-          <dgm:presOf axis="self" ptType="node"/>
-          <dgm:constrLst>
-            <dgm:constr type="tMarg" refType="primFontSz" fact="0.15"/>
-            <dgm:constr type="bMarg" refType="primFontSz" fact="0.15"/>
-            <dgm:constr type="lMarg" refType="primFontSz" fact="0.3"/>
-            <dgm:constr type="rMarg" refType="primFontSz" fact="0.3"/>
-          </dgm:constrLst>
-          <dgm:ruleLst>
-            <dgm:rule type="primFontSz" val="5" fact="NaN" max="NaN"/>
-          </dgm:ruleLst>
-        </dgm:layoutNode>
-        <dgm:choose name="Name8">
-          <dgm:if name="Name9" axis="ch" ptType="node" func="cnt" op="gte" val="1">
-            <dgm:layoutNode name="descendantText" styleLbl="alignAccFollowNode1">
-              <dgm:varLst>
-                <dgm:bulletEnabled val="1"/>
-              </dgm:varLst>
-              <dgm:alg type="tx">
-                <dgm:param type="stBulletLvl" val="1"/>
-                <dgm:param type="txAnchorVertCh" val="mid"/>
-              </dgm:alg>
-              <dgm:choose name="Name10">
-                <dgm:if name="Name11" func="var" arg="dir" op="equ" val="norm">
-                  <dgm:shape xmlns:r="http://schemas.openxmlformats.org/officeDocument/2006/relationships" rot="90" type="round2SameRect" r:blip="">
-                    <dgm:adjLst/>
-                  </dgm:shape>
-                </dgm:if>
-                <dgm:else name="Name12">
-                  <dgm:shape xmlns:r="http://schemas.openxmlformats.org/officeDocument/2006/relationships" rot="-90" type="round2SameRect" r:blip="">
-                    <dgm:adjLst/>
-                  </dgm:shape>
-                </dgm:else>
-              </dgm:choose>
-              <dgm:presOf axis="des" ptType="node"/>
-              <dgm:constrLst>
-                <dgm:constr type="secFontSz" val="65"/>
-                <dgm:constr type="primFontSz" refType="secFontSz"/>
-                <dgm:constr type="lMarg" refType="secFontSz" fact="0.3"/>
-                <dgm:constr type="rMarg" refType="secFontSz" fact="0.3"/>
-                <dgm:constr type="tMarg" refType="secFontSz" fact="0.15"/>
-                <dgm:constr type="bMarg" refType="secFontSz" fact="0.15"/>
-              </dgm:constrLst>
-              <dgm:ruleLst>
-                <dgm:rule type="secFontSz" val="5" fact="NaN" max="NaN"/>
-              </dgm:ruleLst>
-            </dgm:layoutNode>
-          </dgm:if>
-          <dgm:else name="Name13"/>
-        </dgm:choose>
-      </dgm:layoutNode>
-      <dgm:forEach name="Name14" axis="followSib" ptType="sibTrans" cnt="1">
-        <dgm:layoutNode name="sp">
-          <dgm:alg type="sp"/>
-          <dgm:shape xmlns:r="http://schemas.openxmlformats.org/officeDocument/2006/relationships" r:blip="">
-            <dgm:adjLst/>
-          </dgm:shape>
-          <dgm:presOf/>
-          <dgm:constrLst/>
-          <dgm:ruleLst/>
-        </dgm:layoutNode>
-      </dgm:forEach>
-    </dgm:forEach>
-  </dgm:layoutNode>
-</dgm:layoutDef>
-</file>
-
-<file path=ppt/diagrams/quickStyle1.xml><?xml version="1.0" encoding="utf-8"?>
-<dgm:styleDef xmlns:dgm="http://schemas.openxmlformats.org/drawingml/2006/diagram" xmlns:a="http://schemas.openxmlformats.org/drawingml/2006/main" uniqueId="urn:microsoft.com/office/officeart/2005/8/quickstyle/simple1">
-  <dgm:title val=""/>
-  <dgm:desc val=""/>
-  <dgm:catLst>
-    <dgm:cat type="simple" pri="10100"/>
-  </dgm:catLst>
-  <dgm:scene3d>
-    <a:camera prst="orthographicFront"/>
-    <a:lightRig rig="threePt" dir="t"/>
-  </dgm:scene3d>
-  <dgm:styleLbl name="node0">
-    <dgm:scene3d>
-      <a:camera prst="orthographicFront"/>
-      <a:lightRig rig="threePt" dir="t"/>
-    </dgm:scene3d>
-    <dgm:sp3d/>
-    <dgm:txPr/>
-    <dgm:style>
-      <a:lnRef idx="2">
-        <a:scrgbClr r="0" g="0" b="0"/>
-      </a:lnRef>
-      <a:fillRef idx="1">
-        <a:scrgbClr r="0" g="0" b="0"/>
-      </a:fillRef>
-      <a:effectRef idx="0">
-        <a:scrgbClr r="0" g="0" b="0"/>
-      </a:effectRef>
-      <a:fontRef idx="minor">
-        <a:schemeClr val="lt1"/>
-      </a:fontRef>
-    </dgm:style>
-  </dgm:styleLbl>
-  <dgm:styleLbl name="lnNode1">
-    <dgm:scene3d>
-      <a:camera prst="orthographicFront"/>
-      <a:lightRig rig="threePt" dir="t"/>
-    </dgm:scene3d>
-    <dgm:sp3d/>
-    <dgm:txPr/>
-    <dgm:style>
-      <a:lnRef idx="2">
-        <a:scrgbClr r="0" g="0" b="0"/>
-      </a:lnRef>
-      <a:fillRef idx="1">
-        <a:scrgbClr r="0" g="0" b="0"/>
-      </a:fillRef>
-      <a:effectRef idx="0">
-        <a:scrgbClr r="0" g="0" b="0"/>
-      </a:effectRef>
-      <a:fontRef idx="minor">
-        <a:schemeClr val="lt1"/>
-      </a:fontRef>
-    </dgm:style>
-  </dgm:styleLbl>
-  <dgm:styleLbl name="vennNode1">
-    <dgm:scene3d>
-      <a:camera prst="orthographicFront"/>
-      <a:lightRig rig="threePt" dir="t"/>
-    </dgm:scene3d>
-    <dgm:sp3d/>
-    <dgm:txPr/>
-    <dgm:style>
-      <a:lnRef idx="2">
-        <a:scrgbClr r="0" g="0" b="0"/>
-      </a:lnRef>
-      <a:fillRef idx="1">
-        <a:scrgbClr r="0" g="0" b="0"/>
-      </a:fillRef>
-      <a:effectRef idx="0">
-        <a:scrgbClr r="0" g="0" b="0"/>
-      </a:effectRef>
-      <a:fontRef idx="minor">
-        <a:schemeClr val="tx1"/>
-      </a:fontRef>
-    </dgm:style>
-  </dgm:styleLbl>
-  <dgm:styleLbl name="alignNode1">
-    <dgm:scene3d>
-      <a:camera prst="orthographicFront"/>
-      <a:lightRig rig="threePt" dir="t"/>
-    </dgm:scene3d>
-    <dgm:sp3d/>
-    <dgm:txPr/>
-    <dgm:style>
-      <a:lnRef idx="2">
-        <a:scrgbClr r="0" g="0" b="0"/>
-      </a:lnRef>
-      <a:fillRef idx="1">
-        <a:scrgbClr r="0" g="0" b="0"/>
-      </a:fillRef>
-      <a:effectRef idx="0">
-        <a:scrgbClr r="0" g="0" b="0"/>
-      </a:effectRef>
-      <a:fontRef idx="minor">
-        <a:schemeClr val="lt1"/>
-      </a:fontRef>
-    </dgm:style>
-  </dgm:styleLbl>
-  <dgm:styleLbl name="node1">
-    <dgm:scene3d>
-      <a:camera prst="orthographicFront"/>
-      <a:lightRig rig="threePt" dir="t"/>
-    </dgm:scene3d>
-    <dgm:sp3d/>
-    <dgm:txPr/>
-    <dgm:style>
-      <a:lnRef idx="2">
-        <a:scrgbClr r="0" g="0" b="0"/>
-      </a:lnRef>
-      <a:fillRef idx="1">
-        <a:scrgbClr r="0" g="0" b="0"/>
-      </a:fillRef>
-      <a:effectRef idx="0">
-        <a:scrgbClr r="0" g="0" b="0"/>
-      </a:effectRef>
-      <a:fontRef idx="minor">
-        <a:schemeClr val="lt1"/>
-      </a:fontRef>
-    </dgm:style>
-  </dgm:styleLbl>
-  <dgm:styleLbl name="node2">
-    <dgm:scene3d>
-      <a:camera prst="orthographicFront"/>
-      <a:lightRig rig="threePt" dir="t"/>
-    </dgm:scene3d>
-    <dgm:sp3d/>
-    <dgm:txPr/>
-    <dgm:style>
-      <a:lnRef idx="2">
-        <a:scrgbClr r="0" g="0" b="0"/>
-      </a:lnRef>
-      <a:fillRef idx="1">
-        <a:scrgbClr r="0" g="0" b="0"/>
-      </a:fillRef>
-      <a:effectRef idx="0">
-        <a:scrgbClr r="0" g="0" b="0"/>
-      </a:effectRef>
-      <a:fontRef idx="minor">
-        <a:schemeClr val="lt1"/>
-      </a:fontRef>
-    </dgm:style>
-  </dgm:styleLbl>
-  <dgm:styleLbl name="node3">
-    <dgm:scene3d>
-      <a:camera prst="orthographicFront"/>
-      <a:lightRig rig="threePt" dir="t"/>
-    </dgm:scene3d>
-    <dgm:sp3d/>
-    <dgm:txPr/>
-    <dgm:style>
-      <a:lnRef idx="2">
-        <a:scrgbClr r="0" g="0" b="0"/>
-      </a:lnRef>
-      <a:fillRef idx="1">
-        <a:scrgbClr r="0" g="0" b="0"/>
-      </a:fillRef>
-      <a:effectRef idx="0">
-        <a:scrgbClr r="0" g="0" b="0"/>
-      </a:effectRef>
-      <a:fontRef idx="minor">
-        <a:schemeClr val="lt1"/>
-      </a:fontRef>
-    </dgm:style>
-  </dgm:styleLbl>
-  <dgm:styleLbl name="node4">
-    <dgm:scene3d>
-      <a:camera prst="orthographicFront"/>
-      <a:lightRig rig="threePt" dir="t"/>
-    </dgm:scene3d>
-    <dgm:sp3d/>
-    <dgm:txPr/>
-    <dgm:style>
-      <a:lnRef idx="2">
-        <a:scrgbClr r="0" g="0" b="0"/>
-      </a:lnRef>
-      <a:fillRef idx="1">
-        <a:scrgbClr r="0" g="0" b="0"/>
-      </a:fillRef>
-      <a:effectRef idx="0">
-        <a:scrgbClr r="0" g="0" b="0"/>
-      </a:effectRef>
-      <a:fontRef idx="minor">
-        <a:schemeClr val="lt1"/>
-      </a:fontRef>
-    </dgm:style>
-  </dgm:styleLbl>
-  <dgm:styleLbl name="fgImgPlace1">
-    <dgm:scene3d>
-      <a:camera prst="orthographicFront"/>
-      <a:lightRig rig="threePt" dir="t"/>
-    </dgm:scene3d>
-    <dgm:sp3d/>
-    <dgm:txPr/>
-    <dgm:style>
-      <a:lnRef idx="2">
-        <a:scrgbClr r="0" g="0" b="0"/>
-      </a:lnRef>
-      <a:fillRef idx="1">
-        <a:scrgbClr r="0" g="0" b="0"/>
-      </a:fillRef>
-      <a:effectRef idx="0">
-        <a:scrgbClr r="0" g="0" b="0"/>
-      </a:effectRef>
-      <a:fontRef idx="minor"/>
-    </dgm:style>
-  </dgm:styleLbl>
-  <dgm:styleLbl name="alignImgPlace1">
-    <dgm:scene3d>
-      <a:camera prst="orthographicFront"/>
-      <a:lightRig rig="threePt" dir="t"/>
-    </dgm:scene3d>
-    <dgm:sp3d/>
-    <dgm:txPr/>
-    <dgm:style>
-      <a:lnRef idx="2">
-        <a:scrgbClr r="0" g="0" b="0"/>
-      </a:lnRef>
-      <a:fillRef idx="1">
-        <a:scrgbClr r="0" g="0" b="0"/>
-      </a:fillRef>
-      <a:effectRef idx="0">
-        <a:scrgbClr r="0" g="0" b="0"/>
-      </a:effectRef>
-      <a:fontRef idx="minor"/>
-    </dgm:style>
-  </dgm:styleLbl>
-  <dgm:styleLbl name="bgImgPlace1">
-    <dgm:scene3d>
-      <a:camera prst="orthographicFront"/>
-      <a:lightRig rig="threePt" dir="t"/>
-    </dgm:scene3d>
-    <dgm:sp3d/>
-    <dgm:txPr/>
-    <dgm:style>
-      <a:lnRef idx="2">
-        <a:scrgbClr r="0" g="0" b="0"/>
-      </a:lnRef>
-      <a:fillRef idx="1">
-        <a:scrgbClr r="0" g="0" b="0"/>
-      </a:fillRef>
-      <a:effectRef idx="0">
-        <a:scrgbClr r="0" g="0" b="0"/>
-      </a:effectRef>
-      <a:fontRef idx="minor"/>
-    </dgm:style>
-  </dgm:styleLbl>
-  <dgm:styleLbl name="sibTrans2D1">
-    <dgm:scene3d>
-      <a:camera prst="orthographicFront"/>
-      <a:lightRig rig="threePt" dir="t"/>
-    </dgm:scene3d>
-    <dgm:sp3d/>
-    <dgm:txPr/>
-    <dgm:style>
-      <a:lnRef idx="0">
-        <a:scrgbClr r="0" g="0" b="0"/>
-      </a:lnRef>
-      <a:fillRef idx="1">
-        <a:scrgbClr r="0" g="0" b="0"/>
-      </a:fillRef>
-      <a:effectRef idx="0">
-        <a:scrgbClr r="0" g="0" b="0"/>
-      </a:effectRef>
-      <a:fontRef idx="minor">
-        <a:schemeClr val="lt1"/>
-      </a:fontRef>
-    </dgm:style>
-  </dgm:styleLbl>
-  <dgm:styleLbl name="fgSibTrans2D1">
-    <dgm:scene3d>
-      <a:camera prst="orthographicFront"/>
-      <a:lightRig rig="threePt" dir="t"/>
-    </dgm:scene3d>
-    <dgm:sp3d/>
-    <dgm:txPr/>
-    <dgm:style>
-      <a:lnRef idx="0">
-        <a:scrgbClr r="0" g="0" b="0"/>
-      </a:lnRef>
-      <a:fillRef idx="1">
-        <a:scrgbClr r="0" g="0" b="0"/>
-      </a:fillRef>
-      <a:effectRef idx="0">
-        <a:scrgbClr r="0" g="0" b="0"/>
-      </a:effectRef>
-      <a:fontRef idx="minor">
-        <a:schemeClr val="lt1"/>
-      </a:fontRef>
-    </dgm:style>
-  </dgm:styleLbl>
-  <dgm:styleLbl name="bgSibTrans2D1">
-    <dgm:scene3d>
-      <a:camera prst="orthographicFront"/>
-      <a:lightRig rig="threePt" dir="t"/>
-    </dgm:scene3d>
-    <dgm:sp3d/>
-    <dgm:txPr/>
-    <dgm:style>
-      <a:lnRef idx="0">
-        <a:scrgbClr r="0" g="0" b="0"/>
-      </a:lnRef>
-      <a:fillRef idx="1">
-        <a:scrgbClr r="0" g="0" b="0"/>
-      </a:fillRef>
-      <a:effectRef idx="0">
-        <a:scrgbClr r="0" g="0" b="0"/>
-      </a:effectRef>
-      <a:fontRef idx="minor">
-        <a:schemeClr val="lt1"/>
-      </a:fontRef>
-    </dgm:style>
-  </dgm:styleLbl>
-  <dgm:styleLbl name="sibTrans1D1">
-    <dgm:scene3d>
-      <a:camera prst="orthographicFront"/>
-      <a:lightRig rig="threePt" dir="t"/>
-    </dgm:scene3d>
-    <dgm:sp3d/>
-    <dgm:txPr/>
-    <dgm:style>
-      <a:lnRef idx="1">
-        <a:scrgbClr r="0" g="0" b="0"/>
-      </a:lnRef>
-      <a:fillRef idx="0">
-        <a:scrgbClr r="0" g="0" b="0"/>
-      </a:fillRef>
-      <a:effectRef idx="0">
-        <a:scrgbClr r="0" g="0" b="0"/>
-      </a:effectRef>
-      <a:fontRef idx="minor"/>
-    </dgm:style>
-  </dgm:styleLbl>
-  <dgm:styleLbl name="callout">
-    <dgm:scene3d>
-      <a:camera prst="orthographicFront"/>
-      <a:lightRig rig="threePt" dir="t"/>
-    </dgm:scene3d>
-    <dgm:sp3d/>
-    <dgm:txPr/>
-    <dgm:style>
-      <a:lnRef idx="2">
-        <a:scrgbClr r="0" g="0" b="0"/>
-      </a:lnRef>
-      <a:fillRef idx="1">
-        <a:scrgbClr r="0" g="0" b="0"/>
-      </a:fillRef>
-      <a:effectRef idx="0">
-        <a:scrgbClr r="0" g="0" b="0"/>
-      </a:effectRef>
-      <a:fontRef idx="minor"/>
-    </dgm:style>
-  </dgm:styleLbl>
-  <dgm:styleLbl name="asst0">
-    <dgm:scene3d>
-      <a:camera prst="orthographicFront"/>
-      <a:lightRig rig="threePt" dir="t"/>
-    </dgm:scene3d>
-    <dgm:sp3d/>
-    <dgm:txPr/>
-    <dgm:style>
-      <a:lnRef idx="2">
-        <a:scrgbClr r="0" g="0" b="0"/>
-      </a:lnRef>
-      <a:fillRef idx="1">
-        <a:scrgbClr r="0" g="0" b="0"/>
-      </a:fillRef>
-      <a:effectRef idx="0">
-        <a:scrgbClr r="0" g="0" b="0"/>
-      </a:effectRef>
-      <a:fontRef idx="minor">
-        <a:schemeClr val="lt1"/>
-      </a:fontRef>
-    </dgm:style>
-  </dgm:styleLbl>
-  <dgm:styleLbl name="asst1">
-    <dgm:scene3d>
-      <a:camera prst="orthographicFront"/>
-      <a:lightRig rig="threePt" dir="t"/>
-    </dgm:scene3d>
-    <dgm:sp3d/>
-    <dgm:txPr/>
-    <dgm:style>
-      <a:lnRef idx="2">
-        <a:scrgbClr r="0" g="0" b="0"/>
-      </a:lnRef>
-      <a:fillRef idx="1">
-        <a:scrgbClr r="0" g="0" b="0"/>
-      </a:fillRef>
-      <a:effectRef idx="0">
-        <a:scrgbClr r="0" g="0" b="0"/>
-      </a:effectRef>
-      <a:fontRef idx="minor">
-        <a:schemeClr val="lt1"/>
-      </a:fontRef>
-    </dgm:style>
-  </dgm:styleLbl>
-  <dgm:styleLbl name="asst2">
-    <dgm:scene3d>
-      <a:camera prst="orthographicFront"/>
-      <a:lightRig rig="threePt" dir="t"/>
-    </dgm:scene3d>
-    <dgm:sp3d/>
-    <dgm:txPr/>
-    <dgm:style>
-      <a:lnRef idx="2">
-        <a:scrgbClr r="0" g="0" b="0"/>
-      </a:lnRef>
-      <a:fillRef idx="1">
-        <a:scrgbClr r="0" g="0" b="0"/>
-      </a:fillRef>
-      <a:effectRef idx="0">
-        <a:scrgbClr r="0" g="0" b="0"/>
-      </a:effectRef>
-      <a:fontRef idx="minor">
-        <a:schemeClr val="lt1"/>
-      </a:fontRef>
-    </dgm:style>
-  </dgm:styleLbl>
-  <dgm:styleLbl name="asst3">
-    <dgm:scene3d>
-      <a:camera prst="orthographicFront"/>
-      <a:lightRig rig="threePt" dir="t"/>
-    </dgm:scene3d>
-    <dgm:sp3d/>
-    <dgm:txPr/>
-    <dgm:style>
-      <a:lnRef idx="2">
-        <a:scrgbClr r="0" g="0" b="0"/>
-      </a:lnRef>
-      <a:fillRef idx="1">
-        <a:scrgbClr r="0" g="0" b="0"/>
-      </a:fillRef>
-      <a:effectRef idx="0">
-        <a:scrgbClr r="0" g="0" b="0"/>
-      </a:effectRef>
-      <a:fontRef idx="minor">
-        <a:schemeClr val="lt1"/>
-      </a:fontRef>
-    </dgm:style>
-  </dgm:styleLbl>
-  <dgm:styleLbl name="asst4">
-    <dgm:scene3d>
-      <a:camera prst="orthographicFront"/>
-      <a:lightRig rig="threePt" dir="t"/>
-    </dgm:scene3d>
-    <dgm:sp3d/>
-    <dgm:txPr/>
-    <dgm:style>
-      <a:lnRef idx="2">
-        <a:scrgbClr r="0" g="0" b="0"/>
-      </a:lnRef>
-      <a:fillRef idx="1">
-        <a:scrgbClr r="0" g="0" b="0"/>
-      </a:fillRef>
-      <a:effectRef idx="0">
-        <a:scrgbClr r="0" g="0" b="0"/>
-      </a:effectRef>
-      <a:fontRef idx="minor">
-        <a:schemeClr val="lt1"/>
-      </a:fontRef>
-    </dgm:style>
-  </dgm:styleLbl>
-  <dgm:styleLbl name="parChTrans2D1">
-    <dgm:scene3d>
-      <a:camera prst="orthographicFront"/>
-      <a:lightRig rig="threePt" dir="t"/>
-    </dgm:scene3d>
-    <dgm:sp3d/>
-    <dgm:txPr/>
-    <dgm:style>
-      <a:lnRef idx="2">
-        <a:scrgbClr r="0" g="0" b="0"/>
-      </a:lnRef>
-      <a:fillRef idx="1">
-        <a:scrgbClr r="0" g="0" b="0"/>
-      </a:fillRef>
-      <a:effectRef idx="0">
-        <a:scrgbClr r="0" g="0" b="0"/>
-      </a:effectRef>
-      <a:fontRef idx="minor">
-        <a:schemeClr val="lt1"/>
-      </a:fontRef>
-    </dgm:style>
-  </dgm:styleLbl>
-  <dgm:styleLbl name="parChTrans2D2">
-    <dgm:scene3d>
-      <a:camera prst="orthographicFront"/>
-      <a:lightRig rig="threePt" dir="t"/>
-    </dgm:scene3d>
-    <dgm:sp3d/>
-    <dgm:txPr/>
-    <dgm:style>
-      <a:lnRef idx="2">
-        <a:scrgbClr r="0" g="0" b="0"/>
-      </a:lnRef>
-      <a:fillRef idx="1">
-        <a:scrgbClr r="0" g="0" b="0"/>
-      </a:fillRef>
-      <a:effectRef idx="0">
-        <a:scrgbClr r="0" g="0" b="0"/>
-      </a:effectRef>
-      <a:fontRef idx="minor">
-        <a:schemeClr val="lt1"/>
-      </a:fontRef>
-    </dgm:style>
-  </dgm:styleLbl>
-  <dgm:styleLbl name="parChTrans2D3">
-    <dgm:scene3d>
-      <a:camera prst="orthographicFront"/>
-      <a:lightRig rig="threePt" dir="t"/>
-    </dgm:scene3d>
-    <dgm:sp3d/>
-    <dgm:txPr/>
-    <dgm:style>
-      <a:lnRef idx="2">
-        <a:scrgbClr r="0" g="0" b="0"/>
-      </a:lnRef>
-      <a:fillRef idx="1">
-        <a:scrgbClr r="0" g="0" b="0"/>
-      </a:fillRef>
-      <a:effectRef idx="0">
-        <a:scrgbClr r="0" g="0" b="0"/>
-      </a:effectRef>
-      <a:fontRef idx="minor">
-        <a:schemeClr val="lt1"/>
-      </a:fontRef>
-    </dgm:style>
-  </dgm:styleLbl>
-  <dgm:styleLbl name="parChTrans2D4">
-    <dgm:scene3d>
-      <a:camera prst="orthographicFront"/>
-      <a:lightRig rig="threePt" dir="t"/>
-    </dgm:scene3d>
-    <dgm:sp3d/>
-    <dgm:txPr/>
-    <dgm:style>
-      <a:lnRef idx="2">
-        <a:scrgbClr r="0" g="0" b="0"/>
-      </a:lnRef>
-      <a:fillRef idx="1">
-        <a:scrgbClr r="0" g="0" b="0"/>
-      </a:fillRef>
-      <a:effectRef idx="0">
-        <a:scrgbClr r="0" g="0" b="0"/>
-      </a:effectRef>
-      <a:fontRef idx="minor">
-        <a:schemeClr val="lt1"/>
-      </a:fontRef>
-    </dgm:style>
-  </dgm:styleLbl>
-  <dgm:styleLbl name="parChTrans1D1">
-    <dgm:scene3d>
-      <a:camera prst="orthographicFront"/>
-      <a:lightRig rig="threePt" dir="t"/>
-    </dgm:scene3d>
-    <dgm:sp3d/>
-    <dgm:txPr/>
-    <dgm:style>
-      <a:lnRef idx="2">
-        <a:scrgbClr r="0" g="0" b="0"/>
-      </a:lnRef>
-      <a:fillRef idx="0">
-        <a:scrgbClr r="0" g="0" b="0"/>
-      </a:fillRef>
-      <a:effectRef idx="0">
-        <a:scrgbClr r="0" g="0" b="0"/>
-      </a:effectRef>
-      <a:fontRef idx="minor"/>
-    </dgm:style>
-  </dgm:styleLbl>
-  <dgm:styleLbl name="parChTrans1D2">
-    <dgm:scene3d>
-      <a:camera prst="orthographicFront"/>
-      <a:lightRig rig="threePt" dir="t"/>
-    </dgm:scene3d>
-    <dgm:sp3d/>
-    <dgm:txPr/>
-    <dgm:style>
-      <a:lnRef idx="2">
-        <a:scrgbClr r="0" g="0" b="0"/>
-      </a:lnRef>
-      <a:fillRef idx="0">
-        <a:scrgbClr r="0" g="0" b="0"/>
-      </a:fillRef>
-      <a:effectRef idx="0">
-        <a:scrgbClr r="0" g="0" b="0"/>
-      </a:effectRef>
-      <a:fontRef idx="minor"/>
-    </dgm:style>
-  </dgm:styleLbl>
-  <dgm:styleLbl name="parChTrans1D3">
-    <dgm:scene3d>
-      <a:camera prst="orthographicFront"/>
-      <a:lightRig rig="threePt" dir="t"/>
-    </dgm:scene3d>
-    <dgm:sp3d/>
-    <dgm:txPr/>
-    <dgm:style>
-      <a:lnRef idx="2">
-        <a:scrgbClr r="0" g="0" b="0"/>
-      </a:lnRef>
-      <a:fillRef idx="0">
-        <a:scrgbClr r="0" g="0" b="0"/>
-      </a:fillRef>
-      <a:effectRef idx="0">
-        <a:scrgbClr r="0" g="0" b="0"/>
-      </a:effectRef>
-      <a:fontRef idx="minor"/>
-    </dgm:style>
-  </dgm:styleLbl>
-  <dgm:styleLbl name="parChTrans1D4">
-    <dgm:scene3d>
-      <a:camera prst="orthographicFront"/>
-      <a:lightRig rig="threePt" dir="t"/>
-    </dgm:scene3d>
-    <dgm:sp3d/>
-    <dgm:txPr/>
-    <dgm:style>
-      <a:lnRef idx="2">
-        <a:scrgbClr r="0" g="0" b="0"/>
-      </a:lnRef>
-      <a:fillRef idx="0">
-        <a:scrgbClr r="0" g="0" b="0"/>
-      </a:fillRef>
-      <a:effectRef idx="0">
-        <a:scrgbClr r="0" g="0" b="0"/>
-      </a:effectRef>
-      <a:fontRef idx="minor"/>
-    </dgm:style>
-  </dgm:styleLbl>
-  <dgm:styleLbl name="fgAcc1">
-    <dgm:scene3d>
-      <a:camera prst="orthographicFront"/>
-      <a:lightRig rig="threePt" dir="t"/>
-    </dgm:scene3d>
-    <dgm:sp3d/>
-    <dgm:txPr/>
-    <dgm:style>
-      <a:lnRef idx="2">
-        <a:scrgbClr r="0" g="0" b="0"/>
-      </a:lnRef>
-      <a:fillRef idx="1">
-        <a:scrgbClr r="0" g="0" b="0"/>
-      </a:fillRef>
-      <a:effectRef idx="0">
-        <a:scrgbClr r="0" g="0" b="0"/>
-      </a:effectRef>
-      <a:fontRef idx="minor"/>
-    </dgm:style>
-  </dgm:styleLbl>
-  <dgm:styleLbl name="conFgAcc1">
-    <dgm:scene3d>
-      <a:camera prst="orthographicFront"/>
-      <a:lightRig rig="threePt" dir="t"/>
-    </dgm:scene3d>
-    <dgm:sp3d/>
-    <dgm:txPr/>
-    <dgm:style>
-      <a:lnRef idx="2">
-        <a:scrgbClr r="0" g="0" b="0"/>
-      </a:lnRef>
-      <a:fillRef idx="1">
-        <a:scrgbClr r="0" g="0" b="0"/>
-      </a:fillRef>
-      <a:effectRef idx="0">
-        <a:scrgbClr r="0" g="0" b="0"/>
-      </a:effectRef>
-      <a:fontRef idx="minor"/>
-    </dgm:style>
-  </dgm:styleLbl>
-  <dgm:styleLbl name="alignAcc1">
-    <dgm:scene3d>
-      <a:camera prst="orthographicFront"/>
-      <a:lightRig rig="threePt" dir="t"/>
-    </dgm:scene3d>
-    <dgm:sp3d/>
-    <dgm:txPr/>
-    <dgm:style>
-      <a:lnRef idx="2">
-        <a:scrgbClr r="0" g="0" b="0"/>
-      </a:lnRef>
-      <a:fillRef idx="1">
-        <a:scrgbClr r="0" g="0" b="0"/>
-      </a:fillRef>
-      <a:effectRef idx="0">
-        <a:scrgbClr r="0" g="0" b="0"/>
-      </a:effectRef>
-      <a:fontRef idx="minor"/>
-    </dgm:style>
-  </dgm:styleLbl>
-  <dgm:styleLbl name="trAlignAcc1">
-    <dgm:scene3d>
-      <a:camera prst="orthographicFront"/>
-      <a:lightRig rig="threePt" dir="t"/>
-    </dgm:scene3d>
-    <dgm:sp3d/>
-    <dgm:txPr/>
-    <dgm:style>
-      <a:lnRef idx="1">
-        <a:scrgbClr r="0" g="0" b="0"/>
-      </a:lnRef>
-      <a:fillRef idx="1">
-        <a:scrgbClr r="0" g="0" b="0"/>
-      </a:fillRef>
-      <a:effectRef idx="0">
-        <a:scrgbClr r="0" g="0" b="0"/>
-      </a:effectRef>
-      <a:fontRef idx="minor"/>
-    </dgm:style>
-  </dgm:styleLbl>
-  <dgm:styleLbl name="bgAcc1">
-    <dgm:scene3d>
-      <a:camera prst="orthographicFront"/>
-      <a:lightRig rig="threePt" dir="t"/>
-    </dgm:scene3d>
-    <dgm:sp3d/>
-    <dgm:txPr/>
-    <dgm:style>
-      <a:lnRef idx="2">
-        <a:scrgbClr r="0" g="0" b="0"/>
-      </a:lnRef>
-      <a:fillRef idx="1">
-        <a:scrgbClr r="0" g="0" b="0"/>
-      </a:fillRef>
-      <a:effectRef idx="0">
-        <a:scrgbClr r="0" g="0" b="0"/>
-      </a:effectRef>
-      <a:fontRef idx="minor"/>
-    </dgm:style>
-  </dgm:styleLbl>
-  <dgm:styleLbl name="solidFgAcc1">
-    <dgm:scene3d>
-      <a:camera prst="orthographicFront"/>
-      <a:lightRig rig="threePt" dir="t"/>
-    </dgm:scene3d>
-    <dgm:sp3d/>
-    <dgm:txPr/>
-    <dgm:style>
-      <a:lnRef idx="2">
-        <a:scrgbClr r="0" g="0" b="0"/>
-      </a:lnRef>
-      <a:fillRef idx="1">
-        <a:scrgbClr r="0" g="0" b="0"/>
-      </a:fillRef>
-      <a:effectRef idx="0">
-        <a:scrgbClr r="0" g="0" b="0"/>
-      </a:effectRef>
-      <a:fontRef idx="minor"/>
-    </dgm:style>
-  </dgm:styleLbl>
-  <dgm:styleLbl name="solidAlignAcc1">
-    <dgm:scene3d>
-      <a:camera prst="orthographicFront"/>
-      <a:lightRig rig="threePt" dir="t"/>
-    </dgm:scene3d>
-    <dgm:sp3d/>
-    <dgm:txPr/>
-    <dgm:style>
-      <a:lnRef idx="2">
-        <a:scrgbClr r="0" g="0" b="0"/>
-      </a:lnRef>
-      <a:fillRef idx="1">
-        <a:scrgbClr r="0" g="0" b="0"/>
-      </a:fillRef>
-      <a:effectRef idx="0">
-        <a:scrgbClr r="0" g="0" b="0"/>
-      </a:effectRef>
-      <a:fontRef idx="minor"/>
-    </dgm:style>
-  </dgm:styleLbl>
-  <dgm:styleLbl name="solidBgAcc1">
-    <dgm:scene3d>
-      <a:camera prst="orthographicFront"/>
-      <a:lightRig rig="threePt" dir="t"/>
-    </dgm:scene3d>
-    <dgm:sp3d/>
-    <dgm:txPr/>
-    <dgm:style>
-      <a:lnRef idx="2">
-        <a:scrgbClr r="0" g="0" b="0"/>
-      </a:lnRef>
-      <a:fillRef idx="1">
-        <a:scrgbClr r="0" g="0" b="0"/>
-      </a:fillRef>
-      <a:effectRef idx="0">
-        <a:scrgbClr r="0" g="0" b="0"/>
-      </a:effectRef>
-      <a:fontRef idx="minor"/>
-    </dgm:style>
-  </dgm:styleLbl>
-  <dgm:styleLbl name="fgAccFollowNode1">
-    <dgm:scene3d>
-      <a:camera prst="orthographicFront"/>
-      <a:lightRig rig="threePt" dir="t"/>
-    </dgm:scene3d>
-    <dgm:sp3d/>
-    <dgm:txPr/>
-    <dgm:style>
-      <a:lnRef idx="2">
-        <a:scrgbClr r="0" g="0" b="0"/>
-      </a:lnRef>
-      <a:fillRef idx="1">
-        <a:scrgbClr r="0" g="0" b="0"/>
-      </a:fillRef>
-      <a:effectRef idx="0">
-        <a:scrgbClr r="0" g="0" b="0"/>
-      </a:effectRef>
-      <a:fontRef idx="minor"/>
-    </dgm:style>
-  </dgm:styleLbl>
-  <dgm:styleLbl name="alignAccFollowNode1">
-    <dgm:scene3d>
-      <a:camera prst="orthographicFront"/>
-      <a:lightRig rig="threePt" dir="t"/>
-    </dgm:scene3d>
-    <dgm:sp3d/>
-    <dgm:txPr/>
-    <dgm:style>
-      <a:lnRef idx="2">
-        <a:scrgbClr r="0" g="0" b="0"/>
-      </a:lnRef>
-      <a:fillRef idx="1">
-        <a:scrgbClr r="0" g="0" b="0"/>
-      </a:fillRef>
-      <a:effectRef idx="0">
-        <a:scrgbClr r="0" g="0" b="0"/>
-      </a:effectRef>
-      <a:fontRef idx="minor"/>
-    </dgm:style>
-  </dgm:styleLbl>
-  <dgm:styleLbl name="bgAccFollowNode1">
-    <dgm:scene3d>
-      <a:camera prst="orthographicFront"/>
-      <a:lightRig rig="threePt" dir="t"/>
-    </dgm:scene3d>
-    <dgm:sp3d/>
-    <dgm:txPr/>
-    <dgm:style>
-      <a:lnRef idx="2">
-        <a:scrgbClr r="0" g="0" b="0"/>
-      </a:lnRef>
-      <a:fillRef idx="1">
-        <a:scrgbClr r="0" g="0" b="0"/>
-      </a:fillRef>
-      <a:effectRef idx="0">
-        <a:scrgbClr r="0" g="0" b="0"/>
-      </a:effectRef>
-      <a:fontRef idx="minor"/>
-    </dgm:style>
-  </dgm:styleLbl>
-  <dgm:styleLbl name="fgAcc0">
-    <dgm:scene3d>
-      <a:camera prst="orthographicFront"/>
-      <a:lightRig rig="threePt" dir="t"/>
-    </dgm:scene3d>
-    <dgm:sp3d/>
-    <dgm:txPr/>
-    <dgm:style>
-      <a:lnRef idx="2">
-        <a:scrgbClr r="0" g="0" b="0"/>
-      </a:lnRef>
-      <a:fillRef idx="1">
-        <a:scrgbClr r="0" g="0" b="0"/>
-      </a:fillRef>
-      <a:effectRef idx="0">
-        <a:scrgbClr r="0" g="0" b="0"/>
-      </a:effectRef>
-      <a:fontRef idx="minor"/>
-    </dgm:style>
-  </dgm:styleLbl>
-  <dgm:styleLbl name="fgAcc2">
-    <dgm:scene3d>
-      <a:camera prst="orthographicFront"/>
-      <a:lightRig rig="threePt" dir="t"/>
-    </dgm:scene3d>
-    <dgm:sp3d/>
-    <dgm:txPr/>
-    <dgm:style>
-      <a:lnRef idx="2">
-        <a:scrgbClr r="0" g="0" b="0"/>
-      </a:lnRef>
-      <a:fillRef idx="1">
-        <a:scrgbClr r="0" g="0" b="0"/>
-      </a:fillRef>
-      <a:effectRef idx="0">
-        <a:scrgbClr r="0" g="0" b="0"/>
-      </a:effectRef>
-      <a:fontRef idx="minor"/>
-    </dgm:style>
-  </dgm:styleLbl>
-  <dgm:styleLbl name="fgAcc3">
-    <dgm:scene3d>
-      <a:camera prst="orthographicFront"/>
-      <a:lightRig rig="threePt" dir="t"/>
-    </dgm:scene3d>
-    <dgm:sp3d/>
-    <dgm:txPr/>
-    <dgm:style>
-      <a:lnRef idx="2">
-        <a:scrgbClr r="0" g="0" b="0"/>
-      </a:lnRef>
-      <a:fillRef idx="1">
-        <a:scrgbClr r="0" g="0" b="0"/>
-      </a:fillRef>
-      <a:effectRef idx="0">
-        <a:scrgbClr r="0" g="0" b="0"/>
-      </a:effectRef>
-      <a:fontRef idx="minor"/>
-    </dgm:style>
-  </dgm:styleLbl>
-  <dgm:styleLbl name="fgAcc4">
-    <dgm:scene3d>
-      <a:camera prst="orthographicFront"/>
-      <a:lightRig rig="threePt" dir="t"/>
-    </dgm:scene3d>
-    <dgm:sp3d/>
-    <dgm:txPr/>
-    <dgm:style>
-      <a:lnRef idx="2">
-        <a:scrgbClr r="0" g="0" b="0"/>
-      </a:lnRef>
-      <a:fillRef idx="1">
-        <a:scrgbClr r="0" g="0" b="0"/>
-      </a:fillRef>
-      <a:effectRef idx="0">
-        <a:scrgbClr r="0" g="0" b="0"/>
-      </a:effectRef>
-      <a:fontRef idx="minor"/>
-    </dgm:style>
-  </dgm:styleLbl>
-  <dgm:styleLbl name="bgShp">
-    <dgm:scene3d>
-      <a:camera prst="orthographicFront"/>
-      <a:lightRig rig="threePt" dir="t"/>
-    </dgm:scene3d>
-    <dgm:sp3d/>
-    <dgm:txPr/>
-    <dgm:style>
-      <a:lnRef idx="0">
-        <a:scrgbClr r="0" g="0" b="0"/>
-      </a:lnRef>
-      <a:fillRef idx="1">
-        <a:scrgbClr r="0" g="0" b="0"/>
-      </a:fillRef>
-      <a:effectRef idx="0">
-        <a:scrgbClr r="0" g="0" b="0"/>
-      </a:effectRef>
-      <a:fontRef idx="minor"/>
-    </dgm:style>
-  </dgm:styleLbl>
-  <dgm:styleLbl name="dkBgShp">
-    <dgm:scene3d>
-      <a:camera prst="orthographicFront"/>
-      <a:lightRig rig="threePt" dir="t"/>
-    </dgm:scene3d>
-    <dgm:sp3d/>
-    <dgm:txPr/>
-    <dgm:style>
-      <a:lnRef idx="0">
-        <a:scrgbClr r="0" g="0" b="0"/>
-      </a:lnRef>
-      <a:fillRef idx="1">
-        <a:scrgbClr r="0" g="0" b="0"/>
-      </a:fillRef>
-      <a:effectRef idx="0">
-        <a:scrgbClr r="0" g="0" b="0"/>
-      </a:effectRef>
-      <a:fontRef idx="minor"/>
-    </dgm:style>
-  </dgm:styleLbl>
-  <dgm:styleLbl name="trBgShp">
-    <dgm:scene3d>
-      <a:camera prst="orthographicFront"/>
-      <a:lightRig rig="threePt" dir="t"/>
-    </dgm:scene3d>
-    <dgm:sp3d/>
-    <dgm:txPr/>
-    <dgm:style>
-      <a:lnRef idx="0">
-        <a:scrgbClr r="0" g="0" b="0"/>
-      </a:lnRef>
-      <a:fillRef idx="1">
-        <a:scrgbClr r="0" g="0" b="0"/>
-      </a:fillRef>
-      <a:effectRef idx="0">
-        <a:scrgbClr r="0" g="0" b="0"/>
-      </a:effectRef>
-      <a:fontRef idx="minor"/>
-    </dgm:style>
-  </dgm:styleLbl>
-  <dgm:styleLbl name="fgShp">
-    <dgm:scene3d>
-      <a:camera prst="orthographicFront"/>
-      <a:lightRig rig="threePt" dir="t"/>
-    </dgm:scene3d>
-    <dgm:sp3d/>
-    <dgm:txPr/>
-    <dgm:style>
-      <a:lnRef idx="2">
-        <a:scrgbClr r="0" g="0" b="0"/>
-      </a:lnRef>
-      <a:fillRef idx="1">
-        <a:scrgbClr r="0" g="0" b="0"/>
-      </a:fillRef>
-      <a:effectRef idx="0">
-        <a:scrgbClr r="0" g="0" b="0"/>
-      </a:effectRef>
-      <a:fontRef idx="minor"/>
-    </dgm:style>
-  </dgm:styleLbl>
-  <dgm:styleLbl name="revTx">
-    <dgm:scene3d>
-      <a:camera prst="orthographicFront"/>
-      <a:lightRig rig="threePt" dir="t"/>
-    </dgm:scene3d>
-    <dgm:sp3d/>
-    <dgm:txPr/>
-    <dgm:style>
-      <a:lnRef idx="0">
-        <a:scrgbClr r="0" g="0" b="0"/>
-      </a:lnRef>
-      <a:fillRef idx="0">
-        <a:scrgbClr r="0" g="0" b="0"/>
-      </a:fillRef>
-      <a:effectRef idx="0">
-        <a:scrgbClr r="0" g="0" b="0"/>
-      </a:effectRef>
-      <a:fontRef idx="minor"/>
-    </dgm:style>
-  </dgm:styleLbl>
-</dgm:styleDef>
-</file>
-
 <file path=ppt/slideLayouts/slideLayout1.xml><?xml version="1.0" encoding="utf-8"?>
 <p:sldLayout xmlns:a="http://schemas.openxmlformats.org/drawingml/2006/main" xmlns:r="http://schemas.openxmlformats.org/officeDocument/2006/relationships" xmlns:p="http://schemas.openxmlformats.org/presentationml/2006/main" type="title" preserve="1">
   <p:cSld name="Title Slide">
@@ -3297,7 +265,7 @@
           <a:p>
             <a:fld id="{6270B643-D407-470F-8B85-01D08C506417}" type="datetimeFigureOut">
               <a:rPr lang="en-US" smtClean="0"/>
-              <a:t>7/26/2022</a:t>
+              <a:t>8/4/2022</a:t>
             </a:fld>
             <a:endParaRPr lang="en-US"/>
           </a:p>
@@ -3467,7 +435,7 @@
           <a:p>
             <a:fld id="{6270B643-D407-470F-8B85-01D08C506417}" type="datetimeFigureOut">
               <a:rPr lang="en-US" smtClean="0"/>
-              <a:t>7/26/2022</a:t>
+              <a:t>8/4/2022</a:t>
             </a:fld>
             <a:endParaRPr lang="en-US"/>
           </a:p>
@@ -3647,7 +615,7 @@
           <a:p>
             <a:fld id="{6270B643-D407-470F-8B85-01D08C506417}" type="datetimeFigureOut">
               <a:rPr lang="en-US" smtClean="0"/>
-              <a:t>7/26/2022</a:t>
+              <a:t>8/4/2022</a:t>
             </a:fld>
             <a:endParaRPr lang="en-US"/>
           </a:p>
@@ -3817,7 +785,7 @@
           <a:p>
             <a:fld id="{6270B643-D407-470F-8B85-01D08C506417}" type="datetimeFigureOut">
               <a:rPr lang="en-US" smtClean="0"/>
-              <a:t>7/26/2022</a:t>
+              <a:t>8/4/2022</a:t>
             </a:fld>
             <a:endParaRPr lang="en-US"/>
           </a:p>
@@ -4061,7 +1029,7 @@
           <a:p>
             <a:fld id="{6270B643-D407-470F-8B85-01D08C506417}" type="datetimeFigureOut">
               <a:rPr lang="en-US" smtClean="0"/>
-              <a:t>7/26/2022</a:t>
+              <a:t>8/4/2022</a:t>
             </a:fld>
             <a:endParaRPr lang="en-US"/>
           </a:p>
@@ -4293,7 +1261,7 @@
           <a:p>
             <a:fld id="{6270B643-D407-470F-8B85-01D08C506417}" type="datetimeFigureOut">
               <a:rPr lang="en-US" smtClean="0"/>
-              <a:t>7/26/2022</a:t>
+              <a:t>8/4/2022</a:t>
             </a:fld>
             <a:endParaRPr lang="en-US"/>
           </a:p>
@@ -4660,7 +1628,7 @@
           <a:p>
             <a:fld id="{6270B643-D407-470F-8B85-01D08C506417}" type="datetimeFigureOut">
               <a:rPr lang="en-US" smtClean="0"/>
-              <a:t>7/26/2022</a:t>
+              <a:t>8/4/2022</a:t>
             </a:fld>
             <a:endParaRPr lang="en-US"/>
           </a:p>
@@ -4778,7 +1746,7 @@
           <a:p>
             <a:fld id="{6270B643-D407-470F-8B85-01D08C506417}" type="datetimeFigureOut">
               <a:rPr lang="en-US" smtClean="0"/>
-              <a:t>7/26/2022</a:t>
+              <a:t>8/4/2022</a:t>
             </a:fld>
             <a:endParaRPr lang="en-US"/>
           </a:p>
@@ -4873,7 +1841,7 @@
           <a:p>
             <a:fld id="{6270B643-D407-470F-8B85-01D08C506417}" type="datetimeFigureOut">
               <a:rPr lang="en-US" smtClean="0"/>
-              <a:t>7/26/2022</a:t>
+              <a:t>8/4/2022</a:t>
             </a:fld>
             <a:endParaRPr lang="en-US"/>
           </a:p>
@@ -5150,7 +2118,7 @@
           <a:p>
             <a:fld id="{6270B643-D407-470F-8B85-01D08C506417}" type="datetimeFigureOut">
               <a:rPr lang="en-US" smtClean="0"/>
-              <a:t>7/26/2022</a:t>
+              <a:t>8/4/2022</a:t>
             </a:fld>
             <a:endParaRPr lang="en-US"/>
           </a:p>
@@ -5407,7 +2375,7 @@
           <a:p>
             <a:fld id="{6270B643-D407-470F-8B85-01D08C506417}" type="datetimeFigureOut">
               <a:rPr lang="en-US" smtClean="0"/>
-              <a:t>7/26/2022</a:t>
+              <a:t>8/4/2022</a:t>
             </a:fld>
             <a:endParaRPr lang="en-US"/>
           </a:p>
@@ -5620,7 +2588,7 @@
           <a:p>
             <a:fld id="{6270B643-D407-470F-8B85-01D08C506417}" type="datetimeFigureOut">
               <a:rPr lang="en-US" smtClean="0"/>
-              <a:t>7/26/2022</a:t>
+              <a:t>8/4/2022</a:t>
             </a:fld>
             <a:endParaRPr lang="en-US"/>
           </a:p>
@@ -6223,7 +3191,22 @@
           <a:bodyPr/>
           <a:lstStyle/>
           <a:p>
-            <a:endParaRPr lang="en-US"/>
+            <a:r>
+              <a:rPr lang="en-US" dirty="0"/>
+              <a:t>To test if the medians are significantly different I used Mood’s median test.</a:t>
+            </a:r>
+          </a:p>
+          <a:p>
+            <a:r>
+              <a:rPr lang="en-US" dirty="0"/>
+              <a:t>The p-value was 0.249, meaning I cannot reject the null hypothesis</a:t>
+            </a:r>
+          </a:p>
+          <a:p>
+            <a:pPr marL="0" indent="0">
+              <a:buNone/>
+            </a:pPr>
+            <a:endParaRPr lang="en-US" dirty="0"/>
           </a:p>
         </p:txBody>
       </p:sp>
@@ -6315,6 +3298,137 @@
   <p:clrMapOvr>
     <a:masterClrMapping/>
   </p:clrMapOvr>
+  <p:timing>
+    <p:tnLst>
+      <p:par>
+        <p:cTn id="1" dur="indefinite" restart="never" nodeType="tmRoot">
+          <p:childTnLst>
+            <p:seq concurrent="1" nextAc="seek">
+              <p:cTn id="2" dur="indefinite" nodeType="mainSeq">
+                <p:childTnLst>
+                  <p:par>
+                    <p:cTn id="3" fill="hold">
+                      <p:stCondLst>
+                        <p:cond delay="indefinite"/>
+                      </p:stCondLst>
+                      <p:childTnLst>
+                        <p:par>
+                          <p:cTn id="4" fill="hold">
+                            <p:stCondLst>
+                              <p:cond delay="0"/>
+                            </p:stCondLst>
+                            <p:childTnLst>
+                              <p:par>
+                                <p:cTn id="5" presetID="1" presetClass="entr" presetSubtype="0" fill="hold" grpId="0" nodeType="clickEffect">
+                                  <p:stCondLst>
+                                    <p:cond delay="0"/>
+                                  </p:stCondLst>
+                                  <p:childTnLst>
+                                    <p:set>
+                                      <p:cBhvr>
+                                        <p:cTn id="6" dur="1" fill="hold">
+                                          <p:stCondLst>
+                                            <p:cond delay="0"/>
+                                          </p:stCondLst>
+                                        </p:cTn>
+                                        <p:tgtEl>
+                                          <p:spTgt spid="3">
+                                            <p:txEl>
+                                              <p:pRg st="0" end="0"/>
+                                            </p:txEl>
+                                          </p:spTgt>
+                                        </p:tgtEl>
+                                        <p:attrNameLst>
+                                          <p:attrName>style.visibility</p:attrName>
+                                        </p:attrNameLst>
+                                      </p:cBhvr>
+                                      <p:to>
+                                        <p:strVal val="visible"/>
+                                      </p:to>
+                                    </p:set>
+                                  </p:childTnLst>
+                                </p:cTn>
+                              </p:par>
+                            </p:childTnLst>
+                          </p:cTn>
+                        </p:par>
+                      </p:childTnLst>
+                    </p:cTn>
+                  </p:par>
+                  <p:par>
+                    <p:cTn id="7" fill="hold">
+                      <p:stCondLst>
+                        <p:cond delay="indefinite"/>
+                      </p:stCondLst>
+                      <p:childTnLst>
+                        <p:par>
+                          <p:cTn id="8" fill="hold">
+                            <p:stCondLst>
+                              <p:cond delay="0"/>
+                            </p:stCondLst>
+                            <p:childTnLst>
+                              <p:par>
+                                <p:cTn id="9" presetID="1" presetClass="entr" presetSubtype="0" fill="hold" grpId="0" nodeType="clickEffect">
+                                  <p:stCondLst>
+                                    <p:cond delay="0"/>
+                                  </p:stCondLst>
+                                  <p:childTnLst>
+                                    <p:set>
+                                      <p:cBhvr>
+                                        <p:cTn id="10" dur="1" fill="hold">
+                                          <p:stCondLst>
+                                            <p:cond delay="0"/>
+                                          </p:stCondLst>
+                                        </p:cTn>
+                                        <p:tgtEl>
+                                          <p:spTgt spid="3">
+                                            <p:txEl>
+                                              <p:pRg st="1" end="1"/>
+                                            </p:txEl>
+                                          </p:spTgt>
+                                        </p:tgtEl>
+                                        <p:attrNameLst>
+                                          <p:attrName>style.visibility</p:attrName>
+                                        </p:attrNameLst>
+                                      </p:cBhvr>
+                                      <p:to>
+                                        <p:strVal val="visible"/>
+                                      </p:to>
+                                    </p:set>
+                                  </p:childTnLst>
+                                </p:cTn>
+                              </p:par>
+                            </p:childTnLst>
+                          </p:cTn>
+                        </p:par>
+                      </p:childTnLst>
+                    </p:cTn>
+                  </p:par>
+                </p:childTnLst>
+              </p:cTn>
+              <p:prevCondLst>
+                <p:cond evt="onPrev" delay="0">
+                  <p:tgtEl>
+                    <p:sldTgt/>
+                  </p:tgtEl>
+                </p:cond>
+              </p:prevCondLst>
+              <p:nextCondLst>
+                <p:cond evt="onNext" delay="0">
+                  <p:tgtEl>
+                    <p:sldTgt/>
+                  </p:tgtEl>
+                </p:cond>
+              </p:nextCondLst>
+            </p:seq>
+          </p:childTnLst>
+        </p:cTn>
+      </p:par>
+    </p:tnLst>
+    <p:bldLst>
+      <p:bldP spid="3" grpId="0" build="p"/>
+    </p:bldLst>
+  </p:timing>
 </p:sld>
 </file>
 
@@ -6384,7 +3498,32 @@
           <a:bodyPr/>
           <a:lstStyle/>
           <a:p>
-            <a:endParaRPr lang="en-US"/>
+            <a:r>
+              <a:rPr lang="en-US" b="0" i="0" dirty="0">
+                <a:effectLst/>
+                <a:latin typeface="-apple-system"/>
+              </a:rPr>
+              <a:t>One massive caveat to this analysis is that the reddit API does not give user location data.</a:t>
+            </a:r>
+          </a:p>
+          <a:p>
+            <a:r>
+              <a:rPr lang="en-US" b="0" i="0" dirty="0">
+                <a:effectLst/>
+                <a:latin typeface="-apple-system"/>
+              </a:rPr>
+              <a:t>The p-value from the statistical test is 0.249634 which does not reach the significance value of .05, meaning I cannot conclude that these medians are different.</a:t>
+            </a:r>
+          </a:p>
+          <a:p>
+            <a:r>
+              <a:rPr lang="en-US" b="0" i="0" dirty="0">
+                <a:effectLst/>
+                <a:latin typeface="-apple-system"/>
+              </a:rPr>
+              <a:t>The analysis is generalizable to other datasets and could be used for any text data.</a:t>
+            </a:r>
+            <a:endParaRPr lang="en-US" dirty="0"/>
           </a:p>
         </p:txBody>
       </p:sp>
@@ -6476,6 +3615,186 @@
   <p:clrMapOvr>
     <a:masterClrMapping/>
   </p:clrMapOvr>
+  <p:timing>
+    <p:tnLst>
+      <p:par>
+        <p:cTn id="1" dur="indefinite" restart="never" nodeType="tmRoot">
+          <p:childTnLst>
+            <p:seq concurrent="1" nextAc="seek">
+              <p:cTn id="2" dur="indefinite" nodeType="mainSeq">
+                <p:childTnLst>
+                  <p:par>
+                    <p:cTn id="3" fill="hold">
+                      <p:stCondLst>
+                        <p:cond delay="indefinite"/>
+                      </p:stCondLst>
+                      <p:childTnLst>
+                        <p:par>
+                          <p:cTn id="4" fill="hold">
+                            <p:stCondLst>
+                              <p:cond delay="0"/>
+                            </p:stCondLst>
+                            <p:childTnLst>
+                              <p:par>
+                                <p:cTn id="5" presetID="1" presetClass="entr" presetSubtype="0" fill="hold" grpId="0" nodeType="clickEffect">
+                                  <p:stCondLst>
+                                    <p:cond delay="0"/>
+                                  </p:stCondLst>
+                                  <p:childTnLst>
+                                    <p:set>
+                                      <p:cBhvr>
+                                        <p:cTn id="6" dur="1" fill="hold">
+                                          <p:stCondLst>
+                                            <p:cond delay="0"/>
+                                          </p:stCondLst>
+                                        </p:cTn>
+                                        <p:tgtEl>
+                                          <p:spTgt spid="3">
+                                            <p:txEl>
+                                              <p:pRg st="0" end="0"/>
+                                            </p:txEl>
+                                          </p:spTgt>
+                                        </p:tgtEl>
+                                        <p:attrNameLst>
+                                          <p:attrName>style.visibility</p:attrName>
+                                        </p:attrNameLst>
+                                      </p:cBhvr>
+                                      <p:to>
+                                        <p:strVal val="visible"/>
+                                      </p:to>
+                                    </p:set>
+                                  </p:childTnLst>
+                                </p:cTn>
+                              </p:par>
+                            </p:childTnLst>
+                          </p:cTn>
+                        </p:par>
+                      </p:childTnLst>
+                    </p:cTn>
+                  </p:par>
+                  <p:par>
+                    <p:cTn id="7" fill="hold">
+                      <p:stCondLst>
+                        <p:cond delay="indefinite"/>
+                      </p:stCondLst>
+                      <p:childTnLst>
+                        <p:par>
+                          <p:cTn id="8" fill="hold">
+                            <p:stCondLst>
+                              <p:cond delay="0"/>
+                            </p:stCondLst>
+                            <p:childTnLst>
+                              <p:par>
+                                <p:cTn id="9" presetID="1" presetClass="entr" presetSubtype="0" fill="hold" grpId="0" nodeType="clickEffect">
+                                  <p:stCondLst>
+                                    <p:cond delay="0"/>
+                                  </p:stCondLst>
+                                  <p:childTnLst>
+                                    <p:set>
+                                      <p:cBhvr>
+                                        <p:cTn id="10" dur="1" fill="hold">
+                                          <p:stCondLst>
+                                            <p:cond delay="0"/>
+                                          </p:stCondLst>
+                                        </p:cTn>
+                                        <p:tgtEl>
+                                          <p:spTgt spid="3">
+                                            <p:txEl>
+                                              <p:pRg st="1" end="1"/>
+                                            </p:txEl>
+                                          </p:spTgt>
+                                        </p:tgtEl>
+                                        <p:attrNameLst>
+                                          <p:attrName>style.visibility</p:attrName>
+                                        </p:attrNameLst>
+                                      </p:cBhvr>
+                                      <p:to>
+                                        <p:strVal val="visible"/>
+                                      </p:to>
+                                    </p:set>
+                                  </p:childTnLst>
+                                </p:cTn>
+                              </p:par>
+                            </p:childTnLst>
+                          </p:cTn>
+                        </p:par>
+                      </p:childTnLst>
+                    </p:cTn>
+                  </p:par>
+                  <p:par>
+                    <p:cTn id="11" fill="hold">
+                      <p:stCondLst>
+                        <p:cond delay="indefinite"/>
+                      </p:stCondLst>
+                      <p:childTnLst>
+                        <p:par>
+                          <p:cTn id="12" fill="hold">
+                            <p:stCondLst>
+                              <p:cond delay="0"/>
+                            </p:stCondLst>
+                            <p:childTnLst>
+                              <p:par>
+                                <p:cTn id="13" presetID="1" presetClass="entr" presetSubtype="0" fill="hold" grpId="0" nodeType="clickEffect">
+                                  <p:stCondLst>
+                                    <p:cond delay="0"/>
+                                  </p:stCondLst>
+                                  <p:childTnLst>
+                                    <p:set>
+                                      <p:cBhvr>
+                                        <p:cTn id="14" dur="1" fill="hold">
+                                          <p:stCondLst>
+                                            <p:cond delay="0"/>
+                                          </p:stCondLst>
+                                        </p:cTn>
+                                        <p:tgtEl>
+                                          <p:spTgt spid="3">
+                                            <p:txEl>
+                                              <p:pRg st="2" end="2"/>
+                                            </p:txEl>
+                                          </p:spTgt>
+                                        </p:tgtEl>
+                                        <p:attrNameLst>
+                                          <p:attrName>style.visibility</p:attrName>
+                                        </p:attrNameLst>
+                                      </p:cBhvr>
+                                      <p:to>
+                                        <p:strVal val="visible"/>
+                                      </p:to>
+                                    </p:set>
+                                  </p:childTnLst>
+                                </p:cTn>
+                              </p:par>
+                            </p:childTnLst>
+                          </p:cTn>
+                        </p:par>
+                      </p:childTnLst>
+                    </p:cTn>
+                  </p:par>
+                </p:childTnLst>
+              </p:cTn>
+              <p:prevCondLst>
+                <p:cond evt="onPrev" delay="0">
+                  <p:tgtEl>
+                    <p:sldTgt/>
+                  </p:tgtEl>
+                </p:cond>
+              </p:prevCondLst>
+              <p:nextCondLst>
+                <p:cond evt="onNext" delay="0">
+                  <p:tgtEl>
+                    <p:sldTgt/>
+                  </p:tgtEl>
+                </p:cond>
+              </p:nextCondLst>
+            </p:seq>
+          </p:childTnLst>
+        </p:cTn>
+      </p:par>
+    </p:tnLst>
+    <p:bldLst>
+      <p:bldP spid="3" grpId="0" build="p"/>
+    </p:bldLst>
+  </p:timing>
 </p:sld>
 </file>
 
@@ -7068,6 +4387,160 @@
   <p:clrMapOvr>
     <a:masterClrMapping/>
   </p:clrMapOvr>
+  <p:timing>
+    <p:tnLst>
+      <p:par>
+        <p:cTn id="1" dur="indefinite" restart="never" nodeType="tmRoot">
+          <p:childTnLst>
+            <p:seq concurrent="1" nextAc="seek">
+              <p:cTn id="2" dur="indefinite" nodeType="mainSeq">
+                <p:childTnLst>
+                  <p:par>
+                    <p:cTn id="3" fill="hold">
+                      <p:stCondLst>
+                        <p:cond delay="indefinite"/>
+                      </p:stCondLst>
+                      <p:childTnLst>
+                        <p:par>
+                          <p:cTn id="4" fill="hold">
+                            <p:stCondLst>
+                              <p:cond delay="0"/>
+                            </p:stCondLst>
+                            <p:childTnLst>
+                              <p:par>
+                                <p:cTn id="5" presetID="1" presetClass="entr" presetSubtype="0" fill="hold" grpId="0" nodeType="clickEffect">
+                                  <p:stCondLst>
+                                    <p:cond delay="0"/>
+                                  </p:stCondLst>
+                                  <p:childTnLst>
+                                    <p:set>
+                                      <p:cBhvr>
+                                        <p:cTn id="6" dur="1" fill="hold">
+                                          <p:stCondLst>
+                                            <p:cond delay="0"/>
+                                          </p:stCondLst>
+                                        </p:cTn>
+                                        <p:tgtEl>
+                                          <p:spTgt spid="3">
+                                            <p:txEl>
+                                              <p:pRg st="0" end="0"/>
+                                            </p:txEl>
+                                          </p:spTgt>
+                                        </p:tgtEl>
+                                        <p:attrNameLst>
+                                          <p:attrName>style.visibility</p:attrName>
+                                        </p:attrNameLst>
+                                      </p:cBhvr>
+                                      <p:to>
+                                        <p:strVal val="visible"/>
+                                      </p:to>
+                                    </p:set>
+                                  </p:childTnLst>
+                                </p:cTn>
+                              </p:par>
+                            </p:childTnLst>
+                          </p:cTn>
+                        </p:par>
+                      </p:childTnLst>
+                    </p:cTn>
+                  </p:par>
+                  <p:par>
+                    <p:cTn id="7" fill="hold">
+                      <p:stCondLst>
+                        <p:cond delay="indefinite"/>
+                      </p:stCondLst>
+                      <p:childTnLst>
+                        <p:par>
+                          <p:cTn id="8" fill="hold">
+                            <p:stCondLst>
+                              <p:cond delay="0"/>
+                            </p:stCondLst>
+                            <p:childTnLst>
+                              <p:par>
+                                <p:cTn id="9" presetID="1" presetClass="entr" presetSubtype="0" fill="hold" nodeType="clickEffect">
+                                  <p:stCondLst>
+                                    <p:cond delay="0"/>
+                                  </p:stCondLst>
+                                  <p:childTnLst>
+                                    <p:set>
+                                      <p:cBhvr>
+                                        <p:cTn id="10" dur="1" fill="hold">
+                                          <p:stCondLst>
+                                            <p:cond delay="0"/>
+                                          </p:stCondLst>
+                                        </p:cTn>
+                                        <p:tgtEl>
+                                          <p:spTgt spid="13"/>
+                                        </p:tgtEl>
+                                        <p:attrNameLst>
+                                          <p:attrName>style.visibility</p:attrName>
+                                        </p:attrNameLst>
+                                      </p:cBhvr>
+                                      <p:to>
+                                        <p:strVal val="visible"/>
+                                      </p:to>
+                                    </p:set>
+                                  </p:childTnLst>
+                                </p:cTn>
+                              </p:par>
+                              <p:par>
+                                <p:cTn id="11" presetID="1" presetClass="entr" presetSubtype="0" fill="hold" nodeType="withEffect">
+                                  <p:stCondLst>
+                                    <p:cond delay="0"/>
+                                  </p:stCondLst>
+                                  <p:childTnLst>
+                                    <p:set>
+                                      <p:cBhvr>
+                                        <p:cTn id="12" dur="1" fill="hold">
+                                          <p:stCondLst>
+                                            <p:cond delay="0"/>
+                                          </p:stCondLst>
+                                        </p:cTn>
+                                        <p:tgtEl>
+                                          <p:spTgt spid="6"/>
+                                        </p:tgtEl>
+                                        <p:attrNameLst>
+                                          <p:attrName>style.visibility</p:attrName>
+                                        </p:attrNameLst>
+                                      </p:cBhvr>
+                                      <p:to>
+                                        <p:strVal val="visible"/>
+                                      </p:to>
+                                    </p:set>
+                                  </p:childTnLst>
+                                </p:cTn>
+                              </p:par>
+                            </p:childTnLst>
+                          </p:cTn>
+                        </p:par>
+                      </p:childTnLst>
+                    </p:cTn>
+                  </p:par>
+                </p:childTnLst>
+              </p:cTn>
+              <p:prevCondLst>
+                <p:cond evt="onPrev" delay="0">
+                  <p:tgtEl>
+                    <p:sldTgt/>
+                  </p:tgtEl>
+                </p:cond>
+              </p:prevCondLst>
+              <p:nextCondLst>
+                <p:cond evt="onNext" delay="0">
+                  <p:tgtEl>
+                    <p:sldTgt/>
+                  </p:tgtEl>
+                </p:cond>
+              </p:nextCondLst>
+            </p:seq>
+          </p:childTnLst>
+        </p:cTn>
+      </p:par>
+    </p:tnLst>
+    <p:bldLst>
+      <p:bldP spid="3" grpId="0" build="p"/>
+    </p:bldLst>
+  </p:timing>
 </p:sld>
 </file>
 
@@ -7305,6 +4778,143 @@
   <p:clrMapOvr>
     <a:masterClrMapping/>
   </p:clrMapOvr>
+  <p:timing>
+    <p:tnLst>
+      <p:par>
+        <p:cTn id="1" dur="indefinite" restart="never" nodeType="tmRoot">
+          <p:childTnLst>
+            <p:seq concurrent="1" nextAc="seek">
+              <p:cTn id="2" dur="indefinite" nodeType="mainSeq">
+                <p:childTnLst>
+                  <p:par>
+                    <p:cTn id="3" fill="hold">
+                      <p:stCondLst>
+                        <p:cond delay="indefinite"/>
+                      </p:stCondLst>
+                      <p:childTnLst>
+                        <p:par>
+                          <p:cTn id="4" fill="hold">
+                            <p:stCondLst>
+                              <p:cond delay="0"/>
+                            </p:stCondLst>
+                            <p:childTnLst>
+                              <p:par>
+                                <p:cTn id="5" presetID="1" presetClass="entr" presetSubtype="0" fill="hold" grpId="0" nodeType="clickEffect">
+                                  <p:stCondLst>
+                                    <p:cond delay="0"/>
+                                  </p:stCondLst>
+                                  <p:childTnLst>
+                                    <p:set>
+                                      <p:cBhvr>
+                                        <p:cTn id="6" dur="1" fill="hold">
+                                          <p:stCondLst>
+                                            <p:cond delay="0"/>
+                                          </p:stCondLst>
+                                        </p:cTn>
+                                        <p:tgtEl>
+                                          <p:spTgt spid="3">
+                                            <p:txEl>
+                                              <p:pRg st="0" end="0"/>
+                                            </p:txEl>
+                                          </p:spTgt>
+                                        </p:tgtEl>
+                                        <p:attrNameLst>
+                                          <p:attrName>style.visibility</p:attrName>
+                                        </p:attrNameLst>
+                                      </p:cBhvr>
+                                      <p:to>
+                                        <p:strVal val="visible"/>
+                                      </p:to>
+                                    </p:set>
+                                  </p:childTnLst>
+                                </p:cTn>
+                              </p:par>
+                              <p:par>
+                                <p:cTn id="7" presetID="1" presetClass="entr" presetSubtype="0" fill="hold" nodeType="withEffect">
+                                  <p:stCondLst>
+                                    <p:cond delay="0"/>
+                                  </p:stCondLst>
+                                  <p:childTnLst>
+                                    <p:set>
+                                      <p:cBhvr>
+                                        <p:cTn id="8" dur="1" fill="hold">
+                                          <p:stCondLst>
+                                            <p:cond delay="0"/>
+                                          </p:stCondLst>
+                                        </p:cTn>
+                                        <p:tgtEl>
+                                          <p:spTgt spid="6"/>
+                                        </p:tgtEl>
+                                        <p:attrNameLst>
+                                          <p:attrName>style.visibility</p:attrName>
+                                        </p:attrNameLst>
+                                      </p:cBhvr>
+                                      <p:to>
+                                        <p:strVal val="visible"/>
+                                      </p:to>
+                                    </p:set>
+                                  </p:childTnLst>
+                                </p:cTn>
+                              </p:par>
+                              <p:par>
+                                <p:cTn id="9" presetID="1" presetClass="entr" presetSubtype="0" fill="hold" grpId="0" nodeType="withEffect">
+                                  <p:stCondLst>
+                                    <p:cond delay="0"/>
+                                  </p:stCondLst>
+                                  <p:childTnLst>
+                                    <p:set>
+                                      <p:cBhvr>
+                                        <p:cTn id="10" dur="1" fill="hold">
+                                          <p:stCondLst>
+                                            <p:cond delay="0"/>
+                                          </p:stCondLst>
+                                        </p:cTn>
+                                        <p:tgtEl>
+                                          <p:spTgt spid="7"/>
+                                        </p:tgtEl>
+                                        <p:attrNameLst>
+                                          <p:attrName>style.visibility</p:attrName>
+                                        </p:attrNameLst>
+                                      </p:cBhvr>
+                                      <p:to>
+                                        <p:strVal val="visible"/>
+                                      </p:to>
+                                    </p:set>
+                                  </p:childTnLst>
+                                </p:cTn>
+                              </p:par>
+                            </p:childTnLst>
+                          </p:cTn>
+                        </p:par>
+                      </p:childTnLst>
+                    </p:cTn>
+                  </p:par>
+                </p:childTnLst>
+              </p:cTn>
+              <p:prevCondLst>
+                <p:cond evt="onPrev" delay="0">
+                  <p:tgtEl>
+                    <p:sldTgt/>
+                  </p:tgtEl>
+                </p:cond>
+              </p:prevCondLst>
+              <p:nextCondLst>
+                <p:cond evt="onNext" delay="0">
+                  <p:tgtEl>
+                    <p:sldTgt/>
+                  </p:tgtEl>
+                </p:cond>
+              </p:nextCondLst>
+            </p:seq>
+          </p:childTnLst>
+        </p:cTn>
+      </p:par>
+    </p:tnLst>
+    <p:bldLst>
+      <p:bldP spid="3" grpId="0" build="p"/>
+      <p:bldP spid="7" grpId="0"/>
+    </p:bldLst>
+  </p:timing>
 </p:sld>
 </file>
 
@@ -7353,1344 +4963,1323 @@
           </a:p>
         </p:txBody>
       </p:sp>
-      <p:grpSp>
-        <p:nvGrpSpPr>
-          <p:cNvPr id="7" name="Group 6">
+      <p:sp>
+        <p:nvSpPr>
+          <p:cNvPr id="8" name="Freeform: Shape 7">
             <a:extLst>
               <a:ext uri="{FF2B5EF4-FFF2-40B4-BE49-F238E27FC236}">
-                <a16:creationId xmlns:a16="http://schemas.microsoft.com/office/drawing/2014/main" id="{AAD30B4F-4012-2F4F-6037-595601358F8F}"/>
+                <a16:creationId xmlns:a16="http://schemas.microsoft.com/office/drawing/2014/main" id="{389AC8A4-17F0-6F55-3C4F-89BD3A08CB9C}"/>
               </a:ext>
             </a:extLst>
           </p:cNvPr>
-          <p:cNvGrpSpPr/>
+          <p:cNvSpPr/>
           <p:nvPr/>
-        </p:nvGrpSpPr>
-        <p:grpSpPr>
+        </p:nvSpPr>
+        <p:spPr>
           <a:xfrm>
             <a:off x="466283" y="1562363"/>
-            <a:ext cx="8478385" cy="3179195"/>
-            <a:chOff x="466283" y="1562363"/>
-            <a:chExt cx="8478385" cy="3179195"/>
+            <a:ext cx="1899150" cy="1259914"/>
           </a:xfrm>
-        </p:grpSpPr>
-        <p:sp>
-          <p:nvSpPr>
-            <p:cNvPr id="8" name="Freeform: Shape 7">
-              <a:extLst>
-                <a:ext uri="{FF2B5EF4-FFF2-40B4-BE49-F238E27FC236}">
-                  <a16:creationId xmlns:a16="http://schemas.microsoft.com/office/drawing/2014/main" id="{389AC8A4-17F0-6F55-3C4F-89BD3A08CB9C}"/>
-                </a:ext>
-              </a:extLst>
-            </p:cNvPr>
-            <p:cNvSpPr/>
-            <p:nvPr/>
-          </p:nvSpPr>
-          <p:spPr>
-            <a:xfrm>
-              <a:off x="466283" y="1562363"/>
-              <a:ext cx="1899150" cy="1259914"/>
-            </a:xfrm>
-            <a:custGeom>
-              <a:avLst/>
-              <a:gdLst>
-                <a:gd name="connsiteX0" fmla="*/ 0 w 1899150"/>
-                <a:gd name="connsiteY0" fmla="*/ 125991 h 1259914"/>
-                <a:gd name="connsiteX1" fmla="*/ 125991 w 1899150"/>
-                <a:gd name="connsiteY1" fmla="*/ 0 h 1259914"/>
-                <a:gd name="connsiteX2" fmla="*/ 1773159 w 1899150"/>
-                <a:gd name="connsiteY2" fmla="*/ 0 h 1259914"/>
-                <a:gd name="connsiteX3" fmla="*/ 1899150 w 1899150"/>
-                <a:gd name="connsiteY3" fmla="*/ 125991 h 1259914"/>
-                <a:gd name="connsiteX4" fmla="*/ 1899150 w 1899150"/>
-                <a:gd name="connsiteY4" fmla="*/ 1133923 h 1259914"/>
-                <a:gd name="connsiteX5" fmla="*/ 1773159 w 1899150"/>
-                <a:gd name="connsiteY5" fmla="*/ 1259914 h 1259914"/>
-                <a:gd name="connsiteX6" fmla="*/ 125991 w 1899150"/>
-                <a:gd name="connsiteY6" fmla="*/ 1259914 h 1259914"/>
-                <a:gd name="connsiteX7" fmla="*/ 0 w 1899150"/>
-                <a:gd name="connsiteY7" fmla="*/ 1133923 h 1259914"/>
-                <a:gd name="connsiteX8" fmla="*/ 0 w 1899150"/>
-                <a:gd name="connsiteY8" fmla="*/ 125991 h 1259914"/>
-              </a:gdLst>
-              <a:ahLst/>
-              <a:cxnLst>
-                <a:cxn ang="0">
-                  <a:pos x="connsiteX0" y="connsiteY0"/>
-                </a:cxn>
-                <a:cxn ang="0">
-                  <a:pos x="connsiteX1" y="connsiteY1"/>
-                </a:cxn>
-                <a:cxn ang="0">
-                  <a:pos x="connsiteX2" y="connsiteY2"/>
-                </a:cxn>
-                <a:cxn ang="0">
-                  <a:pos x="connsiteX3" y="connsiteY3"/>
-                </a:cxn>
-                <a:cxn ang="0">
-                  <a:pos x="connsiteX4" y="connsiteY4"/>
-                </a:cxn>
-                <a:cxn ang="0">
-                  <a:pos x="connsiteX5" y="connsiteY5"/>
-                </a:cxn>
-                <a:cxn ang="0">
-                  <a:pos x="connsiteX6" y="connsiteY6"/>
-                </a:cxn>
-                <a:cxn ang="0">
-                  <a:pos x="connsiteX7" y="connsiteY7"/>
-                </a:cxn>
-                <a:cxn ang="0">
-                  <a:pos x="connsiteX8" y="connsiteY8"/>
-                </a:cxn>
-              </a:cxnLst>
-              <a:rect l="l" t="t" r="r" b="b"/>
-              <a:pathLst>
-                <a:path w="1899150" h="1259914">
-                  <a:moveTo>
-                    <a:pt x="0" y="125991"/>
-                  </a:moveTo>
-                  <a:cubicBezTo>
-                    <a:pt x="0" y="56408"/>
-                    <a:pt x="56408" y="0"/>
-                    <a:pt x="125991" y="0"/>
-                  </a:cubicBezTo>
-                  <a:lnTo>
-                    <a:pt x="1773159" y="0"/>
-                  </a:lnTo>
-                  <a:cubicBezTo>
-                    <a:pt x="1842742" y="0"/>
-                    <a:pt x="1899150" y="56408"/>
-                    <a:pt x="1899150" y="125991"/>
-                  </a:cubicBezTo>
-                  <a:lnTo>
-                    <a:pt x="1899150" y="1133923"/>
-                  </a:lnTo>
-                  <a:cubicBezTo>
-                    <a:pt x="1899150" y="1203506"/>
-                    <a:pt x="1842742" y="1259914"/>
-                    <a:pt x="1773159" y="1259914"/>
-                  </a:cubicBezTo>
-                  <a:lnTo>
-                    <a:pt x="125991" y="1259914"/>
-                  </a:lnTo>
-                  <a:cubicBezTo>
-                    <a:pt x="56408" y="1259914"/>
-                    <a:pt x="0" y="1203506"/>
-                    <a:pt x="0" y="1133923"/>
-                  </a:cubicBezTo>
-                  <a:lnTo>
-                    <a:pt x="0" y="125991"/>
-                  </a:lnTo>
-                  <a:close/>
-                </a:path>
-              </a:pathLst>
-            </a:custGeom>
-          </p:spPr>
-          <p:style>
-            <a:lnRef idx="2">
-              <a:schemeClr val="lt1">
-                <a:hueOff val="0"/>
-                <a:satOff val="0"/>
-                <a:lumOff val="0"/>
-                <a:alphaOff val="0"/>
-              </a:schemeClr>
-            </a:lnRef>
-            <a:fillRef idx="1">
-              <a:schemeClr val="accent1">
-                <a:hueOff val="0"/>
-                <a:satOff val="0"/>
-                <a:lumOff val="0"/>
-                <a:alphaOff val="0"/>
-              </a:schemeClr>
-            </a:fillRef>
-            <a:effectRef idx="0">
-              <a:schemeClr val="accent1">
-                <a:hueOff val="0"/>
-                <a:satOff val="0"/>
-                <a:lumOff val="0"/>
-                <a:alphaOff val="0"/>
-              </a:schemeClr>
-            </a:effectRef>
-            <a:fontRef idx="minor">
-              <a:schemeClr val="lt1"/>
-            </a:fontRef>
-          </p:style>
-          <p:txBody>
-            <a:bodyPr spcFirstLastPara="0" vert="horz" wrap="square" lIns="113792" tIns="113792" rIns="113792" bIns="480931" numCol="1" spcCol="1270" anchor="t" anchorCtr="0">
-              <a:noAutofit/>
-            </a:bodyPr>
-            <a:lstStyle/>
-            <a:p>
-              <a:pPr marL="0" lvl="0" indent="0" algn="l" defTabSz="711200">
-                <a:lnSpc>
-                  <a:spcPct val="90000"/>
-                </a:lnSpc>
-                <a:spcBef>
-                  <a:spcPct val="0"/>
-                </a:spcBef>
-                <a:spcAft>
-                  <a:spcPct val="35000"/>
-                </a:spcAft>
-                <a:buNone/>
-              </a:pPr>
-              <a:r>
-                <a:rPr lang="en-US" sz="1600" kern="1200" dirty="0"/>
-                <a:t>Connect to reddit API</a:t>
-              </a:r>
-            </a:p>
-          </p:txBody>
-        </p:sp>
-        <p:sp>
-          <p:nvSpPr>
-            <p:cNvPr id="9" name="Freeform: Shape 8">
-              <a:extLst>
-                <a:ext uri="{FF2B5EF4-FFF2-40B4-BE49-F238E27FC236}">
-                  <a16:creationId xmlns:a16="http://schemas.microsoft.com/office/drawing/2014/main" id="{F5711ADC-09C8-FE38-2A89-B68916B81726}"/>
-                </a:ext>
-              </a:extLst>
-            </p:cNvPr>
-            <p:cNvSpPr/>
-            <p:nvPr/>
-          </p:nvSpPr>
-          <p:spPr>
-            <a:xfrm>
-              <a:off x="878272" y="2601787"/>
-              <a:ext cx="1899150" cy="2139771"/>
-            </a:xfrm>
-            <a:custGeom>
-              <a:avLst/>
-              <a:gdLst>
-                <a:gd name="connsiteX0" fmla="*/ 0 w 1899150"/>
-                <a:gd name="connsiteY0" fmla="*/ 189915 h 3397535"/>
-                <a:gd name="connsiteX1" fmla="*/ 189915 w 1899150"/>
-                <a:gd name="connsiteY1" fmla="*/ 0 h 3397535"/>
-                <a:gd name="connsiteX2" fmla="*/ 1709235 w 1899150"/>
-                <a:gd name="connsiteY2" fmla="*/ 0 h 3397535"/>
-                <a:gd name="connsiteX3" fmla="*/ 1899150 w 1899150"/>
-                <a:gd name="connsiteY3" fmla="*/ 189915 h 3397535"/>
-                <a:gd name="connsiteX4" fmla="*/ 1899150 w 1899150"/>
-                <a:gd name="connsiteY4" fmla="*/ 3207620 h 3397535"/>
-                <a:gd name="connsiteX5" fmla="*/ 1709235 w 1899150"/>
-                <a:gd name="connsiteY5" fmla="*/ 3397535 h 3397535"/>
-                <a:gd name="connsiteX6" fmla="*/ 189915 w 1899150"/>
-                <a:gd name="connsiteY6" fmla="*/ 3397535 h 3397535"/>
-                <a:gd name="connsiteX7" fmla="*/ 0 w 1899150"/>
-                <a:gd name="connsiteY7" fmla="*/ 3207620 h 3397535"/>
-                <a:gd name="connsiteX8" fmla="*/ 0 w 1899150"/>
-                <a:gd name="connsiteY8" fmla="*/ 189915 h 3397535"/>
-              </a:gdLst>
-              <a:ahLst/>
-              <a:cxnLst>
-                <a:cxn ang="0">
-                  <a:pos x="connsiteX0" y="connsiteY0"/>
-                </a:cxn>
-                <a:cxn ang="0">
-                  <a:pos x="connsiteX1" y="connsiteY1"/>
-                </a:cxn>
-                <a:cxn ang="0">
-                  <a:pos x="connsiteX2" y="connsiteY2"/>
-                </a:cxn>
-                <a:cxn ang="0">
-                  <a:pos x="connsiteX3" y="connsiteY3"/>
-                </a:cxn>
-                <a:cxn ang="0">
-                  <a:pos x="connsiteX4" y="connsiteY4"/>
-                </a:cxn>
-                <a:cxn ang="0">
-                  <a:pos x="connsiteX5" y="connsiteY5"/>
-                </a:cxn>
-                <a:cxn ang="0">
-                  <a:pos x="connsiteX6" y="connsiteY6"/>
-                </a:cxn>
-                <a:cxn ang="0">
-                  <a:pos x="connsiteX7" y="connsiteY7"/>
-                </a:cxn>
-                <a:cxn ang="0">
-                  <a:pos x="connsiteX8" y="connsiteY8"/>
-                </a:cxn>
-              </a:cxnLst>
-              <a:rect l="l" t="t" r="r" b="b"/>
-              <a:pathLst>
-                <a:path w="1899150" h="3397535">
-                  <a:moveTo>
-                    <a:pt x="0" y="189915"/>
-                  </a:moveTo>
-                  <a:cubicBezTo>
-                    <a:pt x="0" y="85028"/>
-                    <a:pt x="85028" y="0"/>
-                    <a:pt x="189915" y="0"/>
-                  </a:cubicBezTo>
-                  <a:lnTo>
-                    <a:pt x="1709235" y="0"/>
-                  </a:lnTo>
-                  <a:cubicBezTo>
-                    <a:pt x="1814122" y="0"/>
-                    <a:pt x="1899150" y="85028"/>
-                    <a:pt x="1899150" y="189915"/>
-                  </a:cubicBezTo>
-                  <a:lnTo>
-                    <a:pt x="1899150" y="3207620"/>
-                  </a:lnTo>
-                  <a:cubicBezTo>
-                    <a:pt x="1899150" y="3312507"/>
-                    <a:pt x="1814122" y="3397535"/>
-                    <a:pt x="1709235" y="3397535"/>
-                  </a:cubicBezTo>
-                  <a:lnTo>
-                    <a:pt x="189915" y="3397535"/>
-                  </a:lnTo>
-                  <a:cubicBezTo>
-                    <a:pt x="85028" y="3397535"/>
-                    <a:pt x="0" y="3312507"/>
-                    <a:pt x="0" y="3207620"/>
-                  </a:cubicBezTo>
-                  <a:lnTo>
-                    <a:pt x="0" y="189915"/>
-                  </a:lnTo>
-                  <a:close/>
-                </a:path>
-              </a:pathLst>
-            </a:custGeom>
-          </p:spPr>
-          <p:style>
-            <a:lnRef idx="2">
-              <a:schemeClr val="accent1">
-                <a:hueOff val="0"/>
-                <a:satOff val="0"/>
-                <a:lumOff val="0"/>
-                <a:alphaOff val="0"/>
-              </a:schemeClr>
-            </a:lnRef>
-            <a:fillRef idx="1">
-              <a:schemeClr val="lt1">
-                <a:alpha val="90000"/>
-                <a:hueOff val="0"/>
-                <a:satOff val="0"/>
-                <a:lumOff val="0"/>
-                <a:alphaOff val="0"/>
-              </a:schemeClr>
-            </a:fillRef>
-            <a:effectRef idx="0">
-              <a:schemeClr val="lt1">
-                <a:alpha val="90000"/>
-                <a:hueOff val="0"/>
-                <a:satOff val="0"/>
-                <a:lumOff val="0"/>
-                <a:alphaOff val="0"/>
-              </a:schemeClr>
-            </a:effectRef>
-            <a:fontRef idx="minor">
-              <a:schemeClr val="dk1">
-                <a:hueOff val="0"/>
-                <a:satOff val="0"/>
-                <a:lumOff val="0"/>
-                <a:alphaOff val="0"/>
-              </a:schemeClr>
-            </a:fontRef>
-          </p:style>
-          <p:txBody>
-            <a:bodyPr spcFirstLastPara="0" vert="horz" wrap="square" lIns="176528" tIns="176528" rIns="176528" bIns="176528" numCol="1" spcCol="1270" anchor="t" anchorCtr="0">
-              <a:noAutofit/>
-            </a:bodyPr>
-            <a:lstStyle/>
-            <a:p>
-              <a:pPr marL="171450" lvl="1" indent="-171450" algn="l" defTabSz="755650">
-                <a:lnSpc>
-                  <a:spcPct val="90000"/>
-                </a:lnSpc>
-                <a:spcBef>
-                  <a:spcPct val="0"/>
-                </a:spcBef>
-                <a:spcAft>
-                  <a:spcPct val="15000"/>
-                </a:spcAft>
-                <a:buChar char="•"/>
-              </a:pPr>
-              <a:r>
-                <a:rPr lang="en-US" sz="1700" kern="1200" dirty="0"/>
-                <a:t>Very similar to other API’s with the use of authentication keys etc.</a:t>
-              </a:r>
-            </a:p>
-          </p:txBody>
-        </p:sp>
-        <p:sp>
-          <p:nvSpPr>
-            <p:cNvPr id="10" name="Freeform: Shape 9">
-              <a:extLst>
-                <a:ext uri="{FF2B5EF4-FFF2-40B4-BE49-F238E27FC236}">
-                  <a16:creationId xmlns:a16="http://schemas.microsoft.com/office/drawing/2014/main" id="{2B4C35FB-D7A8-6273-1630-215EFEFE093B}"/>
-                </a:ext>
-              </a:extLst>
-            </p:cNvPr>
-            <p:cNvSpPr/>
-            <p:nvPr/>
-          </p:nvSpPr>
-          <p:spPr>
-            <a:xfrm>
-              <a:off x="2668607" y="1881389"/>
-              <a:ext cx="615782" cy="472833"/>
-            </a:xfrm>
-            <a:custGeom>
-              <a:avLst/>
-              <a:gdLst>
-                <a:gd name="connsiteX0" fmla="*/ 0 w 615782"/>
-                <a:gd name="connsiteY0" fmla="*/ 94567 h 472833"/>
-                <a:gd name="connsiteX1" fmla="*/ 379366 w 615782"/>
-                <a:gd name="connsiteY1" fmla="*/ 94567 h 472833"/>
-                <a:gd name="connsiteX2" fmla="*/ 379366 w 615782"/>
-                <a:gd name="connsiteY2" fmla="*/ 0 h 472833"/>
-                <a:gd name="connsiteX3" fmla="*/ 615782 w 615782"/>
-                <a:gd name="connsiteY3" fmla="*/ 236417 h 472833"/>
-                <a:gd name="connsiteX4" fmla="*/ 379366 w 615782"/>
-                <a:gd name="connsiteY4" fmla="*/ 472833 h 472833"/>
-                <a:gd name="connsiteX5" fmla="*/ 379366 w 615782"/>
-                <a:gd name="connsiteY5" fmla="*/ 378266 h 472833"/>
-                <a:gd name="connsiteX6" fmla="*/ 0 w 615782"/>
-                <a:gd name="connsiteY6" fmla="*/ 378266 h 472833"/>
-                <a:gd name="connsiteX7" fmla="*/ 0 w 615782"/>
-                <a:gd name="connsiteY7" fmla="*/ 94567 h 472833"/>
-              </a:gdLst>
-              <a:ahLst/>
-              <a:cxnLst>
-                <a:cxn ang="0">
-                  <a:pos x="connsiteX0" y="connsiteY0"/>
-                </a:cxn>
-                <a:cxn ang="0">
-                  <a:pos x="connsiteX1" y="connsiteY1"/>
-                </a:cxn>
-                <a:cxn ang="0">
-                  <a:pos x="connsiteX2" y="connsiteY2"/>
-                </a:cxn>
-                <a:cxn ang="0">
-                  <a:pos x="connsiteX3" y="connsiteY3"/>
-                </a:cxn>
-                <a:cxn ang="0">
-                  <a:pos x="connsiteX4" y="connsiteY4"/>
-                </a:cxn>
-                <a:cxn ang="0">
-                  <a:pos x="connsiteX5" y="connsiteY5"/>
-                </a:cxn>
-                <a:cxn ang="0">
-                  <a:pos x="connsiteX6" y="connsiteY6"/>
-                </a:cxn>
-                <a:cxn ang="0">
-                  <a:pos x="connsiteX7" y="connsiteY7"/>
-                </a:cxn>
-              </a:cxnLst>
-              <a:rect l="l" t="t" r="r" b="b"/>
-              <a:pathLst>
-                <a:path w="615782" h="472833">
-                  <a:moveTo>
-                    <a:pt x="0" y="94567"/>
-                  </a:moveTo>
-                  <a:lnTo>
-                    <a:pt x="379366" y="94567"/>
-                  </a:lnTo>
-                  <a:lnTo>
-                    <a:pt x="379366" y="0"/>
-                  </a:lnTo>
-                  <a:lnTo>
-                    <a:pt x="615782" y="236417"/>
-                  </a:lnTo>
-                  <a:lnTo>
-                    <a:pt x="379366" y="472833"/>
-                  </a:lnTo>
-                  <a:lnTo>
-                    <a:pt x="379366" y="378266"/>
-                  </a:lnTo>
-                  <a:lnTo>
-                    <a:pt x="0" y="378266"/>
-                  </a:lnTo>
-                  <a:lnTo>
-                    <a:pt x="0" y="94567"/>
-                  </a:lnTo>
-                  <a:close/>
-                </a:path>
-              </a:pathLst>
-            </a:custGeom>
-          </p:spPr>
-          <p:style>
-            <a:lnRef idx="0">
-              <a:schemeClr val="accent1">
-                <a:tint val="60000"/>
-                <a:hueOff val="0"/>
-                <a:satOff val="0"/>
-                <a:lumOff val="0"/>
-                <a:alphaOff val="0"/>
-              </a:schemeClr>
-            </a:lnRef>
-            <a:fillRef idx="1">
-              <a:schemeClr val="accent1">
-                <a:tint val="60000"/>
-                <a:hueOff val="0"/>
-                <a:satOff val="0"/>
-                <a:lumOff val="0"/>
-                <a:alphaOff val="0"/>
-              </a:schemeClr>
-            </a:fillRef>
-            <a:effectRef idx="0">
-              <a:schemeClr val="accent1">
-                <a:tint val="60000"/>
-                <a:hueOff val="0"/>
-                <a:satOff val="0"/>
-                <a:lumOff val="0"/>
-                <a:alphaOff val="0"/>
-              </a:schemeClr>
-            </a:effectRef>
-            <a:fontRef idx="minor">
-              <a:schemeClr val="lt1"/>
-            </a:fontRef>
-          </p:style>
-          <p:txBody>
-            <a:bodyPr spcFirstLastPara="0" vert="horz" wrap="square" lIns="-1" tIns="94567" rIns="141850" bIns="94566" numCol="1" spcCol="1270" anchor="ctr" anchorCtr="0">
-              <a:noAutofit/>
-            </a:bodyPr>
-            <a:lstStyle/>
-            <a:p>
-              <a:pPr marL="0" lvl="0" indent="0" algn="ctr" defTabSz="622300">
-                <a:lnSpc>
-                  <a:spcPct val="90000"/>
-                </a:lnSpc>
-                <a:spcBef>
-                  <a:spcPct val="0"/>
-                </a:spcBef>
-                <a:spcAft>
-                  <a:spcPct val="35000"/>
-                </a:spcAft>
-                <a:buNone/>
-              </a:pPr>
-              <a:endParaRPr lang="en-US" sz="1400" kern="1200"/>
-            </a:p>
-          </p:txBody>
-        </p:sp>
-        <p:sp>
-          <p:nvSpPr>
-            <p:cNvPr id="11" name="Freeform: Shape 10">
-              <a:extLst>
-                <a:ext uri="{FF2B5EF4-FFF2-40B4-BE49-F238E27FC236}">
-                  <a16:creationId xmlns:a16="http://schemas.microsoft.com/office/drawing/2014/main" id="{F5544752-4250-E7D9-118F-0C12F228018A}"/>
-                </a:ext>
-              </a:extLst>
-            </p:cNvPr>
-            <p:cNvSpPr/>
-            <p:nvPr/>
-          </p:nvSpPr>
-          <p:spPr>
-            <a:xfrm>
-              <a:off x="3527286" y="1562363"/>
-              <a:ext cx="1899150" cy="1243882"/>
-            </a:xfrm>
-            <a:custGeom>
-              <a:avLst/>
-              <a:gdLst>
-                <a:gd name="connsiteX0" fmla="*/ 0 w 1899150"/>
-                <a:gd name="connsiteY0" fmla="*/ 124388 h 1243882"/>
-                <a:gd name="connsiteX1" fmla="*/ 124388 w 1899150"/>
-                <a:gd name="connsiteY1" fmla="*/ 0 h 1243882"/>
-                <a:gd name="connsiteX2" fmla="*/ 1774762 w 1899150"/>
-                <a:gd name="connsiteY2" fmla="*/ 0 h 1243882"/>
-                <a:gd name="connsiteX3" fmla="*/ 1899150 w 1899150"/>
-                <a:gd name="connsiteY3" fmla="*/ 124388 h 1243882"/>
-                <a:gd name="connsiteX4" fmla="*/ 1899150 w 1899150"/>
-                <a:gd name="connsiteY4" fmla="*/ 1119494 h 1243882"/>
-                <a:gd name="connsiteX5" fmla="*/ 1774762 w 1899150"/>
-                <a:gd name="connsiteY5" fmla="*/ 1243882 h 1243882"/>
-                <a:gd name="connsiteX6" fmla="*/ 124388 w 1899150"/>
-                <a:gd name="connsiteY6" fmla="*/ 1243882 h 1243882"/>
-                <a:gd name="connsiteX7" fmla="*/ 0 w 1899150"/>
-                <a:gd name="connsiteY7" fmla="*/ 1119494 h 1243882"/>
-                <a:gd name="connsiteX8" fmla="*/ 0 w 1899150"/>
-                <a:gd name="connsiteY8" fmla="*/ 124388 h 1243882"/>
-              </a:gdLst>
-              <a:ahLst/>
-              <a:cxnLst>
-                <a:cxn ang="0">
-                  <a:pos x="connsiteX0" y="connsiteY0"/>
-                </a:cxn>
-                <a:cxn ang="0">
-                  <a:pos x="connsiteX1" y="connsiteY1"/>
-                </a:cxn>
-                <a:cxn ang="0">
-                  <a:pos x="connsiteX2" y="connsiteY2"/>
-                </a:cxn>
-                <a:cxn ang="0">
-                  <a:pos x="connsiteX3" y="connsiteY3"/>
-                </a:cxn>
-                <a:cxn ang="0">
-                  <a:pos x="connsiteX4" y="connsiteY4"/>
-                </a:cxn>
-                <a:cxn ang="0">
-                  <a:pos x="connsiteX5" y="connsiteY5"/>
-                </a:cxn>
-                <a:cxn ang="0">
-                  <a:pos x="connsiteX6" y="connsiteY6"/>
-                </a:cxn>
-                <a:cxn ang="0">
-                  <a:pos x="connsiteX7" y="connsiteY7"/>
-                </a:cxn>
-                <a:cxn ang="0">
-                  <a:pos x="connsiteX8" y="connsiteY8"/>
-                </a:cxn>
-              </a:cxnLst>
-              <a:rect l="l" t="t" r="r" b="b"/>
-              <a:pathLst>
-                <a:path w="1899150" h="1243882">
-                  <a:moveTo>
-                    <a:pt x="0" y="124388"/>
-                  </a:moveTo>
-                  <a:cubicBezTo>
-                    <a:pt x="0" y="55690"/>
-                    <a:pt x="55690" y="0"/>
-                    <a:pt x="124388" y="0"/>
-                  </a:cubicBezTo>
-                  <a:lnTo>
-                    <a:pt x="1774762" y="0"/>
-                  </a:lnTo>
-                  <a:cubicBezTo>
-                    <a:pt x="1843460" y="0"/>
-                    <a:pt x="1899150" y="55690"/>
-                    <a:pt x="1899150" y="124388"/>
-                  </a:cubicBezTo>
-                  <a:lnTo>
-                    <a:pt x="1899150" y="1119494"/>
-                  </a:lnTo>
-                  <a:cubicBezTo>
-                    <a:pt x="1899150" y="1188192"/>
-                    <a:pt x="1843460" y="1243882"/>
-                    <a:pt x="1774762" y="1243882"/>
-                  </a:cubicBezTo>
-                  <a:lnTo>
-                    <a:pt x="124388" y="1243882"/>
-                  </a:lnTo>
-                  <a:cubicBezTo>
-                    <a:pt x="55690" y="1243882"/>
-                    <a:pt x="0" y="1188192"/>
-                    <a:pt x="0" y="1119494"/>
-                  </a:cubicBezTo>
-                  <a:lnTo>
-                    <a:pt x="0" y="124388"/>
-                  </a:lnTo>
-                  <a:close/>
-                </a:path>
-              </a:pathLst>
-            </a:custGeom>
-          </p:spPr>
-          <p:style>
-            <a:lnRef idx="2">
-              <a:schemeClr val="lt1">
-                <a:hueOff val="0"/>
-                <a:satOff val="0"/>
-                <a:lumOff val="0"/>
-                <a:alphaOff val="0"/>
-              </a:schemeClr>
-            </a:lnRef>
-            <a:fillRef idx="1">
-              <a:schemeClr val="accent1">
-                <a:hueOff val="0"/>
-                <a:satOff val="0"/>
-                <a:lumOff val="0"/>
-                <a:alphaOff val="0"/>
-              </a:schemeClr>
-            </a:fillRef>
-            <a:effectRef idx="0">
-              <a:schemeClr val="accent1">
-                <a:hueOff val="0"/>
-                <a:satOff val="0"/>
-                <a:lumOff val="0"/>
-                <a:alphaOff val="0"/>
-              </a:schemeClr>
-            </a:effectRef>
-            <a:fontRef idx="minor">
-              <a:schemeClr val="lt1"/>
-            </a:fontRef>
-          </p:style>
-          <p:txBody>
-            <a:bodyPr spcFirstLastPara="0" vert="horz" wrap="square" lIns="113792" tIns="113792" rIns="113792" bIns="475587" numCol="1" spcCol="1270" anchor="t" anchorCtr="0">
-              <a:noAutofit/>
-            </a:bodyPr>
-            <a:lstStyle/>
-            <a:p>
-              <a:pPr marL="0" lvl="0" indent="0" algn="l" defTabSz="711200">
-                <a:lnSpc>
-                  <a:spcPct val="90000"/>
-                </a:lnSpc>
-                <a:spcBef>
-                  <a:spcPct val="0"/>
-                </a:spcBef>
-                <a:spcAft>
-                  <a:spcPct val="35000"/>
-                </a:spcAft>
-                <a:buNone/>
-              </a:pPr>
-              <a:r>
-                <a:rPr lang="en-US" sz="1600" kern="1200" dirty="0"/>
-                <a:t>Specify the subreddit and pull the most recent 1000 posts</a:t>
-              </a:r>
-            </a:p>
-          </p:txBody>
-        </p:sp>
-        <p:sp>
-          <p:nvSpPr>
-            <p:cNvPr id="12" name="Freeform: Shape 11">
-              <a:extLst>
-                <a:ext uri="{FF2B5EF4-FFF2-40B4-BE49-F238E27FC236}">
-                  <a16:creationId xmlns:a16="http://schemas.microsoft.com/office/drawing/2014/main" id="{8A1A71F5-C743-DA82-05EC-C988C96C828C}"/>
-                </a:ext>
-              </a:extLst>
-            </p:cNvPr>
-            <p:cNvSpPr/>
-            <p:nvPr/>
-          </p:nvSpPr>
-          <p:spPr>
-            <a:xfrm>
-              <a:off x="3956604" y="2601787"/>
-              <a:ext cx="1899150" cy="2139771"/>
-            </a:xfrm>
-            <a:custGeom>
-              <a:avLst/>
-              <a:gdLst>
-                <a:gd name="connsiteX0" fmla="*/ 0 w 1899150"/>
-                <a:gd name="connsiteY0" fmla="*/ 189915 h 4083031"/>
-                <a:gd name="connsiteX1" fmla="*/ 189915 w 1899150"/>
-                <a:gd name="connsiteY1" fmla="*/ 0 h 4083031"/>
-                <a:gd name="connsiteX2" fmla="*/ 1709235 w 1899150"/>
-                <a:gd name="connsiteY2" fmla="*/ 0 h 4083031"/>
-                <a:gd name="connsiteX3" fmla="*/ 1899150 w 1899150"/>
-                <a:gd name="connsiteY3" fmla="*/ 189915 h 4083031"/>
-                <a:gd name="connsiteX4" fmla="*/ 1899150 w 1899150"/>
-                <a:gd name="connsiteY4" fmla="*/ 3893116 h 4083031"/>
-                <a:gd name="connsiteX5" fmla="*/ 1709235 w 1899150"/>
-                <a:gd name="connsiteY5" fmla="*/ 4083031 h 4083031"/>
-                <a:gd name="connsiteX6" fmla="*/ 189915 w 1899150"/>
-                <a:gd name="connsiteY6" fmla="*/ 4083031 h 4083031"/>
-                <a:gd name="connsiteX7" fmla="*/ 0 w 1899150"/>
-                <a:gd name="connsiteY7" fmla="*/ 3893116 h 4083031"/>
-                <a:gd name="connsiteX8" fmla="*/ 0 w 1899150"/>
-                <a:gd name="connsiteY8" fmla="*/ 189915 h 4083031"/>
-              </a:gdLst>
-              <a:ahLst/>
-              <a:cxnLst>
-                <a:cxn ang="0">
-                  <a:pos x="connsiteX0" y="connsiteY0"/>
-                </a:cxn>
-                <a:cxn ang="0">
-                  <a:pos x="connsiteX1" y="connsiteY1"/>
-                </a:cxn>
-                <a:cxn ang="0">
-                  <a:pos x="connsiteX2" y="connsiteY2"/>
-                </a:cxn>
-                <a:cxn ang="0">
-                  <a:pos x="connsiteX3" y="connsiteY3"/>
-                </a:cxn>
-                <a:cxn ang="0">
-                  <a:pos x="connsiteX4" y="connsiteY4"/>
-                </a:cxn>
-                <a:cxn ang="0">
-                  <a:pos x="connsiteX5" y="connsiteY5"/>
-                </a:cxn>
-                <a:cxn ang="0">
-                  <a:pos x="connsiteX6" y="connsiteY6"/>
-                </a:cxn>
-                <a:cxn ang="0">
-                  <a:pos x="connsiteX7" y="connsiteY7"/>
-                </a:cxn>
-                <a:cxn ang="0">
-                  <a:pos x="connsiteX8" y="connsiteY8"/>
-                </a:cxn>
-              </a:cxnLst>
-              <a:rect l="l" t="t" r="r" b="b"/>
-              <a:pathLst>
-                <a:path w="1899150" h="4083031">
-                  <a:moveTo>
-                    <a:pt x="0" y="189915"/>
-                  </a:moveTo>
-                  <a:cubicBezTo>
-                    <a:pt x="0" y="85028"/>
-                    <a:pt x="85028" y="0"/>
-                    <a:pt x="189915" y="0"/>
-                  </a:cubicBezTo>
-                  <a:lnTo>
-                    <a:pt x="1709235" y="0"/>
-                  </a:lnTo>
-                  <a:cubicBezTo>
-                    <a:pt x="1814122" y="0"/>
-                    <a:pt x="1899150" y="85028"/>
-                    <a:pt x="1899150" y="189915"/>
-                  </a:cubicBezTo>
-                  <a:lnTo>
-                    <a:pt x="1899150" y="3893116"/>
-                  </a:lnTo>
-                  <a:cubicBezTo>
-                    <a:pt x="1899150" y="3998003"/>
-                    <a:pt x="1814122" y="4083031"/>
-                    <a:pt x="1709235" y="4083031"/>
-                  </a:cubicBezTo>
-                  <a:lnTo>
-                    <a:pt x="189915" y="4083031"/>
-                  </a:lnTo>
-                  <a:cubicBezTo>
-                    <a:pt x="85028" y="4083031"/>
-                    <a:pt x="0" y="3998003"/>
-                    <a:pt x="0" y="3893116"/>
-                  </a:cubicBezTo>
-                  <a:lnTo>
-                    <a:pt x="0" y="189915"/>
-                  </a:lnTo>
-                  <a:close/>
-                </a:path>
-              </a:pathLst>
-            </a:custGeom>
-          </p:spPr>
-          <p:style>
-            <a:lnRef idx="2">
-              <a:schemeClr val="accent1">
-                <a:hueOff val="0"/>
-                <a:satOff val="0"/>
-                <a:lumOff val="0"/>
-                <a:alphaOff val="0"/>
-              </a:schemeClr>
-            </a:lnRef>
-            <a:fillRef idx="1">
-              <a:schemeClr val="lt1">
-                <a:alpha val="90000"/>
-                <a:hueOff val="0"/>
-                <a:satOff val="0"/>
-                <a:lumOff val="0"/>
-                <a:alphaOff val="0"/>
-              </a:schemeClr>
-            </a:fillRef>
-            <a:effectRef idx="0">
-              <a:schemeClr val="lt1">
-                <a:alpha val="90000"/>
-                <a:hueOff val="0"/>
-                <a:satOff val="0"/>
-                <a:lumOff val="0"/>
-                <a:alphaOff val="0"/>
-              </a:schemeClr>
-            </a:effectRef>
-            <a:fontRef idx="minor">
-              <a:schemeClr val="dk1">
-                <a:hueOff val="0"/>
-                <a:satOff val="0"/>
-                <a:lumOff val="0"/>
-                <a:alphaOff val="0"/>
-              </a:schemeClr>
-            </a:fontRef>
-          </p:style>
-          <p:txBody>
-            <a:bodyPr spcFirstLastPara="0" vert="horz" wrap="square" lIns="176528" tIns="176528" rIns="176528" bIns="176528" numCol="1" spcCol="1270" anchor="t" anchorCtr="0">
-              <a:noAutofit/>
-            </a:bodyPr>
-            <a:lstStyle/>
-            <a:p>
-              <a:pPr marL="171450" lvl="1" indent="-171450" algn="l" defTabSz="755650">
-                <a:lnSpc>
-                  <a:spcPct val="90000"/>
-                </a:lnSpc>
-                <a:spcBef>
-                  <a:spcPct val="0"/>
-                </a:spcBef>
-                <a:spcAft>
-                  <a:spcPct val="15000"/>
-                </a:spcAft>
-                <a:buChar char="•"/>
-              </a:pPr>
-              <a:r>
-                <a:rPr lang="en-US" sz="1700" kern="1200" dirty="0"/>
-                <a:t>I extracted posts from “r/Depression” thinking this would have the most dramatic differences in sentiment</a:t>
-              </a:r>
-            </a:p>
-          </p:txBody>
-        </p:sp>
-        <p:sp>
-          <p:nvSpPr>
-            <p:cNvPr id="13" name="Freeform: Shape 12">
-              <a:extLst>
-                <a:ext uri="{FF2B5EF4-FFF2-40B4-BE49-F238E27FC236}">
-                  <a16:creationId xmlns:a16="http://schemas.microsoft.com/office/drawing/2014/main" id="{98DFEF2C-4E20-DBB0-6258-BB31342900AD}"/>
-                </a:ext>
-              </a:extLst>
-            </p:cNvPr>
-            <p:cNvSpPr/>
-            <p:nvPr/>
-          </p:nvSpPr>
-          <p:spPr>
-            <a:xfrm>
-              <a:off x="5711933" y="1858775"/>
-              <a:ext cx="608933" cy="472833"/>
-            </a:xfrm>
-            <a:custGeom>
-              <a:avLst/>
-              <a:gdLst>
-                <a:gd name="connsiteX0" fmla="*/ 0 w 608933"/>
-                <a:gd name="connsiteY0" fmla="*/ 94567 h 472833"/>
-                <a:gd name="connsiteX1" fmla="*/ 372517 w 608933"/>
-                <a:gd name="connsiteY1" fmla="*/ 94567 h 472833"/>
-                <a:gd name="connsiteX2" fmla="*/ 372517 w 608933"/>
-                <a:gd name="connsiteY2" fmla="*/ 0 h 472833"/>
-                <a:gd name="connsiteX3" fmla="*/ 608933 w 608933"/>
-                <a:gd name="connsiteY3" fmla="*/ 236417 h 472833"/>
-                <a:gd name="connsiteX4" fmla="*/ 372517 w 608933"/>
-                <a:gd name="connsiteY4" fmla="*/ 472833 h 472833"/>
-                <a:gd name="connsiteX5" fmla="*/ 372517 w 608933"/>
-                <a:gd name="connsiteY5" fmla="*/ 378266 h 472833"/>
-                <a:gd name="connsiteX6" fmla="*/ 0 w 608933"/>
-                <a:gd name="connsiteY6" fmla="*/ 378266 h 472833"/>
-                <a:gd name="connsiteX7" fmla="*/ 0 w 608933"/>
-                <a:gd name="connsiteY7" fmla="*/ 94567 h 472833"/>
-              </a:gdLst>
-              <a:ahLst/>
-              <a:cxnLst>
-                <a:cxn ang="0">
-                  <a:pos x="connsiteX0" y="connsiteY0"/>
-                </a:cxn>
-                <a:cxn ang="0">
-                  <a:pos x="connsiteX1" y="connsiteY1"/>
-                </a:cxn>
-                <a:cxn ang="0">
-                  <a:pos x="connsiteX2" y="connsiteY2"/>
-                </a:cxn>
-                <a:cxn ang="0">
-                  <a:pos x="connsiteX3" y="connsiteY3"/>
-                </a:cxn>
-                <a:cxn ang="0">
-                  <a:pos x="connsiteX4" y="connsiteY4"/>
-                </a:cxn>
-                <a:cxn ang="0">
-                  <a:pos x="connsiteX5" y="connsiteY5"/>
-                </a:cxn>
-                <a:cxn ang="0">
-                  <a:pos x="connsiteX6" y="connsiteY6"/>
-                </a:cxn>
-                <a:cxn ang="0">
-                  <a:pos x="connsiteX7" y="connsiteY7"/>
-                </a:cxn>
-              </a:cxnLst>
-              <a:rect l="l" t="t" r="r" b="b"/>
-              <a:pathLst>
-                <a:path w="608933" h="472833">
-                  <a:moveTo>
-                    <a:pt x="0" y="94567"/>
-                  </a:moveTo>
-                  <a:lnTo>
-                    <a:pt x="372517" y="94567"/>
-                  </a:lnTo>
-                  <a:lnTo>
-                    <a:pt x="372517" y="0"/>
-                  </a:lnTo>
-                  <a:lnTo>
-                    <a:pt x="608933" y="236417"/>
-                  </a:lnTo>
-                  <a:lnTo>
-                    <a:pt x="372517" y="472833"/>
-                  </a:lnTo>
-                  <a:lnTo>
-                    <a:pt x="372517" y="378266"/>
-                  </a:lnTo>
-                  <a:lnTo>
-                    <a:pt x="0" y="378266"/>
-                  </a:lnTo>
-                  <a:lnTo>
-                    <a:pt x="0" y="94567"/>
-                  </a:lnTo>
-                  <a:close/>
-                </a:path>
-              </a:pathLst>
-            </a:custGeom>
-          </p:spPr>
-          <p:style>
-            <a:lnRef idx="0">
-              <a:schemeClr val="accent1">
-                <a:tint val="60000"/>
-                <a:hueOff val="0"/>
-                <a:satOff val="0"/>
-                <a:lumOff val="0"/>
-                <a:alphaOff val="0"/>
-              </a:schemeClr>
-            </a:lnRef>
-            <a:fillRef idx="1">
-              <a:schemeClr val="accent1">
-                <a:tint val="60000"/>
-                <a:hueOff val="0"/>
-                <a:satOff val="0"/>
-                <a:lumOff val="0"/>
-                <a:alphaOff val="0"/>
-              </a:schemeClr>
-            </a:fillRef>
-            <a:effectRef idx="0">
-              <a:schemeClr val="accent1">
-                <a:tint val="60000"/>
-                <a:hueOff val="0"/>
-                <a:satOff val="0"/>
-                <a:lumOff val="0"/>
-                <a:alphaOff val="0"/>
-              </a:schemeClr>
-            </a:effectRef>
-            <a:fontRef idx="minor">
-              <a:schemeClr val="lt1"/>
-            </a:fontRef>
-          </p:style>
-          <p:txBody>
-            <a:bodyPr spcFirstLastPara="0" vert="horz" wrap="square" lIns="-1" tIns="94567" rIns="141850" bIns="94566" numCol="1" spcCol="1270" anchor="ctr" anchorCtr="0">
-              <a:noAutofit/>
-            </a:bodyPr>
-            <a:lstStyle/>
-            <a:p>
-              <a:pPr marL="0" lvl="0" indent="0" algn="ctr" defTabSz="622300">
-                <a:lnSpc>
-                  <a:spcPct val="90000"/>
-                </a:lnSpc>
-                <a:spcBef>
-                  <a:spcPct val="0"/>
-                </a:spcBef>
-                <a:spcAft>
-                  <a:spcPct val="35000"/>
-                </a:spcAft>
-                <a:buNone/>
-              </a:pPr>
-              <a:endParaRPr lang="en-US" sz="1400" kern="1200"/>
-            </a:p>
-          </p:txBody>
-        </p:sp>
-        <p:sp>
-          <p:nvSpPr>
-            <p:cNvPr id="14" name="Freeform: Shape 13">
-              <a:extLst>
-                <a:ext uri="{FF2B5EF4-FFF2-40B4-BE49-F238E27FC236}">
-                  <a16:creationId xmlns:a16="http://schemas.microsoft.com/office/drawing/2014/main" id="{EDFD3549-B858-27DE-3D2A-0A09B4DC9DB8}"/>
-                </a:ext>
-              </a:extLst>
-            </p:cNvPr>
-            <p:cNvSpPr/>
-            <p:nvPr/>
-          </p:nvSpPr>
-          <p:spPr>
-            <a:xfrm>
-              <a:off x="6616200" y="1562363"/>
-              <a:ext cx="1899150" cy="1243882"/>
-            </a:xfrm>
-            <a:custGeom>
-              <a:avLst/>
-              <a:gdLst>
-                <a:gd name="connsiteX0" fmla="*/ 0 w 1899150"/>
-                <a:gd name="connsiteY0" fmla="*/ 73440 h 734399"/>
-                <a:gd name="connsiteX1" fmla="*/ 73440 w 1899150"/>
-                <a:gd name="connsiteY1" fmla="*/ 0 h 734399"/>
-                <a:gd name="connsiteX2" fmla="*/ 1825710 w 1899150"/>
-                <a:gd name="connsiteY2" fmla="*/ 0 h 734399"/>
-                <a:gd name="connsiteX3" fmla="*/ 1899150 w 1899150"/>
-                <a:gd name="connsiteY3" fmla="*/ 73440 h 734399"/>
-                <a:gd name="connsiteX4" fmla="*/ 1899150 w 1899150"/>
-                <a:gd name="connsiteY4" fmla="*/ 660959 h 734399"/>
-                <a:gd name="connsiteX5" fmla="*/ 1825710 w 1899150"/>
-                <a:gd name="connsiteY5" fmla="*/ 734399 h 734399"/>
-                <a:gd name="connsiteX6" fmla="*/ 73440 w 1899150"/>
-                <a:gd name="connsiteY6" fmla="*/ 734399 h 734399"/>
-                <a:gd name="connsiteX7" fmla="*/ 0 w 1899150"/>
-                <a:gd name="connsiteY7" fmla="*/ 660959 h 734399"/>
-                <a:gd name="connsiteX8" fmla="*/ 0 w 1899150"/>
-                <a:gd name="connsiteY8" fmla="*/ 73440 h 734399"/>
-              </a:gdLst>
-              <a:ahLst/>
-              <a:cxnLst>
-                <a:cxn ang="0">
-                  <a:pos x="connsiteX0" y="connsiteY0"/>
-                </a:cxn>
-                <a:cxn ang="0">
-                  <a:pos x="connsiteX1" y="connsiteY1"/>
-                </a:cxn>
-                <a:cxn ang="0">
-                  <a:pos x="connsiteX2" y="connsiteY2"/>
-                </a:cxn>
-                <a:cxn ang="0">
-                  <a:pos x="connsiteX3" y="connsiteY3"/>
-                </a:cxn>
-                <a:cxn ang="0">
-                  <a:pos x="connsiteX4" y="connsiteY4"/>
-                </a:cxn>
-                <a:cxn ang="0">
-                  <a:pos x="connsiteX5" y="connsiteY5"/>
-                </a:cxn>
-                <a:cxn ang="0">
-                  <a:pos x="connsiteX6" y="connsiteY6"/>
-                </a:cxn>
-                <a:cxn ang="0">
-                  <a:pos x="connsiteX7" y="connsiteY7"/>
-                </a:cxn>
-                <a:cxn ang="0">
-                  <a:pos x="connsiteX8" y="connsiteY8"/>
-                </a:cxn>
-              </a:cxnLst>
-              <a:rect l="l" t="t" r="r" b="b"/>
-              <a:pathLst>
-                <a:path w="1899150" h="734399">
-                  <a:moveTo>
-                    <a:pt x="0" y="73440"/>
-                  </a:moveTo>
-                  <a:cubicBezTo>
-                    <a:pt x="0" y="32880"/>
-                    <a:pt x="32880" y="0"/>
-                    <a:pt x="73440" y="0"/>
-                  </a:cubicBezTo>
-                  <a:lnTo>
-                    <a:pt x="1825710" y="0"/>
-                  </a:lnTo>
-                  <a:cubicBezTo>
-                    <a:pt x="1866270" y="0"/>
-                    <a:pt x="1899150" y="32880"/>
-                    <a:pt x="1899150" y="73440"/>
-                  </a:cubicBezTo>
-                  <a:lnTo>
-                    <a:pt x="1899150" y="660959"/>
-                  </a:lnTo>
-                  <a:cubicBezTo>
-                    <a:pt x="1899150" y="701519"/>
-                    <a:pt x="1866270" y="734399"/>
-                    <a:pt x="1825710" y="734399"/>
-                  </a:cubicBezTo>
-                  <a:lnTo>
-                    <a:pt x="73440" y="734399"/>
-                  </a:lnTo>
-                  <a:cubicBezTo>
-                    <a:pt x="32880" y="734399"/>
-                    <a:pt x="0" y="701519"/>
-                    <a:pt x="0" y="660959"/>
-                  </a:cubicBezTo>
-                  <a:lnTo>
-                    <a:pt x="0" y="73440"/>
-                  </a:lnTo>
-                  <a:close/>
-                </a:path>
-              </a:pathLst>
-            </a:custGeom>
-          </p:spPr>
-          <p:style>
-            <a:lnRef idx="2">
-              <a:schemeClr val="lt1">
-                <a:hueOff val="0"/>
-                <a:satOff val="0"/>
-                <a:lumOff val="0"/>
-                <a:alphaOff val="0"/>
-              </a:schemeClr>
-            </a:lnRef>
-            <a:fillRef idx="1">
-              <a:schemeClr val="accent1">
-                <a:hueOff val="0"/>
-                <a:satOff val="0"/>
-                <a:lumOff val="0"/>
-                <a:alphaOff val="0"/>
-              </a:schemeClr>
-            </a:fillRef>
-            <a:effectRef idx="0">
-              <a:schemeClr val="accent1">
-                <a:hueOff val="0"/>
-                <a:satOff val="0"/>
-                <a:lumOff val="0"/>
-                <a:alphaOff val="0"/>
-              </a:schemeClr>
-            </a:effectRef>
-            <a:fontRef idx="minor">
-              <a:schemeClr val="lt1"/>
-            </a:fontRef>
-          </p:style>
-          <p:txBody>
-            <a:bodyPr spcFirstLastPara="0" vert="horz" wrap="square" lIns="120904" tIns="120904" rIns="120904" bIns="309569" numCol="1" spcCol="1270" anchor="t" anchorCtr="0">
-              <a:noAutofit/>
-            </a:bodyPr>
-            <a:lstStyle/>
-            <a:p>
-              <a:pPr marL="0" lvl="0" indent="0" algn="l" defTabSz="755650">
-                <a:lnSpc>
-                  <a:spcPct val="90000"/>
-                </a:lnSpc>
-                <a:spcBef>
-                  <a:spcPct val="0"/>
-                </a:spcBef>
-                <a:spcAft>
-                  <a:spcPct val="35000"/>
-                </a:spcAft>
-                <a:buNone/>
-              </a:pPr>
-              <a:r>
-                <a:rPr lang="en-US" sz="1700" kern="1200" dirty="0"/>
-                <a:t>Extract only headers needed for analysis</a:t>
-              </a:r>
-            </a:p>
-          </p:txBody>
-        </p:sp>
-        <p:sp>
-          <p:nvSpPr>
-            <p:cNvPr id="15" name="Freeform: Shape 14">
-              <a:extLst>
-                <a:ext uri="{FF2B5EF4-FFF2-40B4-BE49-F238E27FC236}">
-                  <a16:creationId xmlns:a16="http://schemas.microsoft.com/office/drawing/2014/main" id="{92DE3511-74AB-9736-CDC9-31CEBF551892}"/>
-                </a:ext>
-              </a:extLst>
-            </p:cNvPr>
-            <p:cNvSpPr/>
-            <p:nvPr/>
-          </p:nvSpPr>
-          <p:spPr>
-            <a:xfrm>
-              <a:off x="7045518" y="2601788"/>
-              <a:ext cx="1899150" cy="2139770"/>
-            </a:xfrm>
-            <a:custGeom>
-              <a:avLst/>
-              <a:gdLst>
-                <a:gd name="connsiteX0" fmla="*/ 0 w 1899150"/>
-                <a:gd name="connsiteY0" fmla="*/ 189915 h 3729375"/>
-                <a:gd name="connsiteX1" fmla="*/ 189915 w 1899150"/>
-                <a:gd name="connsiteY1" fmla="*/ 0 h 3729375"/>
-                <a:gd name="connsiteX2" fmla="*/ 1709235 w 1899150"/>
-                <a:gd name="connsiteY2" fmla="*/ 0 h 3729375"/>
-                <a:gd name="connsiteX3" fmla="*/ 1899150 w 1899150"/>
-                <a:gd name="connsiteY3" fmla="*/ 189915 h 3729375"/>
-                <a:gd name="connsiteX4" fmla="*/ 1899150 w 1899150"/>
-                <a:gd name="connsiteY4" fmla="*/ 3539460 h 3729375"/>
-                <a:gd name="connsiteX5" fmla="*/ 1709235 w 1899150"/>
-                <a:gd name="connsiteY5" fmla="*/ 3729375 h 3729375"/>
-                <a:gd name="connsiteX6" fmla="*/ 189915 w 1899150"/>
-                <a:gd name="connsiteY6" fmla="*/ 3729375 h 3729375"/>
-                <a:gd name="connsiteX7" fmla="*/ 0 w 1899150"/>
-                <a:gd name="connsiteY7" fmla="*/ 3539460 h 3729375"/>
-                <a:gd name="connsiteX8" fmla="*/ 0 w 1899150"/>
-                <a:gd name="connsiteY8" fmla="*/ 189915 h 3729375"/>
-              </a:gdLst>
-              <a:ahLst/>
-              <a:cxnLst>
-                <a:cxn ang="0">
-                  <a:pos x="connsiteX0" y="connsiteY0"/>
-                </a:cxn>
-                <a:cxn ang="0">
-                  <a:pos x="connsiteX1" y="connsiteY1"/>
-                </a:cxn>
-                <a:cxn ang="0">
-                  <a:pos x="connsiteX2" y="connsiteY2"/>
-                </a:cxn>
-                <a:cxn ang="0">
-                  <a:pos x="connsiteX3" y="connsiteY3"/>
-                </a:cxn>
-                <a:cxn ang="0">
-                  <a:pos x="connsiteX4" y="connsiteY4"/>
-                </a:cxn>
-                <a:cxn ang="0">
-                  <a:pos x="connsiteX5" y="connsiteY5"/>
-                </a:cxn>
-                <a:cxn ang="0">
-                  <a:pos x="connsiteX6" y="connsiteY6"/>
-                </a:cxn>
-                <a:cxn ang="0">
-                  <a:pos x="connsiteX7" y="connsiteY7"/>
-                </a:cxn>
-                <a:cxn ang="0">
-                  <a:pos x="connsiteX8" y="connsiteY8"/>
-                </a:cxn>
-              </a:cxnLst>
-              <a:rect l="l" t="t" r="r" b="b"/>
-              <a:pathLst>
-                <a:path w="1899150" h="3729375">
-                  <a:moveTo>
-                    <a:pt x="0" y="189915"/>
-                  </a:moveTo>
-                  <a:cubicBezTo>
-                    <a:pt x="0" y="85028"/>
-                    <a:pt x="85028" y="0"/>
-                    <a:pt x="189915" y="0"/>
-                  </a:cubicBezTo>
-                  <a:lnTo>
-                    <a:pt x="1709235" y="0"/>
-                  </a:lnTo>
-                  <a:cubicBezTo>
-                    <a:pt x="1814122" y="0"/>
-                    <a:pt x="1899150" y="85028"/>
-                    <a:pt x="1899150" y="189915"/>
-                  </a:cubicBezTo>
-                  <a:lnTo>
-                    <a:pt x="1899150" y="3539460"/>
-                  </a:lnTo>
-                  <a:cubicBezTo>
-                    <a:pt x="1899150" y="3644347"/>
-                    <a:pt x="1814122" y="3729375"/>
-                    <a:pt x="1709235" y="3729375"/>
-                  </a:cubicBezTo>
-                  <a:lnTo>
-                    <a:pt x="189915" y="3729375"/>
-                  </a:lnTo>
-                  <a:cubicBezTo>
-                    <a:pt x="85028" y="3729375"/>
-                    <a:pt x="0" y="3644347"/>
-                    <a:pt x="0" y="3539460"/>
-                  </a:cubicBezTo>
-                  <a:lnTo>
-                    <a:pt x="0" y="189915"/>
-                  </a:lnTo>
-                  <a:close/>
-                </a:path>
-              </a:pathLst>
-            </a:custGeom>
-          </p:spPr>
-          <p:style>
-            <a:lnRef idx="2">
-              <a:schemeClr val="accent1">
-                <a:hueOff val="0"/>
-                <a:satOff val="0"/>
-                <a:lumOff val="0"/>
-                <a:alphaOff val="0"/>
-              </a:schemeClr>
-            </a:lnRef>
-            <a:fillRef idx="1">
-              <a:schemeClr val="lt1">
-                <a:alpha val="90000"/>
-                <a:hueOff val="0"/>
-                <a:satOff val="0"/>
-                <a:lumOff val="0"/>
-                <a:alphaOff val="0"/>
-              </a:schemeClr>
-            </a:fillRef>
-            <a:effectRef idx="0">
-              <a:schemeClr val="lt1">
-                <a:alpha val="90000"/>
-                <a:hueOff val="0"/>
-                <a:satOff val="0"/>
-                <a:lumOff val="0"/>
-                <a:alphaOff val="0"/>
-              </a:schemeClr>
-            </a:effectRef>
-            <a:fontRef idx="minor">
-              <a:schemeClr val="dk1">
-                <a:hueOff val="0"/>
-                <a:satOff val="0"/>
-                <a:lumOff val="0"/>
-                <a:alphaOff val="0"/>
-              </a:schemeClr>
-            </a:fontRef>
-          </p:style>
-          <p:txBody>
-            <a:bodyPr spcFirstLastPara="0" vert="horz" wrap="square" lIns="176528" tIns="176528" rIns="176528" bIns="176528" numCol="1" spcCol="1270" anchor="t" anchorCtr="0">
-              <a:noAutofit/>
-            </a:bodyPr>
-            <a:lstStyle/>
-            <a:p>
-              <a:pPr marL="171450" lvl="1" indent="-171450" algn="l" defTabSz="755650">
-                <a:lnSpc>
-                  <a:spcPct val="90000"/>
-                </a:lnSpc>
-                <a:spcBef>
-                  <a:spcPct val="0"/>
-                </a:spcBef>
-                <a:spcAft>
-                  <a:spcPct val="15000"/>
-                </a:spcAft>
-                <a:buChar char="•"/>
-              </a:pPr>
-              <a:r>
-                <a:rPr lang="en-US" sz="1700" kern="1200" dirty="0"/>
-                <a:t>Reddit gathers many metadata values for each post, I only pulled data relevant to the project</a:t>
-              </a:r>
-            </a:p>
-          </p:txBody>
-        </p:sp>
-      </p:grpSp>
+          <a:custGeom>
+            <a:avLst/>
+            <a:gdLst>
+              <a:gd name="connsiteX0" fmla="*/ 0 w 1899150"/>
+              <a:gd name="connsiteY0" fmla="*/ 125991 h 1259914"/>
+              <a:gd name="connsiteX1" fmla="*/ 125991 w 1899150"/>
+              <a:gd name="connsiteY1" fmla="*/ 0 h 1259914"/>
+              <a:gd name="connsiteX2" fmla="*/ 1773159 w 1899150"/>
+              <a:gd name="connsiteY2" fmla="*/ 0 h 1259914"/>
+              <a:gd name="connsiteX3" fmla="*/ 1899150 w 1899150"/>
+              <a:gd name="connsiteY3" fmla="*/ 125991 h 1259914"/>
+              <a:gd name="connsiteX4" fmla="*/ 1899150 w 1899150"/>
+              <a:gd name="connsiteY4" fmla="*/ 1133923 h 1259914"/>
+              <a:gd name="connsiteX5" fmla="*/ 1773159 w 1899150"/>
+              <a:gd name="connsiteY5" fmla="*/ 1259914 h 1259914"/>
+              <a:gd name="connsiteX6" fmla="*/ 125991 w 1899150"/>
+              <a:gd name="connsiteY6" fmla="*/ 1259914 h 1259914"/>
+              <a:gd name="connsiteX7" fmla="*/ 0 w 1899150"/>
+              <a:gd name="connsiteY7" fmla="*/ 1133923 h 1259914"/>
+              <a:gd name="connsiteX8" fmla="*/ 0 w 1899150"/>
+              <a:gd name="connsiteY8" fmla="*/ 125991 h 1259914"/>
+            </a:gdLst>
+            <a:ahLst/>
+            <a:cxnLst>
+              <a:cxn ang="0">
+                <a:pos x="connsiteX0" y="connsiteY0"/>
+              </a:cxn>
+              <a:cxn ang="0">
+                <a:pos x="connsiteX1" y="connsiteY1"/>
+              </a:cxn>
+              <a:cxn ang="0">
+                <a:pos x="connsiteX2" y="connsiteY2"/>
+              </a:cxn>
+              <a:cxn ang="0">
+                <a:pos x="connsiteX3" y="connsiteY3"/>
+              </a:cxn>
+              <a:cxn ang="0">
+                <a:pos x="connsiteX4" y="connsiteY4"/>
+              </a:cxn>
+              <a:cxn ang="0">
+                <a:pos x="connsiteX5" y="connsiteY5"/>
+              </a:cxn>
+              <a:cxn ang="0">
+                <a:pos x="connsiteX6" y="connsiteY6"/>
+              </a:cxn>
+              <a:cxn ang="0">
+                <a:pos x="connsiteX7" y="connsiteY7"/>
+              </a:cxn>
+              <a:cxn ang="0">
+                <a:pos x="connsiteX8" y="connsiteY8"/>
+              </a:cxn>
+            </a:cxnLst>
+            <a:rect l="l" t="t" r="r" b="b"/>
+            <a:pathLst>
+              <a:path w="1899150" h="1259914">
+                <a:moveTo>
+                  <a:pt x="0" y="125991"/>
+                </a:moveTo>
+                <a:cubicBezTo>
+                  <a:pt x="0" y="56408"/>
+                  <a:pt x="56408" y="0"/>
+                  <a:pt x="125991" y="0"/>
+                </a:cubicBezTo>
+                <a:lnTo>
+                  <a:pt x="1773159" y="0"/>
+                </a:lnTo>
+                <a:cubicBezTo>
+                  <a:pt x="1842742" y="0"/>
+                  <a:pt x="1899150" y="56408"/>
+                  <a:pt x="1899150" y="125991"/>
+                </a:cubicBezTo>
+                <a:lnTo>
+                  <a:pt x="1899150" y="1133923"/>
+                </a:lnTo>
+                <a:cubicBezTo>
+                  <a:pt x="1899150" y="1203506"/>
+                  <a:pt x="1842742" y="1259914"/>
+                  <a:pt x="1773159" y="1259914"/>
+                </a:cubicBezTo>
+                <a:lnTo>
+                  <a:pt x="125991" y="1259914"/>
+                </a:lnTo>
+                <a:cubicBezTo>
+                  <a:pt x="56408" y="1259914"/>
+                  <a:pt x="0" y="1203506"/>
+                  <a:pt x="0" y="1133923"/>
+                </a:cubicBezTo>
+                <a:lnTo>
+                  <a:pt x="0" y="125991"/>
+                </a:lnTo>
+                <a:close/>
+              </a:path>
+            </a:pathLst>
+          </a:custGeom>
+        </p:spPr>
+        <p:style>
+          <a:lnRef idx="2">
+            <a:schemeClr val="lt1">
+              <a:hueOff val="0"/>
+              <a:satOff val="0"/>
+              <a:lumOff val="0"/>
+              <a:alphaOff val="0"/>
+            </a:schemeClr>
+          </a:lnRef>
+          <a:fillRef idx="1">
+            <a:schemeClr val="accent1">
+              <a:hueOff val="0"/>
+              <a:satOff val="0"/>
+              <a:lumOff val="0"/>
+              <a:alphaOff val="0"/>
+            </a:schemeClr>
+          </a:fillRef>
+          <a:effectRef idx="0">
+            <a:schemeClr val="accent1">
+              <a:hueOff val="0"/>
+              <a:satOff val="0"/>
+              <a:lumOff val="0"/>
+              <a:alphaOff val="0"/>
+            </a:schemeClr>
+          </a:effectRef>
+          <a:fontRef idx="minor">
+            <a:schemeClr val="lt1"/>
+          </a:fontRef>
+        </p:style>
+        <p:txBody>
+          <a:bodyPr spcFirstLastPara="0" vert="horz" wrap="square" lIns="113792" tIns="113792" rIns="113792" bIns="480931" numCol="1" spcCol="1270" anchor="t" anchorCtr="0">
+            <a:noAutofit/>
+          </a:bodyPr>
+          <a:lstStyle/>
+          <a:p>
+            <a:pPr marL="0" lvl="0" indent="0" algn="l" defTabSz="711200">
+              <a:lnSpc>
+                <a:spcPct val="90000"/>
+              </a:lnSpc>
+              <a:spcBef>
+                <a:spcPct val="0"/>
+              </a:spcBef>
+              <a:spcAft>
+                <a:spcPct val="35000"/>
+              </a:spcAft>
+              <a:buNone/>
+            </a:pPr>
+            <a:r>
+              <a:rPr lang="en-US" sz="1600" kern="1200" dirty="0"/>
+              <a:t>Connect to reddit API</a:t>
+            </a:r>
+          </a:p>
+        </p:txBody>
+      </p:sp>
+      <p:sp>
+        <p:nvSpPr>
+          <p:cNvPr id="9" name="Freeform: Shape 8">
+            <a:extLst>
+              <a:ext uri="{FF2B5EF4-FFF2-40B4-BE49-F238E27FC236}">
+                <a16:creationId xmlns:a16="http://schemas.microsoft.com/office/drawing/2014/main" id="{F5711ADC-09C8-FE38-2A89-B68916B81726}"/>
+              </a:ext>
+            </a:extLst>
+          </p:cNvPr>
+          <p:cNvSpPr/>
+          <p:nvPr/>
+        </p:nvSpPr>
+        <p:spPr>
+          <a:xfrm>
+            <a:off x="878272" y="2601787"/>
+            <a:ext cx="1899150" cy="2139771"/>
+          </a:xfrm>
+          <a:custGeom>
+            <a:avLst/>
+            <a:gdLst>
+              <a:gd name="connsiteX0" fmla="*/ 0 w 1899150"/>
+              <a:gd name="connsiteY0" fmla="*/ 189915 h 3397535"/>
+              <a:gd name="connsiteX1" fmla="*/ 189915 w 1899150"/>
+              <a:gd name="connsiteY1" fmla="*/ 0 h 3397535"/>
+              <a:gd name="connsiteX2" fmla="*/ 1709235 w 1899150"/>
+              <a:gd name="connsiteY2" fmla="*/ 0 h 3397535"/>
+              <a:gd name="connsiteX3" fmla="*/ 1899150 w 1899150"/>
+              <a:gd name="connsiteY3" fmla="*/ 189915 h 3397535"/>
+              <a:gd name="connsiteX4" fmla="*/ 1899150 w 1899150"/>
+              <a:gd name="connsiteY4" fmla="*/ 3207620 h 3397535"/>
+              <a:gd name="connsiteX5" fmla="*/ 1709235 w 1899150"/>
+              <a:gd name="connsiteY5" fmla="*/ 3397535 h 3397535"/>
+              <a:gd name="connsiteX6" fmla="*/ 189915 w 1899150"/>
+              <a:gd name="connsiteY6" fmla="*/ 3397535 h 3397535"/>
+              <a:gd name="connsiteX7" fmla="*/ 0 w 1899150"/>
+              <a:gd name="connsiteY7" fmla="*/ 3207620 h 3397535"/>
+              <a:gd name="connsiteX8" fmla="*/ 0 w 1899150"/>
+              <a:gd name="connsiteY8" fmla="*/ 189915 h 3397535"/>
+            </a:gdLst>
+            <a:ahLst/>
+            <a:cxnLst>
+              <a:cxn ang="0">
+                <a:pos x="connsiteX0" y="connsiteY0"/>
+              </a:cxn>
+              <a:cxn ang="0">
+                <a:pos x="connsiteX1" y="connsiteY1"/>
+              </a:cxn>
+              <a:cxn ang="0">
+                <a:pos x="connsiteX2" y="connsiteY2"/>
+              </a:cxn>
+              <a:cxn ang="0">
+                <a:pos x="connsiteX3" y="connsiteY3"/>
+              </a:cxn>
+              <a:cxn ang="0">
+                <a:pos x="connsiteX4" y="connsiteY4"/>
+              </a:cxn>
+              <a:cxn ang="0">
+                <a:pos x="connsiteX5" y="connsiteY5"/>
+              </a:cxn>
+              <a:cxn ang="0">
+                <a:pos x="connsiteX6" y="connsiteY6"/>
+              </a:cxn>
+              <a:cxn ang="0">
+                <a:pos x="connsiteX7" y="connsiteY7"/>
+              </a:cxn>
+              <a:cxn ang="0">
+                <a:pos x="connsiteX8" y="connsiteY8"/>
+              </a:cxn>
+            </a:cxnLst>
+            <a:rect l="l" t="t" r="r" b="b"/>
+            <a:pathLst>
+              <a:path w="1899150" h="3397535">
+                <a:moveTo>
+                  <a:pt x="0" y="189915"/>
+                </a:moveTo>
+                <a:cubicBezTo>
+                  <a:pt x="0" y="85028"/>
+                  <a:pt x="85028" y="0"/>
+                  <a:pt x="189915" y="0"/>
+                </a:cubicBezTo>
+                <a:lnTo>
+                  <a:pt x="1709235" y="0"/>
+                </a:lnTo>
+                <a:cubicBezTo>
+                  <a:pt x="1814122" y="0"/>
+                  <a:pt x="1899150" y="85028"/>
+                  <a:pt x="1899150" y="189915"/>
+                </a:cubicBezTo>
+                <a:lnTo>
+                  <a:pt x="1899150" y="3207620"/>
+                </a:lnTo>
+                <a:cubicBezTo>
+                  <a:pt x="1899150" y="3312507"/>
+                  <a:pt x="1814122" y="3397535"/>
+                  <a:pt x="1709235" y="3397535"/>
+                </a:cubicBezTo>
+                <a:lnTo>
+                  <a:pt x="189915" y="3397535"/>
+                </a:lnTo>
+                <a:cubicBezTo>
+                  <a:pt x="85028" y="3397535"/>
+                  <a:pt x="0" y="3312507"/>
+                  <a:pt x="0" y="3207620"/>
+                </a:cubicBezTo>
+                <a:lnTo>
+                  <a:pt x="0" y="189915"/>
+                </a:lnTo>
+                <a:close/>
+              </a:path>
+            </a:pathLst>
+          </a:custGeom>
+        </p:spPr>
+        <p:style>
+          <a:lnRef idx="2">
+            <a:schemeClr val="accent1">
+              <a:hueOff val="0"/>
+              <a:satOff val="0"/>
+              <a:lumOff val="0"/>
+              <a:alphaOff val="0"/>
+            </a:schemeClr>
+          </a:lnRef>
+          <a:fillRef idx="1">
+            <a:schemeClr val="lt1">
+              <a:alpha val="90000"/>
+              <a:hueOff val="0"/>
+              <a:satOff val="0"/>
+              <a:lumOff val="0"/>
+              <a:alphaOff val="0"/>
+            </a:schemeClr>
+          </a:fillRef>
+          <a:effectRef idx="0">
+            <a:schemeClr val="lt1">
+              <a:alpha val="90000"/>
+              <a:hueOff val="0"/>
+              <a:satOff val="0"/>
+              <a:lumOff val="0"/>
+              <a:alphaOff val="0"/>
+            </a:schemeClr>
+          </a:effectRef>
+          <a:fontRef idx="minor">
+            <a:schemeClr val="dk1">
+              <a:hueOff val="0"/>
+              <a:satOff val="0"/>
+              <a:lumOff val="0"/>
+              <a:alphaOff val="0"/>
+            </a:schemeClr>
+          </a:fontRef>
+        </p:style>
+        <p:txBody>
+          <a:bodyPr spcFirstLastPara="0" vert="horz" wrap="square" lIns="176528" tIns="176528" rIns="176528" bIns="176528" numCol="1" spcCol="1270" anchor="t" anchorCtr="0">
+            <a:noAutofit/>
+          </a:bodyPr>
+          <a:lstStyle/>
+          <a:p>
+            <a:pPr marL="171450" lvl="1" indent="-171450" algn="l" defTabSz="755650">
+              <a:lnSpc>
+                <a:spcPct val="90000"/>
+              </a:lnSpc>
+              <a:spcBef>
+                <a:spcPct val="0"/>
+              </a:spcBef>
+              <a:spcAft>
+                <a:spcPct val="15000"/>
+              </a:spcAft>
+              <a:buChar char="•"/>
+            </a:pPr>
+            <a:r>
+              <a:rPr lang="en-US" sz="1700" kern="1200" dirty="0"/>
+              <a:t>Very similar to other API’s with the use of authentication keys etc.</a:t>
+            </a:r>
+          </a:p>
+        </p:txBody>
+      </p:sp>
+      <p:sp>
+        <p:nvSpPr>
+          <p:cNvPr id="10" name="Freeform: Shape 9">
+            <a:extLst>
+              <a:ext uri="{FF2B5EF4-FFF2-40B4-BE49-F238E27FC236}">
+                <a16:creationId xmlns:a16="http://schemas.microsoft.com/office/drawing/2014/main" id="{2B4C35FB-D7A8-6273-1630-215EFEFE093B}"/>
+              </a:ext>
+            </a:extLst>
+          </p:cNvPr>
+          <p:cNvSpPr/>
+          <p:nvPr/>
+        </p:nvSpPr>
+        <p:spPr>
+          <a:xfrm>
+            <a:off x="2668607" y="1881389"/>
+            <a:ext cx="615782" cy="472833"/>
+          </a:xfrm>
+          <a:custGeom>
+            <a:avLst/>
+            <a:gdLst>
+              <a:gd name="connsiteX0" fmla="*/ 0 w 615782"/>
+              <a:gd name="connsiteY0" fmla="*/ 94567 h 472833"/>
+              <a:gd name="connsiteX1" fmla="*/ 379366 w 615782"/>
+              <a:gd name="connsiteY1" fmla="*/ 94567 h 472833"/>
+              <a:gd name="connsiteX2" fmla="*/ 379366 w 615782"/>
+              <a:gd name="connsiteY2" fmla="*/ 0 h 472833"/>
+              <a:gd name="connsiteX3" fmla="*/ 615782 w 615782"/>
+              <a:gd name="connsiteY3" fmla="*/ 236417 h 472833"/>
+              <a:gd name="connsiteX4" fmla="*/ 379366 w 615782"/>
+              <a:gd name="connsiteY4" fmla="*/ 472833 h 472833"/>
+              <a:gd name="connsiteX5" fmla="*/ 379366 w 615782"/>
+              <a:gd name="connsiteY5" fmla="*/ 378266 h 472833"/>
+              <a:gd name="connsiteX6" fmla="*/ 0 w 615782"/>
+              <a:gd name="connsiteY6" fmla="*/ 378266 h 472833"/>
+              <a:gd name="connsiteX7" fmla="*/ 0 w 615782"/>
+              <a:gd name="connsiteY7" fmla="*/ 94567 h 472833"/>
+            </a:gdLst>
+            <a:ahLst/>
+            <a:cxnLst>
+              <a:cxn ang="0">
+                <a:pos x="connsiteX0" y="connsiteY0"/>
+              </a:cxn>
+              <a:cxn ang="0">
+                <a:pos x="connsiteX1" y="connsiteY1"/>
+              </a:cxn>
+              <a:cxn ang="0">
+                <a:pos x="connsiteX2" y="connsiteY2"/>
+              </a:cxn>
+              <a:cxn ang="0">
+                <a:pos x="connsiteX3" y="connsiteY3"/>
+              </a:cxn>
+              <a:cxn ang="0">
+                <a:pos x="connsiteX4" y="connsiteY4"/>
+              </a:cxn>
+              <a:cxn ang="0">
+                <a:pos x="connsiteX5" y="connsiteY5"/>
+              </a:cxn>
+              <a:cxn ang="0">
+                <a:pos x="connsiteX6" y="connsiteY6"/>
+              </a:cxn>
+              <a:cxn ang="0">
+                <a:pos x="connsiteX7" y="connsiteY7"/>
+              </a:cxn>
+            </a:cxnLst>
+            <a:rect l="l" t="t" r="r" b="b"/>
+            <a:pathLst>
+              <a:path w="615782" h="472833">
+                <a:moveTo>
+                  <a:pt x="0" y="94567"/>
+                </a:moveTo>
+                <a:lnTo>
+                  <a:pt x="379366" y="94567"/>
+                </a:lnTo>
+                <a:lnTo>
+                  <a:pt x="379366" y="0"/>
+                </a:lnTo>
+                <a:lnTo>
+                  <a:pt x="615782" y="236417"/>
+                </a:lnTo>
+                <a:lnTo>
+                  <a:pt x="379366" y="472833"/>
+                </a:lnTo>
+                <a:lnTo>
+                  <a:pt x="379366" y="378266"/>
+                </a:lnTo>
+                <a:lnTo>
+                  <a:pt x="0" y="378266"/>
+                </a:lnTo>
+                <a:lnTo>
+                  <a:pt x="0" y="94567"/>
+                </a:lnTo>
+                <a:close/>
+              </a:path>
+            </a:pathLst>
+          </a:custGeom>
+        </p:spPr>
+        <p:style>
+          <a:lnRef idx="0">
+            <a:schemeClr val="accent1">
+              <a:tint val="60000"/>
+              <a:hueOff val="0"/>
+              <a:satOff val="0"/>
+              <a:lumOff val="0"/>
+              <a:alphaOff val="0"/>
+            </a:schemeClr>
+          </a:lnRef>
+          <a:fillRef idx="1">
+            <a:schemeClr val="accent1">
+              <a:tint val="60000"/>
+              <a:hueOff val="0"/>
+              <a:satOff val="0"/>
+              <a:lumOff val="0"/>
+              <a:alphaOff val="0"/>
+            </a:schemeClr>
+          </a:fillRef>
+          <a:effectRef idx="0">
+            <a:schemeClr val="accent1">
+              <a:tint val="60000"/>
+              <a:hueOff val="0"/>
+              <a:satOff val="0"/>
+              <a:lumOff val="0"/>
+              <a:alphaOff val="0"/>
+            </a:schemeClr>
+          </a:effectRef>
+          <a:fontRef idx="minor">
+            <a:schemeClr val="lt1"/>
+          </a:fontRef>
+        </p:style>
+        <p:txBody>
+          <a:bodyPr spcFirstLastPara="0" vert="horz" wrap="square" lIns="-1" tIns="94567" rIns="141850" bIns="94566" numCol="1" spcCol="1270" anchor="ctr" anchorCtr="0">
+            <a:noAutofit/>
+          </a:bodyPr>
+          <a:lstStyle/>
+          <a:p>
+            <a:pPr marL="0" lvl="0" indent="0" algn="ctr" defTabSz="622300">
+              <a:lnSpc>
+                <a:spcPct val="90000"/>
+              </a:lnSpc>
+              <a:spcBef>
+                <a:spcPct val="0"/>
+              </a:spcBef>
+              <a:spcAft>
+                <a:spcPct val="35000"/>
+              </a:spcAft>
+              <a:buNone/>
+            </a:pPr>
+            <a:endParaRPr lang="en-US" sz="1400" kern="1200"/>
+          </a:p>
+        </p:txBody>
+      </p:sp>
+      <p:sp>
+        <p:nvSpPr>
+          <p:cNvPr id="11" name="Freeform: Shape 10">
+            <a:extLst>
+              <a:ext uri="{FF2B5EF4-FFF2-40B4-BE49-F238E27FC236}">
+                <a16:creationId xmlns:a16="http://schemas.microsoft.com/office/drawing/2014/main" id="{F5544752-4250-E7D9-118F-0C12F228018A}"/>
+              </a:ext>
+            </a:extLst>
+          </p:cNvPr>
+          <p:cNvSpPr/>
+          <p:nvPr/>
+        </p:nvSpPr>
+        <p:spPr>
+          <a:xfrm>
+            <a:off x="3527286" y="1562363"/>
+            <a:ext cx="1899150" cy="1243882"/>
+          </a:xfrm>
+          <a:custGeom>
+            <a:avLst/>
+            <a:gdLst>
+              <a:gd name="connsiteX0" fmla="*/ 0 w 1899150"/>
+              <a:gd name="connsiteY0" fmla="*/ 124388 h 1243882"/>
+              <a:gd name="connsiteX1" fmla="*/ 124388 w 1899150"/>
+              <a:gd name="connsiteY1" fmla="*/ 0 h 1243882"/>
+              <a:gd name="connsiteX2" fmla="*/ 1774762 w 1899150"/>
+              <a:gd name="connsiteY2" fmla="*/ 0 h 1243882"/>
+              <a:gd name="connsiteX3" fmla="*/ 1899150 w 1899150"/>
+              <a:gd name="connsiteY3" fmla="*/ 124388 h 1243882"/>
+              <a:gd name="connsiteX4" fmla="*/ 1899150 w 1899150"/>
+              <a:gd name="connsiteY4" fmla="*/ 1119494 h 1243882"/>
+              <a:gd name="connsiteX5" fmla="*/ 1774762 w 1899150"/>
+              <a:gd name="connsiteY5" fmla="*/ 1243882 h 1243882"/>
+              <a:gd name="connsiteX6" fmla="*/ 124388 w 1899150"/>
+              <a:gd name="connsiteY6" fmla="*/ 1243882 h 1243882"/>
+              <a:gd name="connsiteX7" fmla="*/ 0 w 1899150"/>
+              <a:gd name="connsiteY7" fmla="*/ 1119494 h 1243882"/>
+              <a:gd name="connsiteX8" fmla="*/ 0 w 1899150"/>
+              <a:gd name="connsiteY8" fmla="*/ 124388 h 1243882"/>
+            </a:gdLst>
+            <a:ahLst/>
+            <a:cxnLst>
+              <a:cxn ang="0">
+                <a:pos x="connsiteX0" y="connsiteY0"/>
+              </a:cxn>
+              <a:cxn ang="0">
+                <a:pos x="connsiteX1" y="connsiteY1"/>
+              </a:cxn>
+              <a:cxn ang="0">
+                <a:pos x="connsiteX2" y="connsiteY2"/>
+              </a:cxn>
+              <a:cxn ang="0">
+                <a:pos x="connsiteX3" y="connsiteY3"/>
+              </a:cxn>
+              <a:cxn ang="0">
+                <a:pos x="connsiteX4" y="connsiteY4"/>
+              </a:cxn>
+              <a:cxn ang="0">
+                <a:pos x="connsiteX5" y="connsiteY5"/>
+              </a:cxn>
+              <a:cxn ang="0">
+                <a:pos x="connsiteX6" y="connsiteY6"/>
+              </a:cxn>
+              <a:cxn ang="0">
+                <a:pos x="connsiteX7" y="connsiteY7"/>
+              </a:cxn>
+              <a:cxn ang="0">
+                <a:pos x="connsiteX8" y="connsiteY8"/>
+              </a:cxn>
+            </a:cxnLst>
+            <a:rect l="l" t="t" r="r" b="b"/>
+            <a:pathLst>
+              <a:path w="1899150" h="1243882">
+                <a:moveTo>
+                  <a:pt x="0" y="124388"/>
+                </a:moveTo>
+                <a:cubicBezTo>
+                  <a:pt x="0" y="55690"/>
+                  <a:pt x="55690" y="0"/>
+                  <a:pt x="124388" y="0"/>
+                </a:cubicBezTo>
+                <a:lnTo>
+                  <a:pt x="1774762" y="0"/>
+                </a:lnTo>
+                <a:cubicBezTo>
+                  <a:pt x="1843460" y="0"/>
+                  <a:pt x="1899150" y="55690"/>
+                  <a:pt x="1899150" y="124388"/>
+                </a:cubicBezTo>
+                <a:lnTo>
+                  <a:pt x="1899150" y="1119494"/>
+                </a:lnTo>
+                <a:cubicBezTo>
+                  <a:pt x="1899150" y="1188192"/>
+                  <a:pt x="1843460" y="1243882"/>
+                  <a:pt x="1774762" y="1243882"/>
+                </a:cubicBezTo>
+                <a:lnTo>
+                  <a:pt x="124388" y="1243882"/>
+                </a:lnTo>
+                <a:cubicBezTo>
+                  <a:pt x="55690" y="1243882"/>
+                  <a:pt x="0" y="1188192"/>
+                  <a:pt x="0" y="1119494"/>
+                </a:cubicBezTo>
+                <a:lnTo>
+                  <a:pt x="0" y="124388"/>
+                </a:lnTo>
+                <a:close/>
+              </a:path>
+            </a:pathLst>
+          </a:custGeom>
+        </p:spPr>
+        <p:style>
+          <a:lnRef idx="2">
+            <a:schemeClr val="lt1">
+              <a:hueOff val="0"/>
+              <a:satOff val="0"/>
+              <a:lumOff val="0"/>
+              <a:alphaOff val="0"/>
+            </a:schemeClr>
+          </a:lnRef>
+          <a:fillRef idx="1">
+            <a:schemeClr val="accent1">
+              <a:hueOff val="0"/>
+              <a:satOff val="0"/>
+              <a:lumOff val="0"/>
+              <a:alphaOff val="0"/>
+            </a:schemeClr>
+          </a:fillRef>
+          <a:effectRef idx="0">
+            <a:schemeClr val="accent1">
+              <a:hueOff val="0"/>
+              <a:satOff val="0"/>
+              <a:lumOff val="0"/>
+              <a:alphaOff val="0"/>
+            </a:schemeClr>
+          </a:effectRef>
+          <a:fontRef idx="minor">
+            <a:schemeClr val="lt1"/>
+          </a:fontRef>
+        </p:style>
+        <p:txBody>
+          <a:bodyPr spcFirstLastPara="0" vert="horz" wrap="square" lIns="113792" tIns="113792" rIns="113792" bIns="475587" numCol="1" spcCol="1270" anchor="t" anchorCtr="0">
+            <a:noAutofit/>
+          </a:bodyPr>
+          <a:lstStyle/>
+          <a:p>
+            <a:pPr marL="0" lvl="0" indent="0" algn="l" defTabSz="711200">
+              <a:lnSpc>
+                <a:spcPct val="90000"/>
+              </a:lnSpc>
+              <a:spcBef>
+                <a:spcPct val="0"/>
+              </a:spcBef>
+              <a:spcAft>
+                <a:spcPct val="35000"/>
+              </a:spcAft>
+              <a:buNone/>
+            </a:pPr>
+            <a:r>
+              <a:rPr lang="en-US" sz="1600" kern="1200" dirty="0"/>
+              <a:t>Specify the subreddit and pull the most recent 1000 posts</a:t>
+            </a:r>
+          </a:p>
+        </p:txBody>
+      </p:sp>
+      <p:sp>
+        <p:nvSpPr>
+          <p:cNvPr id="12" name="Freeform: Shape 11">
+            <a:extLst>
+              <a:ext uri="{FF2B5EF4-FFF2-40B4-BE49-F238E27FC236}">
+                <a16:creationId xmlns:a16="http://schemas.microsoft.com/office/drawing/2014/main" id="{8A1A71F5-C743-DA82-05EC-C988C96C828C}"/>
+              </a:ext>
+            </a:extLst>
+          </p:cNvPr>
+          <p:cNvSpPr/>
+          <p:nvPr/>
+        </p:nvSpPr>
+        <p:spPr>
+          <a:xfrm>
+            <a:off x="3956604" y="2601787"/>
+            <a:ext cx="1899150" cy="2139771"/>
+          </a:xfrm>
+          <a:custGeom>
+            <a:avLst/>
+            <a:gdLst>
+              <a:gd name="connsiteX0" fmla="*/ 0 w 1899150"/>
+              <a:gd name="connsiteY0" fmla="*/ 189915 h 4083031"/>
+              <a:gd name="connsiteX1" fmla="*/ 189915 w 1899150"/>
+              <a:gd name="connsiteY1" fmla="*/ 0 h 4083031"/>
+              <a:gd name="connsiteX2" fmla="*/ 1709235 w 1899150"/>
+              <a:gd name="connsiteY2" fmla="*/ 0 h 4083031"/>
+              <a:gd name="connsiteX3" fmla="*/ 1899150 w 1899150"/>
+              <a:gd name="connsiteY3" fmla="*/ 189915 h 4083031"/>
+              <a:gd name="connsiteX4" fmla="*/ 1899150 w 1899150"/>
+              <a:gd name="connsiteY4" fmla="*/ 3893116 h 4083031"/>
+              <a:gd name="connsiteX5" fmla="*/ 1709235 w 1899150"/>
+              <a:gd name="connsiteY5" fmla="*/ 4083031 h 4083031"/>
+              <a:gd name="connsiteX6" fmla="*/ 189915 w 1899150"/>
+              <a:gd name="connsiteY6" fmla="*/ 4083031 h 4083031"/>
+              <a:gd name="connsiteX7" fmla="*/ 0 w 1899150"/>
+              <a:gd name="connsiteY7" fmla="*/ 3893116 h 4083031"/>
+              <a:gd name="connsiteX8" fmla="*/ 0 w 1899150"/>
+              <a:gd name="connsiteY8" fmla="*/ 189915 h 4083031"/>
+            </a:gdLst>
+            <a:ahLst/>
+            <a:cxnLst>
+              <a:cxn ang="0">
+                <a:pos x="connsiteX0" y="connsiteY0"/>
+              </a:cxn>
+              <a:cxn ang="0">
+                <a:pos x="connsiteX1" y="connsiteY1"/>
+              </a:cxn>
+              <a:cxn ang="0">
+                <a:pos x="connsiteX2" y="connsiteY2"/>
+              </a:cxn>
+              <a:cxn ang="0">
+                <a:pos x="connsiteX3" y="connsiteY3"/>
+              </a:cxn>
+              <a:cxn ang="0">
+                <a:pos x="connsiteX4" y="connsiteY4"/>
+              </a:cxn>
+              <a:cxn ang="0">
+                <a:pos x="connsiteX5" y="connsiteY5"/>
+              </a:cxn>
+              <a:cxn ang="0">
+                <a:pos x="connsiteX6" y="connsiteY6"/>
+              </a:cxn>
+              <a:cxn ang="0">
+                <a:pos x="connsiteX7" y="connsiteY7"/>
+              </a:cxn>
+              <a:cxn ang="0">
+                <a:pos x="connsiteX8" y="connsiteY8"/>
+              </a:cxn>
+            </a:cxnLst>
+            <a:rect l="l" t="t" r="r" b="b"/>
+            <a:pathLst>
+              <a:path w="1899150" h="4083031">
+                <a:moveTo>
+                  <a:pt x="0" y="189915"/>
+                </a:moveTo>
+                <a:cubicBezTo>
+                  <a:pt x="0" y="85028"/>
+                  <a:pt x="85028" y="0"/>
+                  <a:pt x="189915" y="0"/>
+                </a:cubicBezTo>
+                <a:lnTo>
+                  <a:pt x="1709235" y="0"/>
+                </a:lnTo>
+                <a:cubicBezTo>
+                  <a:pt x="1814122" y="0"/>
+                  <a:pt x="1899150" y="85028"/>
+                  <a:pt x="1899150" y="189915"/>
+                </a:cubicBezTo>
+                <a:lnTo>
+                  <a:pt x="1899150" y="3893116"/>
+                </a:lnTo>
+                <a:cubicBezTo>
+                  <a:pt x="1899150" y="3998003"/>
+                  <a:pt x="1814122" y="4083031"/>
+                  <a:pt x="1709235" y="4083031"/>
+                </a:cubicBezTo>
+                <a:lnTo>
+                  <a:pt x="189915" y="4083031"/>
+                </a:lnTo>
+                <a:cubicBezTo>
+                  <a:pt x="85028" y="4083031"/>
+                  <a:pt x="0" y="3998003"/>
+                  <a:pt x="0" y="3893116"/>
+                </a:cubicBezTo>
+                <a:lnTo>
+                  <a:pt x="0" y="189915"/>
+                </a:lnTo>
+                <a:close/>
+              </a:path>
+            </a:pathLst>
+          </a:custGeom>
+        </p:spPr>
+        <p:style>
+          <a:lnRef idx="2">
+            <a:schemeClr val="accent1">
+              <a:hueOff val="0"/>
+              <a:satOff val="0"/>
+              <a:lumOff val="0"/>
+              <a:alphaOff val="0"/>
+            </a:schemeClr>
+          </a:lnRef>
+          <a:fillRef idx="1">
+            <a:schemeClr val="lt1">
+              <a:alpha val="90000"/>
+              <a:hueOff val="0"/>
+              <a:satOff val="0"/>
+              <a:lumOff val="0"/>
+              <a:alphaOff val="0"/>
+            </a:schemeClr>
+          </a:fillRef>
+          <a:effectRef idx="0">
+            <a:schemeClr val="lt1">
+              <a:alpha val="90000"/>
+              <a:hueOff val="0"/>
+              <a:satOff val="0"/>
+              <a:lumOff val="0"/>
+              <a:alphaOff val="0"/>
+            </a:schemeClr>
+          </a:effectRef>
+          <a:fontRef idx="minor">
+            <a:schemeClr val="dk1">
+              <a:hueOff val="0"/>
+              <a:satOff val="0"/>
+              <a:lumOff val="0"/>
+              <a:alphaOff val="0"/>
+            </a:schemeClr>
+          </a:fontRef>
+        </p:style>
+        <p:txBody>
+          <a:bodyPr spcFirstLastPara="0" vert="horz" wrap="square" lIns="176528" tIns="176528" rIns="176528" bIns="176528" numCol="1" spcCol="1270" anchor="t" anchorCtr="0">
+            <a:noAutofit/>
+          </a:bodyPr>
+          <a:lstStyle/>
+          <a:p>
+            <a:pPr marL="171450" lvl="1" indent="-171450" algn="l" defTabSz="755650">
+              <a:lnSpc>
+                <a:spcPct val="90000"/>
+              </a:lnSpc>
+              <a:spcBef>
+                <a:spcPct val="0"/>
+              </a:spcBef>
+              <a:spcAft>
+                <a:spcPct val="15000"/>
+              </a:spcAft>
+              <a:buChar char="•"/>
+            </a:pPr>
+            <a:r>
+              <a:rPr lang="en-US" sz="1700" kern="1200" dirty="0"/>
+              <a:t>I extracted posts from “r/Depression” thinking this would have the most dramatic differences in sentiment</a:t>
+            </a:r>
+          </a:p>
+        </p:txBody>
+      </p:sp>
+      <p:sp>
+        <p:nvSpPr>
+          <p:cNvPr id="13" name="Freeform: Shape 12">
+            <a:extLst>
+              <a:ext uri="{FF2B5EF4-FFF2-40B4-BE49-F238E27FC236}">
+                <a16:creationId xmlns:a16="http://schemas.microsoft.com/office/drawing/2014/main" id="{98DFEF2C-4E20-DBB0-6258-BB31342900AD}"/>
+              </a:ext>
+            </a:extLst>
+          </p:cNvPr>
+          <p:cNvSpPr/>
+          <p:nvPr/>
+        </p:nvSpPr>
+        <p:spPr>
+          <a:xfrm>
+            <a:off x="5711933" y="1858775"/>
+            <a:ext cx="608933" cy="472833"/>
+          </a:xfrm>
+          <a:custGeom>
+            <a:avLst/>
+            <a:gdLst>
+              <a:gd name="connsiteX0" fmla="*/ 0 w 608933"/>
+              <a:gd name="connsiteY0" fmla="*/ 94567 h 472833"/>
+              <a:gd name="connsiteX1" fmla="*/ 372517 w 608933"/>
+              <a:gd name="connsiteY1" fmla="*/ 94567 h 472833"/>
+              <a:gd name="connsiteX2" fmla="*/ 372517 w 608933"/>
+              <a:gd name="connsiteY2" fmla="*/ 0 h 472833"/>
+              <a:gd name="connsiteX3" fmla="*/ 608933 w 608933"/>
+              <a:gd name="connsiteY3" fmla="*/ 236417 h 472833"/>
+              <a:gd name="connsiteX4" fmla="*/ 372517 w 608933"/>
+              <a:gd name="connsiteY4" fmla="*/ 472833 h 472833"/>
+              <a:gd name="connsiteX5" fmla="*/ 372517 w 608933"/>
+              <a:gd name="connsiteY5" fmla="*/ 378266 h 472833"/>
+              <a:gd name="connsiteX6" fmla="*/ 0 w 608933"/>
+              <a:gd name="connsiteY6" fmla="*/ 378266 h 472833"/>
+              <a:gd name="connsiteX7" fmla="*/ 0 w 608933"/>
+              <a:gd name="connsiteY7" fmla="*/ 94567 h 472833"/>
+            </a:gdLst>
+            <a:ahLst/>
+            <a:cxnLst>
+              <a:cxn ang="0">
+                <a:pos x="connsiteX0" y="connsiteY0"/>
+              </a:cxn>
+              <a:cxn ang="0">
+                <a:pos x="connsiteX1" y="connsiteY1"/>
+              </a:cxn>
+              <a:cxn ang="0">
+                <a:pos x="connsiteX2" y="connsiteY2"/>
+              </a:cxn>
+              <a:cxn ang="0">
+                <a:pos x="connsiteX3" y="connsiteY3"/>
+              </a:cxn>
+              <a:cxn ang="0">
+                <a:pos x="connsiteX4" y="connsiteY4"/>
+              </a:cxn>
+              <a:cxn ang="0">
+                <a:pos x="connsiteX5" y="connsiteY5"/>
+              </a:cxn>
+              <a:cxn ang="0">
+                <a:pos x="connsiteX6" y="connsiteY6"/>
+              </a:cxn>
+              <a:cxn ang="0">
+                <a:pos x="connsiteX7" y="connsiteY7"/>
+              </a:cxn>
+            </a:cxnLst>
+            <a:rect l="l" t="t" r="r" b="b"/>
+            <a:pathLst>
+              <a:path w="608933" h="472833">
+                <a:moveTo>
+                  <a:pt x="0" y="94567"/>
+                </a:moveTo>
+                <a:lnTo>
+                  <a:pt x="372517" y="94567"/>
+                </a:lnTo>
+                <a:lnTo>
+                  <a:pt x="372517" y="0"/>
+                </a:lnTo>
+                <a:lnTo>
+                  <a:pt x="608933" y="236417"/>
+                </a:lnTo>
+                <a:lnTo>
+                  <a:pt x="372517" y="472833"/>
+                </a:lnTo>
+                <a:lnTo>
+                  <a:pt x="372517" y="378266"/>
+                </a:lnTo>
+                <a:lnTo>
+                  <a:pt x="0" y="378266"/>
+                </a:lnTo>
+                <a:lnTo>
+                  <a:pt x="0" y="94567"/>
+                </a:lnTo>
+                <a:close/>
+              </a:path>
+            </a:pathLst>
+          </a:custGeom>
+        </p:spPr>
+        <p:style>
+          <a:lnRef idx="0">
+            <a:schemeClr val="accent1">
+              <a:tint val="60000"/>
+              <a:hueOff val="0"/>
+              <a:satOff val="0"/>
+              <a:lumOff val="0"/>
+              <a:alphaOff val="0"/>
+            </a:schemeClr>
+          </a:lnRef>
+          <a:fillRef idx="1">
+            <a:schemeClr val="accent1">
+              <a:tint val="60000"/>
+              <a:hueOff val="0"/>
+              <a:satOff val="0"/>
+              <a:lumOff val="0"/>
+              <a:alphaOff val="0"/>
+            </a:schemeClr>
+          </a:fillRef>
+          <a:effectRef idx="0">
+            <a:schemeClr val="accent1">
+              <a:tint val="60000"/>
+              <a:hueOff val="0"/>
+              <a:satOff val="0"/>
+              <a:lumOff val="0"/>
+              <a:alphaOff val="0"/>
+            </a:schemeClr>
+          </a:effectRef>
+          <a:fontRef idx="minor">
+            <a:schemeClr val="lt1"/>
+          </a:fontRef>
+        </p:style>
+        <p:txBody>
+          <a:bodyPr spcFirstLastPara="0" vert="horz" wrap="square" lIns="-1" tIns="94567" rIns="141850" bIns="94566" numCol="1" spcCol="1270" anchor="ctr" anchorCtr="0">
+            <a:noAutofit/>
+          </a:bodyPr>
+          <a:lstStyle/>
+          <a:p>
+            <a:pPr marL="0" lvl="0" indent="0" algn="ctr" defTabSz="622300">
+              <a:lnSpc>
+                <a:spcPct val="90000"/>
+              </a:lnSpc>
+              <a:spcBef>
+                <a:spcPct val="0"/>
+              </a:spcBef>
+              <a:spcAft>
+                <a:spcPct val="35000"/>
+              </a:spcAft>
+              <a:buNone/>
+            </a:pPr>
+            <a:endParaRPr lang="en-US" sz="1400" kern="1200"/>
+          </a:p>
+        </p:txBody>
+      </p:sp>
+      <p:sp>
+        <p:nvSpPr>
+          <p:cNvPr id="14" name="Freeform: Shape 13">
+            <a:extLst>
+              <a:ext uri="{FF2B5EF4-FFF2-40B4-BE49-F238E27FC236}">
+                <a16:creationId xmlns:a16="http://schemas.microsoft.com/office/drawing/2014/main" id="{EDFD3549-B858-27DE-3D2A-0A09B4DC9DB8}"/>
+              </a:ext>
+            </a:extLst>
+          </p:cNvPr>
+          <p:cNvSpPr/>
+          <p:nvPr/>
+        </p:nvSpPr>
+        <p:spPr>
+          <a:xfrm>
+            <a:off x="6616200" y="1562363"/>
+            <a:ext cx="1899150" cy="1243882"/>
+          </a:xfrm>
+          <a:custGeom>
+            <a:avLst/>
+            <a:gdLst>
+              <a:gd name="connsiteX0" fmla="*/ 0 w 1899150"/>
+              <a:gd name="connsiteY0" fmla="*/ 73440 h 734399"/>
+              <a:gd name="connsiteX1" fmla="*/ 73440 w 1899150"/>
+              <a:gd name="connsiteY1" fmla="*/ 0 h 734399"/>
+              <a:gd name="connsiteX2" fmla="*/ 1825710 w 1899150"/>
+              <a:gd name="connsiteY2" fmla="*/ 0 h 734399"/>
+              <a:gd name="connsiteX3" fmla="*/ 1899150 w 1899150"/>
+              <a:gd name="connsiteY3" fmla="*/ 73440 h 734399"/>
+              <a:gd name="connsiteX4" fmla="*/ 1899150 w 1899150"/>
+              <a:gd name="connsiteY4" fmla="*/ 660959 h 734399"/>
+              <a:gd name="connsiteX5" fmla="*/ 1825710 w 1899150"/>
+              <a:gd name="connsiteY5" fmla="*/ 734399 h 734399"/>
+              <a:gd name="connsiteX6" fmla="*/ 73440 w 1899150"/>
+              <a:gd name="connsiteY6" fmla="*/ 734399 h 734399"/>
+              <a:gd name="connsiteX7" fmla="*/ 0 w 1899150"/>
+              <a:gd name="connsiteY7" fmla="*/ 660959 h 734399"/>
+              <a:gd name="connsiteX8" fmla="*/ 0 w 1899150"/>
+              <a:gd name="connsiteY8" fmla="*/ 73440 h 734399"/>
+            </a:gdLst>
+            <a:ahLst/>
+            <a:cxnLst>
+              <a:cxn ang="0">
+                <a:pos x="connsiteX0" y="connsiteY0"/>
+              </a:cxn>
+              <a:cxn ang="0">
+                <a:pos x="connsiteX1" y="connsiteY1"/>
+              </a:cxn>
+              <a:cxn ang="0">
+                <a:pos x="connsiteX2" y="connsiteY2"/>
+              </a:cxn>
+              <a:cxn ang="0">
+                <a:pos x="connsiteX3" y="connsiteY3"/>
+              </a:cxn>
+              <a:cxn ang="0">
+                <a:pos x="connsiteX4" y="connsiteY4"/>
+              </a:cxn>
+              <a:cxn ang="0">
+                <a:pos x="connsiteX5" y="connsiteY5"/>
+              </a:cxn>
+              <a:cxn ang="0">
+                <a:pos x="connsiteX6" y="connsiteY6"/>
+              </a:cxn>
+              <a:cxn ang="0">
+                <a:pos x="connsiteX7" y="connsiteY7"/>
+              </a:cxn>
+              <a:cxn ang="0">
+                <a:pos x="connsiteX8" y="connsiteY8"/>
+              </a:cxn>
+            </a:cxnLst>
+            <a:rect l="l" t="t" r="r" b="b"/>
+            <a:pathLst>
+              <a:path w="1899150" h="734399">
+                <a:moveTo>
+                  <a:pt x="0" y="73440"/>
+                </a:moveTo>
+                <a:cubicBezTo>
+                  <a:pt x="0" y="32880"/>
+                  <a:pt x="32880" y="0"/>
+                  <a:pt x="73440" y="0"/>
+                </a:cubicBezTo>
+                <a:lnTo>
+                  <a:pt x="1825710" y="0"/>
+                </a:lnTo>
+                <a:cubicBezTo>
+                  <a:pt x="1866270" y="0"/>
+                  <a:pt x="1899150" y="32880"/>
+                  <a:pt x="1899150" y="73440"/>
+                </a:cubicBezTo>
+                <a:lnTo>
+                  <a:pt x="1899150" y="660959"/>
+                </a:lnTo>
+                <a:cubicBezTo>
+                  <a:pt x="1899150" y="701519"/>
+                  <a:pt x="1866270" y="734399"/>
+                  <a:pt x="1825710" y="734399"/>
+                </a:cubicBezTo>
+                <a:lnTo>
+                  <a:pt x="73440" y="734399"/>
+                </a:lnTo>
+                <a:cubicBezTo>
+                  <a:pt x="32880" y="734399"/>
+                  <a:pt x="0" y="701519"/>
+                  <a:pt x="0" y="660959"/>
+                </a:cubicBezTo>
+                <a:lnTo>
+                  <a:pt x="0" y="73440"/>
+                </a:lnTo>
+                <a:close/>
+              </a:path>
+            </a:pathLst>
+          </a:custGeom>
+        </p:spPr>
+        <p:style>
+          <a:lnRef idx="2">
+            <a:schemeClr val="lt1">
+              <a:hueOff val="0"/>
+              <a:satOff val="0"/>
+              <a:lumOff val="0"/>
+              <a:alphaOff val="0"/>
+            </a:schemeClr>
+          </a:lnRef>
+          <a:fillRef idx="1">
+            <a:schemeClr val="accent1">
+              <a:hueOff val="0"/>
+              <a:satOff val="0"/>
+              <a:lumOff val="0"/>
+              <a:alphaOff val="0"/>
+            </a:schemeClr>
+          </a:fillRef>
+          <a:effectRef idx="0">
+            <a:schemeClr val="accent1">
+              <a:hueOff val="0"/>
+              <a:satOff val="0"/>
+              <a:lumOff val="0"/>
+              <a:alphaOff val="0"/>
+            </a:schemeClr>
+          </a:effectRef>
+          <a:fontRef idx="minor">
+            <a:schemeClr val="lt1"/>
+          </a:fontRef>
+        </p:style>
+        <p:txBody>
+          <a:bodyPr spcFirstLastPara="0" vert="horz" wrap="square" lIns="120904" tIns="120904" rIns="120904" bIns="309569" numCol="1" spcCol="1270" anchor="t" anchorCtr="0">
+            <a:noAutofit/>
+          </a:bodyPr>
+          <a:lstStyle/>
+          <a:p>
+            <a:pPr marL="0" lvl="0" indent="0" algn="l" defTabSz="755650">
+              <a:lnSpc>
+                <a:spcPct val="90000"/>
+              </a:lnSpc>
+              <a:spcBef>
+                <a:spcPct val="0"/>
+              </a:spcBef>
+              <a:spcAft>
+                <a:spcPct val="35000"/>
+              </a:spcAft>
+              <a:buNone/>
+            </a:pPr>
+            <a:r>
+              <a:rPr lang="en-US" sz="1700" kern="1200" dirty="0"/>
+              <a:t>Extract only headers needed for analysis</a:t>
+            </a:r>
+          </a:p>
+        </p:txBody>
+      </p:sp>
+      <p:sp>
+        <p:nvSpPr>
+          <p:cNvPr id="15" name="Freeform: Shape 14">
+            <a:extLst>
+              <a:ext uri="{FF2B5EF4-FFF2-40B4-BE49-F238E27FC236}">
+                <a16:creationId xmlns:a16="http://schemas.microsoft.com/office/drawing/2014/main" id="{92DE3511-74AB-9736-CDC9-31CEBF551892}"/>
+              </a:ext>
+            </a:extLst>
+          </p:cNvPr>
+          <p:cNvSpPr/>
+          <p:nvPr/>
+        </p:nvSpPr>
+        <p:spPr>
+          <a:xfrm>
+            <a:off x="7045518" y="2601788"/>
+            <a:ext cx="1899150" cy="2139770"/>
+          </a:xfrm>
+          <a:custGeom>
+            <a:avLst/>
+            <a:gdLst>
+              <a:gd name="connsiteX0" fmla="*/ 0 w 1899150"/>
+              <a:gd name="connsiteY0" fmla="*/ 189915 h 3729375"/>
+              <a:gd name="connsiteX1" fmla="*/ 189915 w 1899150"/>
+              <a:gd name="connsiteY1" fmla="*/ 0 h 3729375"/>
+              <a:gd name="connsiteX2" fmla="*/ 1709235 w 1899150"/>
+              <a:gd name="connsiteY2" fmla="*/ 0 h 3729375"/>
+              <a:gd name="connsiteX3" fmla="*/ 1899150 w 1899150"/>
+              <a:gd name="connsiteY3" fmla="*/ 189915 h 3729375"/>
+              <a:gd name="connsiteX4" fmla="*/ 1899150 w 1899150"/>
+              <a:gd name="connsiteY4" fmla="*/ 3539460 h 3729375"/>
+              <a:gd name="connsiteX5" fmla="*/ 1709235 w 1899150"/>
+              <a:gd name="connsiteY5" fmla="*/ 3729375 h 3729375"/>
+              <a:gd name="connsiteX6" fmla="*/ 189915 w 1899150"/>
+              <a:gd name="connsiteY6" fmla="*/ 3729375 h 3729375"/>
+              <a:gd name="connsiteX7" fmla="*/ 0 w 1899150"/>
+              <a:gd name="connsiteY7" fmla="*/ 3539460 h 3729375"/>
+              <a:gd name="connsiteX8" fmla="*/ 0 w 1899150"/>
+              <a:gd name="connsiteY8" fmla="*/ 189915 h 3729375"/>
+            </a:gdLst>
+            <a:ahLst/>
+            <a:cxnLst>
+              <a:cxn ang="0">
+                <a:pos x="connsiteX0" y="connsiteY0"/>
+              </a:cxn>
+              <a:cxn ang="0">
+                <a:pos x="connsiteX1" y="connsiteY1"/>
+              </a:cxn>
+              <a:cxn ang="0">
+                <a:pos x="connsiteX2" y="connsiteY2"/>
+              </a:cxn>
+              <a:cxn ang="0">
+                <a:pos x="connsiteX3" y="connsiteY3"/>
+              </a:cxn>
+              <a:cxn ang="0">
+                <a:pos x="connsiteX4" y="connsiteY4"/>
+              </a:cxn>
+              <a:cxn ang="0">
+                <a:pos x="connsiteX5" y="connsiteY5"/>
+              </a:cxn>
+              <a:cxn ang="0">
+                <a:pos x="connsiteX6" y="connsiteY6"/>
+              </a:cxn>
+              <a:cxn ang="0">
+                <a:pos x="connsiteX7" y="connsiteY7"/>
+              </a:cxn>
+              <a:cxn ang="0">
+                <a:pos x="connsiteX8" y="connsiteY8"/>
+              </a:cxn>
+            </a:cxnLst>
+            <a:rect l="l" t="t" r="r" b="b"/>
+            <a:pathLst>
+              <a:path w="1899150" h="3729375">
+                <a:moveTo>
+                  <a:pt x="0" y="189915"/>
+                </a:moveTo>
+                <a:cubicBezTo>
+                  <a:pt x="0" y="85028"/>
+                  <a:pt x="85028" y="0"/>
+                  <a:pt x="189915" y="0"/>
+                </a:cubicBezTo>
+                <a:lnTo>
+                  <a:pt x="1709235" y="0"/>
+                </a:lnTo>
+                <a:cubicBezTo>
+                  <a:pt x="1814122" y="0"/>
+                  <a:pt x="1899150" y="85028"/>
+                  <a:pt x="1899150" y="189915"/>
+                </a:cubicBezTo>
+                <a:lnTo>
+                  <a:pt x="1899150" y="3539460"/>
+                </a:lnTo>
+                <a:cubicBezTo>
+                  <a:pt x="1899150" y="3644347"/>
+                  <a:pt x="1814122" y="3729375"/>
+                  <a:pt x="1709235" y="3729375"/>
+                </a:cubicBezTo>
+                <a:lnTo>
+                  <a:pt x="189915" y="3729375"/>
+                </a:lnTo>
+                <a:cubicBezTo>
+                  <a:pt x="85028" y="3729375"/>
+                  <a:pt x="0" y="3644347"/>
+                  <a:pt x="0" y="3539460"/>
+                </a:cubicBezTo>
+                <a:lnTo>
+                  <a:pt x="0" y="189915"/>
+                </a:lnTo>
+                <a:close/>
+              </a:path>
+            </a:pathLst>
+          </a:custGeom>
+        </p:spPr>
+        <p:style>
+          <a:lnRef idx="2">
+            <a:schemeClr val="accent1">
+              <a:hueOff val="0"/>
+              <a:satOff val="0"/>
+              <a:lumOff val="0"/>
+              <a:alphaOff val="0"/>
+            </a:schemeClr>
+          </a:lnRef>
+          <a:fillRef idx="1">
+            <a:schemeClr val="lt1">
+              <a:alpha val="90000"/>
+              <a:hueOff val="0"/>
+              <a:satOff val="0"/>
+              <a:lumOff val="0"/>
+              <a:alphaOff val="0"/>
+            </a:schemeClr>
+          </a:fillRef>
+          <a:effectRef idx="0">
+            <a:schemeClr val="lt1">
+              <a:alpha val="90000"/>
+              <a:hueOff val="0"/>
+              <a:satOff val="0"/>
+              <a:lumOff val="0"/>
+              <a:alphaOff val="0"/>
+            </a:schemeClr>
+          </a:effectRef>
+          <a:fontRef idx="minor">
+            <a:schemeClr val="dk1">
+              <a:hueOff val="0"/>
+              <a:satOff val="0"/>
+              <a:lumOff val="0"/>
+              <a:alphaOff val="0"/>
+            </a:schemeClr>
+          </a:fontRef>
+        </p:style>
+        <p:txBody>
+          <a:bodyPr spcFirstLastPara="0" vert="horz" wrap="square" lIns="176528" tIns="176528" rIns="176528" bIns="176528" numCol="1" spcCol="1270" anchor="t" anchorCtr="0">
+            <a:noAutofit/>
+          </a:bodyPr>
+          <a:lstStyle/>
+          <a:p>
+            <a:pPr marL="171450" lvl="1" indent="-171450" algn="l" defTabSz="755650">
+              <a:lnSpc>
+                <a:spcPct val="90000"/>
+              </a:lnSpc>
+              <a:spcBef>
+                <a:spcPct val="0"/>
+              </a:spcBef>
+              <a:spcAft>
+                <a:spcPct val="15000"/>
+              </a:spcAft>
+              <a:buChar char="•"/>
+            </a:pPr>
+            <a:r>
+              <a:rPr lang="en-US" sz="1700" kern="1200" dirty="0"/>
+              <a:t>Reddit gathers many metadata values for each post, I only pulled data relevant to the project</a:t>
+            </a:r>
+          </a:p>
+        </p:txBody>
+      </p:sp>
       <p:cxnSp>
         <p:nvCxnSpPr>
           <p:cNvPr id="4" name="Straight Connector 3">
@@ -8809,6 +6398,361 @@
   <p:clrMapOvr>
     <a:masterClrMapping/>
   </p:clrMapOvr>
+  <p:timing>
+    <p:tnLst>
+      <p:par>
+        <p:cTn id="1" dur="indefinite" restart="never" nodeType="tmRoot">
+          <p:childTnLst>
+            <p:seq concurrent="1" nextAc="seek">
+              <p:cTn id="2" dur="indefinite" nodeType="mainSeq">
+                <p:childTnLst>
+                  <p:par>
+                    <p:cTn id="3" fill="hold">
+                      <p:stCondLst>
+                        <p:cond delay="indefinite"/>
+                      </p:stCondLst>
+                      <p:childTnLst>
+                        <p:par>
+                          <p:cTn id="4" fill="hold">
+                            <p:stCondLst>
+                              <p:cond delay="0"/>
+                            </p:stCondLst>
+                            <p:childTnLst>
+                              <p:par>
+                                <p:cTn id="5" presetID="1" presetClass="entr" presetSubtype="0" fill="hold" grpId="0" nodeType="clickEffect">
+                                  <p:stCondLst>
+                                    <p:cond delay="0"/>
+                                  </p:stCondLst>
+                                  <p:childTnLst>
+                                    <p:set>
+                                      <p:cBhvr>
+                                        <p:cTn id="6" dur="1" fill="hold">
+                                          <p:stCondLst>
+                                            <p:cond delay="0"/>
+                                          </p:stCondLst>
+                                        </p:cTn>
+                                        <p:tgtEl>
+                                          <p:spTgt spid="9"/>
+                                        </p:tgtEl>
+                                        <p:attrNameLst>
+                                          <p:attrName>style.visibility</p:attrName>
+                                        </p:attrNameLst>
+                                      </p:cBhvr>
+                                      <p:to>
+                                        <p:strVal val="visible"/>
+                                      </p:to>
+                                    </p:set>
+                                  </p:childTnLst>
+                                </p:cTn>
+                              </p:par>
+                              <p:par>
+                                <p:cTn id="7" presetID="1" presetClass="entr" presetSubtype="0" fill="hold" grpId="0" nodeType="withEffect">
+                                  <p:stCondLst>
+                                    <p:cond delay="0"/>
+                                  </p:stCondLst>
+                                  <p:childTnLst>
+                                    <p:set>
+                                      <p:cBhvr>
+                                        <p:cTn id="8" dur="1" fill="hold">
+                                          <p:stCondLst>
+                                            <p:cond delay="0"/>
+                                          </p:stCondLst>
+                                        </p:cTn>
+                                        <p:tgtEl>
+                                          <p:spTgt spid="8"/>
+                                        </p:tgtEl>
+                                        <p:attrNameLst>
+                                          <p:attrName>style.visibility</p:attrName>
+                                        </p:attrNameLst>
+                                      </p:cBhvr>
+                                      <p:to>
+                                        <p:strVal val="visible"/>
+                                      </p:to>
+                                    </p:set>
+                                  </p:childTnLst>
+                                </p:cTn>
+                              </p:par>
+                            </p:childTnLst>
+                          </p:cTn>
+                        </p:par>
+                      </p:childTnLst>
+                    </p:cTn>
+                  </p:par>
+                  <p:par>
+                    <p:cTn id="9" fill="hold">
+                      <p:stCondLst>
+                        <p:cond delay="indefinite"/>
+                      </p:stCondLst>
+                      <p:childTnLst>
+                        <p:par>
+                          <p:cTn id="10" fill="hold">
+                            <p:stCondLst>
+                              <p:cond delay="0"/>
+                            </p:stCondLst>
+                            <p:childTnLst>
+                              <p:par>
+                                <p:cTn id="11" presetID="1" presetClass="entr" presetSubtype="0" fill="hold" grpId="0" nodeType="clickEffect">
+                                  <p:stCondLst>
+                                    <p:cond delay="0"/>
+                                  </p:stCondLst>
+                                  <p:childTnLst>
+                                    <p:set>
+                                      <p:cBhvr>
+                                        <p:cTn id="12" dur="1" fill="hold">
+                                          <p:stCondLst>
+                                            <p:cond delay="0"/>
+                                          </p:stCondLst>
+                                        </p:cTn>
+                                        <p:tgtEl>
+                                          <p:spTgt spid="10"/>
+                                        </p:tgtEl>
+                                        <p:attrNameLst>
+                                          <p:attrName>style.visibility</p:attrName>
+                                        </p:attrNameLst>
+                                      </p:cBhvr>
+                                      <p:to>
+                                        <p:strVal val="visible"/>
+                                      </p:to>
+                                    </p:set>
+                                  </p:childTnLst>
+                                </p:cTn>
+                              </p:par>
+                              <p:par>
+                                <p:cTn id="13" presetID="1" presetClass="entr" presetSubtype="0" fill="hold" grpId="0" nodeType="withEffect">
+                                  <p:stCondLst>
+                                    <p:cond delay="0"/>
+                                  </p:stCondLst>
+                                  <p:childTnLst>
+                                    <p:set>
+                                      <p:cBhvr>
+                                        <p:cTn id="14" dur="1" fill="hold">
+                                          <p:stCondLst>
+                                            <p:cond delay="0"/>
+                                          </p:stCondLst>
+                                        </p:cTn>
+                                        <p:tgtEl>
+                                          <p:spTgt spid="11"/>
+                                        </p:tgtEl>
+                                        <p:attrNameLst>
+                                          <p:attrName>style.visibility</p:attrName>
+                                        </p:attrNameLst>
+                                      </p:cBhvr>
+                                      <p:to>
+                                        <p:strVal val="visible"/>
+                                      </p:to>
+                                    </p:set>
+                                  </p:childTnLst>
+                                </p:cTn>
+                              </p:par>
+                              <p:par>
+                                <p:cTn id="15" presetID="1" presetClass="entr" presetSubtype="0" fill="hold" grpId="0" nodeType="withEffect">
+                                  <p:stCondLst>
+                                    <p:cond delay="0"/>
+                                  </p:stCondLst>
+                                  <p:childTnLst>
+                                    <p:set>
+                                      <p:cBhvr>
+                                        <p:cTn id="16" dur="1" fill="hold">
+                                          <p:stCondLst>
+                                            <p:cond delay="0"/>
+                                          </p:stCondLst>
+                                        </p:cTn>
+                                        <p:tgtEl>
+                                          <p:spTgt spid="12"/>
+                                        </p:tgtEl>
+                                        <p:attrNameLst>
+                                          <p:attrName>style.visibility</p:attrName>
+                                        </p:attrNameLst>
+                                      </p:cBhvr>
+                                      <p:to>
+                                        <p:strVal val="visible"/>
+                                      </p:to>
+                                    </p:set>
+                                  </p:childTnLst>
+                                </p:cTn>
+                              </p:par>
+                            </p:childTnLst>
+                          </p:cTn>
+                        </p:par>
+                      </p:childTnLst>
+                    </p:cTn>
+                  </p:par>
+                  <p:par>
+                    <p:cTn id="17" fill="hold">
+                      <p:stCondLst>
+                        <p:cond delay="indefinite"/>
+                      </p:stCondLst>
+                      <p:childTnLst>
+                        <p:par>
+                          <p:cTn id="18" fill="hold">
+                            <p:stCondLst>
+                              <p:cond delay="0"/>
+                            </p:stCondLst>
+                            <p:childTnLst>
+                              <p:par>
+                                <p:cTn id="19" presetID="1" presetClass="entr" presetSubtype="0" fill="hold" grpId="0" nodeType="clickEffect">
+                                  <p:stCondLst>
+                                    <p:cond delay="0"/>
+                                  </p:stCondLst>
+                                  <p:childTnLst>
+                                    <p:set>
+                                      <p:cBhvr>
+                                        <p:cTn id="20" dur="1" fill="hold">
+                                          <p:stCondLst>
+                                            <p:cond delay="0"/>
+                                          </p:stCondLst>
+                                        </p:cTn>
+                                        <p:tgtEl>
+                                          <p:spTgt spid="13"/>
+                                        </p:tgtEl>
+                                        <p:attrNameLst>
+                                          <p:attrName>style.visibility</p:attrName>
+                                        </p:attrNameLst>
+                                      </p:cBhvr>
+                                      <p:to>
+                                        <p:strVal val="visible"/>
+                                      </p:to>
+                                    </p:set>
+                                  </p:childTnLst>
+                                </p:cTn>
+                              </p:par>
+                              <p:par>
+                                <p:cTn id="21" presetID="1" presetClass="entr" presetSubtype="0" fill="hold" grpId="0" nodeType="withEffect">
+                                  <p:stCondLst>
+                                    <p:cond delay="0"/>
+                                  </p:stCondLst>
+                                  <p:childTnLst>
+                                    <p:set>
+                                      <p:cBhvr>
+                                        <p:cTn id="22" dur="1" fill="hold">
+                                          <p:stCondLst>
+                                            <p:cond delay="0"/>
+                                          </p:stCondLst>
+                                        </p:cTn>
+                                        <p:tgtEl>
+                                          <p:spTgt spid="14"/>
+                                        </p:tgtEl>
+                                        <p:attrNameLst>
+                                          <p:attrName>style.visibility</p:attrName>
+                                        </p:attrNameLst>
+                                      </p:cBhvr>
+                                      <p:to>
+                                        <p:strVal val="visible"/>
+                                      </p:to>
+                                    </p:set>
+                                  </p:childTnLst>
+                                </p:cTn>
+                              </p:par>
+                              <p:par>
+                                <p:cTn id="23" presetID="1" presetClass="entr" presetSubtype="0" fill="hold" grpId="0" nodeType="withEffect">
+                                  <p:stCondLst>
+                                    <p:cond delay="0"/>
+                                  </p:stCondLst>
+                                  <p:childTnLst>
+                                    <p:set>
+                                      <p:cBhvr>
+                                        <p:cTn id="24" dur="1" fill="hold">
+                                          <p:stCondLst>
+                                            <p:cond delay="0"/>
+                                          </p:stCondLst>
+                                        </p:cTn>
+                                        <p:tgtEl>
+                                          <p:spTgt spid="15"/>
+                                        </p:tgtEl>
+                                        <p:attrNameLst>
+                                          <p:attrName>style.visibility</p:attrName>
+                                        </p:attrNameLst>
+                                      </p:cBhvr>
+                                      <p:to>
+                                        <p:strVal val="visible"/>
+                                      </p:to>
+                                    </p:set>
+                                  </p:childTnLst>
+                                </p:cTn>
+                              </p:par>
+                            </p:childTnLst>
+                          </p:cTn>
+                        </p:par>
+                      </p:childTnLst>
+                    </p:cTn>
+                  </p:par>
+                  <p:par>
+                    <p:cTn id="25" fill="hold">
+                      <p:stCondLst>
+                        <p:cond delay="indefinite"/>
+                      </p:stCondLst>
+                      <p:childTnLst>
+                        <p:par>
+                          <p:cTn id="26" fill="hold">
+                            <p:stCondLst>
+                              <p:cond delay="0"/>
+                            </p:stCondLst>
+                            <p:childTnLst>
+                              <p:par>
+                                <p:cTn id="27" presetID="1" presetClass="entr" presetSubtype="0" fill="hold" nodeType="clickEffect">
+                                  <p:stCondLst>
+                                    <p:cond delay="0"/>
+                                  </p:stCondLst>
+                                  <p:childTnLst>
+                                    <p:set>
+                                      <p:cBhvr>
+                                        <p:cTn id="28" dur="1" fill="hold">
+                                          <p:stCondLst>
+                                            <p:cond delay="0"/>
+                                          </p:stCondLst>
+                                        </p:cTn>
+                                        <p:tgtEl>
+                                          <p:spTgt spid="17"/>
+                                        </p:tgtEl>
+                                        <p:attrNameLst>
+                                          <p:attrName>style.visibility</p:attrName>
+                                        </p:attrNameLst>
+                                      </p:cBhvr>
+                                      <p:to>
+                                        <p:strVal val="visible"/>
+                                      </p:to>
+                                    </p:set>
+                                  </p:childTnLst>
+                                </p:cTn>
+                              </p:par>
+                            </p:childTnLst>
+                          </p:cTn>
+                        </p:par>
+                      </p:childTnLst>
+                    </p:cTn>
+                  </p:par>
+                </p:childTnLst>
+              </p:cTn>
+              <p:prevCondLst>
+                <p:cond evt="onPrev" delay="0">
+                  <p:tgtEl>
+                    <p:sldTgt/>
+                  </p:tgtEl>
+                </p:cond>
+              </p:prevCondLst>
+              <p:nextCondLst>
+                <p:cond evt="onNext" delay="0">
+                  <p:tgtEl>
+                    <p:sldTgt/>
+                  </p:tgtEl>
+                </p:cond>
+              </p:nextCondLst>
+            </p:seq>
+          </p:childTnLst>
+        </p:cTn>
+      </p:par>
+    </p:tnLst>
+    <p:bldLst>
+      <p:bldP spid="8" grpId="0" animBg="1"/>
+      <p:bldP spid="9" grpId="0" animBg="1"/>
+      <p:bldP spid="10" grpId="0" animBg="1"/>
+      <p:bldP spid="11" grpId="0" animBg="1"/>
+      <p:bldP spid="12" grpId="0" animBg="1"/>
+      <p:bldP spid="13" grpId="0" animBg="1"/>
+      <p:bldP spid="14" grpId="0" animBg="1"/>
+      <p:bldP spid="15" grpId="0" animBg="1"/>
+    </p:bldLst>
+  </p:timing>
 </p:sld>
 </file>
 
@@ -8857,37 +6801,1085 @@
           </a:p>
         </p:txBody>
       </p:sp>
-      <p:graphicFrame>
-        <p:nvGraphicFramePr>
-          <p:cNvPr id="6" name="Content Placeholder 5">
+      <p:sp>
+        <p:nvSpPr>
+          <p:cNvPr id="7" name="Freeform: Shape 6">
             <a:extLst>
               <a:ext uri="{FF2B5EF4-FFF2-40B4-BE49-F238E27FC236}">
-                <a16:creationId xmlns:a16="http://schemas.microsoft.com/office/drawing/2014/main" id="{083AAB7B-40D9-1975-01D0-56B850BFC737}"/>
+                <a16:creationId xmlns:a16="http://schemas.microsoft.com/office/drawing/2014/main" id="{3845FC73-9D8B-91AA-55AF-07D22BFE352B}"/>
               </a:ext>
             </a:extLst>
           </p:cNvPr>
-          <p:cNvGraphicFramePr>
-            <a:graphicFrameLocks noGrp="1"/>
-          </p:cNvGraphicFramePr>
-          <p:nvPr>
-            <p:ph idx="1"/>
-            <p:extLst>
-              <p:ext uri="{D42A27DB-BD31-4B8C-83A1-F6EECF244321}">
-                <p14:modId xmlns:p14="http://schemas.microsoft.com/office/powerpoint/2010/main" val="2055719035"/>
-              </p:ext>
-            </p:extLst>
-          </p:nvPr>
-        </p:nvGraphicFramePr>
-        <p:xfrm>
-          <a:off x="628650" y="1825625"/>
-          <a:ext cx="7886700" cy="4351338"/>
-        </p:xfrm>
-        <a:graphic>
-          <a:graphicData uri="http://schemas.openxmlformats.org/drawingml/2006/diagram">
-            <dgm:relIds xmlns:dgm="http://schemas.openxmlformats.org/drawingml/2006/diagram" xmlns:r="http://schemas.openxmlformats.org/officeDocument/2006/relationships" r:dm="rId2" r:lo="rId3" r:qs="rId4" r:cs="rId5"/>
-          </a:graphicData>
-        </a:graphic>
-      </p:graphicFrame>
+          <p:cNvSpPr/>
+          <p:nvPr/>
+        </p:nvSpPr>
+        <p:spPr>
+          <a:xfrm>
+            <a:off x="3467861" y="1967979"/>
+            <a:ext cx="5047489" cy="1121830"/>
+          </a:xfrm>
+          <a:custGeom>
+            <a:avLst/>
+            <a:gdLst>
+              <a:gd name="connsiteX0" fmla="*/ 186975 w 1121829"/>
+              <a:gd name="connsiteY0" fmla="*/ 0 h 5047488"/>
+              <a:gd name="connsiteX1" fmla="*/ 934854 w 1121829"/>
+              <a:gd name="connsiteY1" fmla="*/ 0 h 5047488"/>
+              <a:gd name="connsiteX2" fmla="*/ 1121829 w 1121829"/>
+              <a:gd name="connsiteY2" fmla="*/ 186975 h 5047488"/>
+              <a:gd name="connsiteX3" fmla="*/ 1121829 w 1121829"/>
+              <a:gd name="connsiteY3" fmla="*/ 5047488 h 5047488"/>
+              <a:gd name="connsiteX4" fmla="*/ 1121829 w 1121829"/>
+              <a:gd name="connsiteY4" fmla="*/ 5047488 h 5047488"/>
+              <a:gd name="connsiteX5" fmla="*/ 0 w 1121829"/>
+              <a:gd name="connsiteY5" fmla="*/ 5047488 h 5047488"/>
+              <a:gd name="connsiteX6" fmla="*/ 0 w 1121829"/>
+              <a:gd name="connsiteY6" fmla="*/ 5047488 h 5047488"/>
+              <a:gd name="connsiteX7" fmla="*/ 0 w 1121829"/>
+              <a:gd name="connsiteY7" fmla="*/ 186975 h 5047488"/>
+              <a:gd name="connsiteX8" fmla="*/ 186975 w 1121829"/>
+              <a:gd name="connsiteY8" fmla="*/ 0 h 5047488"/>
+            </a:gdLst>
+            <a:ahLst/>
+            <a:cxnLst>
+              <a:cxn ang="0">
+                <a:pos x="connsiteX0" y="connsiteY0"/>
+              </a:cxn>
+              <a:cxn ang="0">
+                <a:pos x="connsiteX1" y="connsiteY1"/>
+              </a:cxn>
+              <a:cxn ang="0">
+                <a:pos x="connsiteX2" y="connsiteY2"/>
+              </a:cxn>
+              <a:cxn ang="0">
+                <a:pos x="connsiteX3" y="connsiteY3"/>
+              </a:cxn>
+              <a:cxn ang="0">
+                <a:pos x="connsiteX4" y="connsiteY4"/>
+              </a:cxn>
+              <a:cxn ang="0">
+                <a:pos x="connsiteX5" y="connsiteY5"/>
+              </a:cxn>
+              <a:cxn ang="0">
+                <a:pos x="connsiteX6" y="connsiteY6"/>
+              </a:cxn>
+              <a:cxn ang="0">
+                <a:pos x="connsiteX7" y="connsiteY7"/>
+              </a:cxn>
+              <a:cxn ang="0">
+                <a:pos x="connsiteX8" y="connsiteY8"/>
+              </a:cxn>
+            </a:cxnLst>
+            <a:rect l="l" t="t" r="r" b="b"/>
+            <a:pathLst>
+              <a:path w="1121829" h="5047488">
+                <a:moveTo>
+                  <a:pt x="1121829" y="841265"/>
+                </a:moveTo>
+                <a:lnTo>
+                  <a:pt x="1121829" y="4206223"/>
+                </a:lnTo>
+                <a:cubicBezTo>
+                  <a:pt x="1121829" y="4670837"/>
+                  <a:pt x="1103223" y="5047486"/>
+                  <a:pt x="1080273" y="5047486"/>
+                </a:cubicBezTo>
+                <a:lnTo>
+                  <a:pt x="0" y="5047486"/>
+                </a:lnTo>
+                <a:lnTo>
+                  <a:pt x="0" y="5047486"/>
+                </a:lnTo>
+                <a:lnTo>
+                  <a:pt x="0" y="2"/>
+                </a:lnTo>
+                <a:lnTo>
+                  <a:pt x="0" y="2"/>
+                </a:lnTo>
+                <a:lnTo>
+                  <a:pt x="1080273" y="2"/>
+                </a:lnTo>
+                <a:cubicBezTo>
+                  <a:pt x="1103223" y="2"/>
+                  <a:pt x="1121829" y="376651"/>
+                  <a:pt x="1121829" y="841265"/>
+                </a:cubicBezTo>
+                <a:close/>
+              </a:path>
+            </a:pathLst>
+          </a:custGeom>
+        </p:spPr>
+        <p:style>
+          <a:lnRef idx="2">
+            <a:schemeClr val="accent1">
+              <a:alpha val="90000"/>
+              <a:tint val="40000"/>
+              <a:hueOff val="0"/>
+              <a:satOff val="0"/>
+              <a:lumOff val="0"/>
+              <a:alphaOff val="0"/>
+            </a:schemeClr>
+          </a:lnRef>
+          <a:fillRef idx="1">
+            <a:schemeClr val="accent1">
+              <a:alpha val="90000"/>
+              <a:tint val="40000"/>
+              <a:hueOff val="0"/>
+              <a:satOff val="0"/>
+              <a:lumOff val="0"/>
+              <a:alphaOff val="0"/>
+            </a:schemeClr>
+          </a:fillRef>
+          <a:effectRef idx="0">
+            <a:schemeClr val="accent1">
+              <a:alpha val="90000"/>
+              <a:tint val="40000"/>
+              <a:hueOff val="0"/>
+              <a:satOff val="0"/>
+              <a:lumOff val="0"/>
+              <a:alphaOff val="0"/>
+            </a:schemeClr>
+          </a:effectRef>
+          <a:fontRef idx="minor">
+            <a:schemeClr val="dk1">
+              <a:hueOff val="0"/>
+              <a:satOff val="0"/>
+              <a:lumOff val="0"/>
+              <a:alphaOff val="0"/>
+            </a:schemeClr>
+          </a:fontRef>
+        </p:style>
+        <p:txBody>
+          <a:bodyPr spcFirstLastPara="0" vert="horz" wrap="square" lIns="80011" tIns="94768" rIns="134773" bIns="94769" numCol="1" spcCol="1270" anchor="ctr" anchorCtr="0">
+            <a:noAutofit/>
+          </a:bodyPr>
+          <a:lstStyle/>
+          <a:p>
+            <a:pPr marL="228600" lvl="1" indent="-228600" algn="l" defTabSz="933450">
+              <a:lnSpc>
+                <a:spcPct val="90000"/>
+              </a:lnSpc>
+              <a:spcBef>
+                <a:spcPct val="0"/>
+              </a:spcBef>
+              <a:spcAft>
+                <a:spcPct val="15000"/>
+              </a:spcAft>
+              <a:buChar char="•"/>
+            </a:pPr>
+            <a:r>
+              <a:rPr lang="en-US" sz="2100" kern="1200" dirty="0"/>
+              <a:t>Removed stop words</a:t>
+            </a:r>
+          </a:p>
+          <a:p>
+            <a:pPr marL="228600" lvl="1" indent="-228600" algn="l" defTabSz="933450">
+              <a:lnSpc>
+                <a:spcPct val="90000"/>
+              </a:lnSpc>
+              <a:spcBef>
+                <a:spcPct val="0"/>
+              </a:spcBef>
+              <a:spcAft>
+                <a:spcPct val="15000"/>
+              </a:spcAft>
+              <a:buChar char="•"/>
+            </a:pPr>
+            <a:r>
+              <a:rPr lang="en-US" sz="2100" kern="1200" dirty="0"/>
+              <a:t>Lemmatization</a:t>
+            </a:r>
+          </a:p>
+        </p:txBody>
+      </p:sp>
+      <p:sp>
+        <p:nvSpPr>
+          <p:cNvPr id="8" name="Freeform: Shape 7">
+            <a:extLst>
+              <a:ext uri="{FF2B5EF4-FFF2-40B4-BE49-F238E27FC236}">
+                <a16:creationId xmlns:a16="http://schemas.microsoft.com/office/drawing/2014/main" id="{38F63389-2D76-476D-BDD3-E2C1DFF3219D}"/>
+              </a:ext>
+            </a:extLst>
+          </p:cNvPr>
+          <p:cNvSpPr/>
+          <p:nvPr/>
+        </p:nvSpPr>
+        <p:spPr>
+          <a:xfrm>
+            <a:off x="628650" y="1827749"/>
+            <a:ext cx="2839212" cy="1402286"/>
+          </a:xfrm>
+          <a:custGeom>
+            <a:avLst/>
+            <a:gdLst>
+              <a:gd name="connsiteX0" fmla="*/ 0 w 2839212"/>
+              <a:gd name="connsiteY0" fmla="*/ 233719 h 1402286"/>
+              <a:gd name="connsiteX1" fmla="*/ 233719 w 2839212"/>
+              <a:gd name="connsiteY1" fmla="*/ 0 h 1402286"/>
+              <a:gd name="connsiteX2" fmla="*/ 2605493 w 2839212"/>
+              <a:gd name="connsiteY2" fmla="*/ 0 h 1402286"/>
+              <a:gd name="connsiteX3" fmla="*/ 2839212 w 2839212"/>
+              <a:gd name="connsiteY3" fmla="*/ 233719 h 1402286"/>
+              <a:gd name="connsiteX4" fmla="*/ 2839212 w 2839212"/>
+              <a:gd name="connsiteY4" fmla="*/ 1168567 h 1402286"/>
+              <a:gd name="connsiteX5" fmla="*/ 2605493 w 2839212"/>
+              <a:gd name="connsiteY5" fmla="*/ 1402286 h 1402286"/>
+              <a:gd name="connsiteX6" fmla="*/ 233719 w 2839212"/>
+              <a:gd name="connsiteY6" fmla="*/ 1402286 h 1402286"/>
+              <a:gd name="connsiteX7" fmla="*/ 0 w 2839212"/>
+              <a:gd name="connsiteY7" fmla="*/ 1168567 h 1402286"/>
+              <a:gd name="connsiteX8" fmla="*/ 0 w 2839212"/>
+              <a:gd name="connsiteY8" fmla="*/ 233719 h 1402286"/>
+            </a:gdLst>
+            <a:ahLst/>
+            <a:cxnLst>
+              <a:cxn ang="0">
+                <a:pos x="connsiteX0" y="connsiteY0"/>
+              </a:cxn>
+              <a:cxn ang="0">
+                <a:pos x="connsiteX1" y="connsiteY1"/>
+              </a:cxn>
+              <a:cxn ang="0">
+                <a:pos x="connsiteX2" y="connsiteY2"/>
+              </a:cxn>
+              <a:cxn ang="0">
+                <a:pos x="connsiteX3" y="connsiteY3"/>
+              </a:cxn>
+              <a:cxn ang="0">
+                <a:pos x="connsiteX4" y="connsiteY4"/>
+              </a:cxn>
+              <a:cxn ang="0">
+                <a:pos x="connsiteX5" y="connsiteY5"/>
+              </a:cxn>
+              <a:cxn ang="0">
+                <a:pos x="connsiteX6" y="connsiteY6"/>
+              </a:cxn>
+              <a:cxn ang="0">
+                <a:pos x="connsiteX7" y="connsiteY7"/>
+              </a:cxn>
+              <a:cxn ang="0">
+                <a:pos x="connsiteX8" y="connsiteY8"/>
+              </a:cxn>
+            </a:cxnLst>
+            <a:rect l="l" t="t" r="r" b="b"/>
+            <a:pathLst>
+              <a:path w="2839212" h="1402286">
+                <a:moveTo>
+                  <a:pt x="0" y="233719"/>
+                </a:moveTo>
+                <a:cubicBezTo>
+                  <a:pt x="0" y="104640"/>
+                  <a:pt x="104640" y="0"/>
+                  <a:pt x="233719" y="0"/>
+                </a:cubicBezTo>
+                <a:lnTo>
+                  <a:pt x="2605493" y="0"/>
+                </a:lnTo>
+                <a:cubicBezTo>
+                  <a:pt x="2734572" y="0"/>
+                  <a:pt x="2839212" y="104640"/>
+                  <a:pt x="2839212" y="233719"/>
+                </a:cubicBezTo>
+                <a:lnTo>
+                  <a:pt x="2839212" y="1168567"/>
+                </a:lnTo>
+                <a:cubicBezTo>
+                  <a:pt x="2839212" y="1297646"/>
+                  <a:pt x="2734572" y="1402286"/>
+                  <a:pt x="2605493" y="1402286"/>
+                </a:cubicBezTo>
+                <a:lnTo>
+                  <a:pt x="233719" y="1402286"/>
+                </a:lnTo>
+                <a:cubicBezTo>
+                  <a:pt x="104640" y="1402286"/>
+                  <a:pt x="0" y="1297646"/>
+                  <a:pt x="0" y="1168567"/>
+                </a:cubicBezTo>
+                <a:lnTo>
+                  <a:pt x="0" y="233719"/>
+                </a:lnTo>
+                <a:close/>
+              </a:path>
+            </a:pathLst>
+          </a:custGeom>
+        </p:spPr>
+        <p:style>
+          <a:lnRef idx="2">
+            <a:schemeClr val="lt1">
+              <a:hueOff val="0"/>
+              <a:satOff val="0"/>
+              <a:lumOff val="0"/>
+              <a:alphaOff val="0"/>
+            </a:schemeClr>
+          </a:lnRef>
+          <a:fillRef idx="1">
+            <a:schemeClr val="accent1">
+              <a:hueOff val="0"/>
+              <a:satOff val="0"/>
+              <a:lumOff val="0"/>
+              <a:alphaOff val="0"/>
+            </a:schemeClr>
+          </a:fillRef>
+          <a:effectRef idx="0">
+            <a:schemeClr val="accent1">
+              <a:hueOff val="0"/>
+              <a:satOff val="0"/>
+              <a:lumOff val="0"/>
+              <a:alphaOff val="0"/>
+            </a:schemeClr>
+          </a:effectRef>
+          <a:fontRef idx="minor">
+            <a:schemeClr val="lt1"/>
+          </a:fontRef>
+        </p:style>
+        <p:txBody>
+          <a:bodyPr spcFirstLastPara="0" vert="horz" wrap="square" lIns="167514" tIns="117984" rIns="167514" bIns="117984" numCol="1" spcCol="1270" anchor="ctr" anchorCtr="0">
+            <a:noAutofit/>
+          </a:bodyPr>
+          <a:lstStyle/>
+          <a:p>
+            <a:pPr marL="0" lvl="0" indent="0" algn="ctr" defTabSz="1155700">
+              <a:lnSpc>
+                <a:spcPct val="90000"/>
+              </a:lnSpc>
+              <a:spcBef>
+                <a:spcPct val="0"/>
+              </a:spcBef>
+              <a:spcAft>
+                <a:spcPct val="35000"/>
+              </a:spcAft>
+              <a:buNone/>
+            </a:pPr>
+            <a:r>
+              <a:rPr lang="en-US" sz="2600" kern="1200" dirty="0"/>
+              <a:t>Cleaning text for word cloud</a:t>
+            </a:r>
+          </a:p>
+        </p:txBody>
+      </p:sp>
+      <p:sp>
+        <p:nvSpPr>
+          <p:cNvPr id="9" name="Freeform: Shape 8">
+            <a:extLst>
+              <a:ext uri="{FF2B5EF4-FFF2-40B4-BE49-F238E27FC236}">
+                <a16:creationId xmlns:a16="http://schemas.microsoft.com/office/drawing/2014/main" id="{510F26C7-5095-B2AF-6264-9A5854459142}"/>
+              </a:ext>
+            </a:extLst>
+          </p:cNvPr>
+          <p:cNvSpPr/>
+          <p:nvPr/>
+        </p:nvSpPr>
+        <p:spPr>
+          <a:xfrm>
+            <a:off x="3467861" y="3440379"/>
+            <a:ext cx="5047489" cy="1121830"/>
+          </a:xfrm>
+          <a:custGeom>
+            <a:avLst/>
+            <a:gdLst>
+              <a:gd name="connsiteX0" fmla="*/ 186975 w 1121829"/>
+              <a:gd name="connsiteY0" fmla="*/ 0 h 5047488"/>
+              <a:gd name="connsiteX1" fmla="*/ 934854 w 1121829"/>
+              <a:gd name="connsiteY1" fmla="*/ 0 h 5047488"/>
+              <a:gd name="connsiteX2" fmla="*/ 1121829 w 1121829"/>
+              <a:gd name="connsiteY2" fmla="*/ 186975 h 5047488"/>
+              <a:gd name="connsiteX3" fmla="*/ 1121829 w 1121829"/>
+              <a:gd name="connsiteY3" fmla="*/ 5047488 h 5047488"/>
+              <a:gd name="connsiteX4" fmla="*/ 1121829 w 1121829"/>
+              <a:gd name="connsiteY4" fmla="*/ 5047488 h 5047488"/>
+              <a:gd name="connsiteX5" fmla="*/ 0 w 1121829"/>
+              <a:gd name="connsiteY5" fmla="*/ 5047488 h 5047488"/>
+              <a:gd name="connsiteX6" fmla="*/ 0 w 1121829"/>
+              <a:gd name="connsiteY6" fmla="*/ 5047488 h 5047488"/>
+              <a:gd name="connsiteX7" fmla="*/ 0 w 1121829"/>
+              <a:gd name="connsiteY7" fmla="*/ 186975 h 5047488"/>
+              <a:gd name="connsiteX8" fmla="*/ 186975 w 1121829"/>
+              <a:gd name="connsiteY8" fmla="*/ 0 h 5047488"/>
+            </a:gdLst>
+            <a:ahLst/>
+            <a:cxnLst>
+              <a:cxn ang="0">
+                <a:pos x="connsiteX0" y="connsiteY0"/>
+              </a:cxn>
+              <a:cxn ang="0">
+                <a:pos x="connsiteX1" y="connsiteY1"/>
+              </a:cxn>
+              <a:cxn ang="0">
+                <a:pos x="connsiteX2" y="connsiteY2"/>
+              </a:cxn>
+              <a:cxn ang="0">
+                <a:pos x="connsiteX3" y="connsiteY3"/>
+              </a:cxn>
+              <a:cxn ang="0">
+                <a:pos x="connsiteX4" y="connsiteY4"/>
+              </a:cxn>
+              <a:cxn ang="0">
+                <a:pos x="connsiteX5" y="connsiteY5"/>
+              </a:cxn>
+              <a:cxn ang="0">
+                <a:pos x="connsiteX6" y="connsiteY6"/>
+              </a:cxn>
+              <a:cxn ang="0">
+                <a:pos x="connsiteX7" y="connsiteY7"/>
+              </a:cxn>
+              <a:cxn ang="0">
+                <a:pos x="connsiteX8" y="connsiteY8"/>
+              </a:cxn>
+            </a:cxnLst>
+            <a:rect l="l" t="t" r="r" b="b"/>
+            <a:pathLst>
+              <a:path w="1121829" h="5047488">
+                <a:moveTo>
+                  <a:pt x="1121829" y="841265"/>
+                </a:moveTo>
+                <a:lnTo>
+                  <a:pt x="1121829" y="4206223"/>
+                </a:lnTo>
+                <a:cubicBezTo>
+                  <a:pt x="1121829" y="4670837"/>
+                  <a:pt x="1103223" y="5047486"/>
+                  <a:pt x="1080273" y="5047486"/>
+                </a:cubicBezTo>
+                <a:lnTo>
+                  <a:pt x="0" y="5047486"/>
+                </a:lnTo>
+                <a:lnTo>
+                  <a:pt x="0" y="5047486"/>
+                </a:lnTo>
+                <a:lnTo>
+                  <a:pt x="0" y="2"/>
+                </a:lnTo>
+                <a:lnTo>
+                  <a:pt x="0" y="2"/>
+                </a:lnTo>
+                <a:lnTo>
+                  <a:pt x="1080273" y="2"/>
+                </a:lnTo>
+                <a:cubicBezTo>
+                  <a:pt x="1103223" y="2"/>
+                  <a:pt x="1121829" y="376651"/>
+                  <a:pt x="1121829" y="841265"/>
+                </a:cubicBezTo>
+                <a:close/>
+              </a:path>
+            </a:pathLst>
+          </a:custGeom>
+        </p:spPr>
+        <p:style>
+          <a:lnRef idx="2">
+            <a:schemeClr val="accent1">
+              <a:alpha val="90000"/>
+              <a:tint val="40000"/>
+              <a:hueOff val="0"/>
+              <a:satOff val="0"/>
+              <a:lumOff val="0"/>
+              <a:alphaOff val="0"/>
+            </a:schemeClr>
+          </a:lnRef>
+          <a:fillRef idx="1">
+            <a:schemeClr val="accent1">
+              <a:alpha val="90000"/>
+              <a:tint val="40000"/>
+              <a:hueOff val="0"/>
+              <a:satOff val="0"/>
+              <a:lumOff val="0"/>
+              <a:alphaOff val="0"/>
+            </a:schemeClr>
+          </a:fillRef>
+          <a:effectRef idx="0">
+            <a:schemeClr val="accent1">
+              <a:alpha val="90000"/>
+              <a:tint val="40000"/>
+              <a:hueOff val="0"/>
+              <a:satOff val="0"/>
+              <a:lumOff val="0"/>
+              <a:alphaOff val="0"/>
+            </a:schemeClr>
+          </a:effectRef>
+          <a:fontRef idx="minor">
+            <a:schemeClr val="dk1">
+              <a:hueOff val="0"/>
+              <a:satOff val="0"/>
+              <a:lumOff val="0"/>
+              <a:alphaOff val="0"/>
+            </a:schemeClr>
+          </a:fontRef>
+        </p:style>
+        <p:txBody>
+          <a:bodyPr spcFirstLastPara="0" vert="horz" wrap="square" lIns="80011" tIns="94768" rIns="134773" bIns="94769" numCol="1" spcCol="1270" anchor="ctr" anchorCtr="0">
+            <a:noAutofit/>
+          </a:bodyPr>
+          <a:lstStyle/>
+          <a:p>
+            <a:pPr marL="228600" lvl="1" indent="-228600" algn="l" defTabSz="933450">
+              <a:lnSpc>
+                <a:spcPct val="90000"/>
+              </a:lnSpc>
+              <a:spcBef>
+                <a:spcPct val="0"/>
+              </a:spcBef>
+              <a:spcAft>
+                <a:spcPct val="15000"/>
+              </a:spcAft>
+              <a:buChar char="•"/>
+            </a:pPr>
+            <a:r>
+              <a:rPr lang="en-US" sz="2100" kern="1200" dirty="0"/>
+              <a:t>Reddit API outputs seconds since </a:t>
+            </a:r>
+            <a:r>
+              <a:rPr lang="en-US" sz="2100" kern="1200" dirty="0" err="1"/>
+              <a:t>unix</a:t>
+            </a:r>
+            <a:r>
+              <a:rPr lang="en-US" sz="2100" kern="1200" dirty="0"/>
+              <a:t> epoch</a:t>
+            </a:r>
+          </a:p>
+          <a:p>
+            <a:pPr marL="228600" lvl="1" indent="-228600" algn="l" defTabSz="933450">
+              <a:lnSpc>
+                <a:spcPct val="90000"/>
+              </a:lnSpc>
+              <a:spcBef>
+                <a:spcPct val="0"/>
+              </a:spcBef>
+              <a:spcAft>
+                <a:spcPct val="15000"/>
+              </a:spcAft>
+              <a:buChar char="•"/>
+            </a:pPr>
+            <a:r>
+              <a:rPr lang="en-US" sz="2100" kern="1200" dirty="0"/>
+              <a:t>Converted to US central time</a:t>
+            </a:r>
+          </a:p>
+        </p:txBody>
+      </p:sp>
+      <p:sp>
+        <p:nvSpPr>
+          <p:cNvPr id="10" name="Freeform: Shape 9">
+            <a:extLst>
+              <a:ext uri="{FF2B5EF4-FFF2-40B4-BE49-F238E27FC236}">
+                <a16:creationId xmlns:a16="http://schemas.microsoft.com/office/drawing/2014/main" id="{8D84463D-1502-C602-4068-564DEEA9C68D}"/>
+              </a:ext>
+            </a:extLst>
+          </p:cNvPr>
+          <p:cNvSpPr/>
+          <p:nvPr/>
+        </p:nvSpPr>
+        <p:spPr>
+          <a:xfrm>
+            <a:off x="628650" y="3300150"/>
+            <a:ext cx="2839212" cy="1402286"/>
+          </a:xfrm>
+          <a:custGeom>
+            <a:avLst/>
+            <a:gdLst>
+              <a:gd name="connsiteX0" fmla="*/ 0 w 2839212"/>
+              <a:gd name="connsiteY0" fmla="*/ 233719 h 1402286"/>
+              <a:gd name="connsiteX1" fmla="*/ 233719 w 2839212"/>
+              <a:gd name="connsiteY1" fmla="*/ 0 h 1402286"/>
+              <a:gd name="connsiteX2" fmla="*/ 2605493 w 2839212"/>
+              <a:gd name="connsiteY2" fmla="*/ 0 h 1402286"/>
+              <a:gd name="connsiteX3" fmla="*/ 2839212 w 2839212"/>
+              <a:gd name="connsiteY3" fmla="*/ 233719 h 1402286"/>
+              <a:gd name="connsiteX4" fmla="*/ 2839212 w 2839212"/>
+              <a:gd name="connsiteY4" fmla="*/ 1168567 h 1402286"/>
+              <a:gd name="connsiteX5" fmla="*/ 2605493 w 2839212"/>
+              <a:gd name="connsiteY5" fmla="*/ 1402286 h 1402286"/>
+              <a:gd name="connsiteX6" fmla="*/ 233719 w 2839212"/>
+              <a:gd name="connsiteY6" fmla="*/ 1402286 h 1402286"/>
+              <a:gd name="connsiteX7" fmla="*/ 0 w 2839212"/>
+              <a:gd name="connsiteY7" fmla="*/ 1168567 h 1402286"/>
+              <a:gd name="connsiteX8" fmla="*/ 0 w 2839212"/>
+              <a:gd name="connsiteY8" fmla="*/ 233719 h 1402286"/>
+            </a:gdLst>
+            <a:ahLst/>
+            <a:cxnLst>
+              <a:cxn ang="0">
+                <a:pos x="connsiteX0" y="connsiteY0"/>
+              </a:cxn>
+              <a:cxn ang="0">
+                <a:pos x="connsiteX1" y="connsiteY1"/>
+              </a:cxn>
+              <a:cxn ang="0">
+                <a:pos x="connsiteX2" y="connsiteY2"/>
+              </a:cxn>
+              <a:cxn ang="0">
+                <a:pos x="connsiteX3" y="connsiteY3"/>
+              </a:cxn>
+              <a:cxn ang="0">
+                <a:pos x="connsiteX4" y="connsiteY4"/>
+              </a:cxn>
+              <a:cxn ang="0">
+                <a:pos x="connsiteX5" y="connsiteY5"/>
+              </a:cxn>
+              <a:cxn ang="0">
+                <a:pos x="connsiteX6" y="connsiteY6"/>
+              </a:cxn>
+              <a:cxn ang="0">
+                <a:pos x="connsiteX7" y="connsiteY7"/>
+              </a:cxn>
+              <a:cxn ang="0">
+                <a:pos x="connsiteX8" y="connsiteY8"/>
+              </a:cxn>
+            </a:cxnLst>
+            <a:rect l="l" t="t" r="r" b="b"/>
+            <a:pathLst>
+              <a:path w="2839212" h="1402286">
+                <a:moveTo>
+                  <a:pt x="0" y="233719"/>
+                </a:moveTo>
+                <a:cubicBezTo>
+                  <a:pt x="0" y="104640"/>
+                  <a:pt x="104640" y="0"/>
+                  <a:pt x="233719" y="0"/>
+                </a:cubicBezTo>
+                <a:lnTo>
+                  <a:pt x="2605493" y="0"/>
+                </a:lnTo>
+                <a:cubicBezTo>
+                  <a:pt x="2734572" y="0"/>
+                  <a:pt x="2839212" y="104640"/>
+                  <a:pt x="2839212" y="233719"/>
+                </a:cubicBezTo>
+                <a:lnTo>
+                  <a:pt x="2839212" y="1168567"/>
+                </a:lnTo>
+                <a:cubicBezTo>
+                  <a:pt x="2839212" y="1297646"/>
+                  <a:pt x="2734572" y="1402286"/>
+                  <a:pt x="2605493" y="1402286"/>
+                </a:cubicBezTo>
+                <a:lnTo>
+                  <a:pt x="233719" y="1402286"/>
+                </a:lnTo>
+                <a:cubicBezTo>
+                  <a:pt x="104640" y="1402286"/>
+                  <a:pt x="0" y="1297646"/>
+                  <a:pt x="0" y="1168567"/>
+                </a:cubicBezTo>
+                <a:lnTo>
+                  <a:pt x="0" y="233719"/>
+                </a:lnTo>
+                <a:close/>
+              </a:path>
+            </a:pathLst>
+          </a:custGeom>
+        </p:spPr>
+        <p:style>
+          <a:lnRef idx="2">
+            <a:schemeClr val="lt1">
+              <a:hueOff val="0"/>
+              <a:satOff val="0"/>
+              <a:lumOff val="0"/>
+              <a:alphaOff val="0"/>
+            </a:schemeClr>
+          </a:lnRef>
+          <a:fillRef idx="1">
+            <a:schemeClr val="accent1">
+              <a:hueOff val="0"/>
+              <a:satOff val="0"/>
+              <a:lumOff val="0"/>
+              <a:alphaOff val="0"/>
+            </a:schemeClr>
+          </a:fillRef>
+          <a:effectRef idx="0">
+            <a:schemeClr val="accent1">
+              <a:hueOff val="0"/>
+              <a:satOff val="0"/>
+              <a:lumOff val="0"/>
+              <a:alphaOff val="0"/>
+            </a:schemeClr>
+          </a:effectRef>
+          <a:fontRef idx="minor">
+            <a:schemeClr val="lt1"/>
+          </a:fontRef>
+        </p:style>
+        <p:txBody>
+          <a:bodyPr spcFirstLastPara="0" vert="horz" wrap="square" lIns="167514" tIns="117984" rIns="167514" bIns="117984" numCol="1" spcCol="1270" anchor="ctr" anchorCtr="0">
+            <a:noAutofit/>
+          </a:bodyPr>
+          <a:lstStyle/>
+          <a:p>
+            <a:pPr marL="0" lvl="0" indent="0" algn="ctr" defTabSz="1155700">
+              <a:lnSpc>
+                <a:spcPct val="90000"/>
+              </a:lnSpc>
+              <a:spcBef>
+                <a:spcPct val="0"/>
+              </a:spcBef>
+              <a:spcAft>
+                <a:spcPct val="35000"/>
+              </a:spcAft>
+              <a:buNone/>
+            </a:pPr>
+            <a:r>
+              <a:rPr lang="en-US" sz="2600" kern="1200" dirty="0"/>
+              <a:t>Converting time</a:t>
+            </a:r>
+          </a:p>
+        </p:txBody>
+      </p:sp>
+      <p:sp>
+        <p:nvSpPr>
+          <p:cNvPr id="11" name="Freeform: Shape 10">
+            <a:extLst>
+              <a:ext uri="{FF2B5EF4-FFF2-40B4-BE49-F238E27FC236}">
+                <a16:creationId xmlns:a16="http://schemas.microsoft.com/office/drawing/2014/main" id="{2B4FA097-F64E-1F7E-E115-07CF29B9805A}"/>
+              </a:ext>
+            </a:extLst>
+          </p:cNvPr>
+          <p:cNvSpPr/>
+          <p:nvPr/>
+        </p:nvSpPr>
+        <p:spPr>
+          <a:xfrm>
+            <a:off x="3467861" y="4912779"/>
+            <a:ext cx="5047489" cy="1121830"/>
+          </a:xfrm>
+          <a:custGeom>
+            <a:avLst/>
+            <a:gdLst>
+              <a:gd name="connsiteX0" fmla="*/ 186975 w 1121829"/>
+              <a:gd name="connsiteY0" fmla="*/ 0 h 5047488"/>
+              <a:gd name="connsiteX1" fmla="*/ 934854 w 1121829"/>
+              <a:gd name="connsiteY1" fmla="*/ 0 h 5047488"/>
+              <a:gd name="connsiteX2" fmla="*/ 1121829 w 1121829"/>
+              <a:gd name="connsiteY2" fmla="*/ 186975 h 5047488"/>
+              <a:gd name="connsiteX3" fmla="*/ 1121829 w 1121829"/>
+              <a:gd name="connsiteY3" fmla="*/ 5047488 h 5047488"/>
+              <a:gd name="connsiteX4" fmla="*/ 1121829 w 1121829"/>
+              <a:gd name="connsiteY4" fmla="*/ 5047488 h 5047488"/>
+              <a:gd name="connsiteX5" fmla="*/ 0 w 1121829"/>
+              <a:gd name="connsiteY5" fmla="*/ 5047488 h 5047488"/>
+              <a:gd name="connsiteX6" fmla="*/ 0 w 1121829"/>
+              <a:gd name="connsiteY6" fmla="*/ 5047488 h 5047488"/>
+              <a:gd name="connsiteX7" fmla="*/ 0 w 1121829"/>
+              <a:gd name="connsiteY7" fmla="*/ 186975 h 5047488"/>
+              <a:gd name="connsiteX8" fmla="*/ 186975 w 1121829"/>
+              <a:gd name="connsiteY8" fmla="*/ 0 h 5047488"/>
+            </a:gdLst>
+            <a:ahLst/>
+            <a:cxnLst>
+              <a:cxn ang="0">
+                <a:pos x="connsiteX0" y="connsiteY0"/>
+              </a:cxn>
+              <a:cxn ang="0">
+                <a:pos x="connsiteX1" y="connsiteY1"/>
+              </a:cxn>
+              <a:cxn ang="0">
+                <a:pos x="connsiteX2" y="connsiteY2"/>
+              </a:cxn>
+              <a:cxn ang="0">
+                <a:pos x="connsiteX3" y="connsiteY3"/>
+              </a:cxn>
+              <a:cxn ang="0">
+                <a:pos x="connsiteX4" y="connsiteY4"/>
+              </a:cxn>
+              <a:cxn ang="0">
+                <a:pos x="connsiteX5" y="connsiteY5"/>
+              </a:cxn>
+              <a:cxn ang="0">
+                <a:pos x="connsiteX6" y="connsiteY6"/>
+              </a:cxn>
+              <a:cxn ang="0">
+                <a:pos x="connsiteX7" y="connsiteY7"/>
+              </a:cxn>
+              <a:cxn ang="0">
+                <a:pos x="connsiteX8" y="connsiteY8"/>
+              </a:cxn>
+            </a:cxnLst>
+            <a:rect l="l" t="t" r="r" b="b"/>
+            <a:pathLst>
+              <a:path w="1121829" h="5047488">
+                <a:moveTo>
+                  <a:pt x="1121829" y="841265"/>
+                </a:moveTo>
+                <a:lnTo>
+                  <a:pt x="1121829" y="4206223"/>
+                </a:lnTo>
+                <a:cubicBezTo>
+                  <a:pt x="1121829" y="4670837"/>
+                  <a:pt x="1103223" y="5047486"/>
+                  <a:pt x="1080273" y="5047486"/>
+                </a:cubicBezTo>
+                <a:lnTo>
+                  <a:pt x="0" y="5047486"/>
+                </a:lnTo>
+                <a:lnTo>
+                  <a:pt x="0" y="5047486"/>
+                </a:lnTo>
+                <a:lnTo>
+                  <a:pt x="0" y="2"/>
+                </a:lnTo>
+                <a:lnTo>
+                  <a:pt x="0" y="2"/>
+                </a:lnTo>
+                <a:lnTo>
+                  <a:pt x="1080273" y="2"/>
+                </a:lnTo>
+                <a:cubicBezTo>
+                  <a:pt x="1103223" y="2"/>
+                  <a:pt x="1121829" y="376651"/>
+                  <a:pt x="1121829" y="841265"/>
+                </a:cubicBezTo>
+                <a:close/>
+              </a:path>
+            </a:pathLst>
+          </a:custGeom>
+        </p:spPr>
+        <p:style>
+          <a:lnRef idx="2">
+            <a:schemeClr val="accent1">
+              <a:alpha val="90000"/>
+              <a:tint val="40000"/>
+              <a:hueOff val="0"/>
+              <a:satOff val="0"/>
+              <a:lumOff val="0"/>
+              <a:alphaOff val="0"/>
+            </a:schemeClr>
+          </a:lnRef>
+          <a:fillRef idx="1">
+            <a:schemeClr val="accent1">
+              <a:alpha val="90000"/>
+              <a:tint val="40000"/>
+              <a:hueOff val="0"/>
+              <a:satOff val="0"/>
+              <a:lumOff val="0"/>
+              <a:alphaOff val="0"/>
+            </a:schemeClr>
+          </a:fillRef>
+          <a:effectRef idx="0">
+            <a:schemeClr val="accent1">
+              <a:alpha val="90000"/>
+              <a:tint val="40000"/>
+              <a:hueOff val="0"/>
+              <a:satOff val="0"/>
+              <a:lumOff val="0"/>
+              <a:alphaOff val="0"/>
+            </a:schemeClr>
+          </a:effectRef>
+          <a:fontRef idx="minor">
+            <a:schemeClr val="dk1">
+              <a:hueOff val="0"/>
+              <a:satOff val="0"/>
+              <a:lumOff val="0"/>
+              <a:alphaOff val="0"/>
+            </a:schemeClr>
+          </a:fontRef>
+        </p:style>
+        <p:txBody>
+          <a:bodyPr spcFirstLastPara="0" vert="horz" wrap="square" lIns="80011" tIns="94769" rIns="134773" bIns="94768" numCol="1" spcCol="1270" anchor="ctr" anchorCtr="0">
+            <a:noAutofit/>
+          </a:bodyPr>
+          <a:lstStyle/>
+          <a:p>
+            <a:pPr marL="228600" lvl="1" indent="-228600" algn="l" defTabSz="933450">
+              <a:lnSpc>
+                <a:spcPct val="90000"/>
+              </a:lnSpc>
+              <a:spcBef>
+                <a:spcPct val="0"/>
+              </a:spcBef>
+              <a:spcAft>
+                <a:spcPct val="15000"/>
+              </a:spcAft>
+              <a:buChar char="•"/>
+            </a:pPr>
+            <a:r>
+              <a:rPr lang="en-US" sz="2100" kern="1200" dirty="0"/>
+              <a:t>Remove non ascii characters</a:t>
+            </a:r>
+          </a:p>
+          <a:p>
+            <a:pPr marL="228600" lvl="1" indent="-228600" algn="l" defTabSz="933450">
+              <a:lnSpc>
+                <a:spcPct val="90000"/>
+              </a:lnSpc>
+              <a:spcBef>
+                <a:spcPct val="0"/>
+              </a:spcBef>
+              <a:spcAft>
+                <a:spcPct val="15000"/>
+              </a:spcAft>
+              <a:buChar char="•"/>
+            </a:pPr>
+            <a:r>
+              <a:rPr lang="en-US" sz="2100" kern="1200" dirty="0"/>
+              <a:t>Remove emojis</a:t>
+            </a:r>
+          </a:p>
+        </p:txBody>
+      </p:sp>
+      <p:sp>
+        <p:nvSpPr>
+          <p:cNvPr id="12" name="Freeform: Shape 11">
+            <a:extLst>
+              <a:ext uri="{FF2B5EF4-FFF2-40B4-BE49-F238E27FC236}">
+                <a16:creationId xmlns:a16="http://schemas.microsoft.com/office/drawing/2014/main" id="{8DA3B4F8-F194-D80D-7C47-C478CE8EF4DE}"/>
+              </a:ext>
+            </a:extLst>
+          </p:cNvPr>
+          <p:cNvSpPr/>
+          <p:nvPr/>
+        </p:nvSpPr>
+        <p:spPr>
+          <a:xfrm>
+            <a:off x="628650" y="4772551"/>
+            <a:ext cx="2839212" cy="1402286"/>
+          </a:xfrm>
+          <a:custGeom>
+            <a:avLst/>
+            <a:gdLst>
+              <a:gd name="connsiteX0" fmla="*/ 0 w 2839212"/>
+              <a:gd name="connsiteY0" fmla="*/ 233719 h 1402286"/>
+              <a:gd name="connsiteX1" fmla="*/ 233719 w 2839212"/>
+              <a:gd name="connsiteY1" fmla="*/ 0 h 1402286"/>
+              <a:gd name="connsiteX2" fmla="*/ 2605493 w 2839212"/>
+              <a:gd name="connsiteY2" fmla="*/ 0 h 1402286"/>
+              <a:gd name="connsiteX3" fmla="*/ 2839212 w 2839212"/>
+              <a:gd name="connsiteY3" fmla="*/ 233719 h 1402286"/>
+              <a:gd name="connsiteX4" fmla="*/ 2839212 w 2839212"/>
+              <a:gd name="connsiteY4" fmla="*/ 1168567 h 1402286"/>
+              <a:gd name="connsiteX5" fmla="*/ 2605493 w 2839212"/>
+              <a:gd name="connsiteY5" fmla="*/ 1402286 h 1402286"/>
+              <a:gd name="connsiteX6" fmla="*/ 233719 w 2839212"/>
+              <a:gd name="connsiteY6" fmla="*/ 1402286 h 1402286"/>
+              <a:gd name="connsiteX7" fmla="*/ 0 w 2839212"/>
+              <a:gd name="connsiteY7" fmla="*/ 1168567 h 1402286"/>
+              <a:gd name="connsiteX8" fmla="*/ 0 w 2839212"/>
+              <a:gd name="connsiteY8" fmla="*/ 233719 h 1402286"/>
+            </a:gdLst>
+            <a:ahLst/>
+            <a:cxnLst>
+              <a:cxn ang="0">
+                <a:pos x="connsiteX0" y="connsiteY0"/>
+              </a:cxn>
+              <a:cxn ang="0">
+                <a:pos x="connsiteX1" y="connsiteY1"/>
+              </a:cxn>
+              <a:cxn ang="0">
+                <a:pos x="connsiteX2" y="connsiteY2"/>
+              </a:cxn>
+              <a:cxn ang="0">
+                <a:pos x="connsiteX3" y="connsiteY3"/>
+              </a:cxn>
+              <a:cxn ang="0">
+                <a:pos x="connsiteX4" y="connsiteY4"/>
+              </a:cxn>
+              <a:cxn ang="0">
+                <a:pos x="connsiteX5" y="connsiteY5"/>
+              </a:cxn>
+              <a:cxn ang="0">
+                <a:pos x="connsiteX6" y="connsiteY6"/>
+              </a:cxn>
+              <a:cxn ang="0">
+                <a:pos x="connsiteX7" y="connsiteY7"/>
+              </a:cxn>
+              <a:cxn ang="0">
+                <a:pos x="connsiteX8" y="connsiteY8"/>
+              </a:cxn>
+            </a:cxnLst>
+            <a:rect l="l" t="t" r="r" b="b"/>
+            <a:pathLst>
+              <a:path w="2839212" h="1402286">
+                <a:moveTo>
+                  <a:pt x="0" y="233719"/>
+                </a:moveTo>
+                <a:cubicBezTo>
+                  <a:pt x="0" y="104640"/>
+                  <a:pt x="104640" y="0"/>
+                  <a:pt x="233719" y="0"/>
+                </a:cubicBezTo>
+                <a:lnTo>
+                  <a:pt x="2605493" y="0"/>
+                </a:lnTo>
+                <a:cubicBezTo>
+                  <a:pt x="2734572" y="0"/>
+                  <a:pt x="2839212" y="104640"/>
+                  <a:pt x="2839212" y="233719"/>
+                </a:cubicBezTo>
+                <a:lnTo>
+                  <a:pt x="2839212" y="1168567"/>
+                </a:lnTo>
+                <a:cubicBezTo>
+                  <a:pt x="2839212" y="1297646"/>
+                  <a:pt x="2734572" y="1402286"/>
+                  <a:pt x="2605493" y="1402286"/>
+                </a:cubicBezTo>
+                <a:lnTo>
+                  <a:pt x="233719" y="1402286"/>
+                </a:lnTo>
+                <a:cubicBezTo>
+                  <a:pt x="104640" y="1402286"/>
+                  <a:pt x="0" y="1297646"/>
+                  <a:pt x="0" y="1168567"/>
+                </a:cubicBezTo>
+                <a:lnTo>
+                  <a:pt x="0" y="233719"/>
+                </a:lnTo>
+                <a:close/>
+              </a:path>
+            </a:pathLst>
+          </a:custGeom>
+        </p:spPr>
+        <p:style>
+          <a:lnRef idx="2">
+            <a:schemeClr val="lt1">
+              <a:hueOff val="0"/>
+              <a:satOff val="0"/>
+              <a:lumOff val="0"/>
+              <a:alphaOff val="0"/>
+            </a:schemeClr>
+          </a:lnRef>
+          <a:fillRef idx="1">
+            <a:schemeClr val="accent1">
+              <a:hueOff val="0"/>
+              <a:satOff val="0"/>
+              <a:lumOff val="0"/>
+              <a:alphaOff val="0"/>
+            </a:schemeClr>
+          </a:fillRef>
+          <a:effectRef idx="0">
+            <a:schemeClr val="accent1">
+              <a:hueOff val="0"/>
+              <a:satOff val="0"/>
+              <a:lumOff val="0"/>
+              <a:alphaOff val="0"/>
+            </a:schemeClr>
+          </a:effectRef>
+          <a:fontRef idx="minor">
+            <a:schemeClr val="lt1"/>
+          </a:fontRef>
+        </p:style>
+        <p:txBody>
+          <a:bodyPr spcFirstLastPara="0" vert="horz" wrap="square" lIns="167514" tIns="117984" rIns="167514" bIns="117984" numCol="1" spcCol="1270" anchor="ctr" anchorCtr="0">
+            <a:noAutofit/>
+          </a:bodyPr>
+          <a:lstStyle/>
+          <a:p>
+            <a:pPr marL="0" lvl="0" indent="0" algn="ctr" defTabSz="1155700">
+              <a:lnSpc>
+                <a:spcPct val="90000"/>
+              </a:lnSpc>
+              <a:spcBef>
+                <a:spcPct val="0"/>
+              </a:spcBef>
+              <a:spcAft>
+                <a:spcPct val="35000"/>
+              </a:spcAft>
+              <a:buNone/>
+            </a:pPr>
+            <a:r>
+              <a:rPr lang="en-US" sz="2600" kern="1200" dirty="0"/>
+              <a:t>Cleaning text data for sentiment analysis</a:t>
+            </a:r>
+          </a:p>
+        </p:txBody>
+      </p:sp>
       <p:cxnSp>
         <p:nvCxnSpPr>
           <p:cNvPr id="4" name="Straight Connector 3">
@@ -8976,6 +7968,260 @@
   <p:clrMapOvr>
     <a:masterClrMapping/>
   </p:clrMapOvr>
+  <p:timing>
+    <p:tnLst>
+      <p:par>
+        <p:cTn id="1" dur="indefinite" restart="never" nodeType="tmRoot">
+          <p:childTnLst>
+            <p:seq concurrent="1" nextAc="seek">
+              <p:cTn id="2" dur="indefinite" nodeType="mainSeq">
+                <p:childTnLst>
+                  <p:par>
+                    <p:cTn id="3" fill="hold">
+                      <p:stCondLst>
+                        <p:cond delay="indefinite"/>
+                      </p:stCondLst>
+                      <p:childTnLst>
+                        <p:par>
+                          <p:cTn id="4" fill="hold">
+                            <p:stCondLst>
+                              <p:cond delay="0"/>
+                            </p:stCondLst>
+                            <p:childTnLst>
+                              <p:par>
+                                <p:cTn id="5" presetID="1" presetClass="entr" presetSubtype="0" fill="hold" grpId="0" nodeType="clickEffect">
+                                  <p:stCondLst>
+                                    <p:cond delay="0"/>
+                                  </p:stCondLst>
+                                  <p:childTnLst>
+                                    <p:set>
+                                      <p:cBhvr>
+                                        <p:cTn id="6" dur="1" fill="hold">
+                                          <p:stCondLst>
+                                            <p:cond delay="0"/>
+                                          </p:stCondLst>
+                                        </p:cTn>
+                                        <p:tgtEl>
+                                          <p:spTgt spid="7"/>
+                                        </p:tgtEl>
+                                        <p:attrNameLst>
+                                          <p:attrName>style.visibility</p:attrName>
+                                        </p:attrNameLst>
+                                      </p:cBhvr>
+                                      <p:to>
+                                        <p:strVal val="visible"/>
+                                      </p:to>
+                                    </p:set>
+                                  </p:childTnLst>
+                                </p:cTn>
+                              </p:par>
+                              <p:par>
+                                <p:cTn id="7" presetID="1" presetClass="entr" presetSubtype="0" fill="hold" grpId="0" nodeType="withEffect">
+                                  <p:stCondLst>
+                                    <p:cond delay="0"/>
+                                  </p:stCondLst>
+                                  <p:childTnLst>
+                                    <p:set>
+                                      <p:cBhvr>
+                                        <p:cTn id="8" dur="1" fill="hold">
+                                          <p:stCondLst>
+                                            <p:cond delay="0"/>
+                                          </p:stCondLst>
+                                        </p:cTn>
+                                        <p:tgtEl>
+                                          <p:spTgt spid="8"/>
+                                        </p:tgtEl>
+                                        <p:attrNameLst>
+                                          <p:attrName>style.visibility</p:attrName>
+                                        </p:attrNameLst>
+                                      </p:cBhvr>
+                                      <p:to>
+                                        <p:strVal val="visible"/>
+                                      </p:to>
+                                    </p:set>
+                                  </p:childTnLst>
+                                </p:cTn>
+                              </p:par>
+                            </p:childTnLst>
+                          </p:cTn>
+                        </p:par>
+                      </p:childTnLst>
+                    </p:cTn>
+                  </p:par>
+                  <p:par>
+                    <p:cTn id="9" fill="hold">
+                      <p:stCondLst>
+                        <p:cond delay="indefinite"/>
+                      </p:stCondLst>
+                      <p:childTnLst>
+                        <p:par>
+                          <p:cTn id="10" fill="hold">
+                            <p:stCondLst>
+                              <p:cond delay="0"/>
+                            </p:stCondLst>
+                            <p:childTnLst>
+                              <p:par>
+                                <p:cTn id="11" presetID="1" presetClass="entr" presetSubtype="0" fill="hold" grpId="0" nodeType="clickEffect">
+                                  <p:stCondLst>
+                                    <p:cond delay="0"/>
+                                  </p:stCondLst>
+                                  <p:childTnLst>
+                                    <p:set>
+                                      <p:cBhvr>
+                                        <p:cTn id="12" dur="1" fill="hold">
+                                          <p:stCondLst>
+                                            <p:cond delay="0"/>
+                                          </p:stCondLst>
+                                        </p:cTn>
+                                        <p:tgtEl>
+                                          <p:spTgt spid="10"/>
+                                        </p:tgtEl>
+                                        <p:attrNameLst>
+                                          <p:attrName>style.visibility</p:attrName>
+                                        </p:attrNameLst>
+                                      </p:cBhvr>
+                                      <p:to>
+                                        <p:strVal val="visible"/>
+                                      </p:to>
+                                    </p:set>
+                                  </p:childTnLst>
+                                </p:cTn>
+                              </p:par>
+                              <p:par>
+                                <p:cTn id="13" presetID="1" presetClass="entr" presetSubtype="0" fill="hold" grpId="0" nodeType="withEffect">
+                                  <p:stCondLst>
+                                    <p:cond delay="0"/>
+                                  </p:stCondLst>
+                                  <p:childTnLst>
+                                    <p:set>
+                                      <p:cBhvr>
+                                        <p:cTn id="14" dur="1" fill="hold">
+                                          <p:stCondLst>
+                                            <p:cond delay="0"/>
+                                          </p:stCondLst>
+                                        </p:cTn>
+                                        <p:tgtEl>
+                                          <p:spTgt spid="9"/>
+                                        </p:tgtEl>
+                                        <p:attrNameLst>
+                                          <p:attrName>style.visibility</p:attrName>
+                                        </p:attrNameLst>
+                                      </p:cBhvr>
+                                      <p:to>
+                                        <p:strVal val="visible"/>
+                                      </p:to>
+                                    </p:set>
+                                  </p:childTnLst>
+                                </p:cTn>
+                              </p:par>
+                            </p:childTnLst>
+                          </p:cTn>
+                        </p:par>
+                      </p:childTnLst>
+                    </p:cTn>
+                  </p:par>
+                  <p:par>
+                    <p:cTn id="15" fill="hold">
+                      <p:stCondLst>
+                        <p:cond delay="indefinite"/>
+                      </p:stCondLst>
+                      <p:childTnLst>
+                        <p:par>
+                          <p:cTn id="16" fill="hold">
+                            <p:stCondLst>
+                              <p:cond delay="0"/>
+                            </p:stCondLst>
+                            <p:childTnLst>
+                              <p:par>
+                                <p:cTn id="17" presetID="1" presetClass="entr" presetSubtype="0" fill="hold" grpId="0" nodeType="clickEffect">
+                                  <p:stCondLst>
+                                    <p:cond delay="0"/>
+                                  </p:stCondLst>
+                                  <p:childTnLst>
+                                    <p:set>
+                                      <p:cBhvr>
+                                        <p:cTn id="18" dur="1" fill="hold">
+                                          <p:stCondLst>
+                                            <p:cond delay="0"/>
+                                          </p:stCondLst>
+                                        </p:cTn>
+                                        <p:tgtEl>
+                                          <p:spTgt spid="12"/>
+                                        </p:tgtEl>
+                                        <p:attrNameLst>
+                                          <p:attrName>style.visibility</p:attrName>
+                                        </p:attrNameLst>
+                                      </p:cBhvr>
+                                      <p:to>
+                                        <p:strVal val="visible"/>
+                                      </p:to>
+                                    </p:set>
+                                  </p:childTnLst>
+                                </p:cTn>
+                              </p:par>
+                              <p:par>
+                                <p:cTn id="19" presetID="1" presetClass="entr" presetSubtype="0" fill="hold" grpId="0" nodeType="withEffect">
+                                  <p:stCondLst>
+                                    <p:cond delay="0"/>
+                                  </p:stCondLst>
+                                  <p:childTnLst>
+                                    <p:set>
+                                      <p:cBhvr>
+                                        <p:cTn id="20" dur="1" fill="hold">
+                                          <p:stCondLst>
+                                            <p:cond delay="0"/>
+                                          </p:stCondLst>
+                                        </p:cTn>
+                                        <p:tgtEl>
+                                          <p:spTgt spid="11"/>
+                                        </p:tgtEl>
+                                        <p:attrNameLst>
+                                          <p:attrName>style.visibility</p:attrName>
+                                        </p:attrNameLst>
+                                      </p:cBhvr>
+                                      <p:to>
+                                        <p:strVal val="visible"/>
+                                      </p:to>
+                                    </p:set>
+                                  </p:childTnLst>
+                                </p:cTn>
+                              </p:par>
+                            </p:childTnLst>
+                          </p:cTn>
+                        </p:par>
+                      </p:childTnLst>
+                    </p:cTn>
+                  </p:par>
+                </p:childTnLst>
+              </p:cTn>
+              <p:prevCondLst>
+                <p:cond evt="onPrev" delay="0">
+                  <p:tgtEl>
+                    <p:sldTgt/>
+                  </p:tgtEl>
+                </p:cond>
+              </p:prevCondLst>
+              <p:nextCondLst>
+                <p:cond evt="onNext" delay="0">
+                  <p:tgtEl>
+                    <p:sldTgt/>
+                  </p:tgtEl>
+                </p:cond>
+              </p:nextCondLst>
+            </p:seq>
+          </p:childTnLst>
+        </p:cTn>
+      </p:par>
+    </p:tnLst>
+    <p:bldLst>
+      <p:bldP spid="7" grpId="0" animBg="1"/>
+      <p:bldP spid="8" grpId="0" animBg="1"/>
+      <p:bldP spid="9" grpId="0" animBg="1"/>
+      <p:bldP spid="10" grpId="0" animBg="1"/>
+      <p:bldP spid="11" grpId="0" animBg="1"/>
+      <p:bldP spid="12" grpId="0" animBg="1"/>
+    </p:bldLst>
+  </p:timing>
 </p:sld>
 </file>
 
@@ -9159,6 +8405,81 @@
   <p:clrMapOvr>
     <a:masterClrMapping/>
   </p:clrMapOvr>
+  <p:timing>
+    <p:tnLst>
+      <p:par>
+        <p:cTn id="1" dur="indefinite" restart="never" nodeType="tmRoot">
+          <p:childTnLst>
+            <p:seq concurrent="1" nextAc="seek">
+              <p:cTn id="2" dur="indefinite" nodeType="mainSeq">
+                <p:childTnLst>
+                  <p:par>
+                    <p:cTn id="3" fill="hold">
+                      <p:stCondLst>
+                        <p:cond delay="indefinite"/>
+                      </p:stCondLst>
+                      <p:childTnLst>
+                        <p:par>
+                          <p:cTn id="4" fill="hold">
+                            <p:stCondLst>
+                              <p:cond delay="0"/>
+                            </p:stCondLst>
+                            <p:childTnLst>
+                              <p:par>
+                                <p:cTn id="5" presetID="1" presetClass="entr" presetSubtype="0" fill="hold" nodeType="clickEffect">
+                                  <p:stCondLst>
+                                    <p:cond delay="0"/>
+                                  </p:stCondLst>
+                                  <p:childTnLst>
+                                    <p:set>
+                                      <p:cBhvr>
+                                        <p:cTn id="6" dur="1" fill="hold">
+                                          <p:stCondLst>
+                                            <p:cond delay="0"/>
+                                          </p:stCondLst>
+                                        </p:cTn>
+                                        <p:tgtEl>
+                                          <p:spTgt spid="1026"/>
+                                        </p:tgtEl>
+                                        <p:attrNameLst>
+                                          <p:attrName>style.visibility</p:attrName>
+                                        </p:attrNameLst>
+                                      </p:cBhvr>
+                                      <p:to>
+                                        <p:strVal val="visible"/>
+                                      </p:to>
+                                    </p:set>
+                                  </p:childTnLst>
+                                </p:cTn>
+                              </p:par>
+                            </p:childTnLst>
+                          </p:cTn>
+                        </p:par>
+                      </p:childTnLst>
+                    </p:cTn>
+                  </p:par>
+                </p:childTnLst>
+              </p:cTn>
+              <p:prevCondLst>
+                <p:cond evt="onPrev" delay="0">
+                  <p:tgtEl>
+                    <p:sldTgt/>
+                  </p:tgtEl>
+                </p:cond>
+              </p:prevCondLst>
+              <p:nextCondLst>
+                <p:cond evt="onNext" delay="0">
+                  <p:tgtEl>
+                    <p:sldTgt/>
+                  </p:tgtEl>
+                </p:cond>
+              </p:nextCondLst>
+            </p:seq>
+          </p:childTnLst>
+        </p:cTn>
+      </p:par>
+    </p:tnLst>
+  </p:timing>
 </p:sld>
 </file>
 
@@ -9233,7 +8554,48 @@
           <a:bodyPr/>
           <a:lstStyle/>
           <a:p>
-            <a:endParaRPr lang="en-US"/>
+            <a:r>
+              <a:rPr lang="en-US" b="0" i="0" dirty="0">
+                <a:effectLst/>
+                <a:latin typeface="-apple-system"/>
+              </a:rPr>
+              <a:t>I am using the VADER (Valence Aware Dictionary for Sentiment Reasoning) model from the </a:t>
+            </a:r>
+            <a:r>
+              <a:rPr lang="en-US" b="0" i="0" dirty="0" err="1">
+                <a:effectLst/>
+                <a:latin typeface="-apple-system"/>
+              </a:rPr>
+              <a:t>nltk</a:t>
+            </a:r>
+            <a:r>
+              <a:rPr lang="en-US" b="0" i="0" dirty="0">
+                <a:effectLst/>
+                <a:latin typeface="-apple-system"/>
+              </a:rPr>
+              <a:t> package</a:t>
+            </a:r>
+          </a:p>
+          <a:p>
+            <a:r>
+              <a:rPr lang="en-US" b="0" i="0" dirty="0">
+                <a:effectLst/>
+                <a:latin typeface="-apple-system"/>
+              </a:rPr>
+              <a:t>The model outputs a dictionary of negative, neutral, and positive sentiment scores as well as a composite score.</a:t>
+            </a:r>
+            <a:endParaRPr lang="en-US" dirty="0">
+              <a:latin typeface="-apple-system"/>
+            </a:endParaRPr>
+          </a:p>
+          <a:p>
+            <a:r>
+              <a:rPr lang="en-US" dirty="0">
+                <a:latin typeface="-apple-system"/>
+              </a:rPr>
+              <a:t>Was specifically trained for use with social media data</a:t>
+            </a:r>
+            <a:endParaRPr lang="en-US" dirty="0"/>
           </a:p>
         </p:txBody>
       </p:sp>
@@ -9325,6 +8687,186 @@
   <p:clrMapOvr>
     <a:masterClrMapping/>
   </p:clrMapOvr>
+  <p:timing>
+    <p:tnLst>
+      <p:par>
+        <p:cTn id="1" dur="indefinite" restart="never" nodeType="tmRoot">
+          <p:childTnLst>
+            <p:seq concurrent="1" nextAc="seek">
+              <p:cTn id="2" dur="indefinite" nodeType="mainSeq">
+                <p:childTnLst>
+                  <p:par>
+                    <p:cTn id="3" fill="hold">
+                      <p:stCondLst>
+                        <p:cond delay="indefinite"/>
+                      </p:stCondLst>
+                      <p:childTnLst>
+                        <p:par>
+                          <p:cTn id="4" fill="hold">
+                            <p:stCondLst>
+                              <p:cond delay="0"/>
+                            </p:stCondLst>
+                            <p:childTnLst>
+                              <p:par>
+                                <p:cTn id="5" presetID="1" presetClass="entr" presetSubtype="0" fill="hold" grpId="0" nodeType="clickEffect">
+                                  <p:stCondLst>
+                                    <p:cond delay="0"/>
+                                  </p:stCondLst>
+                                  <p:childTnLst>
+                                    <p:set>
+                                      <p:cBhvr>
+                                        <p:cTn id="6" dur="1" fill="hold">
+                                          <p:stCondLst>
+                                            <p:cond delay="0"/>
+                                          </p:stCondLst>
+                                        </p:cTn>
+                                        <p:tgtEl>
+                                          <p:spTgt spid="3">
+                                            <p:txEl>
+                                              <p:pRg st="0" end="0"/>
+                                            </p:txEl>
+                                          </p:spTgt>
+                                        </p:tgtEl>
+                                        <p:attrNameLst>
+                                          <p:attrName>style.visibility</p:attrName>
+                                        </p:attrNameLst>
+                                      </p:cBhvr>
+                                      <p:to>
+                                        <p:strVal val="visible"/>
+                                      </p:to>
+                                    </p:set>
+                                  </p:childTnLst>
+                                </p:cTn>
+                              </p:par>
+                            </p:childTnLst>
+                          </p:cTn>
+                        </p:par>
+                      </p:childTnLst>
+                    </p:cTn>
+                  </p:par>
+                  <p:par>
+                    <p:cTn id="7" fill="hold">
+                      <p:stCondLst>
+                        <p:cond delay="indefinite"/>
+                      </p:stCondLst>
+                      <p:childTnLst>
+                        <p:par>
+                          <p:cTn id="8" fill="hold">
+                            <p:stCondLst>
+                              <p:cond delay="0"/>
+                            </p:stCondLst>
+                            <p:childTnLst>
+                              <p:par>
+                                <p:cTn id="9" presetID="1" presetClass="entr" presetSubtype="0" fill="hold" grpId="0" nodeType="clickEffect">
+                                  <p:stCondLst>
+                                    <p:cond delay="0"/>
+                                  </p:stCondLst>
+                                  <p:childTnLst>
+                                    <p:set>
+                                      <p:cBhvr>
+                                        <p:cTn id="10" dur="1" fill="hold">
+                                          <p:stCondLst>
+                                            <p:cond delay="0"/>
+                                          </p:stCondLst>
+                                        </p:cTn>
+                                        <p:tgtEl>
+                                          <p:spTgt spid="3">
+                                            <p:txEl>
+                                              <p:pRg st="1" end="1"/>
+                                            </p:txEl>
+                                          </p:spTgt>
+                                        </p:tgtEl>
+                                        <p:attrNameLst>
+                                          <p:attrName>style.visibility</p:attrName>
+                                        </p:attrNameLst>
+                                      </p:cBhvr>
+                                      <p:to>
+                                        <p:strVal val="visible"/>
+                                      </p:to>
+                                    </p:set>
+                                  </p:childTnLst>
+                                </p:cTn>
+                              </p:par>
+                            </p:childTnLst>
+                          </p:cTn>
+                        </p:par>
+                      </p:childTnLst>
+                    </p:cTn>
+                  </p:par>
+                  <p:par>
+                    <p:cTn id="11" fill="hold">
+                      <p:stCondLst>
+                        <p:cond delay="indefinite"/>
+                      </p:stCondLst>
+                      <p:childTnLst>
+                        <p:par>
+                          <p:cTn id="12" fill="hold">
+                            <p:stCondLst>
+                              <p:cond delay="0"/>
+                            </p:stCondLst>
+                            <p:childTnLst>
+                              <p:par>
+                                <p:cTn id="13" presetID="1" presetClass="entr" presetSubtype="0" fill="hold" grpId="0" nodeType="clickEffect">
+                                  <p:stCondLst>
+                                    <p:cond delay="0"/>
+                                  </p:stCondLst>
+                                  <p:childTnLst>
+                                    <p:set>
+                                      <p:cBhvr>
+                                        <p:cTn id="14" dur="1" fill="hold">
+                                          <p:stCondLst>
+                                            <p:cond delay="0"/>
+                                          </p:stCondLst>
+                                        </p:cTn>
+                                        <p:tgtEl>
+                                          <p:spTgt spid="3">
+                                            <p:txEl>
+                                              <p:pRg st="2" end="2"/>
+                                            </p:txEl>
+                                          </p:spTgt>
+                                        </p:tgtEl>
+                                        <p:attrNameLst>
+                                          <p:attrName>style.visibility</p:attrName>
+                                        </p:attrNameLst>
+                                      </p:cBhvr>
+                                      <p:to>
+                                        <p:strVal val="visible"/>
+                                      </p:to>
+                                    </p:set>
+                                  </p:childTnLst>
+                                </p:cTn>
+                              </p:par>
+                            </p:childTnLst>
+                          </p:cTn>
+                        </p:par>
+                      </p:childTnLst>
+                    </p:cTn>
+                  </p:par>
+                </p:childTnLst>
+              </p:cTn>
+              <p:prevCondLst>
+                <p:cond evt="onPrev" delay="0">
+                  <p:tgtEl>
+                    <p:sldTgt/>
+                  </p:tgtEl>
+                </p:cond>
+              </p:prevCondLst>
+              <p:nextCondLst>
+                <p:cond evt="onNext" delay="0">
+                  <p:tgtEl>
+                    <p:sldTgt/>
+                  </p:tgtEl>
+                </p:cond>
+              </p:nextCondLst>
+            </p:seq>
+          </p:childTnLst>
+        </p:cTn>
+      </p:par>
+    </p:tnLst>
+    <p:bldLst>
+      <p:bldP spid="3" grpId="0" build="p"/>
+    </p:bldLst>
+  </p:timing>
 </p:sld>
 </file>
 
@@ -9510,6 +9052,81 @@
   <p:clrMapOvr>
     <a:masterClrMapping/>
   </p:clrMapOvr>
+  <p:timing>
+    <p:tnLst>
+      <p:par>
+        <p:cTn id="1" dur="indefinite" restart="never" nodeType="tmRoot">
+          <p:childTnLst>
+            <p:seq concurrent="1" nextAc="seek">
+              <p:cTn id="2" dur="indefinite" nodeType="mainSeq">
+                <p:childTnLst>
+                  <p:par>
+                    <p:cTn id="3" fill="hold">
+                      <p:stCondLst>
+                        <p:cond delay="indefinite"/>
+                      </p:stCondLst>
+                      <p:childTnLst>
+                        <p:par>
+                          <p:cTn id="4" fill="hold">
+                            <p:stCondLst>
+                              <p:cond delay="0"/>
+                            </p:stCondLst>
+                            <p:childTnLst>
+                              <p:par>
+                                <p:cTn id="5" presetID="1" presetClass="entr" presetSubtype="0" fill="hold" nodeType="clickEffect">
+                                  <p:stCondLst>
+                                    <p:cond delay="0"/>
+                                  </p:stCondLst>
+                                  <p:childTnLst>
+                                    <p:set>
+                                      <p:cBhvr>
+                                        <p:cTn id="6" dur="1" fill="hold">
+                                          <p:stCondLst>
+                                            <p:cond delay="0"/>
+                                          </p:stCondLst>
+                                        </p:cTn>
+                                        <p:tgtEl>
+                                          <p:spTgt spid="2050"/>
+                                        </p:tgtEl>
+                                        <p:attrNameLst>
+                                          <p:attrName>style.visibility</p:attrName>
+                                        </p:attrNameLst>
+                                      </p:cBhvr>
+                                      <p:to>
+                                        <p:strVal val="visible"/>
+                                      </p:to>
+                                    </p:set>
+                                  </p:childTnLst>
+                                </p:cTn>
+                              </p:par>
+                            </p:childTnLst>
+                          </p:cTn>
+                        </p:par>
+                      </p:childTnLst>
+                    </p:cTn>
+                  </p:par>
+                </p:childTnLst>
+              </p:cTn>
+              <p:prevCondLst>
+                <p:cond evt="onPrev" delay="0">
+                  <p:tgtEl>
+                    <p:sldTgt/>
+                  </p:tgtEl>
+                </p:cond>
+              </p:prevCondLst>
+              <p:nextCondLst>
+                <p:cond evt="onNext" delay="0">
+                  <p:tgtEl>
+                    <p:sldTgt/>
+                  </p:tgtEl>
+                </p:cond>
+              </p:nextCondLst>
+            </p:seq>
+          </p:childTnLst>
+        </p:cTn>
+      </p:par>
+    </p:tnLst>
+  </p:timing>
 </p:sld>
 </file>
 
